--- a/Thermo 2022 (Neshyba)/Lectures/Week 9 - Phase equilibria/Week 9.2 (Wednesday) Thomson and Clausius-Clapeyron.pptx
+++ b/Thermo 2022 (Neshyba)/Lectures/Week 9 - Phase equilibria/Week 9.2 (Wednesday) Thomson and Clausius-Clapeyron.pptx
@@ -5,13 +5,16 @@
     <p:sldMasterId id="2147483648" r:id="rId1"/>
   </p:sldMasterIdLst>
   <p:sldIdLst>
-    <p:sldId id="300" r:id="rId2"/>
-    <p:sldId id="321" r:id="rId3"/>
-    <p:sldId id="327" r:id="rId4"/>
-    <p:sldId id="292" r:id="rId5"/>
-    <p:sldId id="329" r:id="rId6"/>
-    <p:sldId id="330" r:id="rId7"/>
-    <p:sldId id="331" r:id="rId8"/>
+    <p:sldId id="292" r:id="rId2"/>
+    <p:sldId id="300" r:id="rId3"/>
+    <p:sldId id="321" r:id="rId4"/>
+    <p:sldId id="334" r:id="rId5"/>
+    <p:sldId id="327" r:id="rId6"/>
+    <p:sldId id="332" r:id="rId7"/>
+    <p:sldId id="333" r:id="rId8"/>
+    <p:sldId id="329" r:id="rId9"/>
+    <p:sldId id="330" r:id="rId10"/>
+    <p:sldId id="331" r:id="rId11"/>
   </p:sldIdLst>
   <p:sldSz cx="12192000" cy="6858000"/>
   <p:notesSz cx="6858000" cy="9144000"/>
@@ -265,7 +268,7 @@
           <a:p>
             <a:fld id="{E75211C7-1182-A140-A568-86E17CB74BE3}" type="datetimeFigureOut">
               <a:rPr lang="en-US" smtClean="0"/>
-              <a:t>10/27/21</a:t>
+              <a:t>10/26/22</a:t>
             </a:fld>
             <a:endParaRPr lang="en-US"/>
           </a:p>
@@ -463,7 +466,7 @@
           <a:p>
             <a:fld id="{E75211C7-1182-A140-A568-86E17CB74BE3}" type="datetimeFigureOut">
               <a:rPr lang="en-US" smtClean="0"/>
-              <a:t>10/27/21</a:t>
+              <a:t>10/26/22</a:t>
             </a:fld>
             <a:endParaRPr lang="en-US"/>
           </a:p>
@@ -671,7 +674,7 @@
           <a:p>
             <a:fld id="{E75211C7-1182-A140-A568-86E17CB74BE3}" type="datetimeFigureOut">
               <a:rPr lang="en-US" smtClean="0"/>
-              <a:t>10/27/21</a:t>
+              <a:t>10/26/22</a:t>
             </a:fld>
             <a:endParaRPr lang="en-US"/>
           </a:p>
@@ -869,7 +872,7 @@
           <a:p>
             <a:fld id="{E75211C7-1182-A140-A568-86E17CB74BE3}" type="datetimeFigureOut">
               <a:rPr lang="en-US" smtClean="0"/>
-              <a:t>10/27/21</a:t>
+              <a:t>10/26/22</a:t>
             </a:fld>
             <a:endParaRPr lang="en-US"/>
           </a:p>
@@ -1144,7 +1147,7 @@
           <a:p>
             <a:fld id="{E75211C7-1182-A140-A568-86E17CB74BE3}" type="datetimeFigureOut">
               <a:rPr lang="en-US" smtClean="0"/>
-              <a:t>10/27/21</a:t>
+              <a:t>10/26/22</a:t>
             </a:fld>
             <a:endParaRPr lang="en-US"/>
           </a:p>
@@ -1409,7 +1412,7 @@
           <a:p>
             <a:fld id="{E75211C7-1182-A140-A568-86E17CB74BE3}" type="datetimeFigureOut">
               <a:rPr lang="en-US" smtClean="0"/>
-              <a:t>10/27/21</a:t>
+              <a:t>10/26/22</a:t>
             </a:fld>
             <a:endParaRPr lang="en-US"/>
           </a:p>
@@ -1821,7 +1824,7 @@
           <a:p>
             <a:fld id="{E75211C7-1182-A140-A568-86E17CB74BE3}" type="datetimeFigureOut">
               <a:rPr lang="en-US" smtClean="0"/>
-              <a:t>10/27/21</a:t>
+              <a:t>10/26/22</a:t>
             </a:fld>
             <a:endParaRPr lang="en-US"/>
           </a:p>
@@ -1962,7 +1965,7 @@
           <a:p>
             <a:fld id="{E75211C7-1182-A140-A568-86E17CB74BE3}" type="datetimeFigureOut">
               <a:rPr lang="en-US" smtClean="0"/>
-              <a:t>10/27/21</a:t>
+              <a:t>10/26/22</a:t>
             </a:fld>
             <a:endParaRPr lang="en-US"/>
           </a:p>
@@ -2075,7 +2078,7 @@
           <a:p>
             <a:fld id="{E75211C7-1182-A140-A568-86E17CB74BE3}" type="datetimeFigureOut">
               <a:rPr lang="en-US" smtClean="0"/>
-              <a:t>10/27/21</a:t>
+              <a:t>10/26/22</a:t>
             </a:fld>
             <a:endParaRPr lang="en-US"/>
           </a:p>
@@ -2386,7 +2389,7 @@
           <a:p>
             <a:fld id="{E75211C7-1182-A140-A568-86E17CB74BE3}" type="datetimeFigureOut">
               <a:rPr lang="en-US" smtClean="0"/>
-              <a:t>10/27/21</a:t>
+              <a:t>10/26/22</a:t>
             </a:fld>
             <a:endParaRPr lang="en-US"/>
           </a:p>
@@ -2674,7 +2677,7 @@
           <a:p>
             <a:fld id="{E75211C7-1182-A140-A568-86E17CB74BE3}" type="datetimeFigureOut">
               <a:rPr lang="en-US" smtClean="0"/>
-              <a:t>10/27/21</a:t>
+              <a:t>10/26/22</a:t>
             </a:fld>
             <a:endParaRPr lang="en-US"/>
           </a:p>
@@ -2915,7 +2918,7 @@
           <a:p>
             <a:fld id="{E75211C7-1182-A140-A568-86E17CB74BE3}" type="datetimeFigureOut">
               <a:rPr lang="en-US" smtClean="0"/>
-              <a:t>10/27/21</a:t>
+              <a:t>10/26/22</a:t>
             </a:fld>
             <a:endParaRPr lang="en-US"/>
           </a:p>
@@ -3334,6 +3337,167 @@
       </p:grpSpPr>
       <p:sp>
         <p:nvSpPr>
+          <p:cNvPr id="28" name="TextBox 27">
+            <a:extLst>
+              <a:ext uri="{FF2B5EF4-FFF2-40B4-BE49-F238E27FC236}">
+                <a16:creationId xmlns:a16="http://schemas.microsoft.com/office/drawing/2014/main" id="{2E2AEBCC-9153-B24B-8E3A-E07B75C86BBF}"/>
+              </a:ext>
+            </a:extLst>
+          </p:cNvPr>
+          <p:cNvSpPr txBox="1"/>
+          <p:nvPr/>
+        </p:nvSpPr>
+        <p:spPr>
+          <a:xfrm>
+            <a:off x="657397" y="811389"/>
+            <a:ext cx="10613354" cy="3046988"/>
+          </a:xfrm>
+          <a:prstGeom prst="rect">
+            <a:avLst/>
+          </a:prstGeom>
+          <a:noFill/>
+        </p:spPr>
+        <p:txBody>
+          <a:bodyPr wrap="square" rtlCol="0">
+            <a:spAutoFit/>
+          </a:bodyPr>
+          <a:lstStyle/>
+          <a:p>
+            <a:r>
+              <a:rPr lang="en-US" sz="2400" dirty="0"/>
+              <a:t>Recap</a:t>
+            </a:r>
+          </a:p>
+          <a:p>
+            <a:pPr marL="342900" indent="-342900">
+              <a:buFont typeface="Arial" panose="020B0604020202020204" pitchFamily="34" charset="0"/>
+              <a:buChar char="•"/>
+            </a:pPr>
+            <a:r>
+              <a:rPr lang="en-US" sz="2400" dirty="0"/>
+              <a:t>How analysis of a phase diagram starts with the Clapeyron equation</a:t>
+            </a:r>
+          </a:p>
+          <a:p>
+            <a:pPr marL="342900" indent="-342900">
+              <a:buFont typeface="Arial" panose="020B0604020202020204" pitchFamily="34" charset="0"/>
+              <a:buChar char="•"/>
+            </a:pPr>
+            <a:r>
+              <a:rPr lang="en-US" sz="2400" dirty="0"/>
+              <a:t>Multiple ways of thinking about the liquid-vapor phase boundary</a:t>
+            </a:r>
+          </a:p>
+          <a:p>
+            <a:pPr marL="342900" indent="-342900">
+              <a:buFont typeface="Arial" panose="020B0604020202020204" pitchFamily="34" charset="0"/>
+              <a:buChar char="•"/>
+            </a:pPr>
+            <a:r>
+              <a:rPr lang="en-US" sz="2400" dirty="0"/>
+              <a:t>How we separated variables in Clapeyron to get Thomson and Clausius-Clapeyron</a:t>
+            </a:r>
+          </a:p>
+          <a:p>
+            <a:endParaRPr lang="en-US" sz="2400" dirty="0"/>
+          </a:p>
+          <a:p>
+            <a:r>
+              <a:rPr lang="en-US" sz="2400" dirty="0"/>
+              <a:t>Moving on</a:t>
+            </a:r>
+          </a:p>
+          <a:p>
+            <a:pPr marL="342900" indent="-342900">
+              <a:buFont typeface="Arial" panose="020B0604020202020204" pitchFamily="34" charset="0"/>
+              <a:buChar char="•"/>
+            </a:pPr>
+            <a:r>
+              <a:rPr lang="en-US" sz="2400" dirty="0"/>
+              <a:t>Let’s integrate the Clapeyron for the three phase boundaries</a:t>
+            </a:r>
+          </a:p>
+          <a:p>
+            <a:pPr marL="342900" indent="-342900">
+              <a:buFont typeface="Arial" panose="020B0604020202020204" pitchFamily="34" charset="0"/>
+              <a:buChar char="•"/>
+            </a:pPr>
+            <a:r>
+              <a:rPr lang="en-US" sz="2400" dirty="0"/>
+              <a:t>Implement them in Python as a phase diagram of water</a:t>
+            </a:r>
+          </a:p>
+        </p:txBody>
+      </p:sp>
+      <p:sp>
+        <p:nvSpPr>
+          <p:cNvPr id="2" name="TextBox 1">
+            <a:extLst>
+              <a:ext uri="{FF2B5EF4-FFF2-40B4-BE49-F238E27FC236}">
+                <a16:creationId xmlns:a16="http://schemas.microsoft.com/office/drawing/2014/main" id="{E57955E5-DEB0-41CF-5211-BBA51674B60B}"/>
+              </a:ext>
+            </a:extLst>
+          </p:cNvPr>
+          <p:cNvSpPr txBox="1"/>
+          <p:nvPr/>
+        </p:nvSpPr>
+        <p:spPr>
+          <a:xfrm>
+            <a:off x="-7253" y="2373"/>
+            <a:ext cx="12199253" cy="461665"/>
+          </a:xfrm>
+          <a:prstGeom prst="rect">
+            <a:avLst/>
+          </a:prstGeom>
+          <a:solidFill>
+            <a:schemeClr val="accent2"/>
+          </a:solidFill>
+        </p:spPr>
+        <p:txBody>
+          <a:bodyPr wrap="square" rtlCol="0">
+            <a:spAutoFit/>
+          </a:bodyPr>
+          <a:lstStyle/>
+          <a:p>
+            <a:r>
+              <a:rPr lang="en-US" sz="2400" b="1" dirty="0"/>
+              <a:t>Recap and moving on …</a:t>
+            </a:r>
+          </a:p>
+        </p:txBody>
+      </p:sp>
+    </p:spTree>
+    <p:extLst>
+      <p:ext uri="{BB962C8B-B14F-4D97-AF65-F5344CB8AC3E}">
+        <p14:creationId xmlns:p14="http://schemas.microsoft.com/office/powerpoint/2010/main" val="1143246119"/>
+      </p:ext>
+    </p:extLst>
+  </p:cSld>
+  <p:clrMapOvr>
+    <a:masterClrMapping/>
+  </p:clrMapOvr>
+</p:sld>
+</file>
+
+<file path=ppt/slides/slide10.xml><?xml version="1.0" encoding="utf-8"?>
+<p:sld xmlns:a="http://schemas.openxmlformats.org/drawingml/2006/main" xmlns:r="http://schemas.openxmlformats.org/officeDocument/2006/relationships" xmlns:p="http://schemas.openxmlformats.org/presentationml/2006/main">
+  <p:cSld>
+    <p:spTree>
+      <p:nvGrpSpPr>
+        <p:cNvPr id="1" name=""/>
+        <p:cNvGrpSpPr/>
+        <p:nvPr/>
+      </p:nvGrpSpPr>
+      <p:grpSpPr>
+        <a:xfrm>
+          <a:off x="0" y="0"/>
+          <a:ext cx="0" cy="0"/>
+          <a:chOff x="0" y="0"/>
+          <a:chExt cx="0" cy="0"/>
+        </a:xfrm>
+      </p:grpSpPr>
+      <p:sp>
+        <p:nvSpPr>
           <p:cNvPr id="9" name="TextBox 8">
             <a:extLst>
               <a:ext uri="{FF2B5EF4-FFF2-40B4-BE49-F238E27FC236}">
@@ -3346,13 +3510,1824 @@
         </p:nvSpPr>
         <p:spPr>
           <a:xfrm>
-            <a:off x="50622" y="25523"/>
-            <a:ext cx="8862265" cy="461665"/>
+            <a:off x="-7253" y="2373"/>
+            <a:ext cx="11402823" cy="461665"/>
           </a:xfrm>
           <a:prstGeom prst="rect">
             <a:avLst/>
           </a:prstGeom>
-          <a:noFill/>
+          <a:solidFill>
+            <a:schemeClr val="accent2"/>
+          </a:solidFill>
+        </p:spPr>
+        <p:txBody>
+          <a:bodyPr wrap="square" rtlCol="0">
+            <a:spAutoFit/>
+          </a:bodyPr>
+          <a:lstStyle/>
+          <a:p>
+            <a:r>
+              <a:rPr lang="en-US" sz="2400" b="1" dirty="0"/>
+              <a:t>Clausius-Clapeyron (for the solid-vapor phase boundary)</a:t>
+            </a:r>
+          </a:p>
+        </p:txBody>
+      </p:sp>
+      <mc:AlternateContent xmlns:mc="http://schemas.openxmlformats.org/markup-compatibility/2006" xmlns:a14="http://schemas.microsoft.com/office/drawing/2010/main">
+        <mc:Choice Requires="a14">
+          <p:sp>
+            <p:nvSpPr>
+              <p:cNvPr id="4" name="Rectangle 3">
+                <a:extLst>
+                  <a:ext uri="{FF2B5EF4-FFF2-40B4-BE49-F238E27FC236}">
+                    <a16:creationId xmlns:a16="http://schemas.microsoft.com/office/drawing/2014/main" id="{975EDA7B-00BE-5343-ABC0-1447496ED3D6}"/>
+                  </a:ext>
+                </a:extLst>
+              </p:cNvPr>
+              <p:cNvSpPr/>
+              <p:nvPr/>
+            </p:nvSpPr>
+            <p:spPr>
+              <a:xfrm>
+                <a:off x="843404" y="1114193"/>
+                <a:ext cx="6415282" cy="5017143"/>
+              </a:xfrm>
+              <a:prstGeom prst="rect">
+                <a:avLst/>
+              </a:prstGeom>
+            </p:spPr>
+            <p:txBody>
+              <a:bodyPr wrap="none">
+                <a:spAutoFit/>
+              </a:bodyPr>
+              <a:lstStyle/>
+              <a:p>
+                <a:r>
+                  <a:rPr lang="en-US" sz="2400" dirty="0">
+                    <a:ea typeface="Cambria Math" panose="02040503050406030204" pitchFamily="18" charset="0"/>
+                  </a:rPr>
+                  <a:t>Integrating along the solid-vapor phase boundary:</a:t>
+                </a:r>
+              </a:p>
+              <a:p>
+                <a:endParaRPr lang="en-US" sz="2400" i="1" dirty="0">
+                  <a:solidFill>
+                    <a:schemeClr val="accent2"/>
+                  </a:solidFill>
+                  <a:latin typeface="Cambria Math" panose="02040503050406030204" pitchFamily="18" charset="0"/>
+                  <a:ea typeface="Cambria Math" panose="02040503050406030204" pitchFamily="18" charset="0"/>
+                </a:endParaRPr>
+              </a:p>
+              <a:p>
+                <a14:m>
+                  <m:oMath xmlns:m="http://schemas.openxmlformats.org/officeDocument/2006/math">
+                    <m:nary>
+                      <m:naryPr>
+                        <m:ctrlPr>
+                          <a:rPr lang="en-US" sz="2400" i="1">
+                            <a:solidFill>
+                              <a:schemeClr val="accent2"/>
+                            </a:solidFill>
+                            <a:latin typeface="Cambria Math" panose="02040503050406030204" pitchFamily="18" charset="0"/>
+                            <a:ea typeface="Cambria Math" panose="02040503050406030204" pitchFamily="18" charset="0"/>
+                          </a:rPr>
+                        </m:ctrlPr>
+                      </m:naryPr>
+                      <m:sub>
+                        <m:sSub>
+                          <m:sSubPr>
+                            <m:ctrlPr>
+                              <a:rPr lang="en-US" sz="2400" i="1">
+                                <a:solidFill>
+                                  <a:schemeClr val="accent2"/>
+                                </a:solidFill>
+                                <a:latin typeface="Cambria Math" panose="02040503050406030204" pitchFamily="18" charset="0"/>
+                                <a:ea typeface="Cambria Math" panose="02040503050406030204" pitchFamily="18" charset="0"/>
+                              </a:rPr>
+                            </m:ctrlPr>
+                          </m:sSubPr>
+                          <m:e>
+                            <m:r>
+                              <m:rPr>
+                                <m:brk m:alnAt="23"/>
+                              </m:rPr>
+                              <a:rPr lang="en-US" sz="2400" i="1">
+                                <a:solidFill>
+                                  <a:schemeClr val="accent2"/>
+                                </a:solidFill>
+                                <a:latin typeface="Cambria Math" panose="02040503050406030204" pitchFamily="18" charset="0"/>
+                                <a:ea typeface="Cambria Math" panose="02040503050406030204" pitchFamily="18" charset="0"/>
+                              </a:rPr>
+                              <m:t>𝑃</m:t>
+                            </m:r>
+                          </m:e>
+                          <m:sub>
+                            <m:r>
+                              <m:rPr>
+                                <m:brk m:alnAt="23"/>
+                              </m:rPr>
+                              <a:rPr lang="en-US" sz="2400" i="1">
+                                <a:solidFill>
+                                  <a:schemeClr val="accent2"/>
+                                </a:solidFill>
+                                <a:latin typeface="Cambria Math" panose="02040503050406030204" pitchFamily="18" charset="0"/>
+                                <a:ea typeface="Cambria Math" panose="02040503050406030204" pitchFamily="18" charset="0"/>
+                              </a:rPr>
+                              <m:t>3</m:t>
+                            </m:r>
+                          </m:sub>
+                        </m:sSub>
+                      </m:sub>
+                      <m:sup>
+                        <m:r>
+                          <a:rPr lang="en-US" sz="2400" i="1">
+                            <a:solidFill>
+                              <a:schemeClr val="accent2"/>
+                            </a:solidFill>
+                            <a:latin typeface="Cambria Math" panose="02040503050406030204" pitchFamily="18" charset="0"/>
+                            <a:ea typeface="Cambria Math" panose="02040503050406030204" pitchFamily="18" charset="0"/>
+                          </a:rPr>
+                          <m:t>𝑃</m:t>
+                        </m:r>
+                      </m:sup>
+                      <m:e>
+                        <m:f>
+                          <m:fPr>
+                            <m:ctrlPr>
+                              <a:rPr lang="en-US" sz="2400" i="1">
+                                <a:solidFill>
+                                  <a:schemeClr val="accent2"/>
+                                </a:solidFill>
+                                <a:latin typeface="Cambria Math" panose="02040503050406030204" pitchFamily="18" charset="0"/>
+                                <a:ea typeface="Cambria Math" panose="02040503050406030204" pitchFamily="18" charset="0"/>
+                              </a:rPr>
+                            </m:ctrlPr>
+                          </m:fPr>
+                          <m:num>
+                            <m:r>
+                              <a:rPr lang="en-US" sz="2400" i="1">
+                                <a:solidFill>
+                                  <a:schemeClr val="accent2"/>
+                                </a:solidFill>
+                                <a:latin typeface="Cambria Math" panose="02040503050406030204" pitchFamily="18" charset="0"/>
+                                <a:ea typeface="Cambria Math" panose="02040503050406030204" pitchFamily="18" charset="0"/>
+                              </a:rPr>
+                              <m:t>𝑑𝑃</m:t>
+                            </m:r>
+                          </m:num>
+                          <m:den>
+                            <m:r>
+                              <a:rPr lang="en-US" sz="2400" i="1">
+                                <a:solidFill>
+                                  <a:schemeClr val="accent2"/>
+                                </a:solidFill>
+                                <a:latin typeface="Cambria Math" panose="02040503050406030204" pitchFamily="18" charset="0"/>
+                                <a:ea typeface="Cambria Math" panose="02040503050406030204" pitchFamily="18" charset="0"/>
+                              </a:rPr>
+                              <m:t>𝑃</m:t>
+                            </m:r>
+                          </m:den>
+                        </m:f>
+                      </m:e>
+                    </m:nary>
+                    <m:r>
+                      <a:rPr lang="en-US" sz="2400" i="1">
+                        <a:solidFill>
+                          <a:schemeClr val="accent2"/>
+                        </a:solidFill>
+                        <a:latin typeface="Cambria Math" panose="02040503050406030204" pitchFamily="18" charset="0"/>
+                        <a:ea typeface="Cambria Math" panose="02040503050406030204" pitchFamily="18" charset="0"/>
+                      </a:rPr>
+                      <m:t>=</m:t>
+                    </m:r>
+                    <m:nary>
+                      <m:naryPr>
+                        <m:ctrlPr>
+                          <a:rPr lang="en-US" sz="2400" i="1">
+                            <a:solidFill>
+                              <a:schemeClr val="accent2"/>
+                            </a:solidFill>
+                            <a:latin typeface="Cambria Math" panose="02040503050406030204" pitchFamily="18" charset="0"/>
+                            <a:ea typeface="Cambria Math" panose="02040503050406030204" pitchFamily="18" charset="0"/>
+                          </a:rPr>
+                        </m:ctrlPr>
+                      </m:naryPr>
+                      <m:sub>
+                        <m:sSub>
+                          <m:sSubPr>
+                            <m:ctrlPr>
+                              <a:rPr lang="en-US" sz="2400" i="1">
+                                <a:solidFill>
+                                  <a:schemeClr val="accent2"/>
+                                </a:solidFill>
+                                <a:latin typeface="Cambria Math" panose="02040503050406030204" pitchFamily="18" charset="0"/>
+                                <a:ea typeface="Cambria Math" panose="02040503050406030204" pitchFamily="18" charset="0"/>
+                              </a:rPr>
+                            </m:ctrlPr>
+                          </m:sSubPr>
+                          <m:e>
+                            <m:r>
+                              <m:rPr>
+                                <m:brk m:alnAt="23"/>
+                              </m:rPr>
+                              <a:rPr lang="en-US" sz="2400" i="1">
+                                <a:solidFill>
+                                  <a:schemeClr val="accent2"/>
+                                </a:solidFill>
+                                <a:latin typeface="Cambria Math" panose="02040503050406030204" pitchFamily="18" charset="0"/>
+                                <a:ea typeface="Cambria Math" panose="02040503050406030204" pitchFamily="18" charset="0"/>
+                              </a:rPr>
+                              <m:t>𝑇</m:t>
+                            </m:r>
+                          </m:e>
+                          <m:sub>
+                            <m:r>
+                              <m:rPr>
+                                <m:brk m:alnAt="23"/>
+                              </m:rPr>
+                              <a:rPr lang="en-US" sz="2400" i="1">
+                                <a:solidFill>
+                                  <a:schemeClr val="accent2"/>
+                                </a:solidFill>
+                                <a:latin typeface="Cambria Math" panose="02040503050406030204" pitchFamily="18" charset="0"/>
+                                <a:ea typeface="Cambria Math" panose="02040503050406030204" pitchFamily="18" charset="0"/>
+                              </a:rPr>
+                              <m:t>3</m:t>
+                            </m:r>
+                          </m:sub>
+                        </m:sSub>
+                      </m:sub>
+                      <m:sup>
+                        <m:r>
+                          <a:rPr lang="en-US" sz="2400" i="1">
+                            <a:solidFill>
+                              <a:schemeClr val="accent2"/>
+                            </a:solidFill>
+                            <a:latin typeface="Cambria Math" panose="02040503050406030204" pitchFamily="18" charset="0"/>
+                            <a:ea typeface="Cambria Math" panose="02040503050406030204" pitchFamily="18" charset="0"/>
+                          </a:rPr>
+                          <m:t>𝑇</m:t>
+                        </m:r>
+                      </m:sup>
+                      <m:e>
+                        <m:f>
+                          <m:fPr>
+                            <m:ctrlPr>
+                              <a:rPr lang="en-US" sz="2400" i="1">
+                                <a:solidFill>
+                                  <a:schemeClr val="accent2"/>
+                                </a:solidFill>
+                                <a:latin typeface="Cambria Math" panose="02040503050406030204" pitchFamily="18" charset="0"/>
+                                <a:ea typeface="Cambria Math" panose="02040503050406030204" pitchFamily="18" charset="0"/>
+                              </a:rPr>
+                            </m:ctrlPr>
+                          </m:fPr>
+                          <m:num>
+                            <m:r>
+                              <a:rPr lang="en-US" sz="2400" i="1">
+                                <a:solidFill>
+                                  <a:schemeClr val="accent2"/>
+                                </a:solidFill>
+                                <a:latin typeface="Cambria Math" panose="02040503050406030204" pitchFamily="18" charset="0"/>
+                                <a:ea typeface="Cambria Math" panose="02040503050406030204" pitchFamily="18" charset="0"/>
+                              </a:rPr>
+                              <m:t>∆</m:t>
+                            </m:r>
+                            <m:sSub>
+                              <m:sSubPr>
+                                <m:ctrlPr>
+                                  <a:rPr lang="en-US" sz="2400" i="1">
+                                    <a:solidFill>
+                                      <a:schemeClr val="accent2"/>
+                                    </a:solidFill>
+                                    <a:latin typeface="Cambria Math" panose="02040503050406030204" pitchFamily="18" charset="0"/>
+                                    <a:ea typeface="Cambria Math" panose="02040503050406030204" pitchFamily="18" charset="0"/>
+                                  </a:rPr>
+                                </m:ctrlPr>
+                              </m:sSubPr>
+                              <m:e>
+                                <m:r>
+                                  <a:rPr lang="en-US" sz="2400" i="1">
+                                    <a:solidFill>
+                                      <a:schemeClr val="accent2"/>
+                                    </a:solidFill>
+                                    <a:latin typeface="Cambria Math" panose="02040503050406030204" pitchFamily="18" charset="0"/>
+                                    <a:ea typeface="Cambria Math" panose="02040503050406030204" pitchFamily="18" charset="0"/>
+                                  </a:rPr>
+                                  <m:t>𝐻</m:t>
+                                </m:r>
+                              </m:e>
+                              <m:sub>
+                                <m:r>
+                                  <a:rPr lang="en-US" sz="2400" b="0" i="1" smtClean="0">
+                                    <a:solidFill>
+                                      <a:schemeClr val="accent2"/>
+                                    </a:solidFill>
+                                    <a:latin typeface="Cambria Math" panose="02040503050406030204" pitchFamily="18" charset="0"/>
+                                    <a:ea typeface="Cambria Math" panose="02040503050406030204" pitchFamily="18" charset="0"/>
+                                  </a:rPr>
+                                  <m:t>𝑠𝑢𝑏</m:t>
+                                </m:r>
+                              </m:sub>
+                            </m:sSub>
+                          </m:num>
+                          <m:den>
+                            <m:r>
+                              <a:rPr lang="en-US" sz="2400" i="1">
+                                <a:solidFill>
+                                  <a:schemeClr val="accent2"/>
+                                </a:solidFill>
+                                <a:latin typeface="Cambria Math" panose="02040503050406030204" pitchFamily="18" charset="0"/>
+                                <a:ea typeface="Cambria Math" panose="02040503050406030204" pitchFamily="18" charset="0"/>
+                              </a:rPr>
+                              <m:t>𝑛𝑅</m:t>
+                            </m:r>
+                            <m:sSup>
+                              <m:sSupPr>
+                                <m:ctrlPr>
+                                  <a:rPr lang="en-US" sz="2400" i="1">
+                                    <a:solidFill>
+                                      <a:schemeClr val="accent2"/>
+                                    </a:solidFill>
+                                    <a:latin typeface="Cambria Math" panose="02040503050406030204" pitchFamily="18" charset="0"/>
+                                    <a:ea typeface="Cambria Math" panose="02040503050406030204" pitchFamily="18" charset="0"/>
+                                  </a:rPr>
+                                </m:ctrlPr>
+                              </m:sSupPr>
+                              <m:e>
+                                <m:r>
+                                  <a:rPr lang="en-US" sz="2400" i="1">
+                                    <a:solidFill>
+                                      <a:schemeClr val="accent2"/>
+                                    </a:solidFill>
+                                    <a:latin typeface="Cambria Math" panose="02040503050406030204" pitchFamily="18" charset="0"/>
+                                    <a:ea typeface="Cambria Math" panose="02040503050406030204" pitchFamily="18" charset="0"/>
+                                  </a:rPr>
+                                  <m:t>𝑇</m:t>
+                                </m:r>
+                              </m:e>
+                              <m:sup>
+                                <m:r>
+                                  <a:rPr lang="en-US" sz="2400" i="1">
+                                    <a:solidFill>
+                                      <a:schemeClr val="accent2"/>
+                                    </a:solidFill>
+                                    <a:latin typeface="Cambria Math" panose="02040503050406030204" pitchFamily="18" charset="0"/>
+                                    <a:ea typeface="Cambria Math" panose="02040503050406030204" pitchFamily="18" charset="0"/>
+                                  </a:rPr>
+                                  <m:t>2</m:t>
+                                </m:r>
+                              </m:sup>
+                            </m:sSup>
+                          </m:den>
+                        </m:f>
+                        <m:r>
+                          <a:rPr lang="en-US" sz="2400" i="1">
+                            <a:solidFill>
+                              <a:schemeClr val="accent2"/>
+                            </a:solidFill>
+                            <a:latin typeface="Cambria Math" panose="02040503050406030204" pitchFamily="18" charset="0"/>
+                            <a:ea typeface="Cambria Math" panose="02040503050406030204" pitchFamily="18" charset="0"/>
+                          </a:rPr>
+                          <m:t>𝑑𝑇</m:t>
+                        </m:r>
+                      </m:e>
+                    </m:nary>
+                  </m:oMath>
+                </a14:m>
+                <a:r>
+                  <a:rPr lang="en-US" sz="2400" dirty="0">
+                    <a:solidFill>
+                      <a:schemeClr val="accent2"/>
+                    </a:solidFill>
+                    <a:sym typeface="Wingdings" pitchFamily="2" charset="2"/>
+                  </a:rPr>
+                  <a:t> </a:t>
+                </a:r>
+              </a:p>
+              <a:p>
+                <a:endParaRPr lang="en-US" sz="2400" dirty="0">
+                  <a:solidFill>
+                    <a:schemeClr val="accent2"/>
+                  </a:solidFill>
+                  <a:sym typeface="Wingdings" pitchFamily="2" charset="2"/>
+                </a:endParaRPr>
+              </a:p>
+              <a:p>
+                <a14:m>
+                  <m:oMath xmlns:m="http://schemas.openxmlformats.org/officeDocument/2006/math">
+                    <m:func>
+                      <m:funcPr>
+                        <m:ctrlPr>
+                          <a:rPr lang="en-US" sz="2400" b="0" i="1" smtClean="0">
+                            <a:solidFill>
+                              <a:schemeClr val="accent2"/>
+                            </a:solidFill>
+                            <a:latin typeface="Cambria Math" panose="02040503050406030204" pitchFamily="18" charset="0"/>
+                            <a:ea typeface="Cambria Math" panose="02040503050406030204" pitchFamily="18" charset="0"/>
+                          </a:rPr>
+                        </m:ctrlPr>
+                      </m:funcPr>
+                      <m:fName>
+                        <m:r>
+                          <m:rPr>
+                            <m:sty m:val="p"/>
+                          </m:rPr>
+                          <a:rPr lang="en-US" sz="2400" b="0" i="0" smtClean="0">
+                            <a:solidFill>
+                              <a:schemeClr val="accent2"/>
+                            </a:solidFill>
+                            <a:latin typeface="Cambria Math" panose="02040503050406030204" pitchFamily="18" charset="0"/>
+                            <a:ea typeface="Cambria Math" panose="02040503050406030204" pitchFamily="18" charset="0"/>
+                          </a:rPr>
+                          <m:t>ln</m:t>
+                        </m:r>
+                      </m:fName>
+                      <m:e>
+                        <m:d>
+                          <m:dPr>
+                            <m:ctrlPr>
+                              <a:rPr lang="en-US" sz="2400" b="0" i="1" smtClean="0">
+                                <a:solidFill>
+                                  <a:schemeClr val="accent2"/>
+                                </a:solidFill>
+                                <a:latin typeface="Cambria Math" panose="02040503050406030204" pitchFamily="18" charset="0"/>
+                                <a:ea typeface="Cambria Math" panose="02040503050406030204" pitchFamily="18" charset="0"/>
+                              </a:rPr>
+                            </m:ctrlPr>
+                          </m:dPr>
+                          <m:e>
+                            <m:f>
+                              <m:fPr>
+                                <m:ctrlPr>
+                                  <a:rPr lang="en-US" sz="2400" b="0" i="1" smtClean="0">
+                                    <a:solidFill>
+                                      <a:schemeClr val="accent2"/>
+                                    </a:solidFill>
+                                    <a:latin typeface="Cambria Math" panose="02040503050406030204" pitchFamily="18" charset="0"/>
+                                    <a:ea typeface="Cambria Math" panose="02040503050406030204" pitchFamily="18" charset="0"/>
+                                  </a:rPr>
+                                </m:ctrlPr>
+                              </m:fPr>
+                              <m:num>
+                                <m:r>
+                                  <a:rPr lang="en-US" sz="2400" i="1">
+                                    <a:solidFill>
+                                      <a:schemeClr val="accent2"/>
+                                    </a:solidFill>
+                                    <a:latin typeface="Cambria Math" panose="02040503050406030204" pitchFamily="18" charset="0"/>
+                                    <a:ea typeface="Cambria Math" panose="02040503050406030204" pitchFamily="18" charset="0"/>
+                                  </a:rPr>
+                                  <m:t>𝑃</m:t>
+                                </m:r>
+                              </m:num>
+                              <m:den>
+                                <m:sSub>
+                                  <m:sSubPr>
+                                    <m:ctrlPr>
+                                      <a:rPr lang="en-US" sz="2400" b="0" i="1" smtClean="0">
+                                        <a:solidFill>
+                                          <a:schemeClr val="accent2"/>
+                                        </a:solidFill>
+                                        <a:latin typeface="Cambria Math" panose="02040503050406030204" pitchFamily="18" charset="0"/>
+                                        <a:ea typeface="Cambria Math" panose="02040503050406030204" pitchFamily="18" charset="0"/>
+                                      </a:rPr>
+                                    </m:ctrlPr>
+                                  </m:sSubPr>
+                                  <m:e>
+                                    <m:r>
+                                      <a:rPr lang="en-US" sz="2400" b="0" i="1" smtClean="0">
+                                        <a:solidFill>
+                                          <a:schemeClr val="accent2"/>
+                                        </a:solidFill>
+                                        <a:latin typeface="Cambria Math" panose="02040503050406030204" pitchFamily="18" charset="0"/>
+                                        <a:ea typeface="Cambria Math" panose="02040503050406030204" pitchFamily="18" charset="0"/>
+                                      </a:rPr>
+                                      <m:t>𝑃</m:t>
+                                    </m:r>
+                                  </m:e>
+                                  <m:sub>
+                                    <m:r>
+                                      <a:rPr lang="en-US" sz="2400" b="0" i="1" smtClean="0">
+                                        <a:solidFill>
+                                          <a:schemeClr val="accent2"/>
+                                        </a:solidFill>
+                                        <a:latin typeface="Cambria Math" panose="02040503050406030204" pitchFamily="18" charset="0"/>
+                                        <a:ea typeface="Cambria Math" panose="02040503050406030204" pitchFamily="18" charset="0"/>
+                                      </a:rPr>
+                                      <m:t>3</m:t>
+                                    </m:r>
+                                  </m:sub>
+                                </m:sSub>
+                              </m:den>
+                            </m:f>
+                          </m:e>
+                        </m:d>
+                      </m:e>
+                    </m:func>
+                    <m:r>
+                      <a:rPr lang="en-US" sz="2400" b="0" i="1" smtClean="0">
+                        <a:solidFill>
+                          <a:schemeClr val="accent2"/>
+                        </a:solidFill>
+                        <a:latin typeface="Cambria Math" panose="02040503050406030204" pitchFamily="18" charset="0"/>
+                        <a:ea typeface="Cambria Math" panose="02040503050406030204" pitchFamily="18" charset="0"/>
+                      </a:rPr>
+                      <m:t>=−</m:t>
+                    </m:r>
+                    <m:f>
+                      <m:fPr>
+                        <m:ctrlPr>
+                          <a:rPr lang="en-US" sz="2400" i="1">
+                            <a:solidFill>
+                              <a:schemeClr val="accent2"/>
+                            </a:solidFill>
+                            <a:latin typeface="Cambria Math" panose="02040503050406030204" pitchFamily="18" charset="0"/>
+                            <a:ea typeface="Cambria Math" panose="02040503050406030204" pitchFamily="18" charset="0"/>
+                          </a:rPr>
+                        </m:ctrlPr>
+                      </m:fPr>
+                      <m:num>
+                        <m:r>
+                          <a:rPr lang="en-US" sz="2400" i="1">
+                            <a:solidFill>
+                              <a:schemeClr val="accent2"/>
+                            </a:solidFill>
+                            <a:latin typeface="Cambria Math" panose="02040503050406030204" pitchFamily="18" charset="0"/>
+                            <a:ea typeface="Cambria Math" panose="02040503050406030204" pitchFamily="18" charset="0"/>
+                          </a:rPr>
+                          <m:t>∆</m:t>
+                        </m:r>
+                        <m:sSub>
+                          <m:sSubPr>
+                            <m:ctrlPr>
+                              <a:rPr lang="en-US" sz="2400" i="1">
+                                <a:solidFill>
+                                  <a:schemeClr val="accent2"/>
+                                </a:solidFill>
+                                <a:latin typeface="Cambria Math" panose="02040503050406030204" pitchFamily="18" charset="0"/>
+                                <a:ea typeface="Cambria Math" panose="02040503050406030204" pitchFamily="18" charset="0"/>
+                              </a:rPr>
+                            </m:ctrlPr>
+                          </m:sSubPr>
+                          <m:e>
+                            <m:r>
+                              <a:rPr lang="en-US" sz="2400" i="1">
+                                <a:solidFill>
+                                  <a:schemeClr val="accent2"/>
+                                </a:solidFill>
+                                <a:latin typeface="Cambria Math" panose="02040503050406030204" pitchFamily="18" charset="0"/>
+                                <a:ea typeface="Cambria Math" panose="02040503050406030204" pitchFamily="18" charset="0"/>
+                              </a:rPr>
+                              <m:t>𝐻</m:t>
+                            </m:r>
+                          </m:e>
+                          <m:sub>
+                            <m:r>
+                              <a:rPr lang="en-US" sz="2400" b="0" i="1" smtClean="0">
+                                <a:solidFill>
+                                  <a:schemeClr val="accent2"/>
+                                </a:solidFill>
+                                <a:latin typeface="Cambria Math" panose="02040503050406030204" pitchFamily="18" charset="0"/>
+                                <a:ea typeface="Cambria Math" panose="02040503050406030204" pitchFamily="18" charset="0"/>
+                              </a:rPr>
+                              <m:t>𝑠𝑢𝑏</m:t>
+                            </m:r>
+                          </m:sub>
+                        </m:sSub>
+                      </m:num>
+                      <m:den>
+                        <m:r>
+                          <a:rPr lang="en-US" sz="2400" i="1">
+                            <a:solidFill>
+                              <a:schemeClr val="accent2"/>
+                            </a:solidFill>
+                            <a:latin typeface="Cambria Math" panose="02040503050406030204" pitchFamily="18" charset="0"/>
+                            <a:ea typeface="Cambria Math" panose="02040503050406030204" pitchFamily="18" charset="0"/>
+                          </a:rPr>
+                          <m:t>𝑛𝑅</m:t>
+                        </m:r>
+                      </m:den>
+                    </m:f>
+                    <m:r>
+                      <a:rPr lang="en-US" sz="2400" i="1" smtClean="0">
+                        <a:solidFill>
+                          <a:schemeClr val="accent2"/>
+                        </a:solidFill>
+                        <a:latin typeface="Cambria Math" panose="02040503050406030204" pitchFamily="18" charset="0"/>
+                        <a:ea typeface="Cambria Math" panose="02040503050406030204" pitchFamily="18" charset="0"/>
+                      </a:rPr>
+                      <m:t>×</m:t>
+                    </m:r>
+                    <m:d>
+                      <m:dPr>
+                        <m:ctrlPr>
+                          <a:rPr lang="en-US" sz="2400" i="1" smtClean="0">
+                            <a:solidFill>
+                              <a:schemeClr val="accent2"/>
+                            </a:solidFill>
+                            <a:latin typeface="Cambria Math" panose="02040503050406030204" pitchFamily="18" charset="0"/>
+                            <a:ea typeface="Cambria Math" panose="02040503050406030204" pitchFamily="18" charset="0"/>
+                          </a:rPr>
+                        </m:ctrlPr>
+                      </m:dPr>
+                      <m:e>
+                        <m:f>
+                          <m:fPr>
+                            <m:ctrlPr>
+                              <a:rPr lang="en-US" sz="2400" i="1">
+                                <a:solidFill>
+                                  <a:schemeClr val="accent2"/>
+                                </a:solidFill>
+                                <a:latin typeface="Cambria Math" panose="02040503050406030204" pitchFamily="18" charset="0"/>
+                                <a:ea typeface="Cambria Math" panose="02040503050406030204" pitchFamily="18" charset="0"/>
+                              </a:rPr>
+                            </m:ctrlPr>
+                          </m:fPr>
+                          <m:num>
+                            <m:r>
+                              <a:rPr lang="en-US" sz="2400" i="1">
+                                <a:solidFill>
+                                  <a:schemeClr val="accent2"/>
+                                </a:solidFill>
+                                <a:latin typeface="Cambria Math" panose="02040503050406030204" pitchFamily="18" charset="0"/>
+                                <a:ea typeface="Cambria Math" panose="02040503050406030204" pitchFamily="18" charset="0"/>
+                              </a:rPr>
+                              <m:t>1</m:t>
+                            </m:r>
+                          </m:num>
+                          <m:den>
+                            <m:r>
+                              <a:rPr lang="en-US" sz="2400" i="1">
+                                <a:solidFill>
+                                  <a:schemeClr val="accent2"/>
+                                </a:solidFill>
+                                <a:latin typeface="Cambria Math" panose="02040503050406030204" pitchFamily="18" charset="0"/>
+                                <a:ea typeface="Cambria Math" panose="02040503050406030204" pitchFamily="18" charset="0"/>
+                              </a:rPr>
+                              <m:t>𝑇</m:t>
+                            </m:r>
+                          </m:den>
+                        </m:f>
+                        <m:r>
+                          <a:rPr lang="en-US" sz="2400" b="0" i="1" smtClean="0">
+                            <a:solidFill>
+                              <a:schemeClr val="accent2"/>
+                            </a:solidFill>
+                            <a:latin typeface="Cambria Math" panose="02040503050406030204" pitchFamily="18" charset="0"/>
+                            <a:ea typeface="Cambria Math" panose="02040503050406030204" pitchFamily="18" charset="0"/>
+                          </a:rPr>
+                          <m:t>−</m:t>
+                        </m:r>
+                        <m:f>
+                          <m:fPr>
+                            <m:ctrlPr>
+                              <a:rPr lang="en-US" sz="2400" i="1">
+                                <a:solidFill>
+                                  <a:schemeClr val="accent2"/>
+                                </a:solidFill>
+                                <a:latin typeface="Cambria Math" panose="02040503050406030204" pitchFamily="18" charset="0"/>
+                                <a:ea typeface="Cambria Math" panose="02040503050406030204" pitchFamily="18" charset="0"/>
+                              </a:rPr>
+                            </m:ctrlPr>
+                          </m:fPr>
+                          <m:num>
+                            <m:r>
+                              <a:rPr lang="en-US" sz="2400" i="1">
+                                <a:solidFill>
+                                  <a:schemeClr val="accent2"/>
+                                </a:solidFill>
+                                <a:latin typeface="Cambria Math" panose="02040503050406030204" pitchFamily="18" charset="0"/>
+                                <a:ea typeface="Cambria Math" panose="02040503050406030204" pitchFamily="18" charset="0"/>
+                              </a:rPr>
+                              <m:t>1</m:t>
+                            </m:r>
+                          </m:num>
+                          <m:den>
+                            <m:sSub>
+                              <m:sSubPr>
+                                <m:ctrlPr>
+                                  <a:rPr lang="en-US" sz="2400" b="0" i="1" smtClean="0">
+                                    <a:solidFill>
+                                      <a:schemeClr val="accent2"/>
+                                    </a:solidFill>
+                                    <a:latin typeface="Cambria Math" panose="02040503050406030204" pitchFamily="18" charset="0"/>
+                                    <a:ea typeface="Cambria Math" panose="02040503050406030204" pitchFamily="18" charset="0"/>
+                                  </a:rPr>
+                                </m:ctrlPr>
+                              </m:sSubPr>
+                              <m:e>
+                                <m:r>
+                                  <a:rPr lang="en-US" sz="2400" i="1">
+                                    <a:solidFill>
+                                      <a:schemeClr val="accent2"/>
+                                    </a:solidFill>
+                                    <a:latin typeface="Cambria Math" panose="02040503050406030204" pitchFamily="18" charset="0"/>
+                                    <a:ea typeface="Cambria Math" panose="02040503050406030204" pitchFamily="18" charset="0"/>
+                                  </a:rPr>
+                                  <m:t>𝑇</m:t>
+                                </m:r>
+                              </m:e>
+                              <m:sub>
+                                <m:r>
+                                  <a:rPr lang="en-US" sz="2400" b="0" i="1" smtClean="0">
+                                    <a:solidFill>
+                                      <a:schemeClr val="accent2"/>
+                                    </a:solidFill>
+                                    <a:latin typeface="Cambria Math" panose="02040503050406030204" pitchFamily="18" charset="0"/>
+                                    <a:ea typeface="Cambria Math" panose="02040503050406030204" pitchFamily="18" charset="0"/>
+                                  </a:rPr>
+                                  <m:t>3</m:t>
+                                </m:r>
+                              </m:sub>
+                            </m:sSub>
+                          </m:den>
+                        </m:f>
+                      </m:e>
+                    </m:d>
+                  </m:oMath>
+                </a14:m>
+                <a:r>
+                  <a:rPr lang="en-US" sz="2400" dirty="0">
+                    <a:solidFill>
+                      <a:schemeClr val="accent2"/>
+                    </a:solidFill>
+                    <a:sym typeface="Wingdings" pitchFamily="2" charset="2"/>
+                  </a:rPr>
+                  <a:t> </a:t>
+                </a:r>
+              </a:p>
+              <a:p>
+                <a:endParaRPr lang="en-US" sz="2400" dirty="0">
+                  <a:solidFill>
+                    <a:schemeClr val="accent2"/>
+                  </a:solidFill>
+                  <a:sym typeface="Wingdings" pitchFamily="2" charset="2"/>
+                </a:endParaRPr>
+              </a:p>
+              <a:p>
+                <a:endParaRPr lang="en-US" sz="2400" dirty="0">
+                  <a:solidFill>
+                    <a:schemeClr val="accent2"/>
+                  </a:solidFill>
+                  <a:sym typeface="Wingdings" pitchFamily="2" charset="2"/>
+                </a:endParaRPr>
+              </a:p>
+              <a:p>
+                <a14:m>
+                  <m:oMath xmlns:m="http://schemas.openxmlformats.org/officeDocument/2006/math">
+                    <m:r>
+                      <a:rPr lang="en-US" sz="2400" b="1" i="1">
+                        <a:solidFill>
+                          <a:schemeClr val="accent2"/>
+                        </a:solidFill>
+                        <a:latin typeface="Cambria Math" panose="02040503050406030204" pitchFamily="18" charset="0"/>
+                        <a:ea typeface="Cambria Math" panose="02040503050406030204" pitchFamily="18" charset="0"/>
+                      </a:rPr>
+                      <m:t>𝑷</m:t>
+                    </m:r>
+                    <m:r>
+                      <a:rPr lang="en-US" sz="2400" b="1" i="1" smtClean="0">
+                        <a:solidFill>
+                          <a:schemeClr val="accent2"/>
+                        </a:solidFill>
+                        <a:latin typeface="Cambria Math" panose="02040503050406030204" pitchFamily="18" charset="0"/>
+                        <a:ea typeface="Cambria Math" panose="02040503050406030204" pitchFamily="18" charset="0"/>
+                      </a:rPr>
+                      <m:t>=</m:t>
+                    </m:r>
+                    <m:sSub>
+                      <m:sSubPr>
+                        <m:ctrlPr>
+                          <a:rPr lang="en-US" sz="2400" b="1" i="1" smtClean="0">
+                            <a:solidFill>
+                              <a:schemeClr val="accent2"/>
+                            </a:solidFill>
+                            <a:latin typeface="Cambria Math" panose="02040503050406030204" pitchFamily="18" charset="0"/>
+                            <a:ea typeface="Cambria Math" panose="02040503050406030204" pitchFamily="18" charset="0"/>
+                          </a:rPr>
+                        </m:ctrlPr>
+                      </m:sSubPr>
+                      <m:e>
+                        <m:r>
+                          <a:rPr lang="en-US" sz="2400" b="1" i="1" smtClean="0">
+                            <a:solidFill>
+                              <a:schemeClr val="accent2"/>
+                            </a:solidFill>
+                            <a:latin typeface="Cambria Math" panose="02040503050406030204" pitchFamily="18" charset="0"/>
+                            <a:ea typeface="Cambria Math" panose="02040503050406030204" pitchFamily="18" charset="0"/>
+                          </a:rPr>
+                          <m:t>𝑷</m:t>
+                        </m:r>
+                      </m:e>
+                      <m:sub>
+                        <m:r>
+                          <a:rPr lang="en-US" sz="2400" b="1" i="1" smtClean="0">
+                            <a:solidFill>
+                              <a:schemeClr val="accent2"/>
+                            </a:solidFill>
+                            <a:latin typeface="Cambria Math" panose="02040503050406030204" pitchFamily="18" charset="0"/>
+                            <a:ea typeface="Cambria Math" panose="02040503050406030204" pitchFamily="18" charset="0"/>
+                          </a:rPr>
+                          <m:t>𝟑</m:t>
+                        </m:r>
+                      </m:sub>
+                    </m:sSub>
+                    <m:r>
+                      <a:rPr lang="en-US" sz="2400" b="1" i="0" smtClean="0">
+                        <a:solidFill>
+                          <a:schemeClr val="accent2"/>
+                        </a:solidFill>
+                        <a:latin typeface="Cambria Math" panose="02040503050406030204" pitchFamily="18" charset="0"/>
+                        <a:ea typeface="Cambria Math" panose="02040503050406030204" pitchFamily="18" charset="0"/>
+                      </a:rPr>
+                      <m:t>𝐞𝐱𝐩</m:t>
+                    </m:r>
+                    <m:r>
+                      <a:rPr lang="en-US" sz="2400" b="1" i="1" smtClean="0">
+                        <a:solidFill>
+                          <a:schemeClr val="accent2"/>
+                        </a:solidFill>
+                        <a:latin typeface="Cambria Math" panose="02040503050406030204" pitchFamily="18" charset="0"/>
+                        <a:ea typeface="Cambria Math" panose="02040503050406030204" pitchFamily="18" charset="0"/>
+                      </a:rPr>
+                      <m:t>⁡</m:t>
+                    </m:r>
+                    <m:d>
+                      <m:dPr>
+                        <m:ctrlPr>
+                          <a:rPr lang="en-US" sz="2400" b="1" i="1" smtClean="0">
+                            <a:solidFill>
+                              <a:schemeClr val="accent2"/>
+                            </a:solidFill>
+                            <a:latin typeface="Cambria Math" panose="02040503050406030204" pitchFamily="18" charset="0"/>
+                            <a:ea typeface="Cambria Math" panose="02040503050406030204" pitchFamily="18" charset="0"/>
+                          </a:rPr>
+                        </m:ctrlPr>
+                      </m:dPr>
+                      <m:e>
+                        <m:r>
+                          <a:rPr lang="en-US" sz="2400" b="1" i="1">
+                            <a:solidFill>
+                              <a:schemeClr val="accent2"/>
+                            </a:solidFill>
+                            <a:latin typeface="Cambria Math" panose="02040503050406030204" pitchFamily="18" charset="0"/>
+                            <a:ea typeface="Cambria Math" panose="02040503050406030204" pitchFamily="18" charset="0"/>
+                          </a:rPr>
+                          <m:t>−</m:t>
+                        </m:r>
+                        <m:f>
+                          <m:fPr>
+                            <m:ctrlPr>
+                              <a:rPr lang="en-US" sz="2400" b="1" i="1">
+                                <a:solidFill>
+                                  <a:schemeClr val="accent2"/>
+                                </a:solidFill>
+                                <a:latin typeface="Cambria Math" panose="02040503050406030204" pitchFamily="18" charset="0"/>
+                                <a:ea typeface="Cambria Math" panose="02040503050406030204" pitchFamily="18" charset="0"/>
+                              </a:rPr>
+                            </m:ctrlPr>
+                          </m:fPr>
+                          <m:num>
+                            <m:r>
+                              <a:rPr lang="en-US" sz="2400" b="1" i="1">
+                                <a:solidFill>
+                                  <a:schemeClr val="accent2"/>
+                                </a:solidFill>
+                                <a:latin typeface="Cambria Math" panose="02040503050406030204" pitchFamily="18" charset="0"/>
+                                <a:ea typeface="Cambria Math" panose="02040503050406030204" pitchFamily="18" charset="0"/>
+                              </a:rPr>
+                              <m:t>∆</m:t>
+                            </m:r>
+                            <m:sSub>
+                              <m:sSubPr>
+                                <m:ctrlPr>
+                                  <a:rPr lang="en-US" sz="2400" b="1" i="1">
+                                    <a:solidFill>
+                                      <a:schemeClr val="accent2"/>
+                                    </a:solidFill>
+                                    <a:latin typeface="Cambria Math" panose="02040503050406030204" pitchFamily="18" charset="0"/>
+                                    <a:ea typeface="Cambria Math" panose="02040503050406030204" pitchFamily="18" charset="0"/>
+                                  </a:rPr>
+                                </m:ctrlPr>
+                              </m:sSubPr>
+                              <m:e>
+                                <m:r>
+                                  <a:rPr lang="en-US" sz="2400" b="1" i="1">
+                                    <a:solidFill>
+                                      <a:schemeClr val="accent2"/>
+                                    </a:solidFill>
+                                    <a:latin typeface="Cambria Math" panose="02040503050406030204" pitchFamily="18" charset="0"/>
+                                    <a:ea typeface="Cambria Math" panose="02040503050406030204" pitchFamily="18" charset="0"/>
+                                  </a:rPr>
+                                  <m:t>𝑯</m:t>
+                                </m:r>
+                              </m:e>
+                              <m:sub>
+                                <m:r>
+                                  <a:rPr lang="en-US" sz="2400" b="1" i="1" smtClean="0">
+                                    <a:solidFill>
+                                      <a:schemeClr val="accent2"/>
+                                    </a:solidFill>
+                                    <a:latin typeface="Cambria Math" panose="02040503050406030204" pitchFamily="18" charset="0"/>
+                                    <a:ea typeface="Cambria Math" panose="02040503050406030204" pitchFamily="18" charset="0"/>
+                                  </a:rPr>
+                                  <m:t>𝒔𝒖𝒃</m:t>
+                                </m:r>
+                              </m:sub>
+                            </m:sSub>
+                          </m:num>
+                          <m:den>
+                            <m:r>
+                              <a:rPr lang="en-US" sz="2400" b="1" i="1">
+                                <a:solidFill>
+                                  <a:schemeClr val="accent2"/>
+                                </a:solidFill>
+                                <a:latin typeface="Cambria Math" panose="02040503050406030204" pitchFamily="18" charset="0"/>
+                                <a:ea typeface="Cambria Math" panose="02040503050406030204" pitchFamily="18" charset="0"/>
+                              </a:rPr>
+                              <m:t>𝒏𝑹</m:t>
+                            </m:r>
+                          </m:den>
+                        </m:f>
+                        <m:r>
+                          <a:rPr lang="en-US" sz="2400" b="1" i="1">
+                            <a:solidFill>
+                              <a:schemeClr val="accent2"/>
+                            </a:solidFill>
+                            <a:latin typeface="Cambria Math" panose="02040503050406030204" pitchFamily="18" charset="0"/>
+                            <a:ea typeface="Cambria Math" panose="02040503050406030204" pitchFamily="18" charset="0"/>
+                          </a:rPr>
+                          <m:t>×</m:t>
+                        </m:r>
+                        <m:d>
+                          <m:dPr>
+                            <m:ctrlPr>
+                              <a:rPr lang="en-US" sz="2400" b="1" i="1">
+                                <a:solidFill>
+                                  <a:schemeClr val="accent2"/>
+                                </a:solidFill>
+                                <a:latin typeface="Cambria Math" panose="02040503050406030204" pitchFamily="18" charset="0"/>
+                                <a:ea typeface="Cambria Math" panose="02040503050406030204" pitchFamily="18" charset="0"/>
+                              </a:rPr>
+                            </m:ctrlPr>
+                          </m:dPr>
+                          <m:e>
+                            <m:f>
+                              <m:fPr>
+                                <m:ctrlPr>
+                                  <a:rPr lang="en-US" sz="2400" b="1" i="1">
+                                    <a:solidFill>
+                                      <a:schemeClr val="accent2"/>
+                                    </a:solidFill>
+                                    <a:latin typeface="Cambria Math" panose="02040503050406030204" pitchFamily="18" charset="0"/>
+                                    <a:ea typeface="Cambria Math" panose="02040503050406030204" pitchFamily="18" charset="0"/>
+                                  </a:rPr>
+                                </m:ctrlPr>
+                              </m:fPr>
+                              <m:num>
+                                <m:r>
+                                  <a:rPr lang="en-US" sz="2400" b="1" i="1">
+                                    <a:solidFill>
+                                      <a:schemeClr val="accent2"/>
+                                    </a:solidFill>
+                                    <a:latin typeface="Cambria Math" panose="02040503050406030204" pitchFamily="18" charset="0"/>
+                                    <a:ea typeface="Cambria Math" panose="02040503050406030204" pitchFamily="18" charset="0"/>
+                                  </a:rPr>
+                                  <m:t>𝟏</m:t>
+                                </m:r>
+                              </m:num>
+                              <m:den>
+                                <m:r>
+                                  <a:rPr lang="en-US" sz="2400" b="1" i="1">
+                                    <a:solidFill>
+                                      <a:schemeClr val="accent2"/>
+                                    </a:solidFill>
+                                    <a:latin typeface="Cambria Math" panose="02040503050406030204" pitchFamily="18" charset="0"/>
+                                    <a:ea typeface="Cambria Math" panose="02040503050406030204" pitchFamily="18" charset="0"/>
+                                  </a:rPr>
+                                  <m:t>𝑻</m:t>
+                                </m:r>
+                              </m:den>
+                            </m:f>
+                            <m:r>
+                              <a:rPr lang="en-US" sz="2400" b="1" i="1">
+                                <a:solidFill>
+                                  <a:schemeClr val="accent2"/>
+                                </a:solidFill>
+                                <a:latin typeface="Cambria Math" panose="02040503050406030204" pitchFamily="18" charset="0"/>
+                                <a:ea typeface="Cambria Math" panose="02040503050406030204" pitchFamily="18" charset="0"/>
+                              </a:rPr>
+                              <m:t>−</m:t>
+                            </m:r>
+                            <m:f>
+                              <m:fPr>
+                                <m:ctrlPr>
+                                  <a:rPr lang="en-US" sz="2400" b="1" i="1">
+                                    <a:solidFill>
+                                      <a:schemeClr val="accent2"/>
+                                    </a:solidFill>
+                                    <a:latin typeface="Cambria Math" panose="02040503050406030204" pitchFamily="18" charset="0"/>
+                                    <a:ea typeface="Cambria Math" panose="02040503050406030204" pitchFamily="18" charset="0"/>
+                                  </a:rPr>
+                                </m:ctrlPr>
+                              </m:fPr>
+                              <m:num>
+                                <m:r>
+                                  <a:rPr lang="en-US" sz="2400" b="1" i="1">
+                                    <a:solidFill>
+                                      <a:schemeClr val="accent2"/>
+                                    </a:solidFill>
+                                    <a:latin typeface="Cambria Math" panose="02040503050406030204" pitchFamily="18" charset="0"/>
+                                    <a:ea typeface="Cambria Math" panose="02040503050406030204" pitchFamily="18" charset="0"/>
+                                  </a:rPr>
+                                  <m:t>𝟏</m:t>
+                                </m:r>
+                              </m:num>
+                              <m:den>
+                                <m:sSub>
+                                  <m:sSubPr>
+                                    <m:ctrlPr>
+                                      <a:rPr lang="en-US" sz="2400" b="1" i="1">
+                                        <a:solidFill>
+                                          <a:schemeClr val="accent2"/>
+                                        </a:solidFill>
+                                        <a:latin typeface="Cambria Math" panose="02040503050406030204" pitchFamily="18" charset="0"/>
+                                        <a:ea typeface="Cambria Math" panose="02040503050406030204" pitchFamily="18" charset="0"/>
+                                      </a:rPr>
+                                    </m:ctrlPr>
+                                  </m:sSubPr>
+                                  <m:e>
+                                    <m:r>
+                                      <a:rPr lang="en-US" sz="2400" b="1" i="1">
+                                        <a:solidFill>
+                                          <a:schemeClr val="accent2"/>
+                                        </a:solidFill>
+                                        <a:latin typeface="Cambria Math" panose="02040503050406030204" pitchFamily="18" charset="0"/>
+                                        <a:ea typeface="Cambria Math" panose="02040503050406030204" pitchFamily="18" charset="0"/>
+                                      </a:rPr>
+                                      <m:t>𝑻</m:t>
+                                    </m:r>
+                                  </m:e>
+                                  <m:sub>
+                                    <m:r>
+                                      <a:rPr lang="en-US" sz="2400" b="1" i="1">
+                                        <a:solidFill>
+                                          <a:schemeClr val="accent2"/>
+                                        </a:solidFill>
+                                        <a:latin typeface="Cambria Math" panose="02040503050406030204" pitchFamily="18" charset="0"/>
+                                        <a:ea typeface="Cambria Math" panose="02040503050406030204" pitchFamily="18" charset="0"/>
+                                      </a:rPr>
+                                      <m:t>𝟑</m:t>
+                                    </m:r>
+                                  </m:sub>
+                                </m:sSub>
+                              </m:den>
+                            </m:f>
+                          </m:e>
+                        </m:d>
+                      </m:e>
+                    </m:d>
+                  </m:oMath>
+                </a14:m>
+                <a:r>
+                  <a:rPr lang="en-US" sz="2400" dirty="0">
+                    <a:solidFill>
+                      <a:schemeClr val="accent2"/>
+                    </a:solidFill>
+                    <a:sym typeface="Wingdings" pitchFamily="2" charset="2"/>
+                  </a:rPr>
+                  <a:t> </a:t>
+                </a:r>
+              </a:p>
+              <a:p>
+                <a:endParaRPr lang="en-US" sz="2400" dirty="0">
+                  <a:solidFill>
+                    <a:schemeClr val="accent2"/>
+                  </a:solidFill>
+                  <a:sym typeface="Wingdings" pitchFamily="2" charset="2"/>
+                </a:endParaRPr>
+              </a:p>
+              <a:p>
+                <a:endParaRPr lang="en-US" sz="2400" dirty="0">
+                  <a:sym typeface="Wingdings" pitchFamily="2" charset="2"/>
+                </a:endParaRPr>
+              </a:p>
+              <a:p>
+                <a:endParaRPr lang="en-US" sz="2400" dirty="0">
+                  <a:sym typeface="Wingdings" pitchFamily="2" charset="2"/>
+                </a:endParaRPr>
+              </a:p>
+            </p:txBody>
+          </p:sp>
+        </mc:Choice>
+        <mc:Fallback xmlns="">
+          <p:sp>
+            <p:nvSpPr>
+              <p:cNvPr id="4" name="Rectangle 3">
+                <a:extLst>
+                  <a:ext uri="{FF2B5EF4-FFF2-40B4-BE49-F238E27FC236}">
+                    <a16:creationId xmlns:a16="http://schemas.microsoft.com/office/drawing/2014/main" id="{975EDA7B-00BE-5343-ABC0-1447496ED3D6}"/>
+                  </a:ext>
+                </a:extLst>
+              </p:cNvPr>
+              <p:cNvSpPr>
+                <a:spLocks noRot="1" noChangeAspect="1" noMove="1" noResize="1" noEditPoints="1" noAdjustHandles="1" noChangeArrowheads="1" noChangeShapeType="1" noTextEdit="1"/>
+              </p:cNvSpPr>
+              <p:nvPr/>
+            </p:nvSpPr>
+            <p:spPr>
+              <a:xfrm>
+                <a:off x="843404" y="1114193"/>
+                <a:ext cx="6415282" cy="5017143"/>
+              </a:xfrm>
+              <a:prstGeom prst="rect">
+                <a:avLst/>
+              </a:prstGeom>
+              <a:blipFill>
+                <a:blip r:embed="rId2"/>
+                <a:stretch>
+                  <a:fillRect l="-8893" t="-758" r="-593"/>
+                </a:stretch>
+              </a:blipFill>
+            </p:spPr>
+            <p:txBody>
+              <a:bodyPr/>
+              <a:lstStyle/>
+              <a:p>
+                <a:r>
+                  <a:rPr lang="en-US">
+                    <a:noFill/>
+                  </a:rPr>
+                  <a:t> </a:t>
+                </a:r>
+              </a:p>
+            </p:txBody>
+          </p:sp>
+        </mc:Fallback>
+      </mc:AlternateContent>
+      <p:grpSp>
+        <p:nvGrpSpPr>
+          <p:cNvPr id="3" name="Group 2">
+            <a:extLst>
+              <a:ext uri="{FF2B5EF4-FFF2-40B4-BE49-F238E27FC236}">
+                <a16:creationId xmlns:a16="http://schemas.microsoft.com/office/drawing/2014/main" id="{22E19834-F414-7942-AF4E-35E6FBAD1E2C}"/>
+              </a:ext>
+            </a:extLst>
+          </p:cNvPr>
+          <p:cNvGrpSpPr/>
+          <p:nvPr/>
+        </p:nvGrpSpPr>
+        <p:grpSpPr>
+          <a:xfrm>
+            <a:off x="7946574" y="650550"/>
+            <a:ext cx="3148181" cy="2988982"/>
+            <a:chOff x="5752033" y="2076249"/>
+            <a:chExt cx="3148181" cy="2988982"/>
+          </a:xfrm>
+        </p:grpSpPr>
+        <p:grpSp>
+          <p:nvGrpSpPr>
+            <p:cNvPr id="21" name="Group 20">
+              <a:extLst>
+                <a:ext uri="{FF2B5EF4-FFF2-40B4-BE49-F238E27FC236}">
+                  <a16:creationId xmlns:a16="http://schemas.microsoft.com/office/drawing/2014/main" id="{0A971276-5825-554D-9C15-0254CE2FC022}"/>
+                </a:ext>
+              </a:extLst>
+            </p:cNvPr>
+            <p:cNvGrpSpPr/>
+            <p:nvPr/>
+          </p:nvGrpSpPr>
+          <p:grpSpPr>
+            <a:xfrm>
+              <a:off x="5752033" y="2076249"/>
+              <a:ext cx="3148181" cy="2988982"/>
+              <a:chOff x="4270169" y="240930"/>
+              <a:chExt cx="3148181" cy="2988982"/>
+            </a:xfrm>
+          </p:grpSpPr>
+          <p:grpSp>
+            <p:nvGrpSpPr>
+              <p:cNvPr id="22" name="Group 21">
+                <a:extLst>
+                  <a:ext uri="{FF2B5EF4-FFF2-40B4-BE49-F238E27FC236}">
+                    <a16:creationId xmlns:a16="http://schemas.microsoft.com/office/drawing/2014/main" id="{C1227735-1BEB-7D4D-98FC-4F9471A4285E}"/>
+                  </a:ext>
+                </a:extLst>
+              </p:cNvPr>
+              <p:cNvGrpSpPr/>
+              <p:nvPr/>
+            </p:nvGrpSpPr>
+            <p:grpSpPr>
+              <a:xfrm>
+                <a:off x="4270169" y="240930"/>
+                <a:ext cx="3148181" cy="2988982"/>
+                <a:chOff x="8122016" y="738525"/>
+                <a:chExt cx="3611879" cy="3372641"/>
+              </a:xfrm>
+            </p:grpSpPr>
+            <p:grpSp>
+              <p:nvGrpSpPr>
+                <p:cNvPr id="28" name="Group 27">
+                  <a:extLst>
+                    <a:ext uri="{FF2B5EF4-FFF2-40B4-BE49-F238E27FC236}">
+                      <a16:creationId xmlns:a16="http://schemas.microsoft.com/office/drawing/2014/main" id="{339BBF00-0384-9446-BBFB-E714FCBBE043}"/>
+                    </a:ext>
+                  </a:extLst>
+                </p:cNvPr>
+                <p:cNvGrpSpPr/>
+                <p:nvPr/>
+              </p:nvGrpSpPr>
+              <p:grpSpPr>
+                <a:xfrm>
+                  <a:off x="8122016" y="738525"/>
+                  <a:ext cx="3611879" cy="3372641"/>
+                  <a:chOff x="223734" y="1499666"/>
+                  <a:chExt cx="3074185" cy="3352100"/>
+                </a:xfrm>
+              </p:grpSpPr>
+              <p:pic>
+                <p:nvPicPr>
+                  <p:cNvPr id="31" name="Picture 2" descr="Image result for phase diagrams">
+                    <a:extLst>
+                      <a:ext uri="{FF2B5EF4-FFF2-40B4-BE49-F238E27FC236}">
+                        <a16:creationId xmlns:a16="http://schemas.microsoft.com/office/drawing/2014/main" id="{44D1A258-6F21-4148-BCE2-A2D902B1F7AA}"/>
+                      </a:ext>
+                    </a:extLst>
+                  </p:cNvPr>
+                  <p:cNvPicPr>
+                    <a:picLocks noChangeAspect="1" noChangeArrowheads="1"/>
+                  </p:cNvPicPr>
+                  <p:nvPr/>
+                </p:nvPicPr>
+                <p:blipFill rotWithShape="1">
+                  <a:blip r:embed="rId3">
+                    <a:extLst>
+                      <a:ext uri="{28A0092B-C50C-407E-A947-70E740481C1C}">
+                        <a14:useLocalDpi xmlns:a14="http://schemas.microsoft.com/office/drawing/2010/main" val="0"/>
+                      </a:ext>
+                    </a:extLst>
+                  </a:blip>
+                  <a:srcRect l="13773" b="5795"/>
+                  <a:stretch/>
+                </p:blipFill>
+                <p:spPr bwMode="auto">
+                  <a:xfrm>
+                    <a:off x="406438" y="1828307"/>
+                    <a:ext cx="2891481" cy="2632482"/>
+                  </a:xfrm>
+                  <a:prstGeom prst="rect">
+                    <a:avLst/>
+                  </a:prstGeom>
+                  <a:noFill/>
+                  <a:extLst>
+                    <a:ext uri="{909E8E84-426E-40DD-AFC4-6F175D3DCCD1}">
+                      <a14:hiddenFill xmlns:a14="http://schemas.microsoft.com/office/drawing/2010/main">
+                        <a:solidFill>
+                          <a:srgbClr val="FFFFFF"/>
+                        </a:solidFill>
+                      </a14:hiddenFill>
+                    </a:ext>
+                  </a:extLst>
+                </p:spPr>
+              </p:pic>
+              <p:sp>
+                <p:nvSpPr>
+                  <p:cNvPr id="32" name="Rectangle 31">
+                    <a:extLst>
+                      <a:ext uri="{FF2B5EF4-FFF2-40B4-BE49-F238E27FC236}">
+                        <a16:creationId xmlns:a16="http://schemas.microsoft.com/office/drawing/2014/main" id="{CF0F2BFE-F0A4-BD44-B6CE-52E938B54557}"/>
+                      </a:ext>
+                    </a:extLst>
+                  </p:cNvPr>
+                  <p:cNvSpPr/>
+                  <p:nvPr/>
+                </p:nvSpPr>
+                <p:spPr>
+                  <a:xfrm>
+                    <a:off x="223734" y="1499666"/>
+                    <a:ext cx="343364" cy="461665"/>
+                  </a:xfrm>
+                  <a:prstGeom prst="rect">
+                    <a:avLst/>
+                  </a:prstGeom>
+                </p:spPr>
+                <p:txBody>
+                  <a:bodyPr wrap="none">
+                    <a:spAutoFit/>
+                  </a:bodyPr>
+                  <a:lstStyle/>
+                  <a:p>
+                    <a:r>
+                      <a:rPr lang="en-US" sz="2400" dirty="0"/>
+                      <a:t>P</a:t>
+                    </a:r>
+                  </a:p>
+                </p:txBody>
+              </p:sp>
+              <p:sp>
+                <p:nvSpPr>
+                  <p:cNvPr id="33" name="Rectangle 32">
+                    <a:extLst>
+                      <a:ext uri="{FF2B5EF4-FFF2-40B4-BE49-F238E27FC236}">
+                        <a16:creationId xmlns:a16="http://schemas.microsoft.com/office/drawing/2014/main" id="{31B568F3-25CF-1844-B1AE-24D21E9E69C4}"/>
+                      </a:ext>
+                    </a:extLst>
+                  </p:cNvPr>
+                  <p:cNvSpPr/>
+                  <p:nvPr/>
+                </p:nvSpPr>
+                <p:spPr>
+                  <a:xfrm>
+                    <a:off x="2347899" y="4390101"/>
+                    <a:ext cx="335348" cy="461665"/>
+                  </a:xfrm>
+                  <a:prstGeom prst="rect">
+                    <a:avLst/>
+                  </a:prstGeom>
+                </p:spPr>
+                <p:txBody>
+                  <a:bodyPr wrap="none">
+                    <a:spAutoFit/>
+                  </a:bodyPr>
+                  <a:lstStyle/>
+                  <a:p>
+                    <a:r>
+                      <a:rPr lang="en-US" sz="2400" dirty="0"/>
+                      <a:t>T</a:t>
+                    </a:r>
+                  </a:p>
+                </p:txBody>
+              </p:sp>
+            </p:grpSp>
+            <p:sp>
+              <p:nvSpPr>
+                <p:cNvPr id="29" name="Freeform 28">
+                  <a:extLst>
+                    <a:ext uri="{FF2B5EF4-FFF2-40B4-BE49-F238E27FC236}">
+                      <a16:creationId xmlns:a16="http://schemas.microsoft.com/office/drawing/2014/main" id="{277215AB-BC0E-614B-AF9F-7B16C3FC12B3}"/>
+                    </a:ext>
+                  </a:extLst>
+                </p:cNvPr>
+                <p:cNvSpPr/>
+                <p:nvPr/>
+              </p:nvSpPr>
+              <p:spPr>
+                <a:xfrm>
+                  <a:off x="9483213" y="1968497"/>
+                  <a:ext cx="1823428" cy="1241951"/>
+                </a:xfrm>
+                <a:custGeom>
+                  <a:avLst/>
+                  <a:gdLst>
+                    <a:gd name="connsiteX0" fmla="*/ 0 w 1823428"/>
+                    <a:gd name="connsiteY0" fmla="*/ 1241951 h 1241951"/>
+                    <a:gd name="connsiteX1" fmla="*/ 353961 w 1823428"/>
+                    <a:gd name="connsiteY1" fmla="*/ 1153461 h 1241951"/>
+                    <a:gd name="connsiteX2" fmla="*/ 693174 w 1823428"/>
+                    <a:gd name="connsiteY2" fmla="*/ 1064970 h 1241951"/>
+                    <a:gd name="connsiteX3" fmla="*/ 988142 w 1823428"/>
+                    <a:gd name="connsiteY3" fmla="*/ 917486 h 1241951"/>
+                    <a:gd name="connsiteX4" fmla="*/ 1283110 w 1823428"/>
+                    <a:gd name="connsiteY4" fmla="*/ 725757 h 1241951"/>
+                    <a:gd name="connsiteX5" fmla="*/ 1548581 w 1823428"/>
+                    <a:gd name="connsiteY5" fmla="*/ 460286 h 1241951"/>
+                    <a:gd name="connsiteX6" fmla="*/ 1799303 w 1823428"/>
+                    <a:gd name="connsiteY6" fmla="*/ 32583 h 1241951"/>
+                    <a:gd name="connsiteX7" fmla="*/ 1799303 w 1823428"/>
+                    <a:gd name="connsiteY7" fmla="*/ 62080 h 1241951"/>
+                  </a:gdLst>
+                  <a:ahLst/>
+                  <a:cxnLst>
+                    <a:cxn ang="0">
+                      <a:pos x="connsiteX0" y="connsiteY0"/>
+                    </a:cxn>
+                    <a:cxn ang="0">
+                      <a:pos x="connsiteX1" y="connsiteY1"/>
+                    </a:cxn>
+                    <a:cxn ang="0">
+                      <a:pos x="connsiteX2" y="connsiteY2"/>
+                    </a:cxn>
+                    <a:cxn ang="0">
+                      <a:pos x="connsiteX3" y="connsiteY3"/>
+                    </a:cxn>
+                    <a:cxn ang="0">
+                      <a:pos x="connsiteX4" y="connsiteY4"/>
+                    </a:cxn>
+                    <a:cxn ang="0">
+                      <a:pos x="connsiteX5" y="connsiteY5"/>
+                    </a:cxn>
+                    <a:cxn ang="0">
+                      <a:pos x="connsiteX6" y="connsiteY6"/>
+                    </a:cxn>
+                    <a:cxn ang="0">
+                      <a:pos x="connsiteX7" y="connsiteY7"/>
+                    </a:cxn>
+                  </a:cxnLst>
+                  <a:rect l="l" t="t" r="r" b="b"/>
+                  <a:pathLst>
+                    <a:path w="1823428" h="1241951">
+                      <a:moveTo>
+                        <a:pt x="0" y="1241951"/>
+                      </a:moveTo>
+                      <a:lnTo>
+                        <a:pt x="353961" y="1153461"/>
+                      </a:lnTo>
+                      <a:cubicBezTo>
+                        <a:pt x="469490" y="1123964"/>
+                        <a:pt x="587477" y="1104299"/>
+                        <a:pt x="693174" y="1064970"/>
+                      </a:cubicBezTo>
+                      <a:cubicBezTo>
+                        <a:pt x="798871" y="1025641"/>
+                        <a:pt x="889819" y="974021"/>
+                        <a:pt x="988142" y="917486"/>
+                      </a:cubicBezTo>
+                      <a:cubicBezTo>
+                        <a:pt x="1086465" y="860950"/>
+                        <a:pt x="1189704" y="801957"/>
+                        <a:pt x="1283110" y="725757"/>
+                      </a:cubicBezTo>
+                      <a:cubicBezTo>
+                        <a:pt x="1376517" y="649557"/>
+                        <a:pt x="1462549" y="575815"/>
+                        <a:pt x="1548581" y="460286"/>
+                      </a:cubicBezTo>
+                      <a:cubicBezTo>
+                        <a:pt x="1634613" y="344757"/>
+                        <a:pt x="1757516" y="98951"/>
+                        <a:pt x="1799303" y="32583"/>
+                      </a:cubicBezTo>
+                      <a:cubicBezTo>
+                        <a:pt x="1841090" y="-33785"/>
+                        <a:pt x="1820196" y="14147"/>
+                        <a:pt x="1799303" y="62080"/>
+                      </a:cubicBezTo>
+                    </a:path>
+                  </a:pathLst>
+                </a:custGeom>
+                <a:noFill/>
+                <a:ln w="101600">
+                  <a:solidFill>
+                    <a:srgbClr val="00B050"/>
+                  </a:solidFill>
+                </a:ln>
+              </p:spPr>
+              <p:style>
+                <a:lnRef idx="2">
+                  <a:schemeClr val="accent1">
+                    <a:shade val="50000"/>
+                  </a:schemeClr>
+                </a:lnRef>
+                <a:fillRef idx="1">
+                  <a:schemeClr val="accent1"/>
+                </a:fillRef>
+                <a:effectRef idx="0">
+                  <a:schemeClr val="accent1"/>
+                </a:effectRef>
+                <a:fontRef idx="minor">
+                  <a:schemeClr val="lt1"/>
+                </a:fontRef>
+              </p:style>
+              <p:txBody>
+                <a:bodyPr rtlCol="0" anchor="ctr"/>
+                <a:lstStyle/>
+                <a:p>
+                  <a:pPr algn="ctr"/>
+                  <a:endParaRPr lang="en-US" dirty="0"/>
+                </a:p>
+              </p:txBody>
+            </p:sp>
+            <p:sp>
+              <p:nvSpPr>
+                <p:cNvPr id="30" name="Freeform 29">
+                  <a:extLst>
+                    <a:ext uri="{FF2B5EF4-FFF2-40B4-BE49-F238E27FC236}">
+                      <a16:creationId xmlns:a16="http://schemas.microsoft.com/office/drawing/2014/main" id="{544BB8C0-A6F2-2642-BC20-48F6DE4ABCE8}"/>
+                    </a:ext>
+                  </a:extLst>
+                </p:cNvPr>
+                <p:cNvSpPr/>
+                <p:nvPr/>
+              </p:nvSpPr>
+              <p:spPr>
+                <a:xfrm>
+                  <a:off x="8409904" y="3258355"/>
+                  <a:ext cx="991673" cy="402963"/>
+                </a:xfrm>
+                <a:custGeom>
+                  <a:avLst/>
+                  <a:gdLst>
+                    <a:gd name="connsiteX0" fmla="*/ 0 w 991673"/>
+                    <a:gd name="connsiteY0" fmla="*/ 399245 h 402963"/>
+                    <a:gd name="connsiteX1" fmla="*/ 218941 w 991673"/>
+                    <a:gd name="connsiteY1" fmla="*/ 399245 h 402963"/>
+                    <a:gd name="connsiteX2" fmla="*/ 360609 w 991673"/>
+                    <a:gd name="connsiteY2" fmla="*/ 360608 h 402963"/>
+                    <a:gd name="connsiteX3" fmla="*/ 579550 w 991673"/>
+                    <a:gd name="connsiteY3" fmla="*/ 283335 h 402963"/>
+                    <a:gd name="connsiteX4" fmla="*/ 721217 w 991673"/>
+                    <a:gd name="connsiteY4" fmla="*/ 218941 h 402963"/>
+                    <a:gd name="connsiteX5" fmla="*/ 875764 w 991673"/>
+                    <a:gd name="connsiteY5" fmla="*/ 103031 h 402963"/>
+                    <a:gd name="connsiteX6" fmla="*/ 991673 w 991673"/>
+                    <a:gd name="connsiteY6" fmla="*/ 0 h 402963"/>
+                    <a:gd name="connsiteX7" fmla="*/ 991673 w 991673"/>
+                    <a:gd name="connsiteY7" fmla="*/ 0 h 402963"/>
+                  </a:gdLst>
+                  <a:ahLst/>
+                  <a:cxnLst>
+                    <a:cxn ang="0">
+                      <a:pos x="connsiteX0" y="connsiteY0"/>
+                    </a:cxn>
+                    <a:cxn ang="0">
+                      <a:pos x="connsiteX1" y="connsiteY1"/>
+                    </a:cxn>
+                    <a:cxn ang="0">
+                      <a:pos x="connsiteX2" y="connsiteY2"/>
+                    </a:cxn>
+                    <a:cxn ang="0">
+                      <a:pos x="connsiteX3" y="connsiteY3"/>
+                    </a:cxn>
+                    <a:cxn ang="0">
+                      <a:pos x="connsiteX4" y="connsiteY4"/>
+                    </a:cxn>
+                    <a:cxn ang="0">
+                      <a:pos x="connsiteX5" y="connsiteY5"/>
+                    </a:cxn>
+                    <a:cxn ang="0">
+                      <a:pos x="connsiteX6" y="connsiteY6"/>
+                    </a:cxn>
+                    <a:cxn ang="0">
+                      <a:pos x="connsiteX7" y="connsiteY7"/>
+                    </a:cxn>
+                  </a:cxnLst>
+                  <a:rect l="l" t="t" r="r" b="b"/>
+                  <a:pathLst>
+                    <a:path w="991673" h="402963">
+                      <a:moveTo>
+                        <a:pt x="0" y="399245"/>
+                      </a:moveTo>
+                      <a:cubicBezTo>
+                        <a:pt x="79419" y="402465"/>
+                        <a:pt x="158839" y="405685"/>
+                        <a:pt x="218941" y="399245"/>
+                      </a:cubicBezTo>
+                      <a:cubicBezTo>
+                        <a:pt x="279043" y="392805"/>
+                        <a:pt x="300508" y="379926"/>
+                        <a:pt x="360609" y="360608"/>
+                      </a:cubicBezTo>
+                      <a:cubicBezTo>
+                        <a:pt x="420711" y="341290"/>
+                        <a:pt x="519449" y="306946"/>
+                        <a:pt x="579550" y="283335"/>
+                      </a:cubicBezTo>
+                      <a:cubicBezTo>
+                        <a:pt x="639651" y="259724"/>
+                        <a:pt x="671848" y="248992"/>
+                        <a:pt x="721217" y="218941"/>
+                      </a:cubicBezTo>
+                      <a:cubicBezTo>
+                        <a:pt x="770586" y="188890"/>
+                        <a:pt x="830688" y="139521"/>
+                        <a:pt x="875764" y="103031"/>
+                      </a:cubicBezTo>
+                      <a:cubicBezTo>
+                        <a:pt x="920840" y="66541"/>
+                        <a:pt x="991673" y="0"/>
+                        <a:pt x="991673" y="0"/>
+                      </a:cubicBezTo>
+                      <a:lnTo>
+                        <a:pt x="991673" y="0"/>
+                      </a:lnTo>
+                    </a:path>
+                  </a:pathLst>
+                </a:custGeom>
+                <a:noFill/>
+                <a:ln w="101600">
+                  <a:solidFill>
+                    <a:schemeClr val="accent2"/>
+                  </a:solidFill>
+                  <a:prstDash val="sysDot"/>
+                </a:ln>
+              </p:spPr>
+              <p:style>
+                <a:lnRef idx="2">
+                  <a:schemeClr val="accent1">
+                    <a:shade val="50000"/>
+                  </a:schemeClr>
+                </a:lnRef>
+                <a:fillRef idx="1">
+                  <a:schemeClr val="accent1"/>
+                </a:fillRef>
+                <a:effectRef idx="0">
+                  <a:schemeClr val="accent1"/>
+                </a:effectRef>
+                <a:fontRef idx="minor">
+                  <a:schemeClr val="lt1"/>
+                </a:fontRef>
+              </p:style>
+              <p:txBody>
+                <a:bodyPr rtlCol="0" anchor="ctr"/>
+                <a:lstStyle/>
+                <a:p>
+                  <a:pPr algn="ctr"/>
+                  <a:endParaRPr lang="en-US" dirty="0">
+                    <a:solidFill>
+                      <a:srgbClr val="00B050"/>
+                    </a:solidFill>
+                  </a:endParaRPr>
+                </a:p>
+              </p:txBody>
+            </p:sp>
+          </p:grpSp>
+          <p:cxnSp>
+            <p:nvCxnSpPr>
+              <p:cNvPr id="23" name="Straight Arrow Connector 22">
+                <a:extLst>
+                  <a:ext uri="{FF2B5EF4-FFF2-40B4-BE49-F238E27FC236}">
+                    <a16:creationId xmlns:a16="http://schemas.microsoft.com/office/drawing/2014/main" id="{5EB14925-C632-0A4F-B959-634D2B5B3AA6}"/>
+                  </a:ext>
+                </a:extLst>
+              </p:cNvPr>
+              <p:cNvCxnSpPr>
+                <a:cxnSpLocks/>
+                <a:stCxn id="29" idx="5"/>
+              </p:cNvCxnSpPr>
+              <p:nvPr/>
+            </p:nvCxnSpPr>
+            <p:spPr>
+              <a:xfrm flipV="1">
+                <a:off x="6806386" y="1228099"/>
+                <a:ext cx="300338" cy="510811"/>
+              </a:xfrm>
+              <a:prstGeom prst="straightConnector1">
+                <a:avLst/>
+              </a:prstGeom>
+              <a:ln w="101600">
+                <a:solidFill>
+                  <a:srgbClr val="00B050"/>
+                </a:solidFill>
+                <a:tailEnd type="triangle"/>
+              </a:ln>
+            </p:spPr>
+            <p:style>
+              <a:lnRef idx="1">
+                <a:schemeClr val="accent1"/>
+              </a:lnRef>
+              <a:fillRef idx="0">
+                <a:schemeClr val="accent1"/>
+              </a:fillRef>
+              <a:effectRef idx="0">
+                <a:schemeClr val="accent1"/>
+              </a:effectRef>
+              <a:fontRef idx="minor">
+                <a:schemeClr val="tx1"/>
+              </a:fontRef>
+            </p:style>
+          </p:cxnSp>
+          <p:cxnSp>
+            <p:nvCxnSpPr>
+              <p:cNvPr id="27" name="Straight Connector 26">
+                <a:extLst>
+                  <a:ext uri="{FF2B5EF4-FFF2-40B4-BE49-F238E27FC236}">
+                    <a16:creationId xmlns:a16="http://schemas.microsoft.com/office/drawing/2014/main" id="{F46D2646-3B49-E241-BBE6-3A7FD6ADDF69}"/>
+                  </a:ext>
+                </a:extLst>
+              </p:cNvPr>
+              <p:cNvCxnSpPr>
+                <a:cxnSpLocks/>
+              </p:cNvCxnSpPr>
+              <p:nvPr/>
+            </p:nvCxnSpPr>
+            <p:spPr>
+              <a:xfrm flipV="1">
+                <a:off x="4423407" y="2822298"/>
+                <a:ext cx="265948" cy="3296"/>
+              </a:xfrm>
+              <a:prstGeom prst="line">
+                <a:avLst/>
+              </a:prstGeom>
+              <a:ln w="101600">
+                <a:solidFill>
+                  <a:schemeClr val="accent2"/>
+                </a:solidFill>
+                <a:prstDash val="sysDot"/>
+                <a:headEnd type="triangle"/>
+              </a:ln>
+            </p:spPr>
+            <p:style>
+              <a:lnRef idx="1">
+                <a:schemeClr val="accent1"/>
+              </a:lnRef>
+              <a:fillRef idx="0">
+                <a:schemeClr val="accent1"/>
+              </a:fillRef>
+              <a:effectRef idx="0">
+                <a:schemeClr val="accent1"/>
+              </a:effectRef>
+              <a:fontRef idx="minor">
+                <a:schemeClr val="tx1"/>
+              </a:fontRef>
+            </p:style>
+          </p:cxnSp>
+        </p:grpSp>
+        <p:cxnSp>
+          <p:nvCxnSpPr>
+            <p:cNvPr id="34" name="Straight Connector 33">
+              <a:extLst>
+                <a:ext uri="{FF2B5EF4-FFF2-40B4-BE49-F238E27FC236}">
+                  <a16:creationId xmlns:a16="http://schemas.microsoft.com/office/drawing/2014/main" id="{F1E66DFA-8DFC-1048-B916-3809F0A69CB6}"/>
+                </a:ext>
+              </a:extLst>
+            </p:cNvPr>
+            <p:cNvCxnSpPr>
+              <a:cxnSpLocks/>
+            </p:cNvCxnSpPr>
+            <p:nvPr/>
+          </p:nvCxnSpPr>
+          <p:spPr>
+            <a:xfrm flipH="1">
+              <a:off x="6867323" y="2365420"/>
+              <a:ext cx="335311" cy="1862929"/>
+            </a:xfrm>
+            <a:prstGeom prst="line">
+              <a:avLst/>
+            </a:prstGeom>
+            <a:ln w="127000">
+              <a:headEnd type="triangle"/>
+            </a:ln>
+          </p:spPr>
+          <p:style>
+            <a:lnRef idx="1">
+              <a:schemeClr val="accent1"/>
+            </a:lnRef>
+            <a:fillRef idx="0">
+              <a:schemeClr val="accent1"/>
+            </a:fillRef>
+            <a:effectRef idx="0">
+              <a:schemeClr val="accent1"/>
+            </a:effectRef>
+            <a:fontRef idx="minor">
+              <a:schemeClr val="tx1"/>
+            </a:fontRef>
+          </p:style>
+        </p:cxnSp>
+      </p:grpSp>
+    </p:spTree>
+    <p:extLst>
+      <p:ext uri="{BB962C8B-B14F-4D97-AF65-F5344CB8AC3E}">
+        <p14:creationId xmlns:p14="http://schemas.microsoft.com/office/powerpoint/2010/main" val="2943705539"/>
+      </p:ext>
+    </p:extLst>
+  </p:cSld>
+  <p:clrMapOvr>
+    <a:masterClrMapping/>
+  </p:clrMapOvr>
+</p:sld>
+</file>
+
+<file path=ppt/slides/slide2.xml><?xml version="1.0" encoding="utf-8"?>
+<p:sld xmlns:a="http://schemas.openxmlformats.org/drawingml/2006/main" xmlns:r="http://schemas.openxmlformats.org/officeDocument/2006/relationships" xmlns:p="http://schemas.openxmlformats.org/presentationml/2006/main">
+  <p:cSld>
+    <p:spTree>
+      <p:nvGrpSpPr>
+        <p:cNvPr id="1" name=""/>
+        <p:cNvGrpSpPr/>
+        <p:nvPr/>
+      </p:nvGrpSpPr>
+      <p:grpSpPr>
+        <a:xfrm>
+          <a:off x="0" y="0"/>
+          <a:ext cx="0" cy="0"/>
+          <a:chOff x="0" y="0"/>
+          <a:chExt cx="0" cy="0"/>
+        </a:xfrm>
+      </p:grpSpPr>
+      <p:sp>
+        <p:nvSpPr>
+          <p:cNvPr id="9" name="TextBox 8">
+            <a:extLst>
+              <a:ext uri="{FF2B5EF4-FFF2-40B4-BE49-F238E27FC236}">
+                <a16:creationId xmlns:a16="http://schemas.microsoft.com/office/drawing/2014/main" id="{CCB63A21-7279-9D42-8077-C7DDE7E0E8D4}"/>
+              </a:ext>
+            </a:extLst>
+          </p:cNvPr>
+          <p:cNvSpPr txBox="1"/>
+          <p:nvPr/>
+        </p:nvSpPr>
+        <p:spPr>
+          <a:xfrm>
+            <a:off x="-7253" y="2373"/>
+            <a:ext cx="12092161" cy="461665"/>
+          </a:xfrm>
+          <a:prstGeom prst="rect">
+            <a:avLst/>
+          </a:prstGeom>
+          <a:solidFill>
+            <a:schemeClr val="accent2"/>
+          </a:solidFill>
         </p:spPr>
         <p:txBody>
           <a:bodyPr wrap="square" rtlCol="0">
@@ -4082,6 +6057,74 @@
           </a:fontRef>
         </p:style>
       </p:cxnSp>
+      <p:sp>
+        <p:nvSpPr>
+          <p:cNvPr id="4" name="Rectangle 3">
+            <a:extLst>
+              <a:ext uri="{FF2B5EF4-FFF2-40B4-BE49-F238E27FC236}">
+                <a16:creationId xmlns:a16="http://schemas.microsoft.com/office/drawing/2014/main" id="{A863269F-2EF0-2DBC-AD81-8B068CDFDFDE}"/>
+              </a:ext>
+            </a:extLst>
+          </p:cNvPr>
+          <p:cNvSpPr/>
+          <p:nvPr/>
+        </p:nvSpPr>
+        <p:spPr>
+          <a:xfrm>
+            <a:off x="5947716" y="2054901"/>
+            <a:ext cx="477752" cy="496722"/>
+          </a:xfrm>
+          <a:prstGeom prst="rect">
+            <a:avLst/>
+          </a:prstGeom>
+        </p:spPr>
+        <p:txBody>
+          <a:bodyPr wrap="none">
+            <a:spAutoFit/>
+          </a:bodyPr>
+          <a:lstStyle/>
+          <a:p>
+            <a:r>
+              <a:rPr lang="en-US" sz="2400" dirty="0"/>
+              <a:t>P</a:t>
+            </a:r>
+          </a:p>
+        </p:txBody>
+      </p:sp>
+      <p:sp>
+        <p:nvSpPr>
+          <p:cNvPr id="5" name="Rectangle 4">
+            <a:extLst>
+              <a:ext uri="{FF2B5EF4-FFF2-40B4-BE49-F238E27FC236}">
+                <a16:creationId xmlns:a16="http://schemas.microsoft.com/office/drawing/2014/main" id="{08F519EF-9F74-2300-83D5-E808101241C6}"/>
+              </a:ext>
+            </a:extLst>
+          </p:cNvPr>
+          <p:cNvSpPr/>
+          <p:nvPr/>
+        </p:nvSpPr>
+        <p:spPr>
+          <a:xfrm>
+            <a:off x="10326337" y="4185136"/>
+            <a:ext cx="466599" cy="496722"/>
+          </a:xfrm>
+          <a:prstGeom prst="rect">
+            <a:avLst/>
+          </a:prstGeom>
+        </p:spPr>
+        <p:txBody>
+          <a:bodyPr wrap="none">
+            <a:spAutoFit/>
+          </a:bodyPr>
+          <a:lstStyle/>
+          <a:p>
+            <a:r>
+              <a:rPr lang="en-US" sz="2400" dirty="0"/>
+              <a:t>T</a:t>
+            </a:r>
+          </a:p>
+        </p:txBody>
+      </p:sp>
     </p:spTree>
     <p:extLst>
       <p:ext uri="{BB962C8B-B14F-4D97-AF65-F5344CB8AC3E}">
@@ -4095,7 +6138,7 @@
 </p:sld>
 </file>
 
-<file path=ppt/slides/slide2.xml><?xml version="1.0" encoding="utf-8"?>
+<file path=ppt/slides/slide3.xml><?xml version="1.0" encoding="utf-8"?>
 <p:sld xmlns:a="http://schemas.openxmlformats.org/drawingml/2006/main" xmlns:r="http://schemas.openxmlformats.org/officeDocument/2006/relationships" xmlns:p="http://schemas.openxmlformats.org/presentationml/2006/main">
   <p:cSld>
     <p:spTree>
@@ -4330,43 +6373,8 @@
           </p:style>
         </p:cxnSp>
       </p:grpSp>
-      <p:sp>
-        <p:nvSpPr>
-          <p:cNvPr id="4" name="TextBox 3">
-            <a:extLst>
-              <a:ext uri="{FF2B5EF4-FFF2-40B4-BE49-F238E27FC236}">
-                <a16:creationId xmlns:a16="http://schemas.microsoft.com/office/drawing/2014/main" id="{4E4FF310-A1A4-0740-8F32-6D5B86FBF9FA}"/>
-              </a:ext>
-            </a:extLst>
-          </p:cNvPr>
-          <p:cNvSpPr txBox="1"/>
-          <p:nvPr/>
-        </p:nvSpPr>
-        <p:spPr>
-          <a:xfrm>
-            <a:off x="50622" y="25522"/>
-            <a:ext cx="11269019" cy="461665"/>
-          </a:xfrm>
-          <a:prstGeom prst="rect">
-            <a:avLst/>
-          </a:prstGeom>
-          <a:noFill/>
-        </p:spPr>
-        <p:txBody>
-          <a:bodyPr wrap="square" rtlCol="0">
-            <a:spAutoFit/>
-          </a:bodyPr>
-          <a:lstStyle/>
-          <a:p>
-            <a:r>
-              <a:rPr lang="en-US" sz="2400" b="1" dirty="0"/>
-              <a:t>Multiple ways of thinking about the liquid-vapor phase boundary</a:t>
-            </a:r>
-          </a:p>
-        </p:txBody>
-      </p:sp>
-      <mc:AlternateContent xmlns:mc="http://schemas.openxmlformats.org/markup-compatibility/2006">
-        <mc:Choice xmlns:a14="http://schemas.microsoft.com/office/drawing/2010/main" Requires="a14">
+      <mc:AlternateContent xmlns:mc="http://schemas.openxmlformats.org/markup-compatibility/2006" xmlns:a14="http://schemas.microsoft.com/office/drawing/2010/main">
+        <mc:Choice Requires="a14">
           <p:sp>
             <p:nvSpPr>
               <p:cNvPr id="32" name="TextBox 31">
@@ -4445,53 +6453,65 @@
                 </a:endParaRPr>
               </a:p>
               <a:p>
-                <a:pPr marL="342900" indent="-342900">
-                  <a:buFont typeface="Arial" panose="020B0604020202020204" pitchFamily="34" charset="0"/>
-                  <a:buChar char="•"/>
-                </a:pPr>
-                <a:r>
-                  <a:rPr lang="en-US" sz="2200" b="0" dirty="0"/>
-                  <a:t>Is</a:t>
-                </a:r>
-                <a:r>
-                  <a:rPr lang="en-US" sz="2200" dirty="0"/>
-                  <a:t> the pressure of the gaseous form of a substance in equilibrium with its liquid form.</a:t>
-                </a:r>
-              </a:p>
-              <a:p>
-                <a:pPr marL="342900" indent="-342900">
+                <a:pPr marL="457200" indent="-457200">
                   <a:buFont typeface="Arial" panose="020B0604020202020204" pitchFamily="34" charset="0"/>
                   <a:buChar char="•"/>
                 </a:pPr>
                 <a:r>
                   <a:rPr lang="en-US" sz="2200" dirty="0"/>
-                  <a:t>Is also the pressure that we indicate in the two-phase region of a generic indicator diagram.</a:t>
+                  <a:t>Is the pressure of the gaseous form of a substance in equilibrium with its liquid form </a:t>
                 </a:r>
+                <a:r>
+                  <a:rPr lang="en-US" sz="2200" b="1" dirty="0"/>
+                  <a:t>(1)</a:t>
+                </a:r>
+                <a:r>
+                  <a:rPr lang="en-US" sz="2200" dirty="0"/>
+                  <a:t>.</a:t>
+                </a:r>
+                <a:endParaRPr lang="en-US" sz="2200" b="1" dirty="0"/>
               </a:p>
               <a:p>
-                <a:pPr marL="342900" indent="-342900">
+                <a:pPr marL="457200" indent="-457200">
                   <a:buFont typeface="Arial" panose="020B0604020202020204" pitchFamily="34" charset="0"/>
                   <a:buChar char="•"/>
                 </a:pPr>
                 <a:r>
                   <a:rPr lang="en-US" sz="2200" dirty="0"/>
-                  <a:t>Is strongly temperature dependent: warm air “holds more water vapor” than cold air, even though you don’t need air to come to this conclusion.</a:t>
+                  <a:t>Is also the pressure that we indicate in the two-phase region of a generic indicator diagram </a:t>
                 </a:r>
+                <a:r>
+                  <a:rPr lang="en-US" sz="2200" b="1" dirty="0"/>
+                  <a:t>(2)</a:t>
+                </a:r>
+                <a:r>
+                  <a:rPr lang="en-US" sz="2200" dirty="0"/>
+                  <a:t>.</a:t>
+                </a:r>
+                <a:endParaRPr lang="en-US" sz="2200" b="1" dirty="0"/>
               </a:p>
               <a:p>
-                <a:pPr marL="342900" indent="-342900">
+                <a:pPr marL="457200" indent="-457200">
                   <a:buFont typeface="Arial" panose="020B0604020202020204" pitchFamily="34" charset="0"/>
                   <a:buChar char="•"/>
                 </a:pPr>
                 <a:r>
                   <a:rPr lang="en-US" sz="2200" dirty="0"/>
-                  <a:t>Is sometimes referred to as the “Clausius-Clapeyron” curve, even though Clausius-Clapeyron is really a theoretical result.</a:t>
+                  <a:t>Is sometimes referred to as the Clausius-Clapeyron curve, even though Clausius-Clapeyron is really a theoretical result</a:t>
+                </a:r>
+                <a:r>
+                  <a:rPr lang="en-US" sz="2200" b="1" dirty="0"/>
+                  <a:t> (3)</a:t>
+                </a:r>
+                <a:r>
+                  <a:rPr lang="en-US" sz="2200" dirty="0"/>
+                  <a:t>. This figure also shows that the pressure is strongly temperature dependent: warm air “holds more water vapor” than cold air (even though you don’t need air to come to this conclusion).</a:t>
                 </a:r>
               </a:p>
             </p:txBody>
           </p:sp>
         </mc:Choice>
-        <mc:Fallback>
+        <mc:Fallback xmlns="">
           <p:sp>
             <p:nvSpPr>
               <p:cNvPr id="32" name="TextBox 31">
@@ -4517,7 +6537,7 @@
               <a:blipFill>
                 <a:blip r:embed="rId3"/>
                 <a:stretch>
-                  <a:fillRect l="-952" t="-1460" r="-317" b="-2555"/>
+                  <a:fillRect l="-952" t="-1460" r="-1429" b="-2555"/>
                 </a:stretch>
               </a:blipFill>
             </p:spPr>
@@ -5879,6 +7899,160 @@
           </p:sp>
         </mc:Fallback>
       </mc:AlternateContent>
+      <p:sp>
+        <p:nvSpPr>
+          <p:cNvPr id="2" name="TextBox 1">
+            <a:extLst>
+              <a:ext uri="{FF2B5EF4-FFF2-40B4-BE49-F238E27FC236}">
+                <a16:creationId xmlns:a16="http://schemas.microsoft.com/office/drawing/2014/main" id="{C2761A9C-A576-12F9-FCCB-F712A4992B1B}"/>
+              </a:ext>
+            </a:extLst>
+          </p:cNvPr>
+          <p:cNvSpPr txBox="1"/>
+          <p:nvPr/>
+        </p:nvSpPr>
+        <p:spPr>
+          <a:xfrm>
+            <a:off x="-6528" y="2663"/>
+            <a:ext cx="12198527" cy="461665"/>
+          </a:xfrm>
+          <a:prstGeom prst="rect">
+            <a:avLst/>
+          </a:prstGeom>
+          <a:solidFill>
+            <a:schemeClr val="accent2"/>
+          </a:solidFill>
+        </p:spPr>
+        <p:txBody>
+          <a:bodyPr wrap="square" rtlCol="0">
+            <a:spAutoFit/>
+          </a:bodyPr>
+          <a:lstStyle/>
+          <a:p>
+            <a:r>
+              <a:rPr lang="en-US" sz="2400" b="1" dirty="0"/>
+              <a:t>Recap: Multiple ways of thinking about the liquid-vapor phase boundary </a:t>
+            </a:r>
+          </a:p>
+        </p:txBody>
+      </p:sp>
+      <p:sp>
+        <p:nvSpPr>
+          <p:cNvPr id="5" name="TextBox 4">
+            <a:extLst>
+              <a:ext uri="{FF2B5EF4-FFF2-40B4-BE49-F238E27FC236}">
+                <a16:creationId xmlns:a16="http://schemas.microsoft.com/office/drawing/2014/main" id="{37029563-3D99-4FDA-906F-E5EF89553396}"/>
+              </a:ext>
+            </a:extLst>
+          </p:cNvPr>
+          <p:cNvSpPr txBox="1"/>
+          <p:nvPr/>
+        </p:nvSpPr>
+        <p:spPr>
+          <a:xfrm>
+            <a:off x="3152204" y="785322"/>
+            <a:ext cx="550825" cy="461665"/>
+          </a:xfrm>
+          <a:prstGeom prst="rect">
+            <a:avLst/>
+          </a:prstGeom>
+          <a:solidFill>
+            <a:schemeClr val="bg1">
+              <a:lumMod val="65000"/>
+            </a:schemeClr>
+          </a:solidFill>
+        </p:spPr>
+        <p:txBody>
+          <a:bodyPr wrap="square">
+            <a:spAutoFit/>
+          </a:bodyPr>
+          <a:lstStyle/>
+          <a:p>
+            <a:r>
+              <a:rPr lang="en-US" sz="2400" b="1" dirty="0"/>
+              <a:t>(1)</a:t>
+            </a:r>
+          </a:p>
+        </p:txBody>
+      </p:sp>
+      <p:sp>
+        <p:nvSpPr>
+          <p:cNvPr id="6" name="TextBox 5">
+            <a:extLst>
+              <a:ext uri="{FF2B5EF4-FFF2-40B4-BE49-F238E27FC236}">
+                <a16:creationId xmlns:a16="http://schemas.microsoft.com/office/drawing/2014/main" id="{232E4FAA-D15D-E688-A197-BD1AA587F203}"/>
+              </a:ext>
+            </a:extLst>
+          </p:cNvPr>
+          <p:cNvSpPr txBox="1"/>
+          <p:nvPr/>
+        </p:nvSpPr>
+        <p:spPr>
+          <a:xfrm>
+            <a:off x="2655142" y="4639036"/>
+            <a:ext cx="528540" cy="461665"/>
+          </a:xfrm>
+          <a:prstGeom prst="rect">
+            <a:avLst/>
+          </a:prstGeom>
+          <a:solidFill>
+            <a:schemeClr val="bg1">
+              <a:lumMod val="65000"/>
+            </a:schemeClr>
+          </a:solidFill>
+        </p:spPr>
+        <p:txBody>
+          <a:bodyPr wrap="square">
+            <a:spAutoFit/>
+          </a:bodyPr>
+          <a:lstStyle/>
+          <a:p>
+            <a:r>
+              <a:rPr lang="en-US" sz="2400" b="1" dirty="0"/>
+              <a:t>(2)</a:t>
+            </a:r>
+          </a:p>
+        </p:txBody>
+      </p:sp>
+      <p:sp>
+        <p:nvSpPr>
+          <p:cNvPr id="7" name="TextBox 6">
+            <a:extLst>
+              <a:ext uri="{FF2B5EF4-FFF2-40B4-BE49-F238E27FC236}">
+                <a16:creationId xmlns:a16="http://schemas.microsoft.com/office/drawing/2014/main" id="{452F635F-3810-46E4-E681-E2E89910F9E5}"/>
+              </a:ext>
+            </a:extLst>
+          </p:cNvPr>
+          <p:cNvSpPr txBox="1"/>
+          <p:nvPr/>
+        </p:nvSpPr>
+        <p:spPr>
+          <a:xfrm>
+            <a:off x="9028742" y="4491191"/>
+            <a:ext cx="550825" cy="461665"/>
+          </a:xfrm>
+          <a:prstGeom prst="rect">
+            <a:avLst/>
+          </a:prstGeom>
+          <a:solidFill>
+            <a:schemeClr val="bg1">
+              <a:lumMod val="65000"/>
+            </a:schemeClr>
+          </a:solidFill>
+        </p:spPr>
+        <p:txBody>
+          <a:bodyPr wrap="square">
+            <a:spAutoFit/>
+          </a:bodyPr>
+          <a:lstStyle/>
+          <a:p>
+            <a:r>
+              <a:rPr lang="en-US" sz="2400" b="1" dirty="0"/>
+              <a:t>(3)</a:t>
+            </a:r>
+          </a:p>
+        </p:txBody>
+      </p:sp>
     </p:spTree>
     <p:extLst>
       <p:ext uri="{BB962C8B-B14F-4D97-AF65-F5344CB8AC3E}">
@@ -5892,7 +8066,1054 @@
 </p:sld>
 </file>
 
-<file path=ppt/slides/slide3.xml><?xml version="1.0" encoding="utf-8"?>
+<file path=ppt/slides/slide4.xml><?xml version="1.0" encoding="utf-8"?>
+<p:sld xmlns:a="http://schemas.openxmlformats.org/drawingml/2006/main" xmlns:r="http://schemas.openxmlformats.org/officeDocument/2006/relationships" xmlns:p="http://schemas.openxmlformats.org/presentationml/2006/main">
+  <p:cSld>
+    <p:spTree>
+      <p:nvGrpSpPr>
+        <p:cNvPr id="1" name=""/>
+        <p:cNvGrpSpPr/>
+        <p:nvPr/>
+      </p:nvGrpSpPr>
+      <p:grpSpPr>
+        <a:xfrm>
+          <a:off x="0" y="0"/>
+          <a:ext cx="0" cy="0"/>
+          <a:chOff x="0" y="0"/>
+          <a:chExt cx="0" cy="0"/>
+        </a:xfrm>
+      </p:grpSpPr>
+      <p:grpSp>
+        <p:nvGrpSpPr>
+          <p:cNvPr id="56" name="Group 55">
+            <a:extLst>
+              <a:ext uri="{FF2B5EF4-FFF2-40B4-BE49-F238E27FC236}">
+                <a16:creationId xmlns:a16="http://schemas.microsoft.com/office/drawing/2014/main" id="{B06C4330-1776-B94C-BB5D-7F3CA2EA2D03}"/>
+              </a:ext>
+            </a:extLst>
+          </p:cNvPr>
+          <p:cNvGrpSpPr/>
+          <p:nvPr/>
+        </p:nvGrpSpPr>
+        <p:grpSpPr>
+          <a:xfrm>
+            <a:off x="2607205" y="1085493"/>
+            <a:ext cx="6425584" cy="4363836"/>
+            <a:chOff x="4195746" y="533971"/>
+            <a:chExt cx="3566114" cy="2545953"/>
+          </a:xfrm>
+        </p:grpSpPr>
+        <p:grpSp>
+          <p:nvGrpSpPr>
+            <p:cNvPr id="58" name="Group 57">
+              <a:extLst>
+                <a:ext uri="{FF2B5EF4-FFF2-40B4-BE49-F238E27FC236}">
+                  <a16:creationId xmlns:a16="http://schemas.microsoft.com/office/drawing/2014/main" id="{60078579-8C3A-224B-A81D-A91A4717262D}"/>
+                </a:ext>
+              </a:extLst>
+            </p:cNvPr>
+            <p:cNvGrpSpPr/>
+            <p:nvPr/>
+          </p:nvGrpSpPr>
+          <p:grpSpPr>
+            <a:xfrm>
+              <a:off x="4195746" y="533971"/>
+              <a:ext cx="3566114" cy="2545953"/>
+              <a:chOff x="8036632" y="1069180"/>
+              <a:chExt cx="4091370" cy="2872746"/>
+            </a:xfrm>
+          </p:grpSpPr>
+          <p:grpSp>
+            <p:nvGrpSpPr>
+              <p:cNvPr id="60" name="Group 59">
+                <a:extLst>
+                  <a:ext uri="{FF2B5EF4-FFF2-40B4-BE49-F238E27FC236}">
+                    <a16:creationId xmlns:a16="http://schemas.microsoft.com/office/drawing/2014/main" id="{F885F7F7-5B35-604D-8AF8-0DE8F0E1E87A}"/>
+                  </a:ext>
+                </a:extLst>
+              </p:cNvPr>
+              <p:cNvGrpSpPr/>
+              <p:nvPr/>
+            </p:nvGrpSpPr>
+            <p:grpSpPr>
+              <a:xfrm>
+                <a:off x="8036632" y="1069180"/>
+                <a:ext cx="4091370" cy="2872746"/>
+                <a:chOff x="151061" y="1828307"/>
+                <a:chExt cx="3482295" cy="2855250"/>
+              </a:xfrm>
+            </p:grpSpPr>
+            <p:pic>
+              <p:nvPicPr>
+                <p:cNvPr id="62" name="Picture 2" descr="Image result for phase diagrams">
+                  <a:extLst>
+                    <a:ext uri="{FF2B5EF4-FFF2-40B4-BE49-F238E27FC236}">
+                      <a16:creationId xmlns:a16="http://schemas.microsoft.com/office/drawing/2014/main" id="{CDE9E034-98ED-0D43-B62D-1A973544205F}"/>
+                    </a:ext>
+                  </a:extLst>
+                </p:cNvPr>
+                <p:cNvPicPr>
+                  <a:picLocks noChangeAspect="1" noChangeArrowheads="1"/>
+                </p:cNvPicPr>
+                <p:nvPr/>
+              </p:nvPicPr>
+              <p:blipFill rotWithShape="1">
+                <a:blip r:embed="rId2">
+                  <a:extLst>
+                    <a:ext uri="{28A0092B-C50C-407E-A947-70E740481C1C}">
+                      <a14:useLocalDpi xmlns:a14="http://schemas.microsoft.com/office/drawing/2010/main" val="0"/>
+                    </a:ext>
+                  </a:extLst>
+                </a:blip>
+                <a:srcRect l="13773" b="5795"/>
+                <a:stretch/>
+              </p:blipFill>
+              <p:spPr bwMode="auto">
+                <a:xfrm>
+                  <a:off x="406438" y="1828307"/>
+                  <a:ext cx="2891481" cy="2632482"/>
+                </a:xfrm>
+                <a:prstGeom prst="rect">
+                  <a:avLst/>
+                </a:prstGeom>
+                <a:noFill/>
+                <a:extLst>
+                  <a:ext uri="{909E8E84-426E-40DD-AFC4-6F175D3DCCD1}">
+                    <a14:hiddenFill xmlns:a14="http://schemas.microsoft.com/office/drawing/2010/main">
+                      <a:solidFill>
+                        <a:srgbClr val="FFFFFF"/>
+                      </a:solidFill>
+                    </a14:hiddenFill>
+                  </a:ext>
+                </a:extLst>
+              </p:spPr>
+            </p:pic>
+            <p:sp>
+              <p:nvSpPr>
+                <p:cNvPr id="63" name="Rectangle 62">
+                  <a:extLst>
+                    <a:ext uri="{FF2B5EF4-FFF2-40B4-BE49-F238E27FC236}">
+                      <a16:creationId xmlns:a16="http://schemas.microsoft.com/office/drawing/2014/main" id="{C75F3DED-549D-8945-AD74-6435DB1B05E8}"/>
+                    </a:ext>
+                  </a:extLst>
+                </p:cNvPr>
+                <p:cNvSpPr/>
+                <p:nvPr/>
+              </p:nvSpPr>
+              <p:spPr>
+                <a:xfrm>
+                  <a:off x="151061" y="2242001"/>
+                  <a:ext cx="343364" cy="461665"/>
+                </a:xfrm>
+                <a:prstGeom prst="rect">
+                  <a:avLst/>
+                </a:prstGeom>
+              </p:spPr>
+              <p:txBody>
+                <a:bodyPr wrap="none">
+                  <a:spAutoFit/>
+                </a:bodyPr>
+                <a:lstStyle/>
+                <a:p>
+                  <a:r>
+                    <a:rPr lang="en-US" sz="2400" dirty="0"/>
+                    <a:t>P</a:t>
+                  </a:r>
+                </a:p>
+              </p:txBody>
+            </p:sp>
+            <p:sp>
+              <p:nvSpPr>
+                <p:cNvPr id="64" name="Rectangle 63">
+                  <a:extLst>
+                    <a:ext uri="{FF2B5EF4-FFF2-40B4-BE49-F238E27FC236}">
+                      <a16:creationId xmlns:a16="http://schemas.microsoft.com/office/drawing/2014/main" id="{ECB8D77A-6873-EF4D-B1EC-B01D76204339}"/>
+                    </a:ext>
+                  </a:extLst>
+                </p:cNvPr>
+                <p:cNvSpPr/>
+                <p:nvPr/>
+              </p:nvSpPr>
+              <p:spPr>
+                <a:xfrm>
+                  <a:off x="3298008" y="4221892"/>
+                  <a:ext cx="335348" cy="461665"/>
+                </a:xfrm>
+                <a:prstGeom prst="rect">
+                  <a:avLst/>
+                </a:prstGeom>
+              </p:spPr>
+              <p:txBody>
+                <a:bodyPr wrap="none">
+                  <a:spAutoFit/>
+                </a:bodyPr>
+                <a:lstStyle/>
+                <a:p>
+                  <a:r>
+                    <a:rPr lang="en-US" sz="2400" dirty="0"/>
+                    <a:t>T</a:t>
+                  </a:r>
+                </a:p>
+              </p:txBody>
+            </p:sp>
+          </p:grpSp>
+          <p:sp>
+            <p:nvSpPr>
+              <p:cNvPr id="61" name="Freeform 60">
+                <a:extLst>
+                  <a:ext uri="{FF2B5EF4-FFF2-40B4-BE49-F238E27FC236}">
+                    <a16:creationId xmlns:a16="http://schemas.microsoft.com/office/drawing/2014/main" id="{4DE7DD1E-11C0-0447-BE40-8BCBFB5C2427}"/>
+                  </a:ext>
+                </a:extLst>
+              </p:cNvPr>
+              <p:cNvSpPr/>
+              <p:nvPr/>
+            </p:nvSpPr>
+            <p:spPr>
+              <a:xfrm>
+                <a:off x="9483213" y="1968497"/>
+                <a:ext cx="1823428" cy="1241951"/>
+              </a:xfrm>
+              <a:custGeom>
+                <a:avLst/>
+                <a:gdLst>
+                  <a:gd name="connsiteX0" fmla="*/ 0 w 1823428"/>
+                  <a:gd name="connsiteY0" fmla="*/ 1241951 h 1241951"/>
+                  <a:gd name="connsiteX1" fmla="*/ 353961 w 1823428"/>
+                  <a:gd name="connsiteY1" fmla="*/ 1153461 h 1241951"/>
+                  <a:gd name="connsiteX2" fmla="*/ 693174 w 1823428"/>
+                  <a:gd name="connsiteY2" fmla="*/ 1064970 h 1241951"/>
+                  <a:gd name="connsiteX3" fmla="*/ 988142 w 1823428"/>
+                  <a:gd name="connsiteY3" fmla="*/ 917486 h 1241951"/>
+                  <a:gd name="connsiteX4" fmla="*/ 1283110 w 1823428"/>
+                  <a:gd name="connsiteY4" fmla="*/ 725757 h 1241951"/>
+                  <a:gd name="connsiteX5" fmla="*/ 1548581 w 1823428"/>
+                  <a:gd name="connsiteY5" fmla="*/ 460286 h 1241951"/>
+                  <a:gd name="connsiteX6" fmla="*/ 1799303 w 1823428"/>
+                  <a:gd name="connsiteY6" fmla="*/ 32583 h 1241951"/>
+                  <a:gd name="connsiteX7" fmla="*/ 1799303 w 1823428"/>
+                  <a:gd name="connsiteY7" fmla="*/ 62080 h 1241951"/>
+                </a:gdLst>
+                <a:ahLst/>
+                <a:cxnLst>
+                  <a:cxn ang="0">
+                    <a:pos x="connsiteX0" y="connsiteY0"/>
+                  </a:cxn>
+                  <a:cxn ang="0">
+                    <a:pos x="connsiteX1" y="connsiteY1"/>
+                  </a:cxn>
+                  <a:cxn ang="0">
+                    <a:pos x="connsiteX2" y="connsiteY2"/>
+                  </a:cxn>
+                  <a:cxn ang="0">
+                    <a:pos x="connsiteX3" y="connsiteY3"/>
+                  </a:cxn>
+                  <a:cxn ang="0">
+                    <a:pos x="connsiteX4" y="connsiteY4"/>
+                  </a:cxn>
+                  <a:cxn ang="0">
+                    <a:pos x="connsiteX5" y="connsiteY5"/>
+                  </a:cxn>
+                  <a:cxn ang="0">
+                    <a:pos x="connsiteX6" y="connsiteY6"/>
+                  </a:cxn>
+                  <a:cxn ang="0">
+                    <a:pos x="connsiteX7" y="connsiteY7"/>
+                  </a:cxn>
+                </a:cxnLst>
+                <a:rect l="l" t="t" r="r" b="b"/>
+                <a:pathLst>
+                  <a:path w="1823428" h="1241951">
+                    <a:moveTo>
+                      <a:pt x="0" y="1241951"/>
+                    </a:moveTo>
+                    <a:lnTo>
+                      <a:pt x="353961" y="1153461"/>
+                    </a:lnTo>
+                    <a:cubicBezTo>
+                      <a:pt x="469490" y="1123964"/>
+                      <a:pt x="587477" y="1104299"/>
+                      <a:pt x="693174" y="1064970"/>
+                    </a:cubicBezTo>
+                    <a:cubicBezTo>
+                      <a:pt x="798871" y="1025641"/>
+                      <a:pt x="889819" y="974021"/>
+                      <a:pt x="988142" y="917486"/>
+                    </a:cubicBezTo>
+                    <a:cubicBezTo>
+                      <a:pt x="1086465" y="860950"/>
+                      <a:pt x="1189704" y="801957"/>
+                      <a:pt x="1283110" y="725757"/>
+                    </a:cubicBezTo>
+                    <a:cubicBezTo>
+                      <a:pt x="1376517" y="649557"/>
+                      <a:pt x="1462549" y="575815"/>
+                      <a:pt x="1548581" y="460286"/>
+                    </a:cubicBezTo>
+                    <a:cubicBezTo>
+                      <a:pt x="1634613" y="344757"/>
+                      <a:pt x="1757516" y="98951"/>
+                      <a:pt x="1799303" y="32583"/>
+                    </a:cubicBezTo>
+                    <a:cubicBezTo>
+                      <a:pt x="1841090" y="-33785"/>
+                      <a:pt x="1820196" y="14147"/>
+                      <a:pt x="1799303" y="62080"/>
+                    </a:cubicBezTo>
+                  </a:path>
+                </a:pathLst>
+              </a:custGeom>
+              <a:noFill/>
+              <a:ln w="101600">
+                <a:solidFill>
+                  <a:srgbClr val="00B050"/>
+                </a:solidFill>
+              </a:ln>
+            </p:spPr>
+            <p:style>
+              <a:lnRef idx="2">
+                <a:schemeClr val="accent1">
+                  <a:shade val="50000"/>
+                </a:schemeClr>
+              </a:lnRef>
+              <a:fillRef idx="1">
+                <a:schemeClr val="accent1"/>
+              </a:fillRef>
+              <a:effectRef idx="0">
+                <a:schemeClr val="accent1"/>
+              </a:effectRef>
+              <a:fontRef idx="minor">
+                <a:schemeClr val="lt1"/>
+              </a:fontRef>
+            </p:style>
+            <p:txBody>
+              <a:bodyPr rtlCol="0" anchor="ctr"/>
+              <a:lstStyle/>
+              <a:p>
+                <a:pPr algn="ctr"/>
+                <a:endParaRPr lang="en-US" dirty="0"/>
+              </a:p>
+            </p:txBody>
+          </p:sp>
+        </p:grpSp>
+        <p:cxnSp>
+          <p:nvCxnSpPr>
+            <p:cNvPr id="59" name="Straight Arrow Connector 58">
+              <a:extLst>
+                <a:ext uri="{FF2B5EF4-FFF2-40B4-BE49-F238E27FC236}">
+                  <a16:creationId xmlns:a16="http://schemas.microsoft.com/office/drawing/2014/main" id="{53180E10-7E3B-F648-8FC4-9DC0A6031504}"/>
+                </a:ext>
+              </a:extLst>
+            </p:cNvPr>
+            <p:cNvCxnSpPr>
+              <a:cxnSpLocks/>
+              <a:stCxn id="61" idx="5"/>
+            </p:cNvCxnSpPr>
+            <p:nvPr/>
+          </p:nvCxnSpPr>
+          <p:spPr>
+            <a:xfrm flipV="1">
+              <a:off x="6806386" y="1228099"/>
+              <a:ext cx="300338" cy="510811"/>
+            </a:xfrm>
+            <a:prstGeom prst="straightConnector1">
+              <a:avLst/>
+            </a:prstGeom>
+            <a:ln w="101600">
+              <a:solidFill>
+                <a:srgbClr val="00B050"/>
+              </a:solidFill>
+              <a:tailEnd type="triangle"/>
+            </a:ln>
+          </p:spPr>
+          <p:style>
+            <a:lnRef idx="1">
+              <a:schemeClr val="accent1"/>
+            </a:lnRef>
+            <a:fillRef idx="0">
+              <a:schemeClr val="accent1"/>
+            </a:fillRef>
+            <a:effectRef idx="0">
+              <a:schemeClr val="accent1"/>
+            </a:effectRef>
+            <a:fontRef idx="minor">
+              <a:schemeClr val="tx1"/>
+            </a:fontRef>
+          </p:style>
+        </p:cxnSp>
+      </p:grpSp>
+      <p:sp>
+        <p:nvSpPr>
+          <p:cNvPr id="2" name="TextBox 1">
+            <a:extLst>
+              <a:ext uri="{FF2B5EF4-FFF2-40B4-BE49-F238E27FC236}">
+                <a16:creationId xmlns:a16="http://schemas.microsoft.com/office/drawing/2014/main" id="{C2761A9C-A576-12F9-FCCB-F712A4992B1B}"/>
+              </a:ext>
+            </a:extLst>
+          </p:cNvPr>
+          <p:cNvSpPr txBox="1"/>
+          <p:nvPr/>
+        </p:nvSpPr>
+        <p:spPr>
+          <a:xfrm>
+            <a:off x="-6528" y="2663"/>
+            <a:ext cx="12198527" cy="461665"/>
+          </a:xfrm>
+          <a:prstGeom prst="rect">
+            <a:avLst/>
+          </a:prstGeom>
+          <a:solidFill>
+            <a:schemeClr val="accent2"/>
+          </a:solidFill>
+        </p:spPr>
+        <p:txBody>
+          <a:bodyPr wrap="square" rtlCol="0">
+            <a:spAutoFit/>
+          </a:bodyPr>
+          <a:lstStyle/>
+          <a:p>
+            <a:r>
+              <a:rPr lang="en-US" sz="2400" b="1" dirty="0"/>
+              <a:t>Aside: Why Mars is icy, Earth has oceans, and Venus is crazy hot (a very tenuous explanation)</a:t>
+            </a:r>
+          </a:p>
+        </p:txBody>
+      </p:sp>
+      <p:sp>
+        <p:nvSpPr>
+          <p:cNvPr id="3" name="Freeform 2">
+            <a:extLst>
+              <a:ext uri="{FF2B5EF4-FFF2-40B4-BE49-F238E27FC236}">
+                <a16:creationId xmlns:a16="http://schemas.microsoft.com/office/drawing/2014/main" id="{B3D50429-8C4C-AE09-E13D-D52C84AF3F1D}"/>
+              </a:ext>
+            </a:extLst>
+          </p:cNvPr>
+          <p:cNvSpPr/>
+          <p:nvPr/>
+        </p:nvSpPr>
+        <p:spPr>
+          <a:xfrm>
+            <a:off x="4287795" y="4497859"/>
+            <a:ext cx="333632" cy="568411"/>
+          </a:xfrm>
+          <a:custGeom>
+            <a:avLst/>
+            <a:gdLst>
+              <a:gd name="connsiteX0" fmla="*/ 0 w 333632"/>
+              <a:gd name="connsiteY0" fmla="*/ 568411 h 568411"/>
+              <a:gd name="connsiteX1" fmla="*/ 49427 w 333632"/>
+              <a:gd name="connsiteY1" fmla="*/ 407773 h 568411"/>
+              <a:gd name="connsiteX2" fmla="*/ 61783 w 333632"/>
+              <a:gd name="connsiteY2" fmla="*/ 395417 h 568411"/>
+              <a:gd name="connsiteX3" fmla="*/ 135924 w 333632"/>
+              <a:gd name="connsiteY3" fmla="*/ 259492 h 568411"/>
+              <a:gd name="connsiteX4" fmla="*/ 259491 w 333632"/>
+              <a:gd name="connsiteY4" fmla="*/ 98855 h 568411"/>
+              <a:gd name="connsiteX5" fmla="*/ 333632 w 333632"/>
+              <a:gd name="connsiteY5" fmla="*/ 0 h 568411"/>
+            </a:gdLst>
+            <a:ahLst/>
+            <a:cxnLst>
+              <a:cxn ang="0">
+                <a:pos x="connsiteX0" y="connsiteY0"/>
+              </a:cxn>
+              <a:cxn ang="0">
+                <a:pos x="connsiteX1" y="connsiteY1"/>
+              </a:cxn>
+              <a:cxn ang="0">
+                <a:pos x="connsiteX2" y="connsiteY2"/>
+              </a:cxn>
+              <a:cxn ang="0">
+                <a:pos x="connsiteX3" y="connsiteY3"/>
+              </a:cxn>
+              <a:cxn ang="0">
+                <a:pos x="connsiteX4" y="connsiteY4"/>
+              </a:cxn>
+              <a:cxn ang="0">
+                <a:pos x="connsiteX5" y="connsiteY5"/>
+              </a:cxn>
+            </a:cxnLst>
+            <a:rect l="l" t="t" r="r" b="b"/>
+            <a:pathLst>
+              <a:path w="333632" h="568411">
+                <a:moveTo>
+                  <a:pt x="0" y="568411"/>
+                </a:moveTo>
+                <a:cubicBezTo>
+                  <a:pt x="19565" y="502508"/>
+                  <a:pt x="39130" y="436605"/>
+                  <a:pt x="49427" y="407773"/>
+                </a:cubicBezTo>
+                <a:cubicBezTo>
+                  <a:pt x="59724" y="378941"/>
+                  <a:pt x="47367" y="420130"/>
+                  <a:pt x="61783" y="395417"/>
+                </a:cubicBezTo>
+                <a:cubicBezTo>
+                  <a:pt x="76199" y="370703"/>
+                  <a:pt x="102973" y="308919"/>
+                  <a:pt x="135924" y="259492"/>
+                </a:cubicBezTo>
+                <a:cubicBezTo>
+                  <a:pt x="168875" y="210065"/>
+                  <a:pt x="226540" y="142104"/>
+                  <a:pt x="259491" y="98855"/>
+                </a:cubicBezTo>
+                <a:cubicBezTo>
+                  <a:pt x="292442" y="55606"/>
+                  <a:pt x="313037" y="27803"/>
+                  <a:pt x="333632" y="0"/>
+                </a:cubicBezTo>
+              </a:path>
+            </a:pathLst>
+          </a:custGeom>
+          <a:noFill/>
+          <a:ln w="63500"/>
+        </p:spPr>
+        <p:style>
+          <a:lnRef idx="2">
+            <a:schemeClr val="accent1">
+              <a:shade val="50000"/>
+            </a:schemeClr>
+          </a:lnRef>
+          <a:fillRef idx="1">
+            <a:schemeClr val="accent1"/>
+          </a:fillRef>
+          <a:effectRef idx="0">
+            <a:schemeClr val="accent1"/>
+          </a:effectRef>
+          <a:fontRef idx="minor">
+            <a:schemeClr val="lt1"/>
+          </a:fontRef>
+        </p:style>
+        <p:txBody>
+          <a:bodyPr rtlCol="0" anchor="ctr"/>
+          <a:lstStyle/>
+          <a:p>
+            <a:pPr algn="ctr"/>
+            <a:endParaRPr lang="en-US"/>
+          </a:p>
+        </p:txBody>
+      </p:sp>
+      <p:sp>
+        <p:nvSpPr>
+          <p:cNvPr id="4" name="Freeform 3">
+            <a:extLst>
+              <a:ext uri="{FF2B5EF4-FFF2-40B4-BE49-F238E27FC236}">
+                <a16:creationId xmlns:a16="http://schemas.microsoft.com/office/drawing/2014/main" id="{AE93D382-E48C-AE99-9A76-AF357A651BE7}"/>
+              </a:ext>
+            </a:extLst>
+          </p:cNvPr>
+          <p:cNvSpPr/>
+          <p:nvPr/>
+        </p:nvSpPr>
+        <p:spPr>
+          <a:xfrm>
+            <a:off x="4543400" y="4338181"/>
+            <a:ext cx="461086" cy="728090"/>
+          </a:xfrm>
+          <a:custGeom>
+            <a:avLst/>
+            <a:gdLst>
+              <a:gd name="connsiteX0" fmla="*/ 0 w 333632"/>
+              <a:gd name="connsiteY0" fmla="*/ 568411 h 568411"/>
+              <a:gd name="connsiteX1" fmla="*/ 49427 w 333632"/>
+              <a:gd name="connsiteY1" fmla="*/ 407773 h 568411"/>
+              <a:gd name="connsiteX2" fmla="*/ 61783 w 333632"/>
+              <a:gd name="connsiteY2" fmla="*/ 395417 h 568411"/>
+              <a:gd name="connsiteX3" fmla="*/ 135924 w 333632"/>
+              <a:gd name="connsiteY3" fmla="*/ 259492 h 568411"/>
+              <a:gd name="connsiteX4" fmla="*/ 259491 w 333632"/>
+              <a:gd name="connsiteY4" fmla="*/ 98855 h 568411"/>
+              <a:gd name="connsiteX5" fmla="*/ 333632 w 333632"/>
+              <a:gd name="connsiteY5" fmla="*/ 0 h 568411"/>
+            </a:gdLst>
+            <a:ahLst/>
+            <a:cxnLst>
+              <a:cxn ang="0">
+                <a:pos x="connsiteX0" y="connsiteY0"/>
+              </a:cxn>
+              <a:cxn ang="0">
+                <a:pos x="connsiteX1" y="connsiteY1"/>
+              </a:cxn>
+              <a:cxn ang="0">
+                <a:pos x="connsiteX2" y="connsiteY2"/>
+              </a:cxn>
+              <a:cxn ang="0">
+                <a:pos x="connsiteX3" y="connsiteY3"/>
+              </a:cxn>
+              <a:cxn ang="0">
+                <a:pos x="connsiteX4" y="connsiteY4"/>
+              </a:cxn>
+              <a:cxn ang="0">
+                <a:pos x="connsiteX5" y="connsiteY5"/>
+              </a:cxn>
+            </a:cxnLst>
+            <a:rect l="l" t="t" r="r" b="b"/>
+            <a:pathLst>
+              <a:path w="333632" h="568411">
+                <a:moveTo>
+                  <a:pt x="0" y="568411"/>
+                </a:moveTo>
+                <a:cubicBezTo>
+                  <a:pt x="19565" y="502508"/>
+                  <a:pt x="39130" y="436605"/>
+                  <a:pt x="49427" y="407773"/>
+                </a:cubicBezTo>
+                <a:cubicBezTo>
+                  <a:pt x="59724" y="378941"/>
+                  <a:pt x="47367" y="420130"/>
+                  <a:pt x="61783" y="395417"/>
+                </a:cubicBezTo>
+                <a:cubicBezTo>
+                  <a:pt x="76199" y="370703"/>
+                  <a:pt x="102973" y="308919"/>
+                  <a:pt x="135924" y="259492"/>
+                </a:cubicBezTo>
+                <a:cubicBezTo>
+                  <a:pt x="168875" y="210065"/>
+                  <a:pt x="226540" y="142104"/>
+                  <a:pt x="259491" y="98855"/>
+                </a:cubicBezTo>
+                <a:cubicBezTo>
+                  <a:pt x="292442" y="55606"/>
+                  <a:pt x="313037" y="27803"/>
+                  <a:pt x="333632" y="0"/>
+                </a:cubicBezTo>
+              </a:path>
+            </a:pathLst>
+          </a:custGeom>
+          <a:noFill/>
+          <a:ln w="63500"/>
+        </p:spPr>
+        <p:style>
+          <a:lnRef idx="2">
+            <a:schemeClr val="accent1">
+              <a:shade val="50000"/>
+            </a:schemeClr>
+          </a:lnRef>
+          <a:fillRef idx="1">
+            <a:schemeClr val="accent1"/>
+          </a:fillRef>
+          <a:effectRef idx="0">
+            <a:schemeClr val="accent1"/>
+          </a:effectRef>
+          <a:fontRef idx="minor">
+            <a:schemeClr val="lt1"/>
+          </a:fontRef>
+        </p:style>
+        <p:txBody>
+          <a:bodyPr rtlCol="0" anchor="ctr"/>
+          <a:lstStyle/>
+          <a:p>
+            <a:pPr algn="ctr"/>
+            <a:endParaRPr lang="en-US"/>
+          </a:p>
+        </p:txBody>
+      </p:sp>
+      <p:sp>
+        <p:nvSpPr>
+          <p:cNvPr id="9" name="Freeform 8">
+            <a:extLst>
+              <a:ext uri="{FF2B5EF4-FFF2-40B4-BE49-F238E27FC236}">
+                <a16:creationId xmlns:a16="http://schemas.microsoft.com/office/drawing/2014/main" id="{3BB7EC71-0167-F832-1631-64E364B27327}"/>
+              </a:ext>
+            </a:extLst>
+          </p:cNvPr>
+          <p:cNvSpPr/>
+          <p:nvPr/>
+        </p:nvSpPr>
+        <p:spPr>
+          <a:xfrm>
+            <a:off x="4868562" y="3954162"/>
+            <a:ext cx="3237470" cy="1112108"/>
+          </a:xfrm>
+          <a:custGeom>
+            <a:avLst/>
+            <a:gdLst>
+              <a:gd name="connsiteX0" fmla="*/ 0 w 3237470"/>
+              <a:gd name="connsiteY0" fmla="*/ 1112108 h 1112108"/>
+              <a:gd name="connsiteX1" fmla="*/ 74141 w 3237470"/>
+              <a:gd name="connsiteY1" fmla="*/ 864973 h 1112108"/>
+              <a:gd name="connsiteX2" fmla="*/ 234779 w 3237470"/>
+              <a:gd name="connsiteY2" fmla="*/ 630195 h 1112108"/>
+              <a:gd name="connsiteX3" fmla="*/ 370703 w 3237470"/>
+              <a:gd name="connsiteY3" fmla="*/ 531341 h 1112108"/>
+              <a:gd name="connsiteX4" fmla="*/ 753762 w 3237470"/>
+              <a:gd name="connsiteY4" fmla="*/ 358346 h 1112108"/>
+              <a:gd name="connsiteX5" fmla="*/ 1112108 w 3237470"/>
+              <a:gd name="connsiteY5" fmla="*/ 259492 h 1112108"/>
+              <a:gd name="connsiteX6" fmla="*/ 1791730 w 3237470"/>
+              <a:gd name="connsiteY6" fmla="*/ 148281 h 1112108"/>
+              <a:gd name="connsiteX7" fmla="*/ 2397211 w 3237470"/>
+              <a:gd name="connsiteY7" fmla="*/ 86497 h 1112108"/>
+              <a:gd name="connsiteX8" fmla="*/ 2990335 w 3237470"/>
+              <a:gd name="connsiteY8" fmla="*/ 24714 h 1112108"/>
+              <a:gd name="connsiteX9" fmla="*/ 3237470 w 3237470"/>
+              <a:gd name="connsiteY9" fmla="*/ 0 h 1112108"/>
+            </a:gdLst>
+            <a:ahLst/>
+            <a:cxnLst>
+              <a:cxn ang="0">
+                <a:pos x="connsiteX0" y="connsiteY0"/>
+              </a:cxn>
+              <a:cxn ang="0">
+                <a:pos x="connsiteX1" y="connsiteY1"/>
+              </a:cxn>
+              <a:cxn ang="0">
+                <a:pos x="connsiteX2" y="connsiteY2"/>
+              </a:cxn>
+              <a:cxn ang="0">
+                <a:pos x="connsiteX3" y="connsiteY3"/>
+              </a:cxn>
+              <a:cxn ang="0">
+                <a:pos x="connsiteX4" y="connsiteY4"/>
+              </a:cxn>
+              <a:cxn ang="0">
+                <a:pos x="connsiteX5" y="connsiteY5"/>
+              </a:cxn>
+              <a:cxn ang="0">
+                <a:pos x="connsiteX6" y="connsiteY6"/>
+              </a:cxn>
+              <a:cxn ang="0">
+                <a:pos x="connsiteX7" y="connsiteY7"/>
+              </a:cxn>
+              <a:cxn ang="0">
+                <a:pos x="connsiteX8" y="connsiteY8"/>
+              </a:cxn>
+              <a:cxn ang="0">
+                <a:pos x="connsiteX9" y="connsiteY9"/>
+              </a:cxn>
+            </a:cxnLst>
+            <a:rect l="l" t="t" r="r" b="b"/>
+            <a:pathLst>
+              <a:path w="3237470" h="1112108">
+                <a:moveTo>
+                  <a:pt x="0" y="1112108"/>
+                </a:moveTo>
+                <a:cubicBezTo>
+                  <a:pt x="17505" y="1028700"/>
+                  <a:pt x="35011" y="945292"/>
+                  <a:pt x="74141" y="864973"/>
+                </a:cubicBezTo>
+                <a:cubicBezTo>
+                  <a:pt x="113271" y="784654"/>
+                  <a:pt x="185352" y="685800"/>
+                  <a:pt x="234779" y="630195"/>
+                </a:cubicBezTo>
+                <a:cubicBezTo>
+                  <a:pt x="284206" y="574590"/>
+                  <a:pt x="284206" y="576649"/>
+                  <a:pt x="370703" y="531341"/>
+                </a:cubicBezTo>
+                <a:cubicBezTo>
+                  <a:pt x="457200" y="486033"/>
+                  <a:pt x="630195" y="403654"/>
+                  <a:pt x="753762" y="358346"/>
+                </a:cubicBezTo>
+                <a:cubicBezTo>
+                  <a:pt x="877330" y="313038"/>
+                  <a:pt x="939113" y="294503"/>
+                  <a:pt x="1112108" y="259492"/>
+                </a:cubicBezTo>
+                <a:cubicBezTo>
+                  <a:pt x="1285103" y="224481"/>
+                  <a:pt x="1577546" y="177113"/>
+                  <a:pt x="1791730" y="148281"/>
+                </a:cubicBezTo>
+                <a:cubicBezTo>
+                  <a:pt x="2005914" y="119448"/>
+                  <a:pt x="2397211" y="86497"/>
+                  <a:pt x="2397211" y="86497"/>
+                </a:cubicBezTo>
+                <a:lnTo>
+                  <a:pt x="2990335" y="24714"/>
+                </a:lnTo>
+                <a:lnTo>
+                  <a:pt x="3237470" y="0"/>
+                </a:lnTo>
+              </a:path>
+            </a:pathLst>
+          </a:custGeom>
+          <a:noFill/>
+          <a:ln w="63500"/>
+        </p:spPr>
+        <p:style>
+          <a:lnRef idx="2">
+            <a:schemeClr val="accent1">
+              <a:shade val="50000"/>
+            </a:schemeClr>
+          </a:lnRef>
+          <a:fillRef idx="1">
+            <a:schemeClr val="accent1"/>
+          </a:fillRef>
+          <a:effectRef idx="0">
+            <a:schemeClr val="accent1"/>
+          </a:effectRef>
+          <a:fontRef idx="minor">
+            <a:schemeClr val="lt1"/>
+          </a:fontRef>
+        </p:style>
+        <p:txBody>
+          <a:bodyPr rtlCol="0" anchor="ctr"/>
+          <a:lstStyle/>
+          <a:p>
+            <a:pPr algn="ctr"/>
+            <a:endParaRPr lang="en-US"/>
+          </a:p>
+        </p:txBody>
+      </p:sp>
+      <p:sp>
+        <p:nvSpPr>
+          <p:cNvPr id="10" name="TextBox 9">
+            <a:extLst>
+              <a:ext uri="{FF2B5EF4-FFF2-40B4-BE49-F238E27FC236}">
+                <a16:creationId xmlns:a16="http://schemas.microsoft.com/office/drawing/2014/main" id="{A486876A-BA24-C0EF-178A-C646A6A5B728}"/>
+              </a:ext>
+            </a:extLst>
+          </p:cNvPr>
+          <p:cNvSpPr txBox="1"/>
+          <p:nvPr/>
+        </p:nvSpPr>
+        <p:spPr>
+          <a:xfrm>
+            <a:off x="1834907" y="5851204"/>
+            <a:ext cx="1544595" cy="461665"/>
+          </a:xfrm>
+          <a:prstGeom prst="rect">
+            <a:avLst/>
+          </a:prstGeom>
+          <a:noFill/>
+        </p:spPr>
+        <p:txBody>
+          <a:bodyPr wrap="square" rtlCol="0">
+            <a:spAutoFit/>
+          </a:bodyPr>
+          <a:lstStyle/>
+          <a:p>
+            <a:r>
+              <a:rPr lang="en-US" sz="2400" dirty="0"/>
+              <a:t>Mars</a:t>
+            </a:r>
+          </a:p>
+        </p:txBody>
+      </p:sp>
+      <p:sp>
+        <p:nvSpPr>
+          <p:cNvPr id="11" name="TextBox 10">
+            <a:extLst>
+              <a:ext uri="{FF2B5EF4-FFF2-40B4-BE49-F238E27FC236}">
+                <a16:creationId xmlns:a16="http://schemas.microsoft.com/office/drawing/2014/main" id="{64C96341-6028-75B2-A5ED-6CF0A69E3F13}"/>
+              </a:ext>
+            </a:extLst>
+          </p:cNvPr>
+          <p:cNvSpPr txBox="1"/>
+          <p:nvPr/>
+        </p:nvSpPr>
+        <p:spPr>
+          <a:xfrm>
+            <a:off x="4001645" y="6107169"/>
+            <a:ext cx="1544595" cy="461665"/>
+          </a:xfrm>
+          <a:prstGeom prst="rect">
+            <a:avLst/>
+          </a:prstGeom>
+          <a:noFill/>
+        </p:spPr>
+        <p:txBody>
+          <a:bodyPr wrap="square" rtlCol="0">
+            <a:spAutoFit/>
+          </a:bodyPr>
+          <a:lstStyle/>
+          <a:p>
+            <a:r>
+              <a:rPr lang="en-US" sz="2400" dirty="0"/>
+              <a:t>Earth</a:t>
+            </a:r>
+          </a:p>
+        </p:txBody>
+      </p:sp>
+      <p:sp>
+        <p:nvSpPr>
+          <p:cNvPr id="12" name="TextBox 11">
+            <a:extLst>
+              <a:ext uri="{FF2B5EF4-FFF2-40B4-BE49-F238E27FC236}">
+                <a16:creationId xmlns:a16="http://schemas.microsoft.com/office/drawing/2014/main" id="{235B0DB4-FF44-34ED-5FF8-D947FD6DDE72}"/>
+              </a:ext>
+            </a:extLst>
+          </p:cNvPr>
+          <p:cNvSpPr txBox="1"/>
+          <p:nvPr/>
+        </p:nvSpPr>
+        <p:spPr>
+          <a:xfrm>
+            <a:off x="6310957" y="5832857"/>
+            <a:ext cx="1544595" cy="461665"/>
+          </a:xfrm>
+          <a:prstGeom prst="rect">
+            <a:avLst/>
+          </a:prstGeom>
+          <a:noFill/>
+        </p:spPr>
+        <p:txBody>
+          <a:bodyPr wrap="square" rtlCol="0">
+            <a:spAutoFit/>
+          </a:bodyPr>
+          <a:lstStyle/>
+          <a:p>
+            <a:r>
+              <a:rPr lang="en-US" sz="2400" dirty="0"/>
+              <a:t>Venus</a:t>
+            </a:r>
+          </a:p>
+        </p:txBody>
+      </p:sp>
+      <p:cxnSp>
+        <p:nvCxnSpPr>
+          <p:cNvPr id="14" name="Straight Arrow Connector 13">
+            <a:extLst>
+              <a:ext uri="{FF2B5EF4-FFF2-40B4-BE49-F238E27FC236}">
+                <a16:creationId xmlns:a16="http://schemas.microsoft.com/office/drawing/2014/main" id="{6E9E6F32-43F0-1753-E37E-EC98D56C2287}"/>
+              </a:ext>
+            </a:extLst>
+          </p:cNvPr>
+          <p:cNvCxnSpPr>
+            <a:stCxn id="10" idx="0"/>
+          </p:cNvCxnSpPr>
+          <p:nvPr/>
+        </p:nvCxnSpPr>
+        <p:spPr>
+          <a:xfrm flipV="1">
+            <a:off x="2607205" y="5108860"/>
+            <a:ext cx="1581736" cy="742344"/>
+          </a:xfrm>
+          <a:prstGeom prst="straightConnector1">
+            <a:avLst/>
+          </a:prstGeom>
+          <a:ln w="12700">
+            <a:solidFill>
+              <a:schemeClr val="tx1"/>
+            </a:solidFill>
+            <a:tailEnd type="triangle"/>
+          </a:ln>
+        </p:spPr>
+        <p:style>
+          <a:lnRef idx="1">
+            <a:schemeClr val="accent1"/>
+          </a:lnRef>
+          <a:fillRef idx="0">
+            <a:schemeClr val="accent1"/>
+          </a:fillRef>
+          <a:effectRef idx="0">
+            <a:schemeClr val="accent1"/>
+          </a:effectRef>
+          <a:fontRef idx="minor">
+            <a:schemeClr val="tx1"/>
+          </a:fontRef>
+        </p:style>
+      </p:cxnSp>
+      <p:cxnSp>
+        <p:nvCxnSpPr>
+          <p:cNvPr id="15" name="Straight Arrow Connector 14">
+            <a:extLst>
+              <a:ext uri="{FF2B5EF4-FFF2-40B4-BE49-F238E27FC236}">
+                <a16:creationId xmlns:a16="http://schemas.microsoft.com/office/drawing/2014/main" id="{9B202F75-5B05-6AAE-209B-76EF0354109E}"/>
+              </a:ext>
+            </a:extLst>
+          </p:cNvPr>
+          <p:cNvCxnSpPr>
+            <a:cxnSpLocks/>
+          </p:cNvCxnSpPr>
+          <p:nvPr/>
+        </p:nvCxnSpPr>
+        <p:spPr>
+          <a:xfrm flipV="1">
+            <a:off x="4341341" y="5108860"/>
+            <a:ext cx="202059" cy="971582"/>
+          </a:xfrm>
+          <a:prstGeom prst="straightConnector1">
+            <a:avLst/>
+          </a:prstGeom>
+          <a:ln w="12700">
+            <a:solidFill>
+              <a:schemeClr val="tx1"/>
+            </a:solidFill>
+            <a:tailEnd type="triangle"/>
+          </a:ln>
+        </p:spPr>
+        <p:style>
+          <a:lnRef idx="1">
+            <a:schemeClr val="accent1"/>
+          </a:lnRef>
+          <a:fillRef idx="0">
+            <a:schemeClr val="accent1"/>
+          </a:fillRef>
+          <a:effectRef idx="0">
+            <a:schemeClr val="accent1"/>
+          </a:effectRef>
+          <a:fontRef idx="minor">
+            <a:schemeClr val="tx1"/>
+          </a:fontRef>
+        </p:style>
+      </p:cxnSp>
+      <p:cxnSp>
+        <p:nvCxnSpPr>
+          <p:cNvPr id="18" name="Straight Arrow Connector 17">
+            <a:extLst>
+              <a:ext uri="{FF2B5EF4-FFF2-40B4-BE49-F238E27FC236}">
+                <a16:creationId xmlns:a16="http://schemas.microsoft.com/office/drawing/2014/main" id="{91BFAF30-D3E3-02D5-4E8A-1CF9865A20D7}"/>
+              </a:ext>
+            </a:extLst>
+          </p:cNvPr>
+          <p:cNvCxnSpPr>
+            <a:cxnSpLocks/>
+          </p:cNvCxnSpPr>
+          <p:nvPr/>
+        </p:nvCxnSpPr>
+        <p:spPr>
+          <a:xfrm flipH="1" flipV="1">
+            <a:off x="4868562" y="5135587"/>
+            <a:ext cx="1509026" cy="715617"/>
+          </a:xfrm>
+          <a:prstGeom prst="straightConnector1">
+            <a:avLst/>
+          </a:prstGeom>
+          <a:ln w="12700">
+            <a:solidFill>
+              <a:schemeClr val="tx1"/>
+            </a:solidFill>
+            <a:tailEnd type="triangle"/>
+          </a:ln>
+        </p:spPr>
+        <p:style>
+          <a:lnRef idx="1">
+            <a:schemeClr val="accent1"/>
+          </a:lnRef>
+          <a:fillRef idx="0">
+            <a:schemeClr val="accent1"/>
+          </a:fillRef>
+          <a:effectRef idx="0">
+            <a:schemeClr val="accent1"/>
+          </a:effectRef>
+          <a:fontRef idx="minor">
+            <a:schemeClr val="tx1"/>
+          </a:fontRef>
+        </p:style>
+      </p:cxnSp>
+    </p:spTree>
+    <p:extLst>
+      <p:ext uri="{BB962C8B-B14F-4D97-AF65-F5344CB8AC3E}">
+        <p14:creationId xmlns:p14="http://schemas.microsoft.com/office/powerpoint/2010/main" val="2877366245"/>
+      </p:ext>
+    </p:extLst>
+  </p:cSld>
+  <p:clrMapOvr>
+    <a:masterClrMapping/>
+  </p:clrMapOvr>
+</p:sld>
+</file>
+
+<file path=ppt/slides/slide5.xml><?xml version="1.0" encoding="utf-8"?>
 <p:sld xmlns:a="http://schemas.openxmlformats.org/drawingml/2006/main" xmlns:r="http://schemas.openxmlformats.org/officeDocument/2006/relationships" xmlns:p="http://schemas.openxmlformats.org/presentationml/2006/main">
   <p:cSld>
     <p:spTree>
@@ -5923,13 +9144,15 @@
         </p:nvSpPr>
         <p:spPr>
           <a:xfrm>
-            <a:off x="50622" y="25523"/>
-            <a:ext cx="11402823" cy="461665"/>
+            <a:off x="-7253" y="2373"/>
+            <a:ext cx="12199253" cy="461665"/>
           </a:xfrm>
           <a:prstGeom prst="rect">
             <a:avLst/>
           </a:prstGeom>
-          <a:noFill/>
+          <a:solidFill>
+            <a:schemeClr val="accent2"/>
+          </a:solidFill>
         </p:spPr>
         <p:txBody>
           <a:bodyPr wrap="square" rtlCol="0">
@@ -5939,7 +9162,7 @@
           <a:p>
             <a:r>
               <a:rPr lang="en-US" sz="2400" b="1" dirty="0"/>
-              <a:t>Integrating the Clapeyron Equation</a:t>
+              <a:t>Separating variables in preparation for integrating Clapeyron</a:t>
             </a:r>
           </a:p>
         </p:txBody>
@@ -5960,8 +9183,8 @@
             </p:nvSpPr>
             <p:spPr>
               <a:xfrm>
-                <a:off x="132029" y="1741255"/>
-                <a:ext cx="6170792" cy="1104854"/>
+                <a:off x="107315" y="1642399"/>
+                <a:ext cx="6170792" cy="1843518"/>
               </a:xfrm>
               <a:prstGeom prst="rect">
                 <a:avLst/>
@@ -6299,11 +9522,23 @@
                   </a:rPr>
                   <a:t>Thomson Equation</a:t>
                 </a:r>
+              </a:p>
+              <a:p>
                 <a:endParaRPr lang="en-US" sz="2400" dirty="0">
                   <a:solidFill>
                     <a:schemeClr val="accent1"/>
                   </a:solidFill>
+                  <a:sym typeface="Wingdings" pitchFamily="2" charset="2"/>
                 </a:endParaRPr>
+              </a:p>
+              <a:p>
+                <a:r>
+                  <a:rPr lang="en-US" sz="2400" dirty="0">
+                    <a:sym typeface="Wingdings" pitchFamily="2" charset="2"/>
+                  </a:rPr>
+                  <a:t>We assumed (or will assume) …</a:t>
+                </a:r>
+                <a:endParaRPr lang="en-US" sz="2400" dirty="0"/>
               </a:p>
             </p:txBody>
           </p:sp>
@@ -6325,8 +9560,8 @@
             </p:nvSpPr>
             <p:spPr>
               <a:xfrm>
-                <a:off x="132029" y="1741255"/>
-                <a:ext cx="6170792" cy="1104854"/>
+                <a:off x="107315" y="1642399"/>
+                <a:ext cx="6170792" cy="1843518"/>
               </a:xfrm>
               <a:prstGeom prst="rect">
                 <a:avLst/>
@@ -6334,859 +9569,7 @@
               <a:blipFill>
                 <a:blip r:embed="rId2"/>
                 <a:stretch>
-                  <a:fillRect l="-9240" t="-25000" r="-616" b="-84091"/>
-                </a:stretch>
-              </a:blipFill>
-            </p:spPr>
-            <p:txBody>
-              <a:bodyPr/>
-              <a:lstStyle/>
-              <a:p>
-                <a:r>
-                  <a:rPr lang="en-US">
-                    <a:noFill/>
-                  </a:rPr>
-                  <a:t> </a:t>
-                </a:r>
-              </a:p>
-            </p:txBody>
-          </p:sp>
-        </mc:Fallback>
-      </mc:AlternateContent>
-      <mc:AlternateContent xmlns:mc="http://schemas.openxmlformats.org/markup-compatibility/2006">
-        <mc:Choice xmlns:a14="http://schemas.microsoft.com/office/drawing/2010/main" Requires="a14">
-          <p:sp>
-            <p:nvSpPr>
-              <p:cNvPr id="15" name="Rectangle 14">
-                <a:extLst>
-                  <a:ext uri="{FF2B5EF4-FFF2-40B4-BE49-F238E27FC236}">
-                    <a16:creationId xmlns:a16="http://schemas.microsoft.com/office/drawing/2014/main" id="{D5E45D1E-F7CE-E74B-BBB3-81CC677D4EE4}"/>
-                  </a:ext>
-                </a:extLst>
-              </p:cNvPr>
-              <p:cNvSpPr/>
-              <p:nvPr/>
-            </p:nvSpPr>
-            <p:spPr>
-              <a:xfrm>
-                <a:off x="132029" y="3122243"/>
-                <a:ext cx="9996198" cy="1034579"/>
-              </a:xfrm>
-              <a:prstGeom prst="rect">
-                <a:avLst/>
-              </a:prstGeom>
-            </p:spPr>
-            <p:txBody>
-              <a:bodyPr wrap="none">
-                <a:spAutoFit/>
-              </a:bodyPr>
-              <a:lstStyle/>
-              <a:p>
-                <a:r>
-                  <a:rPr lang="en-US" sz="2400" dirty="0">
-                    <a:ea typeface="Cambria Math" panose="02040503050406030204" pitchFamily="18" charset="0"/>
-                  </a:rPr>
-                  <a:t>Integrating along the liquid/vapor phase boundary: </a:t>
-                </a:r>
-              </a:p>
-              <a:p>
-                <a14:m>
-                  <m:oMath xmlns:m="http://schemas.openxmlformats.org/officeDocument/2006/math">
-                    <m:nary>
-                      <m:naryPr>
-                        <m:ctrlPr>
-                          <a:rPr lang="en-US" sz="2400" i="1">
-                            <a:solidFill>
-                              <a:srgbClr val="00B050"/>
-                            </a:solidFill>
-                            <a:latin typeface="Cambria Math" panose="02040503050406030204" pitchFamily="18" charset="0"/>
-                            <a:ea typeface="Cambria Math" panose="02040503050406030204" pitchFamily="18" charset="0"/>
-                          </a:rPr>
-                        </m:ctrlPr>
-                      </m:naryPr>
-                      <m:sub>
-                        <m:sSub>
-                          <m:sSubPr>
-                            <m:ctrlPr>
-                              <a:rPr lang="en-US" sz="2400" i="1">
-                                <a:solidFill>
-                                  <a:srgbClr val="00B050"/>
-                                </a:solidFill>
-                                <a:latin typeface="Cambria Math" panose="02040503050406030204" pitchFamily="18" charset="0"/>
-                                <a:ea typeface="Cambria Math" panose="02040503050406030204" pitchFamily="18" charset="0"/>
-                              </a:rPr>
-                            </m:ctrlPr>
-                          </m:sSubPr>
-                          <m:e>
-                            <m:r>
-                              <m:rPr>
-                                <m:brk m:alnAt="23"/>
-                              </m:rPr>
-                              <a:rPr lang="en-US" sz="2400" b="0" i="1">
-                                <a:solidFill>
-                                  <a:srgbClr val="00B050"/>
-                                </a:solidFill>
-                                <a:latin typeface="Cambria Math" panose="02040503050406030204" pitchFamily="18" charset="0"/>
-                                <a:ea typeface="Cambria Math" panose="02040503050406030204" pitchFamily="18" charset="0"/>
-                              </a:rPr>
-                              <m:t>𝑃</m:t>
-                            </m:r>
-                          </m:e>
-                          <m:sub>
-                            <m:r>
-                              <m:rPr>
-                                <m:brk m:alnAt="23"/>
-                              </m:rPr>
-                              <a:rPr lang="en-US" sz="2400" b="0" i="1">
-                                <a:solidFill>
-                                  <a:srgbClr val="00B050"/>
-                                </a:solidFill>
-                                <a:latin typeface="Cambria Math" panose="02040503050406030204" pitchFamily="18" charset="0"/>
-                                <a:ea typeface="Cambria Math" panose="02040503050406030204" pitchFamily="18" charset="0"/>
-                              </a:rPr>
-                              <m:t>3</m:t>
-                            </m:r>
-                          </m:sub>
-                        </m:sSub>
-                      </m:sub>
-                      <m:sup>
-                        <m:r>
-                          <a:rPr lang="en-US" sz="2400" b="0" i="1">
-                            <a:solidFill>
-                              <a:srgbClr val="00B050"/>
-                            </a:solidFill>
-                            <a:latin typeface="Cambria Math" panose="02040503050406030204" pitchFamily="18" charset="0"/>
-                            <a:ea typeface="Cambria Math" panose="02040503050406030204" pitchFamily="18" charset="0"/>
-                          </a:rPr>
-                          <m:t>𝑃</m:t>
-                        </m:r>
-                      </m:sup>
-                      <m:e>
-                        <m:f>
-                          <m:fPr>
-                            <m:ctrlPr>
-                              <a:rPr lang="en-US" sz="2400" i="1">
-                                <a:solidFill>
-                                  <a:srgbClr val="00B050"/>
-                                </a:solidFill>
-                                <a:latin typeface="Cambria Math" panose="02040503050406030204" pitchFamily="18" charset="0"/>
-                                <a:ea typeface="Cambria Math" panose="02040503050406030204" pitchFamily="18" charset="0"/>
-                              </a:rPr>
-                            </m:ctrlPr>
-                          </m:fPr>
-                          <m:num>
-                            <m:r>
-                              <a:rPr lang="en-US" sz="2400" b="0" i="1">
-                                <a:solidFill>
-                                  <a:srgbClr val="00B050"/>
-                                </a:solidFill>
-                                <a:latin typeface="Cambria Math" panose="02040503050406030204" pitchFamily="18" charset="0"/>
-                                <a:ea typeface="Cambria Math" panose="02040503050406030204" pitchFamily="18" charset="0"/>
-                              </a:rPr>
-                              <m:t>𝑑𝑃</m:t>
-                            </m:r>
-                          </m:num>
-                          <m:den>
-                            <m:r>
-                              <a:rPr lang="en-US" sz="2400" b="0" i="1">
-                                <a:solidFill>
-                                  <a:srgbClr val="00B050"/>
-                                </a:solidFill>
-                                <a:latin typeface="Cambria Math" panose="02040503050406030204" pitchFamily="18" charset="0"/>
-                                <a:ea typeface="Cambria Math" panose="02040503050406030204" pitchFamily="18" charset="0"/>
-                              </a:rPr>
-                              <m:t>𝑃</m:t>
-                            </m:r>
-                          </m:den>
-                        </m:f>
-                      </m:e>
-                    </m:nary>
-                    <m:r>
-                      <a:rPr lang="en-US" sz="2400" b="0" i="1">
-                        <a:solidFill>
-                          <a:srgbClr val="00B050"/>
-                        </a:solidFill>
-                        <a:latin typeface="Cambria Math" panose="02040503050406030204" pitchFamily="18" charset="0"/>
-                        <a:ea typeface="Cambria Math" panose="02040503050406030204" pitchFamily="18" charset="0"/>
-                      </a:rPr>
-                      <m:t>=</m:t>
-                    </m:r>
-                    <m:nary>
-                      <m:naryPr>
-                        <m:ctrlPr>
-                          <a:rPr lang="en-US" sz="2400" i="1">
-                            <a:solidFill>
-                              <a:srgbClr val="00B050"/>
-                            </a:solidFill>
-                            <a:latin typeface="Cambria Math" panose="02040503050406030204" pitchFamily="18" charset="0"/>
-                            <a:ea typeface="Cambria Math" panose="02040503050406030204" pitchFamily="18" charset="0"/>
-                          </a:rPr>
-                        </m:ctrlPr>
-                      </m:naryPr>
-                      <m:sub>
-                        <m:sSub>
-                          <m:sSubPr>
-                            <m:ctrlPr>
-                              <a:rPr lang="en-US" sz="2400" i="1">
-                                <a:solidFill>
-                                  <a:srgbClr val="00B050"/>
-                                </a:solidFill>
-                                <a:latin typeface="Cambria Math" panose="02040503050406030204" pitchFamily="18" charset="0"/>
-                                <a:ea typeface="Cambria Math" panose="02040503050406030204" pitchFamily="18" charset="0"/>
-                              </a:rPr>
-                            </m:ctrlPr>
-                          </m:sSubPr>
-                          <m:e>
-                            <m:r>
-                              <m:rPr>
-                                <m:brk m:alnAt="23"/>
-                              </m:rPr>
-                              <a:rPr lang="en-US" sz="2400" b="0" i="1">
-                                <a:solidFill>
-                                  <a:srgbClr val="00B050"/>
-                                </a:solidFill>
-                                <a:latin typeface="Cambria Math" panose="02040503050406030204" pitchFamily="18" charset="0"/>
-                                <a:ea typeface="Cambria Math" panose="02040503050406030204" pitchFamily="18" charset="0"/>
-                              </a:rPr>
-                              <m:t>𝑇</m:t>
-                            </m:r>
-                          </m:e>
-                          <m:sub>
-                            <m:r>
-                              <m:rPr>
-                                <m:brk m:alnAt="23"/>
-                              </m:rPr>
-                              <a:rPr lang="en-US" sz="2400" b="0" i="1">
-                                <a:solidFill>
-                                  <a:srgbClr val="00B050"/>
-                                </a:solidFill>
-                                <a:latin typeface="Cambria Math" panose="02040503050406030204" pitchFamily="18" charset="0"/>
-                                <a:ea typeface="Cambria Math" panose="02040503050406030204" pitchFamily="18" charset="0"/>
-                              </a:rPr>
-                              <m:t>3</m:t>
-                            </m:r>
-                          </m:sub>
-                        </m:sSub>
-                      </m:sub>
-                      <m:sup>
-                        <m:r>
-                          <a:rPr lang="en-US" sz="2400" b="0" i="1">
-                            <a:solidFill>
-                              <a:srgbClr val="00B050"/>
-                            </a:solidFill>
-                            <a:latin typeface="Cambria Math" panose="02040503050406030204" pitchFamily="18" charset="0"/>
-                            <a:ea typeface="Cambria Math" panose="02040503050406030204" pitchFamily="18" charset="0"/>
-                          </a:rPr>
-                          <m:t>𝑇</m:t>
-                        </m:r>
-                      </m:sup>
-                      <m:e>
-                        <m:f>
-                          <m:fPr>
-                            <m:ctrlPr>
-                              <a:rPr lang="en-US" sz="2400" i="1">
-                                <a:solidFill>
-                                  <a:srgbClr val="00B050"/>
-                                </a:solidFill>
-                                <a:latin typeface="Cambria Math" panose="02040503050406030204" pitchFamily="18" charset="0"/>
-                                <a:ea typeface="Cambria Math" panose="02040503050406030204" pitchFamily="18" charset="0"/>
-                              </a:rPr>
-                            </m:ctrlPr>
-                          </m:fPr>
-                          <m:num>
-                            <m:r>
-                              <a:rPr lang="en-US" sz="2400" b="0" i="1">
-                                <a:solidFill>
-                                  <a:srgbClr val="00B050"/>
-                                </a:solidFill>
-                                <a:latin typeface="Cambria Math" panose="02040503050406030204" pitchFamily="18" charset="0"/>
-                                <a:ea typeface="Cambria Math" panose="02040503050406030204" pitchFamily="18" charset="0"/>
-                              </a:rPr>
-                              <m:t>∆</m:t>
-                            </m:r>
-                            <m:sSub>
-                              <m:sSubPr>
-                                <m:ctrlPr>
-                                  <a:rPr lang="en-US" sz="2400" i="1">
-                                    <a:solidFill>
-                                      <a:srgbClr val="00B050"/>
-                                    </a:solidFill>
-                                    <a:latin typeface="Cambria Math" panose="02040503050406030204" pitchFamily="18" charset="0"/>
-                                    <a:ea typeface="Cambria Math" panose="02040503050406030204" pitchFamily="18" charset="0"/>
-                                  </a:rPr>
-                                </m:ctrlPr>
-                              </m:sSubPr>
-                              <m:e>
-                                <m:r>
-                                  <a:rPr lang="en-US" sz="2400" b="0" i="1">
-                                    <a:solidFill>
-                                      <a:srgbClr val="00B050"/>
-                                    </a:solidFill>
-                                    <a:latin typeface="Cambria Math" panose="02040503050406030204" pitchFamily="18" charset="0"/>
-                                    <a:ea typeface="Cambria Math" panose="02040503050406030204" pitchFamily="18" charset="0"/>
-                                  </a:rPr>
-                                  <m:t>𝐻</m:t>
-                                </m:r>
-                              </m:e>
-                              <m:sub>
-                                <m:r>
-                                  <a:rPr lang="en-US" sz="2400" b="0" i="1">
-                                    <a:solidFill>
-                                      <a:srgbClr val="00B050"/>
-                                    </a:solidFill>
-                                    <a:latin typeface="Cambria Math" panose="02040503050406030204" pitchFamily="18" charset="0"/>
-                                    <a:ea typeface="Cambria Math" panose="02040503050406030204" pitchFamily="18" charset="0"/>
-                                  </a:rPr>
-                                  <m:t>𝑣𝑎𝑝</m:t>
-                                </m:r>
-                              </m:sub>
-                            </m:sSub>
-                          </m:num>
-                          <m:den>
-                            <m:r>
-                              <a:rPr lang="en-US" sz="2400" b="0" i="1">
-                                <a:solidFill>
-                                  <a:srgbClr val="00B050"/>
-                                </a:solidFill>
-                                <a:latin typeface="Cambria Math" panose="02040503050406030204" pitchFamily="18" charset="0"/>
-                                <a:ea typeface="Cambria Math" panose="02040503050406030204" pitchFamily="18" charset="0"/>
-                              </a:rPr>
-                              <m:t>𝑛𝑅</m:t>
-                            </m:r>
-                            <m:sSup>
-                              <m:sSupPr>
-                                <m:ctrlPr>
-                                  <a:rPr lang="en-US" sz="2400" i="1">
-                                    <a:solidFill>
-                                      <a:srgbClr val="00B050"/>
-                                    </a:solidFill>
-                                    <a:latin typeface="Cambria Math" panose="02040503050406030204" pitchFamily="18" charset="0"/>
-                                    <a:ea typeface="Cambria Math" panose="02040503050406030204" pitchFamily="18" charset="0"/>
-                                  </a:rPr>
-                                </m:ctrlPr>
-                              </m:sSupPr>
-                              <m:e>
-                                <m:r>
-                                  <a:rPr lang="en-US" sz="2400" b="0" i="1">
-                                    <a:solidFill>
-                                      <a:srgbClr val="00B050"/>
-                                    </a:solidFill>
-                                    <a:latin typeface="Cambria Math" panose="02040503050406030204" pitchFamily="18" charset="0"/>
-                                    <a:ea typeface="Cambria Math" panose="02040503050406030204" pitchFamily="18" charset="0"/>
-                                  </a:rPr>
-                                  <m:t>𝑇</m:t>
-                                </m:r>
-                              </m:e>
-                              <m:sup>
-                                <m:r>
-                                  <a:rPr lang="en-US" sz="2400" b="0" i="1">
-                                    <a:solidFill>
-                                      <a:srgbClr val="00B050"/>
-                                    </a:solidFill>
-                                    <a:latin typeface="Cambria Math" panose="02040503050406030204" pitchFamily="18" charset="0"/>
-                                    <a:ea typeface="Cambria Math" panose="02040503050406030204" pitchFamily="18" charset="0"/>
-                                  </a:rPr>
-                                  <m:t>2</m:t>
-                                </m:r>
-                              </m:sup>
-                            </m:sSup>
-                          </m:den>
-                        </m:f>
-                        <m:r>
-                          <a:rPr lang="en-US" sz="2400" b="0" i="1">
-                            <a:solidFill>
-                              <a:srgbClr val="00B050"/>
-                            </a:solidFill>
-                            <a:latin typeface="Cambria Math" panose="02040503050406030204" pitchFamily="18" charset="0"/>
-                            <a:ea typeface="Cambria Math" panose="02040503050406030204" pitchFamily="18" charset="0"/>
-                          </a:rPr>
-                          <m:t>𝑑𝑇</m:t>
-                        </m:r>
-                      </m:e>
-                    </m:nary>
-                  </m:oMath>
-                </a14:m>
-                <a:r>
-                  <a:rPr lang="en-US" sz="2400" dirty="0"/>
-                  <a:t> </a:t>
-                </a:r>
-                <a:r>
-                  <a:rPr lang="en-US" sz="2400" dirty="0">
-                    <a:sym typeface="Wingdings" pitchFamily="2" charset="2"/>
-                  </a:rPr>
-                  <a:t> </a:t>
-                </a:r>
-                <a:r>
-                  <a:rPr lang="en-US" sz="2400" dirty="0">
-                    <a:solidFill>
-                      <a:srgbClr val="00B050"/>
-                    </a:solidFill>
-                    <a:sym typeface="Wingdings" pitchFamily="2" charset="2"/>
-                  </a:rPr>
-                  <a:t>Clausius-Clapeyron equation for liquid-vapor equilibria</a:t>
-                </a:r>
-                <a:endParaRPr lang="en-US" sz="2400" dirty="0">
-                  <a:solidFill>
-                    <a:srgbClr val="00B050"/>
-                  </a:solidFill>
-                </a:endParaRPr>
-              </a:p>
-            </p:txBody>
-          </p:sp>
-        </mc:Choice>
-        <mc:Fallback>
-          <p:sp>
-            <p:nvSpPr>
-              <p:cNvPr id="15" name="Rectangle 14">
-                <a:extLst>
-                  <a:ext uri="{FF2B5EF4-FFF2-40B4-BE49-F238E27FC236}">
-                    <a16:creationId xmlns:a16="http://schemas.microsoft.com/office/drawing/2014/main" id="{D5E45D1E-F7CE-E74B-BBB3-81CC677D4EE4}"/>
-                  </a:ext>
-                </a:extLst>
-              </p:cNvPr>
-              <p:cNvSpPr>
-                <a:spLocks noRot="1" noChangeAspect="1" noMove="1" noResize="1" noEditPoints="1" noAdjustHandles="1" noChangeArrowheads="1" noChangeShapeType="1" noTextEdit="1"/>
-              </p:cNvSpPr>
-              <p:nvPr/>
-            </p:nvSpPr>
-            <p:spPr>
-              <a:xfrm>
-                <a:off x="132029" y="3122243"/>
-                <a:ext cx="9996198" cy="1034579"/>
-              </a:xfrm>
-              <a:prstGeom prst="rect">
-                <a:avLst/>
-              </a:prstGeom>
-              <a:blipFill>
-                <a:blip r:embed="rId3"/>
-                <a:stretch>
-                  <a:fillRect l="-5711" t="-25301" r="-127" b="-96386"/>
-                </a:stretch>
-              </a:blipFill>
-            </p:spPr>
-            <p:txBody>
-              <a:bodyPr/>
-              <a:lstStyle/>
-              <a:p>
-                <a:r>
-                  <a:rPr lang="en-US">
-                    <a:noFill/>
-                  </a:rPr>
-                  <a:t> </a:t>
-                </a:r>
-              </a:p>
-            </p:txBody>
-          </p:sp>
-        </mc:Fallback>
-      </mc:AlternateContent>
-      <mc:AlternateContent xmlns:mc="http://schemas.openxmlformats.org/markup-compatibility/2006">
-        <mc:Choice xmlns:a14="http://schemas.microsoft.com/office/drawing/2010/main" Requires="a14">
-          <p:sp>
-            <p:nvSpPr>
-              <p:cNvPr id="16" name="Rectangle 15">
-                <a:extLst>
-                  <a:ext uri="{FF2B5EF4-FFF2-40B4-BE49-F238E27FC236}">
-                    <a16:creationId xmlns:a16="http://schemas.microsoft.com/office/drawing/2014/main" id="{434D0DD2-416E-434C-8572-9749D0B40886}"/>
-                  </a:ext>
-                </a:extLst>
-              </p:cNvPr>
-              <p:cNvSpPr/>
-              <p:nvPr/>
-            </p:nvSpPr>
-            <p:spPr>
-              <a:xfrm>
-                <a:off x="132029" y="4640032"/>
-                <a:ext cx="9886104" cy="1012906"/>
-              </a:xfrm>
-              <a:prstGeom prst="rect">
-                <a:avLst/>
-              </a:prstGeom>
-            </p:spPr>
-            <p:txBody>
-              <a:bodyPr wrap="none">
-                <a:spAutoFit/>
-              </a:bodyPr>
-              <a:lstStyle/>
-              <a:p>
-                <a:r>
-                  <a:rPr lang="en-US" sz="2400" dirty="0">
-                    <a:ea typeface="Cambria Math" panose="02040503050406030204" pitchFamily="18" charset="0"/>
-                  </a:rPr>
-                  <a:t>Integrating along the ice/vapor phase boundary: </a:t>
-                </a:r>
-              </a:p>
-              <a:p>
-                <a14:m>
-                  <m:oMath xmlns:m="http://schemas.openxmlformats.org/officeDocument/2006/math">
-                    <m:nary>
-                      <m:naryPr>
-                        <m:ctrlPr>
-                          <a:rPr lang="en-US" sz="2400" i="1">
-                            <a:solidFill>
-                              <a:schemeClr val="accent2"/>
-                            </a:solidFill>
-                            <a:latin typeface="Cambria Math" panose="02040503050406030204" pitchFamily="18" charset="0"/>
-                            <a:ea typeface="Cambria Math" panose="02040503050406030204" pitchFamily="18" charset="0"/>
-                          </a:rPr>
-                        </m:ctrlPr>
-                      </m:naryPr>
-                      <m:sub>
-                        <m:sSub>
-                          <m:sSubPr>
-                            <m:ctrlPr>
-                              <a:rPr lang="en-US" sz="2400" i="1">
-                                <a:solidFill>
-                                  <a:schemeClr val="accent2"/>
-                                </a:solidFill>
-                                <a:latin typeface="Cambria Math" panose="02040503050406030204" pitchFamily="18" charset="0"/>
-                                <a:ea typeface="Cambria Math" panose="02040503050406030204" pitchFamily="18" charset="0"/>
-                              </a:rPr>
-                            </m:ctrlPr>
-                          </m:sSubPr>
-                          <m:e>
-                            <m:r>
-                              <m:rPr>
-                                <m:brk m:alnAt="23"/>
-                              </m:rPr>
-                              <a:rPr lang="en-US" sz="2400" b="0" i="1">
-                                <a:solidFill>
-                                  <a:schemeClr val="accent2"/>
-                                </a:solidFill>
-                                <a:latin typeface="Cambria Math" panose="02040503050406030204" pitchFamily="18" charset="0"/>
-                                <a:ea typeface="Cambria Math" panose="02040503050406030204" pitchFamily="18" charset="0"/>
-                              </a:rPr>
-                              <m:t>𝑃</m:t>
-                            </m:r>
-                          </m:e>
-                          <m:sub>
-                            <m:r>
-                              <m:rPr>
-                                <m:brk m:alnAt="23"/>
-                              </m:rPr>
-                              <a:rPr lang="en-US" sz="2400" b="0" i="1">
-                                <a:solidFill>
-                                  <a:schemeClr val="accent2"/>
-                                </a:solidFill>
-                                <a:latin typeface="Cambria Math" panose="02040503050406030204" pitchFamily="18" charset="0"/>
-                                <a:ea typeface="Cambria Math" panose="02040503050406030204" pitchFamily="18" charset="0"/>
-                              </a:rPr>
-                              <m:t>3</m:t>
-                            </m:r>
-                          </m:sub>
-                        </m:sSub>
-                      </m:sub>
-                      <m:sup>
-                        <m:r>
-                          <a:rPr lang="en-US" sz="2400" b="0" i="1">
-                            <a:solidFill>
-                              <a:schemeClr val="accent2"/>
-                            </a:solidFill>
-                            <a:latin typeface="Cambria Math" panose="02040503050406030204" pitchFamily="18" charset="0"/>
-                            <a:ea typeface="Cambria Math" panose="02040503050406030204" pitchFamily="18" charset="0"/>
-                          </a:rPr>
-                          <m:t>𝑃</m:t>
-                        </m:r>
-                      </m:sup>
-                      <m:e>
-                        <m:f>
-                          <m:fPr>
-                            <m:ctrlPr>
-                              <a:rPr lang="en-US" sz="2400" i="1">
-                                <a:solidFill>
-                                  <a:schemeClr val="accent2"/>
-                                </a:solidFill>
-                                <a:latin typeface="Cambria Math" panose="02040503050406030204" pitchFamily="18" charset="0"/>
-                                <a:ea typeface="Cambria Math" panose="02040503050406030204" pitchFamily="18" charset="0"/>
-                              </a:rPr>
-                            </m:ctrlPr>
-                          </m:fPr>
-                          <m:num>
-                            <m:r>
-                              <a:rPr lang="en-US" sz="2400" b="0" i="1">
-                                <a:solidFill>
-                                  <a:schemeClr val="accent2"/>
-                                </a:solidFill>
-                                <a:latin typeface="Cambria Math" panose="02040503050406030204" pitchFamily="18" charset="0"/>
-                                <a:ea typeface="Cambria Math" panose="02040503050406030204" pitchFamily="18" charset="0"/>
-                              </a:rPr>
-                              <m:t>𝑑𝑃</m:t>
-                            </m:r>
-                          </m:num>
-                          <m:den>
-                            <m:r>
-                              <a:rPr lang="en-US" sz="2400" b="0" i="1">
-                                <a:solidFill>
-                                  <a:schemeClr val="accent2"/>
-                                </a:solidFill>
-                                <a:latin typeface="Cambria Math" panose="02040503050406030204" pitchFamily="18" charset="0"/>
-                                <a:ea typeface="Cambria Math" panose="02040503050406030204" pitchFamily="18" charset="0"/>
-                              </a:rPr>
-                              <m:t>𝑃</m:t>
-                            </m:r>
-                          </m:den>
-                        </m:f>
-                      </m:e>
-                    </m:nary>
-                    <m:r>
-                      <a:rPr lang="en-US" sz="2400" b="0" i="1">
-                        <a:solidFill>
-                          <a:schemeClr val="accent2"/>
-                        </a:solidFill>
-                        <a:latin typeface="Cambria Math" panose="02040503050406030204" pitchFamily="18" charset="0"/>
-                        <a:ea typeface="Cambria Math" panose="02040503050406030204" pitchFamily="18" charset="0"/>
-                      </a:rPr>
-                      <m:t>=</m:t>
-                    </m:r>
-                    <m:nary>
-                      <m:naryPr>
-                        <m:ctrlPr>
-                          <a:rPr lang="en-US" sz="2400" i="1">
-                            <a:solidFill>
-                              <a:schemeClr val="accent2"/>
-                            </a:solidFill>
-                            <a:latin typeface="Cambria Math" panose="02040503050406030204" pitchFamily="18" charset="0"/>
-                            <a:ea typeface="Cambria Math" panose="02040503050406030204" pitchFamily="18" charset="0"/>
-                          </a:rPr>
-                        </m:ctrlPr>
-                      </m:naryPr>
-                      <m:sub>
-                        <m:sSub>
-                          <m:sSubPr>
-                            <m:ctrlPr>
-                              <a:rPr lang="en-US" sz="2400" i="1">
-                                <a:solidFill>
-                                  <a:schemeClr val="accent2"/>
-                                </a:solidFill>
-                                <a:latin typeface="Cambria Math" panose="02040503050406030204" pitchFamily="18" charset="0"/>
-                                <a:ea typeface="Cambria Math" panose="02040503050406030204" pitchFamily="18" charset="0"/>
-                              </a:rPr>
-                            </m:ctrlPr>
-                          </m:sSubPr>
-                          <m:e>
-                            <m:r>
-                              <m:rPr>
-                                <m:brk m:alnAt="23"/>
-                              </m:rPr>
-                              <a:rPr lang="en-US" sz="2400" b="0" i="1">
-                                <a:solidFill>
-                                  <a:schemeClr val="accent2"/>
-                                </a:solidFill>
-                                <a:latin typeface="Cambria Math" panose="02040503050406030204" pitchFamily="18" charset="0"/>
-                                <a:ea typeface="Cambria Math" panose="02040503050406030204" pitchFamily="18" charset="0"/>
-                              </a:rPr>
-                              <m:t>𝑇</m:t>
-                            </m:r>
-                          </m:e>
-                          <m:sub>
-                            <m:r>
-                              <m:rPr>
-                                <m:brk m:alnAt="23"/>
-                              </m:rPr>
-                              <a:rPr lang="en-US" sz="2400" b="0" i="1">
-                                <a:solidFill>
-                                  <a:schemeClr val="accent2"/>
-                                </a:solidFill>
-                                <a:latin typeface="Cambria Math" panose="02040503050406030204" pitchFamily="18" charset="0"/>
-                                <a:ea typeface="Cambria Math" panose="02040503050406030204" pitchFamily="18" charset="0"/>
-                              </a:rPr>
-                              <m:t>3</m:t>
-                            </m:r>
-                          </m:sub>
-                        </m:sSub>
-                      </m:sub>
-                      <m:sup>
-                        <m:r>
-                          <a:rPr lang="en-US" sz="2400" b="0" i="1">
-                            <a:solidFill>
-                              <a:schemeClr val="accent2"/>
-                            </a:solidFill>
-                            <a:latin typeface="Cambria Math" panose="02040503050406030204" pitchFamily="18" charset="0"/>
-                            <a:ea typeface="Cambria Math" panose="02040503050406030204" pitchFamily="18" charset="0"/>
-                          </a:rPr>
-                          <m:t>𝑇</m:t>
-                        </m:r>
-                      </m:sup>
-                      <m:e>
-                        <m:f>
-                          <m:fPr>
-                            <m:ctrlPr>
-                              <a:rPr lang="en-US" sz="2400" i="1">
-                                <a:solidFill>
-                                  <a:schemeClr val="accent2"/>
-                                </a:solidFill>
-                                <a:latin typeface="Cambria Math" panose="02040503050406030204" pitchFamily="18" charset="0"/>
-                                <a:ea typeface="Cambria Math" panose="02040503050406030204" pitchFamily="18" charset="0"/>
-                              </a:rPr>
-                            </m:ctrlPr>
-                          </m:fPr>
-                          <m:num>
-                            <m:r>
-                              <a:rPr lang="en-US" sz="2400" b="0" i="1">
-                                <a:solidFill>
-                                  <a:schemeClr val="accent2"/>
-                                </a:solidFill>
-                                <a:latin typeface="Cambria Math" panose="02040503050406030204" pitchFamily="18" charset="0"/>
-                                <a:ea typeface="Cambria Math" panose="02040503050406030204" pitchFamily="18" charset="0"/>
-                              </a:rPr>
-                              <m:t>∆</m:t>
-                            </m:r>
-                            <m:sSub>
-                              <m:sSubPr>
-                                <m:ctrlPr>
-                                  <a:rPr lang="en-US" sz="2400" i="1">
-                                    <a:solidFill>
-                                      <a:schemeClr val="accent2"/>
-                                    </a:solidFill>
-                                    <a:latin typeface="Cambria Math" panose="02040503050406030204" pitchFamily="18" charset="0"/>
-                                    <a:ea typeface="Cambria Math" panose="02040503050406030204" pitchFamily="18" charset="0"/>
-                                  </a:rPr>
-                                </m:ctrlPr>
-                              </m:sSubPr>
-                              <m:e>
-                                <m:r>
-                                  <a:rPr lang="en-US" sz="2400" b="0" i="1">
-                                    <a:solidFill>
-                                      <a:schemeClr val="accent2"/>
-                                    </a:solidFill>
-                                    <a:latin typeface="Cambria Math" panose="02040503050406030204" pitchFamily="18" charset="0"/>
-                                    <a:ea typeface="Cambria Math" panose="02040503050406030204" pitchFamily="18" charset="0"/>
-                                  </a:rPr>
-                                  <m:t>𝐻</m:t>
-                                </m:r>
-                              </m:e>
-                              <m:sub>
-                                <m:r>
-                                  <a:rPr lang="en-US" sz="2400" b="0" i="1">
-                                    <a:solidFill>
-                                      <a:schemeClr val="accent2"/>
-                                    </a:solidFill>
-                                    <a:latin typeface="Cambria Math" panose="02040503050406030204" pitchFamily="18" charset="0"/>
-                                    <a:ea typeface="Cambria Math" panose="02040503050406030204" pitchFamily="18" charset="0"/>
-                                  </a:rPr>
-                                  <m:t>𝑠𝑢𝑏</m:t>
-                                </m:r>
-                              </m:sub>
-                            </m:sSub>
-                          </m:num>
-                          <m:den>
-                            <m:r>
-                              <a:rPr lang="en-US" sz="2400" b="0" i="1">
-                                <a:solidFill>
-                                  <a:schemeClr val="accent2"/>
-                                </a:solidFill>
-                                <a:latin typeface="Cambria Math" panose="02040503050406030204" pitchFamily="18" charset="0"/>
-                                <a:ea typeface="Cambria Math" panose="02040503050406030204" pitchFamily="18" charset="0"/>
-                              </a:rPr>
-                              <m:t>𝑛𝑅</m:t>
-                            </m:r>
-                            <m:sSup>
-                              <m:sSupPr>
-                                <m:ctrlPr>
-                                  <a:rPr lang="en-US" sz="2400" i="1">
-                                    <a:solidFill>
-                                      <a:schemeClr val="accent2"/>
-                                    </a:solidFill>
-                                    <a:latin typeface="Cambria Math" panose="02040503050406030204" pitchFamily="18" charset="0"/>
-                                    <a:ea typeface="Cambria Math" panose="02040503050406030204" pitchFamily="18" charset="0"/>
-                                  </a:rPr>
-                                </m:ctrlPr>
-                              </m:sSupPr>
-                              <m:e>
-                                <m:r>
-                                  <a:rPr lang="en-US" sz="2400" b="0" i="1">
-                                    <a:solidFill>
-                                      <a:schemeClr val="accent2"/>
-                                    </a:solidFill>
-                                    <a:latin typeface="Cambria Math" panose="02040503050406030204" pitchFamily="18" charset="0"/>
-                                    <a:ea typeface="Cambria Math" panose="02040503050406030204" pitchFamily="18" charset="0"/>
-                                  </a:rPr>
-                                  <m:t>𝑇</m:t>
-                                </m:r>
-                              </m:e>
-                              <m:sup>
-                                <m:r>
-                                  <a:rPr lang="en-US" sz="2400" b="0" i="1">
-                                    <a:solidFill>
-                                      <a:schemeClr val="accent2"/>
-                                    </a:solidFill>
-                                    <a:latin typeface="Cambria Math" panose="02040503050406030204" pitchFamily="18" charset="0"/>
-                                    <a:ea typeface="Cambria Math" panose="02040503050406030204" pitchFamily="18" charset="0"/>
-                                  </a:rPr>
-                                  <m:t>2</m:t>
-                                </m:r>
-                              </m:sup>
-                            </m:sSup>
-                          </m:den>
-                        </m:f>
-                        <m:r>
-                          <a:rPr lang="en-US" sz="2400" b="0" i="1">
-                            <a:solidFill>
-                              <a:schemeClr val="accent2"/>
-                            </a:solidFill>
-                            <a:latin typeface="Cambria Math" panose="02040503050406030204" pitchFamily="18" charset="0"/>
-                            <a:ea typeface="Cambria Math" panose="02040503050406030204" pitchFamily="18" charset="0"/>
-                          </a:rPr>
-                          <m:t>𝑑𝑇</m:t>
-                        </m:r>
-                      </m:e>
-                    </m:nary>
-                  </m:oMath>
-                </a14:m>
-                <a:r>
-                  <a:rPr lang="en-US" sz="2400" dirty="0"/>
-                  <a:t> </a:t>
-                </a:r>
-                <a:r>
-                  <a:rPr lang="en-US" sz="2400" dirty="0">
-                    <a:sym typeface="Wingdings" pitchFamily="2" charset="2"/>
-                  </a:rPr>
-                  <a:t> </a:t>
-                </a:r>
-                <a:r>
-                  <a:rPr lang="en-US" sz="2400" dirty="0">
-                    <a:solidFill>
-                      <a:schemeClr val="accent2"/>
-                    </a:solidFill>
-                    <a:sym typeface="Wingdings" pitchFamily="2" charset="2"/>
-                  </a:rPr>
-                  <a:t>Clausius-Clapeyron equation for solid-vapor equilibria</a:t>
-                </a:r>
-                <a:endParaRPr lang="en-US" sz="2400" dirty="0">
-                  <a:solidFill>
-                    <a:schemeClr val="accent2"/>
-                  </a:solidFill>
-                </a:endParaRPr>
-              </a:p>
-            </p:txBody>
-          </p:sp>
-        </mc:Choice>
-        <mc:Fallback>
-          <p:sp>
-            <p:nvSpPr>
-              <p:cNvPr id="16" name="Rectangle 15">
-                <a:extLst>
-                  <a:ext uri="{FF2B5EF4-FFF2-40B4-BE49-F238E27FC236}">
-                    <a16:creationId xmlns:a16="http://schemas.microsoft.com/office/drawing/2014/main" id="{434D0DD2-416E-434C-8572-9749D0B40886}"/>
-                  </a:ext>
-                </a:extLst>
-              </p:cNvPr>
-              <p:cNvSpPr>
-                <a:spLocks noRot="1" noChangeAspect="1" noMove="1" noResize="1" noEditPoints="1" noAdjustHandles="1" noChangeArrowheads="1" noChangeShapeType="1" noTextEdit="1"/>
-              </p:cNvSpPr>
-              <p:nvPr/>
-            </p:nvSpPr>
-            <p:spPr>
-              <a:xfrm>
-                <a:off x="132029" y="4640032"/>
-                <a:ext cx="9886104" cy="1012906"/>
-              </a:xfrm>
-              <a:prstGeom prst="rect">
-                <a:avLst/>
-              </a:prstGeom>
-              <a:blipFill>
-                <a:blip r:embed="rId4"/>
-                <a:stretch>
-                  <a:fillRect l="-5777" t="-30000" b="-100000"/>
+                  <a:fillRect l="-9240" t="-14384" r="-616" b="-10959"/>
                 </a:stretch>
               </a:blipFill>
             </p:spPr>
@@ -7300,7 +9683,7 @@
                   <p:nvPr/>
                 </p:nvPicPr>
                 <p:blipFill rotWithShape="1">
-                  <a:blip r:embed="rId5">
+                  <a:blip r:embed="rId3">
                     <a:extLst>
                       <a:ext uri="{28A0092B-C50C-407E-A947-70E740481C1C}">
                         <a14:useLocalDpi xmlns:a14="http://schemas.microsoft.com/office/drawing/2010/main" val="0"/>
@@ -7854,7 +10237,7 @@
                     <m:r>
                       <a:rPr lang="en-US" sz="2400" b="0" i="1" smtClean="0">
                         <a:solidFill>
-                          <a:srgbClr val="00B050"/>
+                          <a:srgbClr val="7030A0"/>
                         </a:solidFill>
                         <a:latin typeface="Cambria Math" panose="02040503050406030204" pitchFamily="18" charset="0"/>
                         <a:ea typeface="Cambria Math" panose="02040503050406030204" pitchFamily="18" charset="0"/>
@@ -7864,7 +10247,7 @@
                     <m:r>
                       <a:rPr lang="en-US" sz="2400" b="0" i="1">
                         <a:solidFill>
-                          <a:srgbClr val="00B050"/>
+                          <a:srgbClr val="7030A0"/>
                         </a:solidFill>
                         <a:latin typeface="Cambria Math" panose="02040503050406030204" pitchFamily="18" charset="0"/>
                         <a:ea typeface="Cambria Math" panose="02040503050406030204" pitchFamily="18" charset="0"/>
@@ -7876,7 +10259,7 @@
                         <m:ctrlPr>
                           <a:rPr lang="en-US" sz="2400" i="1">
                             <a:solidFill>
-                              <a:srgbClr val="00B050"/>
+                              <a:srgbClr val="7030A0"/>
                             </a:solidFill>
                             <a:latin typeface="Cambria Math" panose="02040503050406030204" pitchFamily="18" charset="0"/>
                             <a:ea typeface="Cambria Math" panose="02040503050406030204" pitchFamily="18" charset="0"/>
@@ -7887,7 +10270,7 @@
                         <m:r>
                           <a:rPr lang="en-US" sz="2400" b="0" i="1">
                             <a:solidFill>
-                              <a:srgbClr val="00B050"/>
+                              <a:srgbClr val="7030A0"/>
                             </a:solidFill>
                             <a:latin typeface="Cambria Math" panose="02040503050406030204" pitchFamily="18" charset="0"/>
                             <a:ea typeface="Cambria Math" panose="02040503050406030204" pitchFamily="18" charset="0"/>
@@ -7899,7 +10282,7 @@
                             <m:ctrlPr>
                               <a:rPr lang="en-US" sz="2400" i="1">
                                 <a:solidFill>
-                                  <a:srgbClr val="00B050"/>
+                                  <a:srgbClr val="7030A0"/>
                                 </a:solidFill>
                                 <a:latin typeface="Cambria Math" panose="02040503050406030204" pitchFamily="18" charset="0"/>
                                 <a:ea typeface="Cambria Math" panose="02040503050406030204" pitchFamily="18" charset="0"/>
@@ -7910,7 +10293,7 @@
                             <m:r>
                               <a:rPr lang="en-US" sz="2400" b="0" i="1">
                                 <a:solidFill>
-                                  <a:srgbClr val="00B050"/>
+                                  <a:srgbClr val="7030A0"/>
                                 </a:solidFill>
                                 <a:latin typeface="Cambria Math" panose="02040503050406030204" pitchFamily="18" charset="0"/>
                                 <a:ea typeface="Cambria Math" panose="02040503050406030204" pitchFamily="18" charset="0"/>
@@ -7922,7 +10305,7 @@
                             <m:r>
                               <a:rPr lang="en-US" sz="2400" b="0" i="1" smtClean="0">
                                 <a:solidFill>
-                                  <a:srgbClr val="00B050"/>
+                                  <a:srgbClr val="7030A0"/>
                                 </a:solidFill>
                                 <a:latin typeface="Cambria Math" panose="02040503050406030204" pitchFamily="18" charset="0"/>
                                 <a:ea typeface="Cambria Math" panose="02040503050406030204" pitchFamily="18" charset="0"/>
@@ -7936,7 +10319,7 @@
                         <m:r>
                           <a:rPr lang="en-US" sz="2400" b="0" i="1">
                             <a:solidFill>
-                              <a:srgbClr val="00B050"/>
+                              <a:srgbClr val="7030A0"/>
                             </a:solidFill>
                             <a:latin typeface="Cambria Math" panose="02040503050406030204" pitchFamily="18" charset="0"/>
                             <a:ea typeface="Cambria Math" panose="02040503050406030204" pitchFamily="18" charset="0"/>
@@ -7946,7 +10329,7 @@
                         <m:r>
                           <a:rPr lang="en-US" sz="2400" b="0" i="1">
                             <a:solidFill>
-                              <a:srgbClr val="00B050"/>
+                              <a:srgbClr val="7030A0"/>
                             </a:solidFill>
                             <a:latin typeface="Cambria Math" panose="02040503050406030204" pitchFamily="18" charset="0"/>
                             <a:ea typeface="Cambria Math" panose="02040503050406030204" pitchFamily="18" charset="0"/>
@@ -7958,7 +10341,7 @@
                             <m:ctrlPr>
                               <a:rPr lang="en-US" sz="2400" i="1">
                                 <a:solidFill>
-                                  <a:srgbClr val="00B050"/>
+                                  <a:srgbClr val="7030A0"/>
                                 </a:solidFill>
                                 <a:latin typeface="Cambria Math" panose="02040503050406030204" pitchFamily="18" charset="0"/>
                                 <a:ea typeface="Cambria Math" panose="02040503050406030204" pitchFamily="18" charset="0"/>
@@ -7969,7 +10352,7 @@
                             <m:r>
                               <a:rPr lang="en-US" sz="2400" b="0" i="1">
                                 <a:solidFill>
-                                  <a:srgbClr val="00B050"/>
+                                  <a:srgbClr val="7030A0"/>
                                 </a:solidFill>
                                 <a:latin typeface="Cambria Math" panose="02040503050406030204" pitchFamily="18" charset="0"/>
                                 <a:ea typeface="Cambria Math" panose="02040503050406030204" pitchFamily="18" charset="0"/>
@@ -7981,7 +10364,7 @@
                             <m:r>
                               <a:rPr lang="en-US" sz="2400" b="0" i="1" smtClean="0">
                                 <a:solidFill>
-                                  <a:srgbClr val="00B050"/>
+                                  <a:srgbClr val="7030A0"/>
                                 </a:solidFill>
                                 <a:latin typeface="Cambria Math" panose="02040503050406030204" pitchFamily="18" charset="0"/>
                                 <a:ea typeface="Cambria Math" panose="02040503050406030204" pitchFamily="18" charset="0"/>
@@ -7995,7 +10378,7 @@
                     <m:r>
                       <a:rPr lang="en-US" sz="2400" b="0" i="1" smtClean="0">
                         <a:solidFill>
-                          <a:srgbClr val="00B050"/>
+                          <a:srgbClr val="7030A0"/>
                         </a:solidFill>
                         <a:latin typeface="Cambria Math" panose="02040503050406030204" pitchFamily="18" charset="0"/>
                         <a:ea typeface="Cambria Math" panose="02040503050406030204" pitchFamily="18" charset="0"/>
@@ -8033,7 +10416,7 @@
                 <a:avLst/>
               </a:prstGeom>
               <a:blipFill>
-                <a:blip r:embed="rId6"/>
+                <a:blip r:embed="rId4"/>
                 <a:stretch>
                   <a:fillRect l="-2920" b="-1852"/>
                 </a:stretch>
@@ -8067,113 +10450,7 @@
 </p:sld>
 </file>
 
-<file path=ppt/slides/slide4.xml><?xml version="1.0" encoding="utf-8"?>
-<p:sld xmlns:a="http://schemas.openxmlformats.org/drawingml/2006/main" xmlns:r="http://schemas.openxmlformats.org/officeDocument/2006/relationships" xmlns:p="http://schemas.openxmlformats.org/presentationml/2006/main">
-  <p:cSld>
-    <p:spTree>
-      <p:nvGrpSpPr>
-        <p:cNvPr id="1" name=""/>
-        <p:cNvGrpSpPr/>
-        <p:nvPr/>
-      </p:nvGrpSpPr>
-      <p:grpSpPr>
-        <a:xfrm>
-          <a:off x="0" y="0"/>
-          <a:ext cx="0" cy="0"/>
-          <a:chOff x="0" y="0"/>
-          <a:chExt cx="0" cy="0"/>
-        </a:xfrm>
-      </p:grpSpPr>
-      <p:sp>
-        <p:nvSpPr>
-          <p:cNvPr id="28" name="TextBox 27">
-            <a:extLst>
-              <a:ext uri="{FF2B5EF4-FFF2-40B4-BE49-F238E27FC236}">
-                <a16:creationId xmlns:a16="http://schemas.microsoft.com/office/drawing/2014/main" id="{2E2AEBCC-9153-B24B-8E3A-E07B75C86BBF}"/>
-              </a:ext>
-            </a:extLst>
-          </p:cNvPr>
-          <p:cNvSpPr txBox="1"/>
-          <p:nvPr/>
-        </p:nvSpPr>
-        <p:spPr>
-          <a:xfrm>
-            <a:off x="657397" y="811389"/>
-            <a:ext cx="10613354" cy="1938992"/>
-          </a:xfrm>
-          <a:prstGeom prst="rect">
-            <a:avLst/>
-          </a:prstGeom>
-          <a:noFill/>
-        </p:spPr>
-        <p:txBody>
-          <a:bodyPr wrap="square" rtlCol="0">
-            <a:spAutoFit/>
-          </a:bodyPr>
-          <a:lstStyle/>
-          <a:p>
-            <a:r>
-              <a:rPr lang="en-US" sz="2400" dirty="0">
-                <a:solidFill>
-                  <a:schemeClr val="tx1"/>
-                </a:solidFill>
-              </a:rPr>
-              <a:t>What we’ve learned …</a:t>
-            </a:r>
-          </a:p>
-          <a:p>
-            <a:endParaRPr lang="en-US" sz="2400" dirty="0">
-              <a:solidFill>
-                <a:schemeClr val="tx1"/>
-              </a:solidFill>
-            </a:endParaRPr>
-          </a:p>
-          <a:p>
-            <a:pPr marL="342900" indent="-342900">
-              <a:buFont typeface="Arial" panose="020B0604020202020204" pitchFamily="34" charset="0"/>
-              <a:buChar char="•"/>
-            </a:pPr>
-            <a:r>
-              <a:rPr lang="en-US" sz="2400" dirty="0"/>
-              <a:t>Multiple ways of thinking about the liquid-vapor phase boundary.</a:t>
-            </a:r>
-          </a:p>
-          <a:p>
-            <a:pPr marL="342900" indent="-342900">
-              <a:buFont typeface="Arial" panose="020B0604020202020204" pitchFamily="34" charset="0"/>
-              <a:buChar char="•"/>
-            </a:pPr>
-            <a:r>
-              <a:rPr lang="en-US" sz="2400" dirty="0"/>
-              <a:t>How to integrate Clapeyron to get Thomson and Clausius-Clapeyron.</a:t>
-            </a:r>
-          </a:p>
-          <a:p>
-            <a:pPr marL="342900" indent="-342900">
-              <a:buFont typeface="Arial" panose="020B0604020202020204" pitchFamily="34" charset="0"/>
-              <a:buChar char="•"/>
-            </a:pPr>
-            <a:r>
-              <a:rPr lang="en-US" sz="2400" dirty="0"/>
-              <a:t>How phase diagrams are related to these equations.</a:t>
-            </a:r>
-          </a:p>
-        </p:txBody>
-      </p:sp>
-    </p:spTree>
-    <p:extLst>
-      <p:ext uri="{BB962C8B-B14F-4D97-AF65-F5344CB8AC3E}">
-        <p14:creationId xmlns:p14="http://schemas.microsoft.com/office/powerpoint/2010/main" val="1162918761"/>
-      </p:ext>
-    </p:extLst>
-  </p:cSld>
-  <p:clrMapOvr>
-    <a:masterClrMapping/>
-  </p:clrMapOvr>
-</p:sld>
-</file>
-
-<file path=ppt/slides/slide5.xml><?xml version="1.0" encoding="utf-8"?>
+<file path=ppt/slides/slide6.xml><?xml version="1.0" encoding="utf-8"?>
 <p:sld xmlns:a="http://schemas.openxmlformats.org/drawingml/2006/main" xmlns:r="http://schemas.openxmlformats.org/officeDocument/2006/relationships" xmlns:p="http://schemas.openxmlformats.org/presentationml/2006/main">
   <p:cSld>
     <p:spTree>
@@ -8204,13 +10481,2723 @@
         </p:nvSpPr>
         <p:spPr>
           <a:xfrm>
-            <a:off x="50622" y="25523"/>
+            <a:off x="-7253" y="2373"/>
+            <a:ext cx="12199253" cy="461665"/>
+          </a:xfrm>
+          <a:prstGeom prst="rect">
+            <a:avLst/>
+          </a:prstGeom>
+          <a:solidFill>
+            <a:schemeClr val="accent2"/>
+          </a:solidFill>
+        </p:spPr>
+        <p:txBody>
+          <a:bodyPr wrap="square" rtlCol="0">
+            <a:spAutoFit/>
+          </a:bodyPr>
+          <a:lstStyle/>
+          <a:p>
+            <a:r>
+              <a:rPr lang="en-US" sz="2400" b="1" dirty="0"/>
+              <a:t>Separating variables in preparation for integrating Clapeyron</a:t>
+            </a:r>
+          </a:p>
+        </p:txBody>
+      </p:sp>
+      <mc:AlternateContent xmlns:mc="http://schemas.openxmlformats.org/markup-compatibility/2006">
+        <mc:Choice xmlns:a14="http://schemas.microsoft.com/office/drawing/2010/main" Requires="a14">
+          <p:sp>
+            <p:nvSpPr>
+              <p:cNvPr id="15" name="Rectangle 14">
+                <a:extLst>
+                  <a:ext uri="{FF2B5EF4-FFF2-40B4-BE49-F238E27FC236}">
+                    <a16:creationId xmlns:a16="http://schemas.microsoft.com/office/drawing/2014/main" id="{D5E45D1E-F7CE-E74B-BBB3-81CC677D4EE4}"/>
+                  </a:ext>
+                </a:extLst>
+              </p:cNvPr>
+              <p:cNvSpPr/>
+              <p:nvPr/>
+            </p:nvSpPr>
+            <p:spPr>
+              <a:xfrm>
+                <a:off x="80486" y="1637135"/>
+                <a:ext cx="7543634" cy="2142574"/>
+              </a:xfrm>
+              <a:prstGeom prst="rect">
+                <a:avLst/>
+              </a:prstGeom>
+            </p:spPr>
+            <p:txBody>
+              <a:bodyPr wrap="square">
+                <a:spAutoFit/>
+              </a:bodyPr>
+              <a:lstStyle/>
+              <a:p>
+                <a:r>
+                  <a:rPr lang="en-US" sz="2400" dirty="0">
+                    <a:ea typeface="Cambria Math" panose="02040503050406030204" pitchFamily="18" charset="0"/>
+                  </a:rPr>
+                  <a:t>Integrating along the liquid/vapor phase boundary: </a:t>
+                </a:r>
+              </a:p>
+              <a:p>
+                <a14:m>
+                  <m:oMath xmlns:m="http://schemas.openxmlformats.org/officeDocument/2006/math">
+                    <m:nary>
+                      <m:naryPr>
+                        <m:ctrlPr>
+                          <a:rPr lang="en-US" sz="2400" i="1">
+                            <a:solidFill>
+                              <a:srgbClr val="00B050"/>
+                            </a:solidFill>
+                            <a:latin typeface="Cambria Math" panose="02040503050406030204" pitchFamily="18" charset="0"/>
+                            <a:ea typeface="Cambria Math" panose="02040503050406030204" pitchFamily="18" charset="0"/>
+                          </a:rPr>
+                        </m:ctrlPr>
+                      </m:naryPr>
+                      <m:sub>
+                        <m:sSub>
+                          <m:sSubPr>
+                            <m:ctrlPr>
+                              <a:rPr lang="en-US" sz="2400" i="1">
+                                <a:solidFill>
+                                  <a:srgbClr val="00B050"/>
+                                </a:solidFill>
+                                <a:latin typeface="Cambria Math" panose="02040503050406030204" pitchFamily="18" charset="0"/>
+                                <a:ea typeface="Cambria Math" panose="02040503050406030204" pitchFamily="18" charset="0"/>
+                              </a:rPr>
+                            </m:ctrlPr>
+                          </m:sSubPr>
+                          <m:e>
+                            <m:r>
+                              <m:rPr>
+                                <m:brk m:alnAt="23"/>
+                              </m:rPr>
+                              <a:rPr lang="en-US" sz="2400" b="0" i="1">
+                                <a:solidFill>
+                                  <a:srgbClr val="00B050"/>
+                                </a:solidFill>
+                                <a:latin typeface="Cambria Math" panose="02040503050406030204" pitchFamily="18" charset="0"/>
+                                <a:ea typeface="Cambria Math" panose="02040503050406030204" pitchFamily="18" charset="0"/>
+                              </a:rPr>
+                              <m:t>𝑃</m:t>
+                            </m:r>
+                          </m:e>
+                          <m:sub>
+                            <m:r>
+                              <m:rPr>
+                                <m:brk m:alnAt="23"/>
+                              </m:rPr>
+                              <a:rPr lang="en-US" sz="2400" b="0" i="1">
+                                <a:solidFill>
+                                  <a:srgbClr val="00B050"/>
+                                </a:solidFill>
+                                <a:latin typeface="Cambria Math" panose="02040503050406030204" pitchFamily="18" charset="0"/>
+                                <a:ea typeface="Cambria Math" panose="02040503050406030204" pitchFamily="18" charset="0"/>
+                              </a:rPr>
+                              <m:t>3</m:t>
+                            </m:r>
+                          </m:sub>
+                        </m:sSub>
+                      </m:sub>
+                      <m:sup>
+                        <m:r>
+                          <a:rPr lang="en-US" sz="2400" b="0" i="1">
+                            <a:solidFill>
+                              <a:srgbClr val="00B050"/>
+                            </a:solidFill>
+                            <a:latin typeface="Cambria Math" panose="02040503050406030204" pitchFamily="18" charset="0"/>
+                            <a:ea typeface="Cambria Math" panose="02040503050406030204" pitchFamily="18" charset="0"/>
+                          </a:rPr>
+                          <m:t>𝑃</m:t>
+                        </m:r>
+                      </m:sup>
+                      <m:e>
+                        <m:f>
+                          <m:fPr>
+                            <m:ctrlPr>
+                              <a:rPr lang="en-US" sz="2400" i="1">
+                                <a:solidFill>
+                                  <a:srgbClr val="00B050"/>
+                                </a:solidFill>
+                                <a:latin typeface="Cambria Math" panose="02040503050406030204" pitchFamily="18" charset="0"/>
+                                <a:ea typeface="Cambria Math" panose="02040503050406030204" pitchFamily="18" charset="0"/>
+                              </a:rPr>
+                            </m:ctrlPr>
+                          </m:fPr>
+                          <m:num>
+                            <m:r>
+                              <a:rPr lang="en-US" sz="2400" b="0" i="1">
+                                <a:solidFill>
+                                  <a:srgbClr val="00B050"/>
+                                </a:solidFill>
+                                <a:latin typeface="Cambria Math" panose="02040503050406030204" pitchFamily="18" charset="0"/>
+                                <a:ea typeface="Cambria Math" panose="02040503050406030204" pitchFamily="18" charset="0"/>
+                              </a:rPr>
+                              <m:t>𝑑𝑃</m:t>
+                            </m:r>
+                          </m:num>
+                          <m:den>
+                            <m:r>
+                              <a:rPr lang="en-US" sz="2400" b="0" i="1">
+                                <a:solidFill>
+                                  <a:srgbClr val="00B050"/>
+                                </a:solidFill>
+                                <a:latin typeface="Cambria Math" panose="02040503050406030204" pitchFamily="18" charset="0"/>
+                                <a:ea typeface="Cambria Math" panose="02040503050406030204" pitchFamily="18" charset="0"/>
+                              </a:rPr>
+                              <m:t>𝑃</m:t>
+                            </m:r>
+                          </m:den>
+                        </m:f>
+                      </m:e>
+                    </m:nary>
+                    <m:r>
+                      <a:rPr lang="en-US" sz="2400" b="0" i="1">
+                        <a:solidFill>
+                          <a:srgbClr val="00B050"/>
+                        </a:solidFill>
+                        <a:latin typeface="Cambria Math" panose="02040503050406030204" pitchFamily="18" charset="0"/>
+                        <a:ea typeface="Cambria Math" panose="02040503050406030204" pitchFamily="18" charset="0"/>
+                      </a:rPr>
+                      <m:t>=</m:t>
+                    </m:r>
+                    <m:nary>
+                      <m:naryPr>
+                        <m:ctrlPr>
+                          <a:rPr lang="en-US" sz="2400" i="1">
+                            <a:solidFill>
+                              <a:srgbClr val="00B050"/>
+                            </a:solidFill>
+                            <a:latin typeface="Cambria Math" panose="02040503050406030204" pitchFamily="18" charset="0"/>
+                            <a:ea typeface="Cambria Math" panose="02040503050406030204" pitchFamily="18" charset="0"/>
+                          </a:rPr>
+                        </m:ctrlPr>
+                      </m:naryPr>
+                      <m:sub>
+                        <m:sSub>
+                          <m:sSubPr>
+                            <m:ctrlPr>
+                              <a:rPr lang="en-US" sz="2400" i="1">
+                                <a:solidFill>
+                                  <a:srgbClr val="00B050"/>
+                                </a:solidFill>
+                                <a:latin typeface="Cambria Math" panose="02040503050406030204" pitchFamily="18" charset="0"/>
+                                <a:ea typeface="Cambria Math" panose="02040503050406030204" pitchFamily="18" charset="0"/>
+                              </a:rPr>
+                            </m:ctrlPr>
+                          </m:sSubPr>
+                          <m:e>
+                            <m:r>
+                              <m:rPr>
+                                <m:brk m:alnAt="23"/>
+                              </m:rPr>
+                              <a:rPr lang="en-US" sz="2400" b="0" i="1">
+                                <a:solidFill>
+                                  <a:srgbClr val="00B050"/>
+                                </a:solidFill>
+                                <a:latin typeface="Cambria Math" panose="02040503050406030204" pitchFamily="18" charset="0"/>
+                                <a:ea typeface="Cambria Math" panose="02040503050406030204" pitchFamily="18" charset="0"/>
+                              </a:rPr>
+                              <m:t>𝑇</m:t>
+                            </m:r>
+                          </m:e>
+                          <m:sub>
+                            <m:r>
+                              <m:rPr>
+                                <m:brk m:alnAt="23"/>
+                              </m:rPr>
+                              <a:rPr lang="en-US" sz="2400" b="0" i="1">
+                                <a:solidFill>
+                                  <a:srgbClr val="00B050"/>
+                                </a:solidFill>
+                                <a:latin typeface="Cambria Math" panose="02040503050406030204" pitchFamily="18" charset="0"/>
+                                <a:ea typeface="Cambria Math" panose="02040503050406030204" pitchFamily="18" charset="0"/>
+                              </a:rPr>
+                              <m:t>3</m:t>
+                            </m:r>
+                          </m:sub>
+                        </m:sSub>
+                      </m:sub>
+                      <m:sup>
+                        <m:r>
+                          <a:rPr lang="en-US" sz="2400" b="0" i="1">
+                            <a:solidFill>
+                              <a:srgbClr val="00B050"/>
+                            </a:solidFill>
+                            <a:latin typeface="Cambria Math" panose="02040503050406030204" pitchFamily="18" charset="0"/>
+                            <a:ea typeface="Cambria Math" panose="02040503050406030204" pitchFamily="18" charset="0"/>
+                          </a:rPr>
+                          <m:t>𝑇</m:t>
+                        </m:r>
+                      </m:sup>
+                      <m:e>
+                        <m:f>
+                          <m:fPr>
+                            <m:ctrlPr>
+                              <a:rPr lang="en-US" sz="2400" i="1">
+                                <a:solidFill>
+                                  <a:srgbClr val="00B050"/>
+                                </a:solidFill>
+                                <a:latin typeface="Cambria Math" panose="02040503050406030204" pitchFamily="18" charset="0"/>
+                                <a:ea typeface="Cambria Math" panose="02040503050406030204" pitchFamily="18" charset="0"/>
+                              </a:rPr>
+                            </m:ctrlPr>
+                          </m:fPr>
+                          <m:num>
+                            <m:r>
+                              <a:rPr lang="en-US" sz="2400" b="0" i="1">
+                                <a:solidFill>
+                                  <a:srgbClr val="00B050"/>
+                                </a:solidFill>
+                                <a:latin typeface="Cambria Math" panose="02040503050406030204" pitchFamily="18" charset="0"/>
+                                <a:ea typeface="Cambria Math" panose="02040503050406030204" pitchFamily="18" charset="0"/>
+                              </a:rPr>
+                              <m:t>∆</m:t>
+                            </m:r>
+                            <m:sSub>
+                              <m:sSubPr>
+                                <m:ctrlPr>
+                                  <a:rPr lang="en-US" sz="2400" i="1">
+                                    <a:solidFill>
+                                      <a:srgbClr val="00B050"/>
+                                    </a:solidFill>
+                                    <a:latin typeface="Cambria Math" panose="02040503050406030204" pitchFamily="18" charset="0"/>
+                                    <a:ea typeface="Cambria Math" panose="02040503050406030204" pitchFamily="18" charset="0"/>
+                                  </a:rPr>
+                                </m:ctrlPr>
+                              </m:sSubPr>
+                              <m:e>
+                                <m:r>
+                                  <a:rPr lang="en-US" sz="2400" b="0" i="1">
+                                    <a:solidFill>
+                                      <a:srgbClr val="00B050"/>
+                                    </a:solidFill>
+                                    <a:latin typeface="Cambria Math" panose="02040503050406030204" pitchFamily="18" charset="0"/>
+                                    <a:ea typeface="Cambria Math" panose="02040503050406030204" pitchFamily="18" charset="0"/>
+                                  </a:rPr>
+                                  <m:t>𝐻</m:t>
+                                </m:r>
+                              </m:e>
+                              <m:sub>
+                                <m:r>
+                                  <a:rPr lang="en-US" sz="2400" b="0" i="1">
+                                    <a:solidFill>
+                                      <a:srgbClr val="00B050"/>
+                                    </a:solidFill>
+                                    <a:latin typeface="Cambria Math" panose="02040503050406030204" pitchFamily="18" charset="0"/>
+                                    <a:ea typeface="Cambria Math" panose="02040503050406030204" pitchFamily="18" charset="0"/>
+                                  </a:rPr>
+                                  <m:t>𝑣𝑎𝑝</m:t>
+                                </m:r>
+                              </m:sub>
+                            </m:sSub>
+                          </m:num>
+                          <m:den>
+                            <m:r>
+                              <a:rPr lang="en-US" sz="2400" b="0" i="1">
+                                <a:solidFill>
+                                  <a:srgbClr val="00B050"/>
+                                </a:solidFill>
+                                <a:latin typeface="Cambria Math" panose="02040503050406030204" pitchFamily="18" charset="0"/>
+                                <a:ea typeface="Cambria Math" panose="02040503050406030204" pitchFamily="18" charset="0"/>
+                              </a:rPr>
+                              <m:t>𝑛𝑅</m:t>
+                            </m:r>
+                            <m:sSup>
+                              <m:sSupPr>
+                                <m:ctrlPr>
+                                  <a:rPr lang="en-US" sz="2400" i="1">
+                                    <a:solidFill>
+                                      <a:srgbClr val="00B050"/>
+                                    </a:solidFill>
+                                    <a:latin typeface="Cambria Math" panose="02040503050406030204" pitchFamily="18" charset="0"/>
+                                    <a:ea typeface="Cambria Math" panose="02040503050406030204" pitchFamily="18" charset="0"/>
+                                  </a:rPr>
+                                </m:ctrlPr>
+                              </m:sSupPr>
+                              <m:e>
+                                <m:r>
+                                  <a:rPr lang="en-US" sz="2400" b="0" i="1">
+                                    <a:solidFill>
+                                      <a:srgbClr val="00B050"/>
+                                    </a:solidFill>
+                                    <a:latin typeface="Cambria Math" panose="02040503050406030204" pitchFamily="18" charset="0"/>
+                                    <a:ea typeface="Cambria Math" panose="02040503050406030204" pitchFamily="18" charset="0"/>
+                                  </a:rPr>
+                                  <m:t>𝑇</m:t>
+                                </m:r>
+                              </m:e>
+                              <m:sup>
+                                <m:r>
+                                  <a:rPr lang="en-US" sz="2400" b="0" i="1">
+                                    <a:solidFill>
+                                      <a:srgbClr val="00B050"/>
+                                    </a:solidFill>
+                                    <a:latin typeface="Cambria Math" panose="02040503050406030204" pitchFamily="18" charset="0"/>
+                                    <a:ea typeface="Cambria Math" panose="02040503050406030204" pitchFamily="18" charset="0"/>
+                                  </a:rPr>
+                                  <m:t>2</m:t>
+                                </m:r>
+                              </m:sup>
+                            </m:sSup>
+                          </m:den>
+                        </m:f>
+                        <m:r>
+                          <a:rPr lang="en-US" sz="2400" b="0" i="1">
+                            <a:solidFill>
+                              <a:srgbClr val="00B050"/>
+                            </a:solidFill>
+                            <a:latin typeface="Cambria Math" panose="02040503050406030204" pitchFamily="18" charset="0"/>
+                            <a:ea typeface="Cambria Math" panose="02040503050406030204" pitchFamily="18" charset="0"/>
+                          </a:rPr>
+                          <m:t>𝑑𝑇</m:t>
+                        </m:r>
+                      </m:e>
+                    </m:nary>
+                  </m:oMath>
+                </a14:m>
+                <a:r>
+                  <a:rPr lang="en-US" sz="2400" dirty="0"/>
+                  <a:t> </a:t>
+                </a:r>
+                <a:r>
+                  <a:rPr lang="en-US" sz="2400" dirty="0">
+                    <a:sym typeface="Wingdings" pitchFamily="2" charset="2"/>
+                  </a:rPr>
+                  <a:t> </a:t>
+                </a:r>
+                <a:r>
+                  <a:rPr lang="en-US" sz="2400" dirty="0">
+                    <a:solidFill>
+                      <a:srgbClr val="00B050"/>
+                    </a:solidFill>
+                    <a:sym typeface="Wingdings" pitchFamily="2" charset="2"/>
+                  </a:rPr>
+                  <a:t>Clausius-Clapeyron equation for liquid-vapor equilibria</a:t>
+                </a:r>
+              </a:p>
+              <a:p>
+                <a:endParaRPr lang="en-US" sz="2400" dirty="0">
+                  <a:solidFill>
+                    <a:schemeClr val="accent1"/>
+                  </a:solidFill>
+                  <a:sym typeface="Wingdings" pitchFamily="2" charset="2"/>
+                </a:endParaRPr>
+              </a:p>
+              <a:p>
+                <a:r>
+                  <a:rPr lang="en-US" sz="2400" dirty="0">
+                    <a:sym typeface="Wingdings" pitchFamily="2" charset="2"/>
+                  </a:rPr>
+                  <a:t>We assumed (or will assume) …</a:t>
+                </a:r>
+                <a:endParaRPr lang="en-US" sz="2400" dirty="0"/>
+              </a:p>
+            </p:txBody>
+          </p:sp>
+        </mc:Choice>
+        <mc:Fallback>
+          <p:sp>
+            <p:nvSpPr>
+              <p:cNvPr id="15" name="Rectangle 14">
+                <a:extLst>
+                  <a:ext uri="{FF2B5EF4-FFF2-40B4-BE49-F238E27FC236}">
+                    <a16:creationId xmlns:a16="http://schemas.microsoft.com/office/drawing/2014/main" id="{D5E45D1E-F7CE-E74B-BBB3-81CC677D4EE4}"/>
+                  </a:ext>
+                </a:extLst>
+              </p:cNvPr>
+              <p:cNvSpPr>
+                <a:spLocks noRot="1" noChangeAspect="1" noMove="1" noResize="1" noEditPoints="1" noAdjustHandles="1" noChangeArrowheads="1" noChangeShapeType="1" noTextEdit="1"/>
+              </p:cNvSpPr>
+              <p:nvPr/>
+            </p:nvSpPr>
+            <p:spPr>
+              <a:xfrm>
+                <a:off x="80486" y="1637135"/>
+                <a:ext cx="7543634" cy="2142574"/>
+              </a:xfrm>
+              <a:prstGeom prst="rect">
+                <a:avLst/>
+              </a:prstGeom>
+              <a:blipFill>
+                <a:blip r:embed="rId2"/>
+                <a:stretch>
+                  <a:fillRect l="-7563" t="-13018" b="-5917"/>
+                </a:stretch>
+              </a:blipFill>
+            </p:spPr>
+            <p:txBody>
+              <a:bodyPr/>
+              <a:lstStyle/>
+              <a:p>
+                <a:r>
+                  <a:rPr lang="en-US">
+                    <a:noFill/>
+                  </a:rPr>
+                  <a:t> </a:t>
+                </a:r>
+              </a:p>
+            </p:txBody>
+          </p:sp>
+        </mc:Fallback>
+      </mc:AlternateContent>
+      <p:grpSp>
+        <p:nvGrpSpPr>
+          <p:cNvPr id="3" name="Group 2">
+            <a:extLst>
+              <a:ext uri="{FF2B5EF4-FFF2-40B4-BE49-F238E27FC236}">
+                <a16:creationId xmlns:a16="http://schemas.microsoft.com/office/drawing/2014/main" id="{22E19834-F414-7942-AF4E-35E6FBAD1E2C}"/>
+              </a:ext>
+            </a:extLst>
+          </p:cNvPr>
+          <p:cNvGrpSpPr/>
+          <p:nvPr/>
+        </p:nvGrpSpPr>
+        <p:grpSpPr>
+          <a:xfrm>
+            <a:off x="7946574" y="650550"/>
+            <a:ext cx="3148181" cy="2988982"/>
+            <a:chOff x="5752033" y="2076249"/>
+            <a:chExt cx="3148181" cy="2988982"/>
+          </a:xfrm>
+        </p:grpSpPr>
+        <p:grpSp>
+          <p:nvGrpSpPr>
+            <p:cNvPr id="21" name="Group 20">
+              <a:extLst>
+                <a:ext uri="{FF2B5EF4-FFF2-40B4-BE49-F238E27FC236}">
+                  <a16:creationId xmlns:a16="http://schemas.microsoft.com/office/drawing/2014/main" id="{0A971276-5825-554D-9C15-0254CE2FC022}"/>
+                </a:ext>
+              </a:extLst>
+            </p:cNvPr>
+            <p:cNvGrpSpPr/>
+            <p:nvPr/>
+          </p:nvGrpSpPr>
+          <p:grpSpPr>
+            <a:xfrm>
+              <a:off x="5752033" y="2076249"/>
+              <a:ext cx="3148181" cy="2988982"/>
+              <a:chOff x="4270169" y="240930"/>
+              <a:chExt cx="3148181" cy="2988982"/>
+            </a:xfrm>
+          </p:grpSpPr>
+          <p:grpSp>
+            <p:nvGrpSpPr>
+              <p:cNvPr id="22" name="Group 21">
+                <a:extLst>
+                  <a:ext uri="{FF2B5EF4-FFF2-40B4-BE49-F238E27FC236}">
+                    <a16:creationId xmlns:a16="http://schemas.microsoft.com/office/drawing/2014/main" id="{C1227735-1BEB-7D4D-98FC-4F9471A4285E}"/>
+                  </a:ext>
+                </a:extLst>
+              </p:cNvPr>
+              <p:cNvGrpSpPr/>
+              <p:nvPr/>
+            </p:nvGrpSpPr>
+            <p:grpSpPr>
+              <a:xfrm>
+                <a:off x="4270169" y="240930"/>
+                <a:ext cx="3148181" cy="2988982"/>
+                <a:chOff x="8122016" y="738525"/>
+                <a:chExt cx="3611879" cy="3372641"/>
+              </a:xfrm>
+            </p:grpSpPr>
+            <p:grpSp>
+              <p:nvGrpSpPr>
+                <p:cNvPr id="28" name="Group 27">
+                  <a:extLst>
+                    <a:ext uri="{FF2B5EF4-FFF2-40B4-BE49-F238E27FC236}">
+                      <a16:creationId xmlns:a16="http://schemas.microsoft.com/office/drawing/2014/main" id="{339BBF00-0384-9446-BBFB-E714FCBBE043}"/>
+                    </a:ext>
+                  </a:extLst>
+                </p:cNvPr>
+                <p:cNvGrpSpPr/>
+                <p:nvPr/>
+              </p:nvGrpSpPr>
+              <p:grpSpPr>
+                <a:xfrm>
+                  <a:off x="8122016" y="738525"/>
+                  <a:ext cx="3611879" cy="3372641"/>
+                  <a:chOff x="223734" y="1499666"/>
+                  <a:chExt cx="3074185" cy="3352100"/>
+                </a:xfrm>
+              </p:grpSpPr>
+              <p:pic>
+                <p:nvPicPr>
+                  <p:cNvPr id="31" name="Picture 2" descr="Image result for phase diagrams">
+                    <a:extLst>
+                      <a:ext uri="{FF2B5EF4-FFF2-40B4-BE49-F238E27FC236}">
+                        <a16:creationId xmlns:a16="http://schemas.microsoft.com/office/drawing/2014/main" id="{44D1A258-6F21-4148-BCE2-A2D902B1F7AA}"/>
+                      </a:ext>
+                    </a:extLst>
+                  </p:cNvPr>
+                  <p:cNvPicPr>
+                    <a:picLocks noChangeAspect="1" noChangeArrowheads="1"/>
+                  </p:cNvPicPr>
+                  <p:nvPr/>
+                </p:nvPicPr>
+                <p:blipFill rotWithShape="1">
+                  <a:blip r:embed="rId3">
+                    <a:extLst>
+                      <a:ext uri="{28A0092B-C50C-407E-A947-70E740481C1C}">
+                        <a14:useLocalDpi xmlns:a14="http://schemas.microsoft.com/office/drawing/2010/main" val="0"/>
+                      </a:ext>
+                    </a:extLst>
+                  </a:blip>
+                  <a:srcRect l="13773" b="5795"/>
+                  <a:stretch/>
+                </p:blipFill>
+                <p:spPr bwMode="auto">
+                  <a:xfrm>
+                    <a:off x="406438" y="1828307"/>
+                    <a:ext cx="2891481" cy="2632482"/>
+                  </a:xfrm>
+                  <a:prstGeom prst="rect">
+                    <a:avLst/>
+                  </a:prstGeom>
+                  <a:noFill/>
+                  <a:extLst>
+                    <a:ext uri="{909E8E84-426E-40DD-AFC4-6F175D3DCCD1}">
+                      <a14:hiddenFill xmlns:a14="http://schemas.microsoft.com/office/drawing/2010/main">
+                        <a:solidFill>
+                          <a:srgbClr val="FFFFFF"/>
+                        </a:solidFill>
+                      </a14:hiddenFill>
+                    </a:ext>
+                  </a:extLst>
+                </p:spPr>
+              </p:pic>
+              <p:sp>
+                <p:nvSpPr>
+                  <p:cNvPr id="32" name="Rectangle 31">
+                    <a:extLst>
+                      <a:ext uri="{FF2B5EF4-FFF2-40B4-BE49-F238E27FC236}">
+                        <a16:creationId xmlns:a16="http://schemas.microsoft.com/office/drawing/2014/main" id="{CF0F2BFE-F0A4-BD44-B6CE-52E938B54557}"/>
+                      </a:ext>
+                    </a:extLst>
+                  </p:cNvPr>
+                  <p:cNvSpPr/>
+                  <p:nvPr/>
+                </p:nvSpPr>
+                <p:spPr>
+                  <a:xfrm>
+                    <a:off x="223734" y="1499666"/>
+                    <a:ext cx="343364" cy="461665"/>
+                  </a:xfrm>
+                  <a:prstGeom prst="rect">
+                    <a:avLst/>
+                  </a:prstGeom>
+                </p:spPr>
+                <p:txBody>
+                  <a:bodyPr wrap="none">
+                    <a:spAutoFit/>
+                  </a:bodyPr>
+                  <a:lstStyle/>
+                  <a:p>
+                    <a:r>
+                      <a:rPr lang="en-US" sz="2400" dirty="0"/>
+                      <a:t>P</a:t>
+                    </a:r>
+                  </a:p>
+                </p:txBody>
+              </p:sp>
+              <p:sp>
+                <p:nvSpPr>
+                  <p:cNvPr id="33" name="Rectangle 32">
+                    <a:extLst>
+                      <a:ext uri="{FF2B5EF4-FFF2-40B4-BE49-F238E27FC236}">
+                        <a16:creationId xmlns:a16="http://schemas.microsoft.com/office/drawing/2014/main" id="{31B568F3-25CF-1844-B1AE-24D21E9E69C4}"/>
+                      </a:ext>
+                    </a:extLst>
+                  </p:cNvPr>
+                  <p:cNvSpPr/>
+                  <p:nvPr/>
+                </p:nvSpPr>
+                <p:spPr>
+                  <a:xfrm>
+                    <a:off x="2347899" y="4390101"/>
+                    <a:ext cx="335348" cy="461665"/>
+                  </a:xfrm>
+                  <a:prstGeom prst="rect">
+                    <a:avLst/>
+                  </a:prstGeom>
+                </p:spPr>
+                <p:txBody>
+                  <a:bodyPr wrap="none">
+                    <a:spAutoFit/>
+                  </a:bodyPr>
+                  <a:lstStyle/>
+                  <a:p>
+                    <a:r>
+                      <a:rPr lang="en-US" sz="2400" dirty="0"/>
+                      <a:t>T</a:t>
+                    </a:r>
+                  </a:p>
+                </p:txBody>
+              </p:sp>
+            </p:grpSp>
+            <p:sp>
+              <p:nvSpPr>
+                <p:cNvPr id="29" name="Freeform 28">
+                  <a:extLst>
+                    <a:ext uri="{FF2B5EF4-FFF2-40B4-BE49-F238E27FC236}">
+                      <a16:creationId xmlns:a16="http://schemas.microsoft.com/office/drawing/2014/main" id="{277215AB-BC0E-614B-AF9F-7B16C3FC12B3}"/>
+                    </a:ext>
+                  </a:extLst>
+                </p:cNvPr>
+                <p:cNvSpPr/>
+                <p:nvPr/>
+              </p:nvSpPr>
+              <p:spPr>
+                <a:xfrm>
+                  <a:off x="9483213" y="1968497"/>
+                  <a:ext cx="1823428" cy="1241951"/>
+                </a:xfrm>
+                <a:custGeom>
+                  <a:avLst/>
+                  <a:gdLst>
+                    <a:gd name="connsiteX0" fmla="*/ 0 w 1823428"/>
+                    <a:gd name="connsiteY0" fmla="*/ 1241951 h 1241951"/>
+                    <a:gd name="connsiteX1" fmla="*/ 353961 w 1823428"/>
+                    <a:gd name="connsiteY1" fmla="*/ 1153461 h 1241951"/>
+                    <a:gd name="connsiteX2" fmla="*/ 693174 w 1823428"/>
+                    <a:gd name="connsiteY2" fmla="*/ 1064970 h 1241951"/>
+                    <a:gd name="connsiteX3" fmla="*/ 988142 w 1823428"/>
+                    <a:gd name="connsiteY3" fmla="*/ 917486 h 1241951"/>
+                    <a:gd name="connsiteX4" fmla="*/ 1283110 w 1823428"/>
+                    <a:gd name="connsiteY4" fmla="*/ 725757 h 1241951"/>
+                    <a:gd name="connsiteX5" fmla="*/ 1548581 w 1823428"/>
+                    <a:gd name="connsiteY5" fmla="*/ 460286 h 1241951"/>
+                    <a:gd name="connsiteX6" fmla="*/ 1799303 w 1823428"/>
+                    <a:gd name="connsiteY6" fmla="*/ 32583 h 1241951"/>
+                    <a:gd name="connsiteX7" fmla="*/ 1799303 w 1823428"/>
+                    <a:gd name="connsiteY7" fmla="*/ 62080 h 1241951"/>
+                  </a:gdLst>
+                  <a:ahLst/>
+                  <a:cxnLst>
+                    <a:cxn ang="0">
+                      <a:pos x="connsiteX0" y="connsiteY0"/>
+                    </a:cxn>
+                    <a:cxn ang="0">
+                      <a:pos x="connsiteX1" y="connsiteY1"/>
+                    </a:cxn>
+                    <a:cxn ang="0">
+                      <a:pos x="connsiteX2" y="connsiteY2"/>
+                    </a:cxn>
+                    <a:cxn ang="0">
+                      <a:pos x="connsiteX3" y="connsiteY3"/>
+                    </a:cxn>
+                    <a:cxn ang="0">
+                      <a:pos x="connsiteX4" y="connsiteY4"/>
+                    </a:cxn>
+                    <a:cxn ang="0">
+                      <a:pos x="connsiteX5" y="connsiteY5"/>
+                    </a:cxn>
+                    <a:cxn ang="0">
+                      <a:pos x="connsiteX6" y="connsiteY6"/>
+                    </a:cxn>
+                    <a:cxn ang="0">
+                      <a:pos x="connsiteX7" y="connsiteY7"/>
+                    </a:cxn>
+                  </a:cxnLst>
+                  <a:rect l="l" t="t" r="r" b="b"/>
+                  <a:pathLst>
+                    <a:path w="1823428" h="1241951">
+                      <a:moveTo>
+                        <a:pt x="0" y="1241951"/>
+                      </a:moveTo>
+                      <a:lnTo>
+                        <a:pt x="353961" y="1153461"/>
+                      </a:lnTo>
+                      <a:cubicBezTo>
+                        <a:pt x="469490" y="1123964"/>
+                        <a:pt x="587477" y="1104299"/>
+                        <a:pt x="693174" y="1064970"/>
+                      </a:cubicBezTo>
+                      <a:cubicBezTo>
+                        <a:pt x="798871" y="1025641"/>
+                        <a:pt x="889819" y="974021"/>
+                        <a:pt x="988142" y="917486"/>
+                      </a:cubicBezTo>
+                      <a:cubicBezTo>
+                        <a:pt x="1086465" y="860950"/>
+                        <a:pt x="1189704" y="801957"/>
+                        <a:pt x="1283110" y="725757"/>
+                      </a:cubicBezTo>
+                      <a:cubicBezTo>
+                        <a:pt x="1376517" y="649557"/>
+                        <a:pt x="1462549" y="575815"/>
+                        <a:pt x="1548581" y="460286"/>
+                      </a:cubicBezTo>
+                      <a:cubicBezTo>
+                        <a:pt x="1634613" y="344757"/>
+                        <a:pt x="1757516" y="98951"/>
+                        <a:pt x="1799303" y="32583"/>
+                      </a:cubicBezTo>
+                      <a:cubicBezTo>
+                        <a:pt x="1841090" y="-33785"/>
+                        <a:pt x="1820196" y="14147"/>
+                        <a:pt x="1799303" y="62080"/>
+                      </a:cubicBezTo>
+                    </a:path>
+                  </a:pathLst>
+                </a:custGeom>
+                <a:noFill/>
+                <a:ln w="101600">
+                  <a:solidFill>
+                    <a:srgbClr val="00B050"/>
+                  </a:solidFill>
+                </a:ln>
+              </p:spPr>
+              <p:style>
+                <a:lnRef idx="2">
+                  <a:schemeClr val="accent1">
+                    <a:shade val="50000"/>
+                  </a:schemeClr>
+                </a:lnRef>
+                <a:fillRef idx="1">
+                  <a:schemeClr val="accent1"/>
+                </a:fillRef>
+                <a:effectRef idx="0">
+                  <a:schemeClr val="accent1"/>
+                </a:effectRef>
+                <a:fontRef idx="minor">
+                  <a:schemeClr val="lt1"/>
+                </a:fontRef>
+              </p:style>
+              <p:txBody>
+                <a:bodyPr rtlCol="0" anchor="ctr"/>
+                <a:lstStyle/>
+                <a:p>
+                  <a:pPr algn="ctr"/>
+                  <a:endParaRPr lang="en-US" dirty="0"/>
+                </a:p>
+              </p:txBody>
+            </p:sp>
+            <p:sp>
+              <p:nvSpPr>
+                <p:cNvPr id="30" name="Freeform 29">
+                  <a:extLst>
+                    <a:ext uri="{FF2B5EF4-FFF2-40B4-BE49-F238E27FC236}">
+                      <a16:creationId xmlns:a16="http://schemas.microsoft.com/office/drawing/2014/main" id="{544BB8C0-A6F2-2642-BC20-48F6DE4ABCE8}"/>
+                    </a:ext>
+                  </a:extLst>
+                </p:cNvPr>
+                <p:cNvSpPr/>
+                <p:nvPr/>
+              </p:nvSpPr>
+              <p:spPr>
+                <a:xfrm>
+                  <a:off x="8409904" y="3258355"/>
+                  <a:ext cx="991673" cy="402963"/>
+                </a:xfrm>
+                <a:custGeom>
+                  <a:avLst/>
+                  <a:gdLst>
+                    <a:gd name="connsiteX0" fmla="*/ 0 w 991673"/>
+                    <a:gd name="connsiteY0" fmla="*/ 399245 h 402963"/>
+                    <a:gd name="connsiteX1" fmla="*/ 218941 w 991673"/>
+                    <a:gd name="connsiteY1" fmla="*/ 399245 h 402963"/>
+                    <a:gd name="connsiteX2" fmla="*/ 360609 w 991673"/>
+                    <a:gd name="connsiteY2" fmla="*/ 360608 h 402963"/>
+                    <a:gd name="connsiteX3" fmla="*/ 579550 w 991673"/>
+                    <a:gd name="connsiteY3" fmla="*/ 283335 h 402963"/>
+                    <a:gd name="connsiteX4" fmla="*/ 721217 w 991673"/>
+                    <a:gd name="connsiteY4" fmla="*/ 218941 h 402963"/>
+                    <a:gd name="connsiteX5" fmla="*/ 875764 w 991673"/>
+                    <a:gd name="connsiteY5" fmla="*/ 103031 h 402963"/>
+                    <a:gd name="connsiteX6" fmla="*/ 991673 w 991673"/>
+                    <a:gd name="connsiteY6" fmla="*/ 0 h 402963"/>
+                    <a:gd name="connsiteX7" fmla="*/ 991673 w 991673"/>
+                    <a:gd name="connsiteY7" fmla="*/ 0 h 402963"/>
+                  </a:gdLst>
+                  <a:ahLst/>
+                  <a:cxnLst>
+                    <a:cxn ang="0">
+                      <a:pos x="connsiteX0" y="connsiteY0"/>
+                    </a:cxn>
+                    <a:cxn ang="0">
+                      <a:pos x="connsiteX1" y="connsiteY1"/>
+                    </a:cxn>
+                    <a:cxn ang="0">
+                      <a:pos x="connsiteX2" y="connsiteY2"/>
+                    </a:cxn>
+                    <a:cxn ang="0">
+                      <a:pos x="connsiteX3" y="connsiteY3"/>
+                    </a:cxn>
+                    <a:cxn ang="0">
+                      <a:pos x="connsiteX4" y="connsiteY4"/>
+                    </a:cxn>
+                    <a:cxn ang="0">
+                      <a:pos x="connsiteX5" y="connsiteY5"/>
+                    </a:cxn>
+                    <a:cxn ang="0">
+                      <a:pos x="connsiteX6" y="connsiteY6"/>
+                    </a:cxn>
+                    <a:cxn ang="0">
+                      <a:pos x="connsiteX7" y="connsiteY7"/>
+                    </a:cxn>
+                  </a:cxnLst>
+                  <a:rect l="l" t="t" r="r" b="b"/>
+                  <a:pathLst>
+                    <a:path w="991673" h="402963">
+                      <a:moveTo>
+                        <a:pt x="0" y="399245"/>
+                      </a:moveTo>
+                      <a:cubicBezTo>
+                        <a:pt x="79419" y="402465"/>
+                        <a:pt x="158839" y="405685"/>
+                        <a:pt x="218941" y="399245"/>
+                      </a:cubicBezTo>
+                      <a:cubicBezTo>
+                        <a:pt x="279043" y="392805"/>
+                        <a:pt x="300508" y="379926"/>
+                        <a:pt x="360609" y="360608"/>
+                      </a:cubicBezTo>
+                      <a:cubicBezTo>
+                        <a:pt x="420711" y="341290"/>
+                        <a:pt x="519449" y="306946"/>
+                        <a:pt x="579550" y="283335"/>
+                      </a:cubicBezTo>
+                      <a:cubicBezTo>
+                        <a:pt x="639651" y="259724"/>
+                        <a:pt x="671848" y="248992"/>
+                        <a:pt x="721217" y="218941"/>
+                      </a:cubicBezTo>
+                      <a:cubicBezTo>
+                        <a:pt x="770586" y="188890"/>
+                        <a:pt x="830688" y="139521"/>
+                        <a:pt x="875764" y="103031"/>
+                      </a:cubicBezTo>
+                      <a:cubicBezTo>
+                        <a:pt x="920840" y="66541"/>
+                        <a:pt x="991673" y="0"/>
+                        <a:pt x="991673" y="0"/>
+                      </a:cubicBezTo>
+                      <a:lnTo>
+                        <a:pt x="991673" y="0"/>
+                      </a:lnTo>
+                    </a:path>
+                  </a:pathLst>
+                </a:custGeom>
+                <a:noFill/>
+                <a:ln w="101600">
+                  <a:solidFill>
+                    <a:schemeClr val="accent2"/>
+                  </a:solidFill>
+                  <a:prstDash val="sysDot"/>
+                </a:ln>
+              </p:spPr>
+              <p:style>
+                <a:lnRef idx="2">
+                  <a:schemeClr val="accent1">
+                    <a:shade val="50000"/>
+                  </a:schemeClr>
+                </a:lnRef>
+                <a:fillRef idx="1">
+                  <a:schemeClr val="accent1"/>
+                </a:fillRef>
+                <a:effectRef idx="0">
+                  <a:schemeClr val="accent1"/>
+                </a:effectRef>
+                <a:fontRef idx="minor">
+                  <a:schemeClr val="lt1"/>
+                </a:fontRef>
+              </p:style>
+              <p:txBody>
+                <a:bodyPr rtlCol="0" anchor="ctr"/>
+                <a:lstStyle/>
+                <a:p>
+                  <a:pPr algn="ctr"/>
+                  <a:endParaRPr lang="en-US" dirty="0">
+                    <a:solidFill>
+                      <a:srgbClr val="00B050"/>
+                    </a:solidFill>
+                  </a:endParaRPr>
+                </a:p>
+              </p:txBody>
+            </p:sp>
+          </p:grpSp>
+          <p:cxnSp>
+            <p:nvCxnSpPr>
+              <p:cNvPr id="23" name="Straight Arrow Connector 22">
+                <a:extLst>
+                  <a:ext uri="{FF2B5EF4-FFF2-40B4-BE49-F238E27FC236}">
+                    <a16:creationId xmlns:a16="http://schemas.microsoft.com/office/drawing/2014/main" id="{5EB14925-C632-0A4F-B959-634D2B5B3AA6}"/>
+                  </a:ext>
+                </a:extLst>
+              </p:cNvPr>
+              <p:cNvCxnSpPr>
+                <a:cxnSpLocks/>
+                <a:stCxn id="29" idx="5"/>
+              </p:cNvCxnSpPr>
+              <p:nvPr/>
+            </p:nvCxnSpPr>
+            <p:spPr>
+              <a:xfrm flipV="1">
+                <a:off x="6806386" y="1228099"/>
+                <a:ext cx="300338" cy="510811"/>
+              </a:xfrm>
+              <a:prstGeom prst="straightConnector1">
+                <a:avLst/>
+              </a:prstGeom>
+              <a:ln w="101600">
+                <a:solidFill>
+                  <a:srgbClr val="00B050"/>
+                </a:solidFill>
+                <a:tailEnd type="triangle"/>
+              </a:ln>
+            </p:spPr>
+            <p:style>
+              <a:lnRef idx="1">
+                <a:schemeClr val="accent1"/>
+              </a:lnRef>
+              <a:fillRef idx="0">
+                <a:schemeClr val="accent1"/>
+              </a:fillRef>
+              <a:effectRef idx="0">
+                <a:schemeClr val="accent1"/>
+              </a:effectRef>
+              <a:fontRef idx="minor">
+                <a:schemeClr val="tx1"/>
+              </a:fontRef>
+            </p:style>
+          </p:cxnSp>
+          <p:cxnSp>
+            <p:nvCxnSpPr>
+              <p:cNvPr id="27" name="Straight Connector 26">
+                <a:extLst>
+                  <a:ext uri="{FF2B5EF4-FFF2-40B4-BE49-F238E27FC236}">
+                    <a16:creationId xmlns:a16="http://schemas.microsoft.com/office/drawing/2014/main" id="{F46D2646-3B49-E241-BBE6-3A7FD6ADDF69}"/>
+                  </a:ext>
+                </a:extLst>
+              </p:cNvPr>
+              <p:cNvCxnSpPr>
+                <a:cxnSpLocks/>
+              </p:cNvCxnSpPr>
+              <p:nvPr/>
+            </p:nvCxnSpPr>
+            <p:spPr>
+              <a:xfrm flipV="1">
+                <a:off x="4423407" y="2822298"/>
+                <a:ext cx="265948" cy="3296"/>
+              </a:xfrm>
+              <a:prstGeom prst="line">
+                <a:avLst/>
+              </a:prstGeom>
+              <a:ln w="101600">
+                <a:solidFill>
+                  <a:schemeClr val="accent2"/>
+                </a:solidFill>
+                <a:prstDash val="sysDot"/>
+                <a:headEnd type="triangle"/>
+              </a:ln>
+            </p:spPr>
+            <p:style>
+              <a:lnRef idx="1">
+                <a:schemeClr val="accent1"/>
+              </a:lnRef>
+              <a:fillRef idx="0">
+                <a:schemeClr val="accent1"/>
+              </a:fillRef>
+              <a:effectRef idx="0">
+                <a:schemeClr val="accent1"/>
+              </a:effectRef>
+              <a:fontRef idx="minor">
+                <a:schemeClr val="tx1"/>
+              </a:fontRef>
+            </p:style>
+          </p:cxnSp>
+        </p:grpSp>
+        <p:cxnSp>
+          <p:nvCxnSpPr>
+            <p:cNvPr id="34" name="Straight Connector 33">
+              <a:extLst>
+                <a:ext uri="{FF2B5EF4-FFF2-40B4-BE49-F238E27FC236}">
+                  <a16:creationId xmlns:a16="http://schemas.microsoft.com/office/drawing/2014/main" id="{F1E66DFA-8DFC-1048-B916-3809F0A69CB6}"/>
+                </a:ext>
+              </a:extLst>
+            </p:cNvPr>
+            <p:cNvCxnSpPr>
+              <a:cxnSpLocks/>
+            </p:cNvCxnSpPr>
+            <p:nvPr/>
+          </p:nvCxnSpPr>
+          <p:spPr>
+            <a:xfrm flipH="1">
+              <a:off x="6867323" y="2365420"/>
+              <a:ext cx="335311" cy="1862929"/>
+            </a:xfrm>
+            <a:prstGeom prst="line">
+              <a:avLst/>
+            </a:prstGeom>
+            <a:ln w="127000">
+              <a:headEnd type="triangle"/>
+            </a:ln>
+          </p:spPr>
+          <p:style>
+            <a:lnRef idx="1">
+              <a:schemeClr val="accent1"/>
+            </a:lnRef>
+            <a:fillRef idx="0">
+              <a:schemeClr val="accent1"/>
+            </a:fillRef>
+            <a:effectRef idx="0">
+              <a:schemeClr val="accent1"/>
+            </a:effectRef>
+            <a:fontRef idx="minor">
+              <a:schemeClr val="tx1"/>
+            </a:fontRef>
+          </p:style>
+        </p:cxnSp>
+      </p:grpSp>
+      <mc:AlternateContent xmlns:mc="http://schemas.openxmlformats.org/markup-compatibility/2006">
+        <mc:Choice xmlns:a14="http://schemas.microsoft.com/office/drawing/2010/main" Requires="a14">
+          <p:sp>
+            <p:nvSpPr>
+              <p:cNvPr id="2" name="Rectangle 1">
+                <a:extLst>
+                  <a:ext uri="{FF2B5EF4-FFF2-40B4-BE49-F238E27FC236}">
+                    <a16:creationId xmlns:a16="http://schemas.microsoft.com/office/drawing/2014/main" id="{4011B779-468A-9A47-B7EA-A36423EA233B}"/>
+                  </a:ext>
+                </a:extLst>
+              </p:cNvPr>
+              <p:cNvSpPr/>
+              <p:nvPr/>
+            </p:nvSpPr>
+            <p:spPr>
+              <a:xfrm>
+                <a:off x="0" y="780229"/>
+                <a:ext cx="3471463" cy="671787"/>
+              </a:xfrm>
+              <a:prstGeom prst="rect">
+                <a:avLst/>
+              </a:prstGeom>
+            </p:spPr>
+            <p:txBody>
+              <a:bodyPr wrap="none">
+                <a:spAutoFit/>
+              </a:bodyPr>
+              <a:lstStyle/>
+              <a:p>
+                <a:r>
+                  <a:rPr lang="en-US" sz="2400" dirty="0">
+                    <a:ea typeface="Cambria Math" panose="02040503050406030204" pitchFamily="18" charset="0"/>
+                  </a:rPr>
+                  <a:t>Clapeyron: </a:t>
+                </a:r>
+                <a14:m>
+                  <m:oMath xmlns:m="http://schemas.openxmlformats.org/officeDocument/2006/math">
+                    <m:r>
+                      <a:rPr lang="en-US" sz="2400" b="0" i="1" smtClean="0">
+                        <a:solidFill>
+                          <a:srgbClr val="7030A0"/>
+                        </a:solidFill>
+                        <a:latin typeface="Cambria Math" panose="02040503050406030204" pitchFamily="18" charset="0"/>
+                        <a:ea typeface="Cambria Math" panose="02040503050406030204" pitchFamily="18" charset="0"/>
+                      </a:rPr>
+                      <m:t>𝑑𝑃</m:t>
+                    </m:r>
+                    <m:r>
+                      <a:rPr lang="en-US" sz="2400" b="0" i="1">
+                        <a:solidFill>
+                          <a:srgbClr val="7030A0"/>
+                        </a:solidFill>
+                        <a:latin typeface="Cambria Math" panose="02040503050406030204" pitchFamily="18" charset="0"/>
+                        <a:ea typeface="Cambria Math" panose="02040503050406030204" pitchFamily="18" charset="0"/>
+                      </a:rPr>
+                      <m:t>=</m:t>
+                    </m:r>
+                    <m:f>
+                      <m:fPr>
+                        <m:ctrlPr>
+                          <a:rPr lang="en-US" sz="2400" i="1">
+                            <a:solidFill>
+                              <a:srgbClr val="7030A0"/>
+                            </a:solidFill>
+                            <a:latin typeface="Cambria Math" panose="02040503050406030204" pitchFamily="18" charset="0"/>
+                            <a:ea typeface="Cambria Math" panose="02040503050406030204" pitchFamily="18" charset="0"/>
+                          </a:rPr>
+                        </m:ctrlPr>
+                      </m:fPr>
+                      <m:num>
+                        <m:r>
+                          <a:rPr lang="en-US" sz="2400" b="0" i="1">
+                            <a:solidFill>
+                              <a:srgbClr val="7030A0"/>
+                            </a:solidFill>
+                            <a:latin typeface="Cambria Math" panose="02040503050406030204" pitchFamily="18" charset="0"/>
+                            <a:ea typeface="Cambria Math" panose="02040503050406030204" pitchFamily="18" charset="0"/>
+                          </a:rPr>
+                          <m:t>∆</m:t>
+                        </m:r>
+                        <m:sSub>
+                          <m:sSubPr>
+                            <m:ctrlPr>
+                              <a:rPr lang="en-US" sz="2400" i="1">
+                                <a:solidFill>
+                                  <a:srgbClr val="7030A0"/>
+                                </a:solidFill>
+                                <a:latin typeface="Cambria Math" panose="02040503050406030204" pitchFamily="18" charset="0"/>
+                                <a:ea typeface="Cambria Math" panose="02040503050406030204" pitchFamily="18" charset="0"/>
+                              </a:rPr>
+                            </m:ctrlPr>
+                          </m:sSubPr>
+                          <m:e>
+                            <m:r>
+                              <a:rPr lang="en-US" sz="2400" b="0" i="1">
+                                <a:solidFill>
+                                  <a:srgbClr val="7030A0"/>
+                                </a:solidFill>
+                                <a:latin typeface="Cambria Math" panose="02040503050406030204" pitchFamily="18" charset="0"/>
+                                <a:ea typeface="Cambria Math" panose="02040503050406030204" pitchFamily="18" charset="0"/>
+                              </a:rPr>
+                              <m:t>𝐻</m:t>
+                            </m:r>
+                          </m:e>
+                          <m:sub>
+                            <m:r>
+                              <a:rPr lang="en-US" sz="2400" b="0" i="1" smtClean="0">
+                                <a:solidFill>
+                                  <a:srgbClr val="7030A0"/>
+                                </a:solidFill>
+                                <a:latin typeface="Cambria Math" panose="02040503050406030204" pitchFamily="18" charset="0"/>
+                                <a:ea typeface="Cambria Math" panose="02040503050406030204" pitchFamily="18" charset="0"/>
+                              </a:rPr>
+                              <m:t>𝑡𝑟𝑠</m:t>
+                            </m:r>
+                          </m:sub>
+                        </m:sSub>
+                      </m:num>
+                      <m:den>
+                        <m:r>
+                          <a:rPr lang="en-US" sz="2400" b="0" i="1">
+                            <a:solidFill>
+                              <a:srgbClr val="7030A0"/>
+                            </a:solidFill>
+                            <a:latin typeface="Cambria Math" panose="02040503050406030204" pitchFamily="18" charset="0"/>
+                            <a:ea typeface="Cambria Math" panose="02040503050406030204" pitchFamily="18" charset="0"/>
+                          </a:rPr>
+                          <m:t>𝑇</m:t>
+                        </m:r>
+                        <m:r>
+                          <a:rPr lang="en-US" sz="2400" b="0" i="1">
+                            <a:solidFill>
+                              <a:srgbClr val="7030A0"/>
+                            </a:solidFill>
+                            <a:latin typeface="Cambria Math" panose="02040503050406030204" pitchFamily="18" charset="0"/>
+                            <a:ea typeface="Cambria Math" panose="02040503050406030204" pitchFamily="18" charset="0"/>
+                          </a:rPr>
+                          <m:t>∆</m:t>
+                        </m:r>
+                        <m:sSub>
+                          <m:sSubPr>
+                            <m:ctrlPr>
+                              <a:rPr lang="en-US" sz="2400" i="1">
+                                <a:solidFill>
+                                  <a:srgbClr val="7030A0"/>
+                                </a:solidFill>
+                                <a:latin typeface="Cambria Math" panose="02040503050406030204" pitchFamily="18" charset="0"/>
+                                <a:ea typeface="Cambria Math" panose="02040503050406030204" pitchFamily="18" charset="0"/>
+                              </a:rPr>
+                            </m:ctrlPr>
+                          </m:sSubPr>
+                          <m:e>
+                            <m:r>
+                              <a:rPr lang="en-US" sz="2400" b="0" i="1">
+                                <a:solidFill>
+                                  <a:srgbClr val="7030A0"/>
+                                </a:solidFill>
+                                <a:latin typeface="Cambria Math" panose="02040503050406030204" pitchFamily="18" charset="0"/>
+                                <a:ea typeface="Cambria Math" panose="02040503050406030204" pitchFamily="18" charset="0"/>
+                              </a:rPr>
+                              <m:t>𝑉</m:t>
+                            </m:r>
+                          </m:e>
+                          <m:sub>
+                            <m:r>
+                              <a:rPr lang="en-US" sz="2400" b="0" i="1" smtClean="0">
+                                <a:solidFill>
+                                  <a:srgbClr val="7030A0"/>
+                                </a:solidFill>
+                                <a:latin typeface="Cambria Math" panose="02040503050406030204" pitchFamily="18" charset="0"/>
+                                <a:ea typeface="Cambria Math" panose="02040503050406030204" pitchFamily="18" charset="0"/>
+                              </a:rPr>
+                              <m:t>𝑡𝑟𝑠</m:t>
+                            </m:r>
+                          </m:sub>
+                        </m:sSub>
+                      </m:den>
+                    </m:f>
+                    <m:r>
+                      <a:rPr lang="en-US" sz="2400" b="0" i="1" smtClean="0">
+                        <a:solidFill>
+                          <a:srgbClr val="7030A0"/>
+                        </a:solidFill>
+                        <a:latin typeface="Cambria Math" panose="02040503050406030204" pitchFamily="18" charset="0"/>
+                        <a:ea typeface="Cambria Math" panose="02040503050406030204" pitchFamily="18" charset="0"/>
+                      </a:rPr>
+                      <m:t>𝑑𝑇</m:t>
+                    </m:r>
+                  </m:oMath>
+                </a14:m>
+                <a:endParaRPr lang="en-US" sz="2400" dirty="0"/>
+              </a:p>
+            </p:txBody>
+          </p:sp>
+        </mc:Choice>
+        <mc:Fallback>
+          <p:sp>
+            <p:nvSpPr>
+              <p:cNvPr id="2" name="Rectangle 1">
+                <a:extLst>
+                  <a:ext uri="{FF2B5EF4-FFF2-40B4-BE49-F238E27FC236}">
+                    <a16:creationId xmlns:a16="http://schemas.microsoft.com/office/drawing/2014/main" id="{4011B779-468A-9A47-B7EA-A36423EA233B}"/>
+                  </a:ext>
+                </a:extLst>
+              </p:cNvPr>
+              <p:cNvSpPr>
+                <a:spLocks noRot="1" noChangeAspect="1" noMove="1" noResize="1" noEditPoints="1" noAdjustHandles="1" noChangeArrowheads="1" noChangeShapeType="1" noTextEdit="1"/>
+              </p:cNvSpPr>
+              <p:nvPr/>
+            </p:nvSpPr>
+            <p:spPr>
+              <a:xfrm>
+                <a:off x="0" y="780229"/>
+                <a:ext cx="3471463" cy="671787"/>
+              </a:xfrm>
+              <a:prstGeom prst="rect">
+                <a:avLst/>
+              </a:prstGeom>
+              <a:blipFill>
+                <a:blip r:embed="rId4"/>
+                <a:stretch>
+                  <a:fillRect l="-2920" b="-1852"/>
+                </a:stretch>
+              </a:blipFill>
+            </p:spPr>
+            <p:txBody>
+              <a:bodyPr/>
+              <a:lstStyle/>
+              <a:p>
+                <a:r>
+                  <a:rPr lang="en-US">
+                    <a:noFill/>
+                  </a:rPr>
+                  <a:t> </a:t>
+                </a:r>
+              </a:p>
+            </p:txBody>
+          </p:sp>
+        </mc:Fallback>
+      </mc:AlternateContent>
+    </p:spTree>
+    <p:extLst>
+      <p:ext uri="{BB962C8B-B14F-4D97-AF65-F5344CB8AC3E}">
+        <p14:creationId xmlns:p14="http://schemas.microsoft.com/office/powerpoint/2010/main" val="2821847067"/>
+      </p:ext>
+    </p:extLst>
+  </p:cSld>
+  <p:clrMapOvr>
+    <a:masterClrMapping/>
+  </p:clrMapOvr>
+</p:sld>
+</file>
+
+<file path=ppt/slides/slide7.xml><?xml version="1.0" encoding="utf-8"?>
+<p:sld xmlns:a="http://schemas.openxmlformats.org/drawingml/2006/main" xmlns:r="http://schemas.openxmlformats.org/officeDocument/2006/relationships" xmlns:p="http://schemas.openxmlformats.org/presentationml/2006/main">
+  <p:cSld>
+    <p:spTree>
+      <p:nvGrpSpPr>
+        <p:cNvPr id="1" name=""/>
+        <p:cNvGrpSpPr/>
+        <p:nvPr/>
+      </p:nvGrpSpPr>
+      <p:grpSpPr>
+        <a:xfrm>
+          <a:off x="0" y="0"/>
+          <a:ext cx="0" cy="0"/>
+          <a:chOff x="0" y="0"/>
+          <a:chExt cx="0" cy="0"/>
+        </a:xfrm>
+      </p:grpSpPr>
+      <p:sp>
+        <p:nvSpPr>
+          <p:cNvPr id="9" name="TextBox 8">
+            <a:extLst>
+              <a:ext uri="{FF2B5EF4-FFF2-40B4-BE49-F238E27FC236}">
+                <a16:creationId xmlns:a16="http://schemas.microsoft.com/office/drawing/2014/main" id="{CCB63A21-7279-9D42-8077-C7DDE7E0E8D4}"/>
+              </a:ext>
+            </a:extLst>
+          </p:cNvPr>
+          <p:cNvSpPr txBox="1"/>
+          <p:nvPr/>
+        </p:nvSpPr>
+        <p:spPr>
+          <a:xfrm>
+            <a:off x="-7253" y="2373"/>
+            <a:ext cx="12199253" cy="461665"/>
+          </a:xfrm>
+          <a:prstGeom prst="rect">
+            <a:avLst/>
+          </a:prstGeom>
+          <a:solidFill>
+            <a:schemeClr val="accent2"/>
+          </a:solidFill>
+        </p:spPr>
+        <p:txBody>
+          <a:bodyPr wrap="square" rtlCol="0">
+            <a:spAutoFit/>
+          </a:bodyPr>
+          <a:lstStyle/>
+          <a:p>
+            <a:r>
+              <a:rPr lang="en-US" sz="2400" b="1" dirty="0"/>
+              <a:t>Separating variables in preparation for integrating Clapeyron</a:t>
+            </a:r>
+          </a:p>
+        </p:txBody>
+      </p:sp>
+      <mc:AlternateContent xmlns:mc="http://schemas.openxmlformats.org/markup-compatibility/2006">
+        <mc:Choice xmlns:a14="http://schemas.microsoft.com/office/drawing/2010/main" Requires="a14">
+          <p:sp>
+            <p:nvSpPr>
+              <p:cNvPr id="16" name="Rectangle 15">
+                <a:extLst>
+                  <a:ext uri="{FF2B5EF4-FFF2-40B4-BE49-F238E27FC236}">
+                    <a16:creationId xmlns:a16="http://schemas.microsoft.com/office/drawing/2014/main" id="{434D0DD2-416E-434C-8572-9749D0B40886}"/>
+                  </a:ext>
+                </a:extLst>
+              </p:cNvPr>
+              <p:cNvSpPr/>
+              <p:nvPr/>
+            </p:nvSpPr>
+            <p:spPr>
+              <a:xfrm>
+                <a:off x="97312" y="1637423"/>
+                <a:ext cx="7814545" cy="2120902"/>
+              </a:xfrm>
+              <a:prstGeom prst="rect">
+                <a:avLst/>
+              </a:prstGeom>
+            </p:spPr>
+            <p:txBody>
+              <a:bodyPr wrap="square">
+                <a:spAutoFit/>
+              </a:bodyPr>
+              <a:lstStyle/>
+              <a:p>
+                <a:r>
+                  <a:rPr lang="en-US" sz="2400" dirty="0">
+                    <a:ea typeface="Cambria Math" panose="02040503050406030204" pitchFamily="18" charset="0"/>
+                  </a:rPr>
+                  <a:t>Integrating along the ice/vapor phase boundary: </a:t>
+                </a:r>
+              </a:p>
+              <a:p>
+                <a14:m>
+                  <m:oMath xmlns:m="http://schemas.openxmlformats.org/officeDocument/2006/math">
+                    <m:nary>
+                      <m:naryPr>
+                        <m:ctrlPr>
+                          <a:rPr lang="en-US" sz="2400" i="1">
+                            <a:solidFill>
+                              <a:schemeClr val="accent2"/>
+                            </a:solidFill>
+                            <a:latin typeface="Cambria Math" panose="02040503050406030204" pitchFamily="18" charset="0"/>
+                            <a:ea typeface="Cambria Math" panose="02040503050406030204" pitchFamily="18" charset="0"/>
+                          </a:rPr>
+                        </m:ctrlPr>
+                      </m:naryPr>
+                      <m:sub>
+                        <m:sSub>
+                          <m:sSubPr>
+                            <m:ctrlPr>
+                              <a:rPr lang="en-US" sz="2400" i="1">
+                                <a:solidFill>
+                                  <a:schemeClr val="accent2"/>
+                                </a:solidFill>
+                                <a:latin typeface="Cambria Math" panose="02040503050406030204" pitchFamily="18" charset="0"/>
+                                <a:ea typeface="Cambria Math" panose="02040503050406030204" pitchFamily="18" charset="0"/>
+                              </a:rPr>
+                            </m:ctrlPr>
+                          </m:sSubPr>
+                          <m:e>
+                            <m:r>
+                              <m:rPr>
+                                <m:brk m:alnAt="23"/>
+                              </m:rPr>
+                              <a:rPr lang="en-US" sz="2400" b="0" i="1">
+                                <a:solidFill>
+                                  <a:schemeClr val="accent2"/>
+                                </a:solidFill>
+                                <a:latin typeface="Cambria Math" panose="02040503050406030204" pitchFamily="18" charset="0"/>
+                                <a:ea typeface="Cambria Math" panose="02040503050406030204" pitchFamily="18" charset="0"/>
+                              </a:rPr>
+                              <m:t>𝑃</m:t>
+                            </m:r>
+                          </m:e>
+                          <m:sub>
+                            <m:r>
+                              <m:rPr>
+                                <m:brk m:alnAt="23"/>
+                              </m:rPr>
+                              <a:rPr lang="en-US" sz="2400" b="0" i="1">
+                                <a:solidFill>
+                                  <a:schemeClr val="accent2"/>
+                                </a:solidFill>
+                                <a:latin typeface="Cambria Math" panose="02040503050406030204" pitchFamily="18" charset="0"/>
+                                <a:ea typeface="Cambria Math" panose="02040503050406030204" pitchFamily="18" charset="0"/>
+                              </a:rPr>
+                              <m:t>3</m:t>
+                            </m:r>
+                          </m:sub>
+                        </m:sSub>
+                      </m:sub>
+                      <m:sup>
+                        <m:r>
+                          <a:rPr lang="en-US" sz="2400" b="0" i="1">
+                            <a:solidFill>
+                              <a:schemeClr val="accent2"/>
+                            </a:solidFill>
+                            <a:latin typeface="Cambria Math" panose="02040503050406030204" pitchFamily="18" charset="0"/>
+                            <a:ea typeface="Cambria Math" panose="02040503050406030204" pitchFamily="18" charset="0"/>
+                          </a:rPr>
+                          <m:t>𝑃</m:t>
+                        </m:r>
+                      </m:sup>
+                      <m:e>
+                        <m:f>
+                          <m:fPr>
+                            <m:ctrlPr>
+                              <a:rPr lang="en-US" sz="2400" i="1">
+                                <a:solidFill>
+                                  <a:schemeClr val="accent2"/>
+                                </a:solidFill>
+                                <a:latin typeface="Cambria Math" panose="02040503050406030204" pitchFamily="18" charset="0"/>
+                                <a:ea typeface="Cambria Math" panose="02040503050406030204" pitchFamily="18" charset="0"/>
+                              </a:rPr>
+                            </m:ctrlPr>
+                          </m:fPr>
+                          <m:num>
+                            <m:r>
+                              <a:rPr lang="en-US" sz="2400" b="0" i="1">
+                                <a:solidFill>
+                                  <a:schemeClr val="accent2"/>
+                                </a:solidFill>
+                                <a:latin typeface="Cambria Math" panose="02040503050406030204" pitchFamily="18" charset="0"/>
+                                <a:ea typeface="Cambria Math" panose="02040503050406030204" pitchFamily="18" charset="0"/>
+                              </a:rPr>
+                              <m:t>𝑑𝑃</m:t>
+                            </m:r>
+                          </m:num>
+                          <m:den>
+                            <m:r>
+                              <a:rPr lang="en-US" sz="2400" b="0" i="1">
+                                <a:solidFill>
+                                  <a:schemeClr val="accent2"/>
+                                </a:solidFill>
+                                <a:latin typeface="Cambria Math" panose="02040503050406030204" pitchFamily="18" charset="0"/>
+                                <a:ea typeface="Cambria Math" panose="02040503050406030204" pitchFamily="18" charset="0"/>
+                              </a:rPr>
+                              <m:t>𝑃</m:t>
+                            </m:r>
+                          </m:den>
+                        </m:f>
+                      </m:e>
+                    </m:nary>
+                    <m:r>
+                      <a:rPr lang="en-US" sz="2400" b="0" i="1">
+                        <a:solidFill>
+                          <a:schemeClr val="accent2"/>
+                        </a:solidFill>
+                        <a:latin typeface="Cambria Math" panose="02040503050406030204" pitchFamily="18" charset="0"/>
+                        <a:ea typeface="Cambria Math" panose="02040503050406030204" pitchFamily="18" charset="0"/>
+                      </a:rPr>
+                      <m:t>=</m:t>
+                    </m:r>
+                    <m:nary>
+                      <m:naryPr>
+                        <m:ctrlPr>
+                          <a:rPr lang="en-US" sz="2400" i="1">
+                            <a:solidFill>
+                              <a:schemeClr val="accent2"/>
+                            </a:solidFill>
+                            <a:latin typeface="Cambria Math" panose="02040503050406030204" pitchFamily="18" charset="0"/>
+                            <a:ea typeface="Cambria Math" panose="02040503050406030204" pitchFamily="18" charset="0"/>
+                          </a:rPr>
+                        </m:ctrlPr>
+                      </m:naryPr>
+                      <m:sub>
+                        <m:sSub>
+                          <m:sSubPr>
+                            <m:ctrlPr>
+                              <a:rPr lang="en-US" sz="2400" i="1">
+                                <a:solidFill>
+                                  <a:schemeClr val="accent2"/>
+                                </a:solidFill>
+                                <a:latin typeface="Cambria Math" panose="02040503050406030204" pitchFamily="18" charset="0"/>
+                                <a:ea typeface="Cambria Math" panose="02040503050406030204" pitchFamily="18" charset="0"/>
+                              </a:rPr>
+                            </m:ctrlPr>
+                          </m:sSubPr>
+                          <m:e>
+                            <m:r>
+                              <m:rPr>
+                                <m:brk m:alnAt="23"/>
+                              </m:rPr>
+                              <a:rPr lang="en-US" sz="2400" b="0" i="1">
+                                <a:solidFill>
+                                  <a:schemeClr val="accent2"/>
+                                </a:solidFill>
+                                <a:latin typeface="Cambria Math" panose="02040503050406030204" pitchFamily="18" charset="0"/>
+                                <a:ea typeface="Cambria Math" panose="02040503050406030204" pitchFamily="18" charset="0"/>
+                              </a:rPr>
+                              <m:t>𝑇</m:t>
+                            </m:r>
+                          </m:e>
+                          <m:sub>
+                            <m:r>
+                              <m:rPr>
+                                <m:brk m:alnAt="23"/>
+                              </m:rPr>
+                              <a:rPr lang="en-US" sz="2400" b="0" i="1">
+                                <a:solidFill>
+                                  <a:schemeClr val="accent2"/>
+                                </a:solidFill>
+                                <a:latin typeface="Cambria Math" panose="02040503050406030204" pitchFamily="18" charset="0"/>
+                                <a:ea typeface="Cambria Math" panose="02040503050406030204" pitchFamily="18" charset="0"/>
+                              </a:rPr>
+                              <m:t>3</m:t>
+                            </m:r>
+                          </m:sub>
+                        </m:sSub>
+                      </m:sub>
+                      <m:sup>
+                        <m:r>
+                          <a:rPr lang="en-US" sz="2400" b="0" i="1">
+                            <a:solidFill>
+                              <a:schemeClr val="accent2"/>
+                            </a:solidFill>
+                            <a:latin typeface="Cambria Math" panose="02040503050406030204" pitchFamily="18" charset="0"/>
+                            <a:ea typeface="Cambria Math" panose="02040503050406030204" pitchFamily="18" charset="0"/>
+                          </a:rPr>
+                          <m:t>𝑇</m:t>
+                        </m:r>
+                      </m:sup>
+                      <m:e>
+                        <m:f>
+                          <m:fPr>
+                            <m:ctrlPr>
+                              <a:rPr lang="en-US" sz="2400" i="1">
+                                <a:solidFill>
+                                  <a:schemeClr val="accent2"/>
+                                </a:solidFill>
+                                <a:latin typeface="Cambria Math" panose="02040503050406030204" pitchFamily="18" charset="0"/>
+                                <a:ea typeface="Cambria Math" panose="02040503050406030204" pitchFamily="18" charset="0"/>
+                              </a:rPr>
+                            </m:ctrlPr>
+                          </m:fPr>
+                          <m:num>
+                            <m:r>
+                              <a:rPr lang="en-US" sz="2400" b="0" i="1">
+                                <a:solidFill>
+                                  <a:schemeClr val="accent2"/>
+                                </a:solidFill>
+                                <a:latin typeface="Cambria Math" panose="02040503050406030204" pitchFamily="18" charset="0"/>
+                                <a:ea typeface="Cambria Math" panose="02040503050406030204" pitchFamily="18" charset="0"/>
+                              </a:rPr>
+                              <m:t>∆</m:t>
+                            </m:r>
+                            <m:sSub>
+                              <m:sSubPr>
+                                <m:ctrlPr>
+                                  <a:rPr lang="en-US" sz="2400" i="1">
+                                    <a:solidFill>
+                                      <a:schemeClr val="accent2"/>
+                                    </a:solidFill>
+                                    <a:latin typeface="Cambria Math" panose="02040503050406030204" pitchFamily="18" charset="0"/>
+                                    <a:ea typeface="Cambria Math" panose="02040503050406030204" pitchFamily="18" charset="0"/>
+                                  </a:rPr>
+                                </m:ctrlPr>
+                              </m:sSubPr>
+                              <m:e>
+                                <m:r>
+                                  <a:rPr lang="en-US" sz="2400" b="0" i="1">
+                                    <a:solidFill>
+                                      <a:schemeClr val="accent2"/>
+                                    </a:solidFill>
+                                    <a:latin typeface="Cambria Math" panose="02040503050406030204" pitchFamily="18" charset="0"/>
+                                    <a:ea typeface="Cambria Math" panose="02040503050406030204" pitchFamily="18" charset="0"/>
+                                  </a:rPr>
+                                  <m:t>𝐻</m:t>
+                                </m:r>
+                              </m:e>
+                              <m:sub>
+                                <m:r>
+                                  <a:rPr lang="en-US" sz="2400" b="0" i="1">
+                                    <a:solidFill>
+                                      <a:schemeClr val="accent2"/>
+                                    </a:solidFill>
+                                    <a:latin typeface="Cambria Math" panose="02040503050406030204" pitchFamily="18" charset="0"/>
+                                    <a:ea typeface="Cambria Math" panose="02040503050406030204" pitchFamily="18" charset="0"/>
+                                  </a:rPr>
+                                  <m:t>𝑠𝑢𝑏</m:t>
+                                </m:r>
+                              </m:sub>
+                            </m:sSub>
+                          </m:num>
+                          <m:den>
+                            <m:r>
+                              <a:rPr lang="en-US" sz="2400" b="0" i="1">
+                                <a:solidFill>
+                                  <a:schemeClr val="accent2"/>
+                                </a:solidFill>
+                                <a:latin typeface="Cambria Math" panose="02040503050406030204" pitchFamily="18" charset="0"/>
+                                <a:ea typeface="Cambria Math" panose="02040503050406030204" pitchFamily="18" charset="0"/>
+                              </a:rPr>
+                              <m:t>𝑛𝑅</m:t>
+                            </m:r>
+                            <m:sSup>
+                              <m:sSupPr>
+                                <m:ctrlPr>
+                                  <a:rPr lang="en-US" sz="2400" i="1">
+                                    <a:solidFill>
+                                      <a:schemeClr val="accent2"/>
+                                    </a:solidFill>
+                                    <a:latin typeface="Cambria Math" panose="02040503050406030204" pitchFamily="18" charset="0"/>
+                                    <a:ea typeface="Cambria Math" panose="02040503050406030204" pitchFamily="18" charset="0"/>
+                                  </a:rPr>
+                                </m:ctrlPr>
+                              </m:sSupPr>
+                              <m:e>
+                                <m:r>
+                                  <a:rPr lang="en-US" sz="2400" b="0" i="1">
+                                    <a:solidFill>
+                                      <a:schemeClr val="accent2"/>
+                                    </a:solidFill>
+                                    <a:latin typeface="Cambria Math" panose="02040503050406030204" pitchFamily="18" charset="0"/>
+                                    <a:ea typeface="Cambria Math" panose="02040503050406030204" pitchFamily="18" charset="0"/>
+                                  </a:rPr>
+                                  <m:t>𝑇</m:t>
+                                </m:r>
+                              </m:e>
+                              <m:sup>
+                                <m:r>
+                                  <a:rPr lang="en-US" sz="2400" b="0" i="1">
+                                    <a:solidFill>
+                                      <a:schemeClr val="accent2"/>
+                                    </a:solidFill>
+                                    <a:latin typeface="Cambria Math" panose="02040503050406030204" pitchFamily="18" charset="0"/>
+                                    <a:ea typeface="Cambria Math" panose="02040503050406030204" pitchFamily="18" charset="0"/>
+                                  </a:rPr>
+                                  <m:t>2</m:t>
+                                </m:r>
+                              </m:sup>
+                            </m:sSup>
+                          </m:den>
+                        </m:f>
+                        <m:r>
+                          <a:rPr lang="en-US" sz="2400" b="0" i="1">
+                            <a:solidFill>
+                              <a:schemeClr val="accent2"/>
+                            </a:solidFill>
+                            <a:latin typeface="Cambria Math" panose="02040503050406030204" pitchFamily="18" charset="0"/>
+                            <a:ea typeface="Cambria Math" panose="02040503050406030204" pitchFamily="18" charset="0"/>
+                          </a:rPr>
+                          <m:t>𝑑𝑇</m:t>
+                        </m:r>
+                      </m:e>
+                    </m:nary>
+                  </m:oMath>
+                </a14:m>
+                <a:r>
+                  <a:rPr lang="en-US" sz="2400" dirty="0"/>
+                  <a:t> </a:t>
+                </a:r>
+                <a:r>
+                  <a:rPr lang="en-US" sz="2400" dirty="0">
+                    <a:sym typeface="Wingdings" pitchFamily="2" charset="2"/>
+                  </a:rPr>
+                  <a:t> </a:t>
+                </a:r>
+                <a:r>
+                  <a:rPr lang="en-US" sz="2400" dirty="0">
+                    <a:solidFill>
+                      <a:schemeClr val="accent2"/>
+                    </a:solidFill>
+                    <a:sym typeface="Wingdings" pitchFamily="2" charset="2"/>
+                  </a:rPr>
+                  <a:t>Clausius-Clapeyron equation for solid-vapor equilibria</a:t>
+                </a:r>
+              </a:p>
+              <a:p>
+                <a:endParaRPr lang="en-US" sz="2400" dirty="0">
+                  <a:solidFill>
+                    <a:schemeClr val="accent1"/>
+                  </a:solidFill>
+                  <a:sym typeface="Wingdings" pitchFamily="2" charset="2"/>
+                </a:endParaRPr>
+              </a:p>
+              <a:p>
+                <a:r>
+                  <a:rPr lang="en-US" sz="2400" dirty="0">
+                    <a:sym typeface="Wingdings" pitchFamily="2" charset="2"/>
+                  </a:rPr>
+                  <a:t>We assumed (or will assume) …</a:t>
+                </a:r>
+                <a:endParaRPr lang="en-US" sz="2400" dirty="0"/>
+              </a:p>
+            </p:txBody>
+          </p:sp>
+        </mc:Choice>
+        <mc:Fallback>
+          <p:sp>
+            <p:nvSpPr>
+              <p:cNvPr id="16" name="Rectangle 15">
+                <a:extLst>
+                  <a:ext uri="{FF2B5EF4-FFF2-40B4-BE49-F238E27FC236}">
+                    <a16:creationId xmlns:a16="http://schemas.microsoft.com/office/drawing/2014/main" id="{434D0DD2-416E-434C-8572-9749D0B40886}"/>
+                  </a:ext>
+                </a:extLst>
+              </p:cNvPr>
+              <p:cNvSpPr>
+                <a:spLocks noRot="1" noChangeAspect="1" noMove="1" noResize="1" noEditPoints="1" noAdjustHandles="1" noChangeArrowheads="1" noChangeShapeType="1" noTextEdit="1"/>
+              </p:cNvSpPr>
+              <p:nvPr/>
+            </p:nvSpPr>
+            <p:spPr>
+              <a:xfrm>
+                <a:off x="97312" y="1637423"/>
+                <a:ext cx="7814545" cy="2120902"/>
+              </a:xfrm>
+              <a:prstGeom prst="rect">
+                <a:avLst/>
+              </a:prstGeom>
+              <a:blipFill>
+                <a:blip r:embed="rId2"/>
+                <a:stretch>
+                  <a:fillRect l="-7293" t="-14286" b="-5357"/>
+                </a:stretch>
+              </a:blipFill>
+            </p:spPr>
+            <p:txBody>
+              <a:bodyPr/>
+              <a:lstStyle/>
+              <a:p>
+                <a:r>
+                  <a:rPr lang="en-US">
+                    <a:noFill/>
+                  </a:rPr>
+                  <a:t> </a:t>
+                </a:r>
+              </a:p>
+            </p:txBody>
+          </p:sp>
+        </mc:Fallback>
+      </mc:AlternateContent>
+      <p:grpSp>
+        <p:nvGrpSpPr>
+          <p:cNvPr id="3" name="Group 2">
+            <a:extLst>
+              <a:ext uri="{FF2B5EF4-FFF2-40B4-BE49-F238E27FC236}">
+                <a16:creationId xmlns:a16="http://schemas.microsoft.com/office/drawing/2014/main" id="{22E19834-F414-7942-AF4E-35E6FBAD1E2C}"/>
+              </a:ext>
+            </a:extLst>
+          </p:cNvPr>
+          <p:cNvGrpSpPr/>
+          <p:nvPr/>
+        </p:nvGrpSpPr>
+        <p:grpSpPr>
+          <a:xfrm>
+            <a:off x="7946574" y="650550"/>
+            <a:ext cx="3148181" cy="2988982"/>
+            <a:chOff x="5752033" y="2076249"/>
+            <a:chExt cx="3148181" cy="2988982"/>
+          </a:xfrm>
+        </p:grpSpPr>
+        <p:grpSp>
+          <p:nvGrpSpPr>
+            <p:cNvPr id="21" name="Group 20">
+              <a:extLst>
+                <a:ext uri="{FF2B5EF4-FFF2-40B4-BE49-F238E27FC236}">
+                  <a16:creationId xmlns:a16="http://schemas.microsoft.com/office/drawing/2014/main" id="{0A971276-5825-554D-9C15-0254CE2FC022}"/>
+                </a:ext>
+              </a:extLst>
+            </p:cNvPr>
+            <p:cNvGrpSpPr/>
+            <p:nvPr/>
+          </p:nvGrpSpPr>
+          <p:grpSpPr>
+            <a:xfrm>
+              <a:off x="5752033" y="2076249"/>
+              <a:ext cx="3148181" cy="2988982"/>
+              <a:chOff x="4270169" y="240930"/>
+              <a:chExt cx="3148181" cy="2988982"/>
+            </a:xfrm>
+          </p:grpSpPr>
+          <p:grpSp>
+            <p:nvGrpSpPr>
+              <p:cNvPr id="22" name="Group 21">
+                <a:extLst>
+                  <a:ext uri="{FF2B5EF4-FFF2-40B4-BE49-F238E27FC236}">
+                    <a16:creationId xmlns:a16="http://schemas.microsoft.com/office/drawing/2014/main" id="{C1227735-1BEB-7D4D-98FC-4F9471A4285E}"/>
+                  </a:ext>
+                </a:extLst>
+              </p:cNvPr>
+              <p:cNvGrpSpPr/>
+              <p:nvPr/>
+            </p:nvGrpSpPr>
+            <p:grpSpPr>
+              <a:xfrm>
+                <a:off x="4270169" y="240930"/>
+                <a:ext cx="3148181" cy="2988982"/>
+                <a:chOff x="8122016" y="738525"/>
+                <a:chExt cx="3611879" cy="3372641"/>
+              </a:xfrm>
+            </p:grpSpPr>
+            <p:grpSp>
+              <p:nvGrpSpPr>
+                <p:cNvPr id="28" name="Group 27">
+                  <a:extLst>
+                    <a:ext uri="{FF2B5EF4-FFF2-40B4-BE49-F238E27FC236}">
+                      <a16:creationId xmlns:a16="http://schemas.microsoft.com/office/drawing/2014/main" id="{339BBF00-0384-9446-BBFB-E714FCBBE043}"/>
+                    </a:ext>
+                  </a:extLst>
+                </p:cNvPr>
+                <p:cNvGrpSpPr/>
+                <p:nvPr/>
+              </p:nvGrpSpPr>
+              <p:grpSpPr>
+                <a:xfrm>
+                  <a:off x="8122016" y="738525"/>
+                  <a:ext cx="3611879" cy="3372641"/>
+                  <a:chOff x="223734" y="1499666"/>
+                  <a:chExt cx="3074185" cy="3352100"/>
+                </a:xfrm>
+              </p:grpSpPr>
+              <p:pic>
+                <p:nvPicPr>
+                  <p:cNvPr id="31" name="Picture 2" descr="Image result for phase diagrams">
+                    <a:extLst>
+                      <a:ext uri="{FF2B5EF4-FFF2-40B4-BE49-F238E27FC236}">
+                        <a16:creationId xmlns:a16="http://schemas.microsoft.com/office/drawing/2014/main" id="{44D1A258-6F21-4148-BCE2-A2D902B1F7AA}"/>
+                      </a:ext>
+                    </a:extLst>
+                  </p:cNvPr>
+                  <p:cNvPicPr>
+                    <a:picLocks noChangeAspect="1" noChangeArrowheads="1"/>
+                  </p:cNvPicPr>
+                  <p:nvPr/>
+                </p:nvPicPr>
+                <p:blipFill rotWithShape="1">
+                  <a:blip r:embed="rId3">
+                    <a:extLst>
+                      <a:ext uri="{28A0092B-C50C-407E-A947-70E740481C1C}">
+                        <a14:useLocalDpi xmlns:a14="http://schemas.microsoft.com/office/drawing/2010/main" val="0"/>
+                      </a:ext>
+                    </a:extLst>
+                  </a:blip>
+                  <a:srcRect l="13773" b="5795"/>
+                  <a:stretch/>
+                </p:blipFill>
+                <p:spPr bwMode="auto">
+                  <a:xfrm>
+                    <a:off x="406438" y="1828307"/>
+                    <a:ext cx="2891481" cy="2632482"/>
+                  </a:xfrm>
+                  <a:prstGeom prst="rect">
+                    <a:avLst/>
+                  </a:prstGeom>
+                  <a:noFill/>
+                  <a:extLst>
+                    <a:ext uri="{909E8E84-426E-40DD-AFC4-6F175D3DCCD1}">
+                      <a14:hiddenFill xmlns:a14="http://schemas.microsoft.com/office/drawing/2010/main">
+                        <a:solidFill>
+                          <a:srgbClr val="FFFFFF"/>
+                        </a:solidFill>
+                      </a14:hiddenFill>
+                    </a:ext>
+                  </a:extLst>
+                </p:spPr>
+              </p:pic>
+              <p:sp>
+                <p:nvSpPr>
+                  <p:cNvPr id="32" name="Rectangle 31">
+                    <a:extLst>
+                      <a:ext uri="{FF2B5EF4-FFF2-40B4-BE49-F238E27FC236}">
+                        <a16:creationId xmlns:a16="http://schemas.microsoft.com/office/drawing/2014/main" id="{CF0F2BFE-F0A4-BD44-B6CE-52E938B54557}"/>
+                      </a:ext>
+                    </a:extLst>
+                  </p:cNvPr>
+                  <p:cNvSpPr/>
+                  <p:nvPr/>
+                </p:nvSpPr>
+                <p:spPr>
+                  <a:xfrm>
+                    <a:off x="223734" y="1499666"/>
+                    <a:ext cx="343364" cy="461665"/>
+                  </a:xfrm>
+                  <a:prstGeom prst="rect">
+                    <a:avLst/>
+                  </a:prstGeom>
+                </p:spPr>
+                <p:txBody>
+                  <a:bodyPr wrap="none">
+                    <a:spAutoFit/>
+                  </a:bodyPr>
+                  <a:lstStyle/>
+                  <a:p>
+                    <a:r>
+                      <a:rPr lang="en-US" sz="2400" dirty="0"/>
+                      <a:t>P</a:t>
+                    </a:r>
+                  </a:p>
+                </p:txBody>
+              </p:sp>
+              <p:sp>
+                <p:nvSpPr>
+                  <p:cNvPr id="33" name="Rectangle 32">
+                    <a:extLst>
+                      <a:ext uri="{FF2B5EF4-FFF2-40B4-BE49-F238E27FC236}">
+                        <a16:creationId xmlns:a16="http://schemas.microsoft.com/office/drawing/2014/main" id="{31B568F3-25CF-1844-B1AE-24D21E9E69C4}"/>
+                      </a:ext>
+                    </a:extLst>
+                  </p:cNvPr>
+                  <p:cNvSpPr/>
+                  <p:nvPr/>
+                </p:nvSpPr>
+                <p:spPr>
+                  <a:xfrm>
+                    <a:off x="2347899" y="4390101"/>
+                    <a:ext cx="335348" cy="461665"/>
+                  </a:xfrm>
+                  <a:prstGeom prst="rect">
+                    <a:avLst/>
+                  </a:prstGeom>
+                </p:spPr>
+                <p:txBody>
+                  <a:bodyPr wrap="none">
+                    <a:spAutoFit/>
+                  </a:bodyPr>
+                  <a:lstStyle/>
+                  <a:p>
+                    <a:r>
+                      <a:rPr lang="en-US" sz="2400" dirty="0"/>
+                      <a:t>T</a:t>
+                    </a:r>
+                  </a:p>
+                </p:txBody>
+              </p:sp>
+            </p:grpSp>
+            <p:sp>
+              <p:nvSpPr>
+                <p:cNvPr id="29" name="Freeform 28">
+                  <a:extLst>
+                    <a:ext uri="{FF2B5EF4-FFF2-40B4-BE49-F238E27FC236}">
+                      <a16:creationId xmlns:a16="http://schemas.microsoft.com/office/drawing/2014/main" id="{277215AB-BC0E-614B-AF9F-7B16C3FC12B3}"/>
+                    </a:ext>
+                  </a:extLst>
+                </p:cNvPr>
+                <p:cNvSpPr/>
+                <p:nvPr/>
+              </p:nvSpPr>
+              <p:spPr>
+                <a:xfrm>
+                  <a:off x="9483213" y="1968497"/>
+                  <a:ext cx="1823428" cy="1241951"/>
+                </a:xfrm>
+                <a:custGeom>
+                  <a:avLst/>
+                  <a:gdLst>
+                    <a:gd name="connsiteX0" fmla="*/ 0 w 1823428"/>
+                    <a:gd name="connsiteY0" fmla="*/ 1241951 h 1241951"/>
+                    <a:gd name="connsiteX1" fmla="*/ 353961 w 1823428"/>
+                    <a:gd name="connsiteY1" fmla="*/ 1153461 h 1241951"/>
+                    <a:gd name="connsiteX2" fmla="*/ 693174 w 1823428"/>
+                    <a:gd name="connsiteY2" fmla="*/ 1064970 h 1241951"/>
+                    <a:gd name="connsiteX3" fmla="*/ 988142 w 1823428"/>
+                    <a:gd name="connsiteY3" fmla="*/ 917486 h 1241951"/>
+                    <a:gd name="connsiteX4" fmla="*/ 1283110 w 1823428"/>
+                    <a:gd name="connsiteY4" fmla="*/ 725757 h 1241951"/>
+                    <a:gd name="connsiteX5" fmla="*/ 1548581 w 1823428"/>
+                    <a:gd name="connsiteY5" fmla="*/ 460286 h 1241951"/>
+                    <a:gd name="connsiteX6" fmla="*/ 1799303 w 1823428"/>
+                    <a:gd name="connsiteY6" fmla="*/ 32583 h 1241951"/>
+                    <a:gd name="connsiteX7" fmla="*/ 1799303 w 1823428"/>
+                    <a:gd name="connsiteY7" fmla="*/ 62080 h 1241951"/>
+                  </a:gdLst>
+                  <a:ahLst/>
+                  <a:cxnLst>
+                    <a:cxn ang="0">
+                      <a:pos x="connsiteX0" y="connsiteY0"/>
+                    </a:cxn>
+                    <a:cxn ang="0">
+                      <a:pos x="connsiteX1" y="connsiteY1"/>
+                    </a:cxn>
+                    <a:cxn ang="0">
+                      <a:pos x="connsiteX2" y="connsiteY2"/>
+                    </a:cxn>
+                    <a:cxn ang="0">
+                      <a:pos x="connsiteX3" y="connsiteY3"/>
+                    </a:cxn>
+                    <a:cxn ang="0">
+                      <a:pos x="connsiteX4" y="connsiteY4"/>
+                    </a:cxn>
+                    <a:cxn ang="0">
+                      <a:pos x="connsiteX5" y="connsiteY5"/>
+                    </a:cxn>
+                    <a:cxn ang="0">
+                      <a:pos x="connsiteX6" y="connsiteY6"/>
+                    </a:cxn>
+                    <a:cxn ang="0">
+                      <a:pos x="connsiteX7" y="connsiteY7"/>
+                    </a:cxn>
+                  </a:cxnLst>
+                  <a:rect l="l" t="t" r="r" b="b"/>
+                  <a:pathLst>
+                    <a:path w="1823428" h="1241951">
+                      <a:moveTo>
+                        <a:pt x="0" y="1241951"/>
+                      </a:moveTo>
+                      <a:lnTo>
+                        <a:pt x="353961" y="1153461"/>
+                      </a:lnTo>
+                      <a:cubicBezTo>
+                        <a:pt x="469490" y="1123964"/>
+                        <a:pt x="587477" y="1104299"/>
+                        <a:pt x="693174" y="1064970"/>
+                      </a:cubicBezTo>
+                      <a:cubicBezTo>
+                        <a:pt x="798871" y="1025641"/>
+                        <a:pt x="889819" y="974021"/>
+                        <a:pt x="988142" y="917486"/>
+                      </a:cubicBezTo>
+                      <a:cubicBezTo>
+                        <a:pt x="1086465" y="860950"/>
+                        <a:pt x="1189704" y="801957"/>
+                        <a:pt x="1283110" y="725757"/>
+                      </a:cubicBezTo>
+                      <a:cubicBezTo>
+                        <a:pt x="1376517" y="649557"/>
+                        <a:pt x="1462549" y="575815"/>
+                        <a:pt x="1548581" y="460286"/>
+                      </a:cubicBezTo>
+                      <a:cubicBezTo>
+                        <a:pt x="1634613" y="344757"/>
+                        <a:pt x="1757516" y="98951"/>
+                        <a:pt x="1799303" y="32583"/>
+                      </a:cubicBezTo>
+                      <a:cubicBezTo>
+                        <a:pt x="1841090" y="-33785"/>
+                        <a:pt x="1820196" y="14147"/>
+                        <a:pt x="1799303" y="62080"/>
+                      </a:cubicBezTo>
+                    </a:path>
+                  </a:pathLst>
+                </a:custGeom>
+                <a:noFill/>
+                <a:ln w="101600">
+                  <a:solidFill>
+                    <a:srgbClr val="00B050"/>
+                  </a:solidFill>
+                </a:ln>
+              </p:spPr>
+              <p:style>
+                <a:lnRef idx="2">
+                  <a:schemeClr val="accent1">
+                    <a:shade val="50000"/>
+                  </a:schemeClr>
+                </a:lnRef>
+                <a:fillRef idx="1">
+                  <a:schemeClr val="accent1"/>
+                </a:fillRef>
+                <a:effectRef idx="0">
+                  <a:schemeClr val="accent1"/>
+                </a:effectRef>
+                <a:fontRef idx="minor">
+                  <a:schemeClr val="lt1"/>
+                </a:fontRef>
+              </p:style>
+              <p:txBody>
+                <a:bodyPr rtlCol="0" anchor="ctr"/>
+                <a:lstStyle/>
+                <a:p>
+                  <a:pPr algn="ctr"/>
+                  <a:endParaRPr lang="en-US" dirty="0"/>
+                </a:p>
+              </p:txBody>
+            </p:sp>
+            <p:sp>
+              <p:nvSpPr>
+                <p:cNvPr id="30" name="Freeform 29">
+                  <a:extLst>
+                    <a:ext uri="{FF2B5EF4-FFF2-40B4-BE49-F238E27FC236}">
+                      <a16:creationId xmlns:a16="http://schemas.microsoft.com/office/drawing/2014/main" id="{544BB8C0-A6F2-2642-BC20-48F6DE4ABCE8}"/>
+                    </a:ext>
+                  </a:extLst>
+                </p:cNvPr>
+                <p:cNvSpPr/>
+                <p:nvPr/>
+              </p:nvSpPr>
+              <p:spPr>
+                <a:xfrm>
+                  <a:off x="8409904" y="3258355"/>
+                  <a:ext cx="991673" cy="402963"/>
+                </a:xfrm>
+                <a:custGeom>
+                  <a:avLst/>
+                  <a:gdLst>
+                    <a:gd name="connsiteX0" fmla="*/ 0 w 991673"/>
+                    <a:gd name="connsiteY0" fmla="*/ 399245 h 402963"/>
+                    <a:gd name="connsiteX1" fmla="*/ 218941 w 991673"/>
+                    <a:gd name="connsiteY1" fmla="*/ 399245 h 402963"/>
+                    <a:gd name="connsiteX2" fmla="*/ 360609 w 991673"/>
+                    <a:gd name="connsiteY2" fmla="*/ 360608 h 402963"/>
+                    <a:gd name="connsiteX3" fmla="*/ 579550 w 991673"/>
+                    <a:gd name="connsiteY3" fmla="*/ 283335 h 402963"/>
+                    <a:gd name="connsiteX4" fmla="*/ 721217 w 991673"/>
+                    <a:gd name="connsiteY4" fmla="*/ 218941 h 402963"/>
+                    <a:gd name="connsiteX5" fmla="*/ 875764 w 991673"/>
+                    <a:gd name="connsiteY5" fmla="*/ 103031 h 402963"/>
+                    <a:gd name="connsiteX6" fmla="*/ 991673 w 991673"/>
+                    <a:gd name="connsiteY6" fmla="*/ 0 h 402963"/>
+                    <a:gd name="connsiteX7" fmla="*/ 991673 w 991673"/>
+                    <a:gd name="connsiteY7" fmla="*/ 0 h 402963"/>
+                  </a:gdLst>
+                  <a:ahLst/>
+                  <a:cxnLst>
+                    <a:cxn ang="0">
+                      <a:pos x="connsiteX0" y="connsiteY0"/>
+                    </a:cxn>
+                    <a:cxn ang="0">
+                      <a:pos x="connsiteX1" y="connsiteY1"/>
+                    </a:cxn>
+                    <a:cxn ang="0">
+                      <a:pos x="connsiteX2" y="connsiteY2"/>
+                    </a:cxn>
+                    <a:cxn ang="0">
+                      <a:pos x="connsiteX3" y="connsiteY3"/>
+                    </a:cxn>
+                    <a:cxn ang="0">
+                      <a:pos x="connsiteX4" y="connsiteY4"/>
+                    </a:cxn>
+                    <a:cxn ang="0">
+                      <a:pos x="connsiteX5" y="connsiteY5"/>
+                    </a:cxn>
+                    <a:cxn ang="0">
+                      <a:pos x="connsiteX6" y="connsiteY6"/>
+                    </a:cxn>
+                    <a:cxn ang="0">
+                      <a:pos x="connsiteX7" y="connsiteY7"/>
+                    </a:cxn>
+                  </a:cxnLst>
+                  <a:rect l="l" t="t" r="r" b="b"/>
+                  <a:pathLst>
+                    <a:path w="991673" h="402963">
+                      <a:moveTo>
+                        <a:pt x="0" y="399245"/>
+                      </a:moveTo>
+                      <a:cubicBezTo>
+                        <a:pt x="79419" y="402465"/>
+                        <a:pt x="158839" y="405685"/>
+                        <a:pt x="218941" y="399245"/>
+                      </a:cubicBezTo>
+                      <a:cubicBezTo>
+                        <a:pt x="279043" y="392805"/>
+                        <a:pt x="300508" y="379926"/>
+                        <a:pt x="360609" y="360608"/>
+                      </a:cubicBezTo>
+                      <a:cubicBezTo>
+                        <a:pt x="420711" y="341290"/>
+                        <a:pt x="519449" y="306946"/>
+                        <a:pt x="579550" y="283335"/>
+                      </a:cubicBezTo>
+                      <a:cubicBezTo>
+                        <a:pt x="639651" y="259724"/>
+                        <a:pt x="671848" y="248992"/>
+                        <a:pt x="721217" y="218941"/>
+                      </a:cubicBezTo>
+                      <a:cubicBezTo>
+                        <a:pt x="770586" y="188890"/>
+                        <a:pt x="830688" y="139521"/>
+                        <a:pt x="875764" y="103031"/>
+                      </a:cubicBezTo>
+                      <a:cubicBezTo>
+                        <a:pt x="920840" y="66541"/>
+                        <a:pt x="991673" y="0"/>
+                        <a:pt x="991673" y="0"/>
+                      </a:cubicBezTo>
+                      <a:lnTo>
+                        <a:pt x="991673" y="0"/>
+                      </a:lnTo>
+                    </a:path>
+                  </a:pathLst>
+                </a:custGeom>
+                <a:noFill/>
+                <a:ln w="101600">
+                  <a:solidFill>
+                    <a:schemeClr val="accent2"/>
+                  </a:solidFill>
+                  <a:prstDash val="sysDot"/>
+                </a:ln>
+              </p:spPr>
+              <p:style>
+                <a:lnRef idx="2">
+                  <a:schemeClr val="accent1">
+                    <a:shade val="50000"/>
+                  </a:schemeClr>
+                </a:lnRef>
+                <a:fillRef idx="1">
+                  <a:schemeClr val="accent1"/>
+                </a:fillRef>
+                <a:effectRef idx="0">
+                  <a:schemeClr val="accent1"/>
+                </a:effectRef>
+                <a:fontRef idx="minor">
+                  <a:schemeClr val="lt1"/>
+                </a:fontRef>
+              </p:style>
+              <p:txBody>
+                <a:bodyPr rtlCol="0" anchor="ctr"/>
+                <a:lstStyle/>
+                <a:p>
+                  <a:pPr algn="ctr"/>
+                  <a:endParaRPr lang="en-US" dirty="0">
+                    <a:solidFill>
+                      <a:srgbClr val="00B050"/>
+                    </a:solidFill>
+                  </a:endParaRPr>
+                </a:p>
+              </p:txBody>
+            </p:sp>
+          </p:grpSp>
+          <p:cxnSp>
+            <p:nvCxnSpPr>
+              <p:cNvPr id="23" name="Straight Arrow Connector 22">
+                <a:extLst>
+                  <a:ext uri="{FF2B5EF4-FFF2-40B4-BE49-F238E27FC236}">
+                    <a16:creationId xmlns:a16="http://schemas.microsoft.com/office/drawing/2014/main" id="{5EB14925-C632-0A4F-B959-634D2B5B3AA6}"/>
+                  </a:ext>
+                </a:extLst>
+              </p:cNvPr>
+              <p:cNvCxnSpPr>
+                <a:cxnSpLocks/>
+                <a:stCxn id="29" idx="5"/>
+              </p:cNvCxnSpPr>
+              <p:nvPr/>
+            </p:nvCxnSpPr>
+            <p:spPr>
+              <a:xfrm flipV="1">
+                <a:off x="6806386" y="1228099"/>
+                <a:ext cx="300338" cy="510811"/>
+              </a:xfrm>
+              <a:prstGeom prst="straightConnector1">
+                <a:avLst/>
+              </a:prstGeom>
+              <a:ln w="101600">
+                <a:solidFill>
+                  <a:srgbClr val="00B050"/>
+                </a:solidFill>
+                <a:tailEnd type="triangle"/>
+              </a:ln>
+            </p:spPr>
+            <p:style>
+              <a:lnRef idx="1">
+                <a:schemeClr val="accent1"/>
+              </a:lnRef>
+              <a:fillRef idx="0">
+                <a:schemeClr val="accent1"/>
+              </a:fillRef>
+              <a:effectRef idx="0">
+                <a:schemeClr val="accent1"/>
+              </a:effectRef>
+              <a:fontRef idx="minor">
+                <a:schemeClr val="tx1"/>
+              </a:fontRef>
+            </p:style>
+          </p:cxnSp>
+          <p:cxnSp>
+            <p:nvCxnSpPr>
+              <p:cNvPr id="27" name="Straight Connector 26">
+                <a:extLst>
+                  <a:ext uri="{FF2B5EF4-FFF2-40B4-BE49-F238E27FC236}">
+                    <a16:creationId xmlns:a16="http://schemas.microsoft.com/office/drawing/2014/main" id="{F46D2646-3B49-E241-BBE6-3A7FD6ADDF69}"/>
+                  </a:ext>
+                </a:extLst>
+              </p:cNvPr>
+              <p:cNvCxnSpPr>
+                <a:cxnSpLocks/>
+              </p:cNvCxnSpPr>
+              <p:nvPr/>
+            </p:nvCxnSpPr>
+            <p:spPr>
+              <a:xfrm flipV="1">
+                <a:off x="4423407" y="2822298"/>
+                <a:ext cx="265948" cy="3296"/>
+              </a:xfrm>
+              <a:prstGeom prst="line">
+                <a:avLst/>
+              </a:prstGeom>
+              <a:ln w="101600">
+                <a:solidFill>
+                  <a:schemeClr val="accent2"/>
+                </a:solidFill>
+                <a:prstDash val="sysDot"/>
+                <a:headEnd type="triangle"/>
+              </a:ln>
+            </p:spPr>
+            <p:style>
+              <a:lnRef idx="1">
+                <a:schemeClr val="accent1"/>
+              </a:lnRef>
+              <a:fillRef idx="0">
+                <a:schemeClr val="accent1"/>
+              </a:fillRef>
+              <a:effectRef idx="0">
+                <a:schemeClr val="accent1"/>
+              </a:effectRef>
+              <a:fontRef idx="minor">
+                <a:schemeClr val="tx1"/>
+              </a:fontRef>
+            </p:style>
+          </p:cxnSp>
+        </p:grpSp>
+        <p:cxnSp>
+          <p:nvCxnSpPr>
+            <p:cNvPr id="34" name="Straight Connector 33">
+              <a:extLst>
+                <a:ext uri="{FF2B5EF4-FFF2-40B4-BE49-F238E27FC236}">
+                  <a16:creationId xmlns:a16="http://schemas.microsoft.com/office/drawing/2014/main" id="{F1E66DFA-8DFC-1048-B916-3809F0A69CB6}"/>
+                </a:ext>
+              </a:extLst>
+            </p:cNvPr>
+            <p:cNvCxnSpPr>
+              <a:cxnSpLocks/>
+            </p:cNvCxnSpPr>
+            <p:nvPr/>
+          </p:nvCxnSpPr>
+          <p:spPr>
+            <a:xfrm flipH="1">
+              <a:off x="6867323" y="2365420"/>
+              <a:ext cx="335311" cy="1862929"/>
+            </a:xfrm>
+            <a:prstGeom prst="line">
+              <a:avLst/>
+            </a:prstGeom>
+            <a:ln w="127000">
+              <a:headEnd type="triangle"/>
+            </a:ln>
+          </p:spPr>
+          <p:style>
+            <a:lnRef idx="1">
+              <a:schemeClr val="accent1"/>
+            </a:lnRef>
+            <a:fillRef idx="0">
+              <a:schemeClr val="accent1"/>
+            </a:fillRef>
+            <a:effectRef idx="0">
+              <a:schemeClr val="accent1"/>
+            </a:effectRef>
+            <a:fontRef idx="minor">
+              <a:schemeClr val="tx1"/>
+            </a:fontRef>
+          </p:style>
+        </p:cxnSp>
+      </p:grpSp>
+      <mc:AlternateContent xmlns:mc="http://schemas.openxmlformats.org/markup-compatibility/2006">
+        <mc:Choice xmlns:a14="http://schemas.microsoft.com/office/drawing/2010/main" Requires="a14">
+          <p:sp>
+            <p:nvSpPr>
+              <p:cNvPr id="2" name="Rectangle 1">
+                <a:extLst>
+                  <a:ext uri="{FF2B5EF4-FFF2-40B4-BE49-F238E27FC236}">
+                    <a16:creationId xmlns:a16="http://schemas.microsoft.com/office/drawing/2014/main" id="{4011B779-468A-9A47-B7EA-A36423EA233B}"/>
+                  </a:ext>
+                </a:extLst>
+              </p:cNvPr>
+              <p:cNvSpPr/>
+              <p:nvPr/>
+            </p:nvSpPr>
+            <p:spPr>
+              <a:xfrm>
+                <a:off x="0" y="780229"/>
+                <a:ext cx="3471463" cy="671787"/>
+              </a:xfrm>
+              <a:prstGeom prst="rect">
+                <a:avLst/>
+              </a:prstGeom>
+            </p:spPr>
+            <p:txBody>
+              <a:bodyPr wrap="none">
+                <a:spAutoFit/>
+              </a:bodyPr>
+              <a:lstStyle/>
+              <a:p>
+                <a:r>
+                  <a:rPr lang="en-US" sz="2400" dirty="0">
+                    <a:ea typeface="Cambria Math" panose="02040503050406030204" pitchFamily="18" charset="0"/>
+                  </a:rPr>
+                  <a:t>Clapeyron: </a:t>
+                </a:r>
+                <a14:m>
+                  <m:oMath xmlns:m="http://schemas.openxmlformats.org/officeDocument/2006/math">
+                    <m:r>
+                      <a:rPr lang="en-US" sz="2400" b="0" i="1" smtClean="0">
+                        <a:solidFill>
+                          <a:srgbClr val="7030A0"/>
+                        </a:solidFill>
+                        <a:latin typeface="Cambria Math" panose="02040503050406030204" pitchFamily="18" charset="0"/>
+                        <a:ea typeface="Cambria Math" panose="02040503050406030204" pitchFamily="18" charset="0"/>
+                      </a:rPr>
+                      <m:t>𝑑𝑃</m:t>
+                    </m:r>
+                    <m:r>
+                      <a:rPr lang="en-US" sz="2400" b="0" i="1">
+                        <a:solidFill>
+                          <a:srgbClr val="7030A0"/>
+                        </a:solidFill>
+                        <a:latin typeface="Cambria Math" panose="02040503050406030204" pitchFamily="18" charset="0"/>
+                        <a:ea typeface="Cambria Math" panose="02040503050406030204" pitchFamily="18" charset="0"/>
+                      </a:rPr>
+                      <m:t>=</m:t>
+                    </m:r>
+                    <m:f>
+                      <m:fPr>
+                        <m:ctrlPr>
+                          <a:rPr lang="en-US" sz="2400" i="1">
+                            <a:solidFill>
+                              <a:srgbClr val="7030A0"/>
+                            </a:solidFill>
+                            <a:latin typeface="Cambria Math" panose="02040503050406030204" pitchFamily="18" charset="0"/>
+                            <a:ea typeface="Cambria Math" panose="02040503050406030204" pitchFamily="18" charset="0"/>
+                          </a:rPr>
+                        </m:ctrlPr>
+                      </m:fPr>
+                      <m:num>
+                        <m:r>
+                          <a:rPr lang="en-US" sz="2400" b="0" i="1">
+                            <a:solidFill>
+                              <a:srgbClr val="7030A0"/>
+                            </a:solidFill>
+                            <a:latin typeface="Cambria Math" panose="02040503050406030204" pitchFamily="18" charset="0"/>
+                            <a:ea typeface="Cambria Math" panose="02040503050406030204" pitchFamily="18" charset="0"/>
+                          </a:rPr>
+                          <m:t>∆</m:t>
+                        </m:r>
+                        <m:sSub>
+                          <m:sSubPr>
+                            <m:ctrlPr>
+                              <a:rPr lang="en-US" sz="2400" i="1">
+                                <a:solidFill>
+                                  <a:srgbClr val="7030A0"/>
+                                </a:solidFill>
+                                <a:latin typeface="Cambria Math" panose="02040503050406030204" pitchFamily="18" charset="0"/>
+                                <a:ea typeface="Cambria Math" panose="02040503050406030204" pitchFamily="18" charset="0"/>
+                              </a:rPr>
+                            </m:ctrlPr>
+                          </m:sSubPr>
+                          <m:e>
+                            <m:r>
+                              <a:rPr lang="en-US" sz="2400" b="0" i="1">
+                                <a:solidFill>
+                                  <a:srgbClr val="7030A0"/>
+                                </a:solidFill>
+                                <a:latin typeface="Cambria Math" panose="02040503050406030204" pitchFamily="18" charset="0"/>
+                                <a:ea typeface="Cambria Math" panose="02040503050406030204" pitchFamily="18" charset="0"/>
+                              </a:rPr>
+                              <m:t>𝐻</m:t>
+                            </m:r>
+                          </m:e>
+                          <m:sub>
+                            <m:r>
+                              <a:rPr lang="en-US" sz="2400" b="0" i="1" smtClean="0">
+                                <a:solidFill>
+                                  <a:srgbClr val="7030A0"/>
+                                </a:solidFill>
+                                <a:latin typeface="Cambria Math" panose="02040503050406030204" pitchFamily="18" charset="0"/>
+                                <a:ea typeface="Cambria Math" panose="02040503050406030204" pitchFamily="18" charset="0"/>
+                              </a:rPr>
+                              <m:t>𝑡𝑟𝑠</m:t>
+                            </m:r>
+                          </m:sub>
+                        </m:sSub>
+                      </m:num>
+                      <m:den>
+                        <m:r>
+                          <a:rPr lang="en-US" sz="2400" b="0" i="1">
+                            <a:solidFill>
+                              <a:srgbClr val="7030A0"/>
+                            </a:solidFill>
+                            <a:latin typeface="Cambria Math" panose="02040503050406030204" pitchFamily="18" charset="0"/>
+                            <a:ea typeface="Cambria Math" panose="02040503050406030204" pitchFamily="18" charset="0"/>
+                          </a:rPr>
+                          <m:t>𝑇</m:t>
+                        </m:r>
+                        <m:r>
+                          <a:rPr lang="en-US" sz="2400" b="0" i="1">
+                            <a:solidFill>
+                              <a:srgbClr val="7030A0"/>
+                            </a:solidFill>
+                            <a:latin typeface="Cambria Math" panose="02040503050406030204" pitchFamily="18" charset="0"/>
+                            <a:ea typeface="Cambria Math" panose="02040503050406030204" pitchFamily="18" charset="0"/>
+                          </a:rPr>
+                          <m:t>∆</m:t>
+                        </m:r>
+                        <m:sSub>
+                          <m:sSubPr>
+                            <m:ctrlPr>
+                              <a:rPr lang="en-US" sz="2400" i="1">
+                                <a:solidFill>
+                                  <a:srgbClr val="7030A0"/>
+                                </a:solidFill>
+                                <a:latin typeface="Cambria Math" panose="02040503050406030204" pitchFamily="18" charset="0"/>
+                                <a:ea typeface="Cambria Math" panose="02040503050406030204" pitchFamily="18" charset="0"/>
+                              </a:rPr>
+                            </m:ctrlPr>
+                          </m:sSubPr>
+                          <m:e>
+                            <m:r>
+                              <a:rPr lang="en-US" sz="2400" b="0" i="1">
+                                <a:solidFill>
+                                  <a:srgbClr val="7030A0"/>
+                                </a:solidFill>
+                                <a:latin typeface="Cambria Math" panose="02040503050406030204" pitchFamily="18" charset="0"/>
+                                <a:ea typeface="Cambria Math" panose="02040503050406030204" pitchFamily="18" charset="0"/>
+                              </a:rPr>
+                              <m:t>𝑉</m:t>
+                            </m:r>
+                          </m:e>
+                          <m:sub>
+                            <m:r>
+                              <a:rPr lang="en-US" sz="2400" b="0" i="1" smtClean="0">
+                                <a:solidFill>
+                                  <a:srgbClr val="7030A0"/>
+                                </a:solidFill>
+                                <a:latin typeface="Cambria Math" panose="02040503050406030204" pitchFamily="18" charset="0"/>
+                                <a:ea typeface="Cambria Math" panose="02040503050406030204" pitchFamily="18" charset="0"/>
+                              </a:rPr>
+                              <m:t>𝑡𝑟𝑠</m:t>
+                            </m:r>
+                          </m:sub>
+                        </m:sSub>
+                      </m:den>
+                    </m:f>
+                    <m:r>
+                      <a:rPr lang="en-US" sz="2400" b="0" i="1" smtClean="0">
+                        <a:solidFill>
+                          <a:srgbClr val="7030A0"/>
+                        </a:solidFill>
+                        <a:latin typeface="Cambria Math" panose="02040503050406030204" pitchFamily="18" charset="0"/>
+                        <a:ea typeface="Cambria Math" panose="02040503050406030204" pitchFamily="18" charset="0"/>
+                      </a:rPr>
+                      <m:t>𝑑𝑇</m:t>
+                    </m:r>
+                  </m:oMath>
+                </a14:m>
+                <a:endParaRPr lang="en-US" sz="2400" dirty="0"/>
+              </a:p>
+            </p:txBody>
+          </p:sp>
+        </mc:Choice>
+        <mc:Fallback>
+          <p:sp>
+            <p:nvSpPr>
+              <p:cNvPr id="2" name="Rectangle 1">
+                <a:extLst>
+                  <a:ext uri="{FF2B5EF4-FFF2-40B4-BE49-F238E27FC236}">
+                    <a16:creationId xmlns:a16="http://schemas.microsoft.com/office/drawing/2014/main" id="{4011B779-468A-9A47-B7EA-A36423EA233B}"/>
+                  </a:ext>
+                </a:extLst>
+              </p:cNvPr>
+              <p:cNvSpPr>
+                <a:spLocks noRot="1" noChangeAspect="1" noMove="1" noResize="1" noEditPoints="1" noAdjustHandles="1" noChangeArrowheads="1" noChangeShapeType="1" noTextEdit="1"/>
+              </p:cNvSpPr>
+              <p:nvPr/>
+            </p:nvSpPr>
+            <p:spPr>
+              <a:xfrm>
+                <a:off x="0" y="780229"/>
+                <a:ext cx="3471463" cy="671787"/>
+              </a:xfrm>
+              <a:prstGeom prst="rect">
+                <a:avLst/>
+              </a:prstGeom>
+              <a:blipFill>
+                <a:blip r:embed="rId4"/>
+                <a:stretch>
+                  <a:fillRect l="-2920" b="-1852"/>
+                </a:stretch>
+              </a:blipFill>
+            </p:spPr>
+            <p:txBody>
+              <a:bodyPr/>
+              <a:lstStyle/>
+              <a:p>
+                <a:r>
+                  <a:rPr lang="en-US">
+                    <a:noFill/>
+                  </a:rPr>
+                  <a:t> </a:t>
+                </a:r>
+              </a:p>
+            </p:txBody>
+          </p:sp>
+        </mc:Fallback>
+      </mc:AlternateContent>
+    </p:spTree>
+    <p:extLst>
+      <p:ext uri="{BB962C8B-B14F-4D97-AF65-F5344CB8AC3E}">
+        <p14:creationId xmlns:p14="http://schemas.microsoft.com/office/powerpoint/2010/main" val="1995204214"/>
+      </p:ext>
+    </p:extLst>
+  </p:cSld>
+  <p:clrMapOvr>
+    <a:masterClrMapping/>
+  </p:clrMapOvr>
+</p:sld>
+</file>
+
+<file path=ppt/slides/slide8.xml><?xml version="1.0" encoding="utf-8"?>
+<p:sld xmlns:a="http://schemas.openxmlformats.org/drawingml/2006/main" xmlns:r="http://schemas.openxmlformats.org/officeDocument/2006/relationships" xmlns:p="http://schemas.openxmlformats.org/presentationml/2006/main">
+  <p:cSld>
+    <p:spTree>
+      <p:nvGrpSpPr>
+        <p:cNvPr id="1" name=""/>
+        <p:cNvGrpSpPr/>
+        <p:nvPr/>
+      </p:nvGrpSpPr>
+      <p:grpSpPr>
+        <a:xfrm>
+          <a:off x="0" y="0"/>
+          <a:ext cx="0" cy="0"/>
+          <a:chOff x="0" y="0"/>
+          <a:chExt cx="0" cy="0"/>
+        </a:xfrm>
+      </p:grpSpPr>
+      <p:sp>
+        <p:nvSpPr>
+          <p:cNvPr id="9" name="TextBox 8">
+            <a:extLst>
+              <a:ext uri="{FF2B5EF4-FFF2-40B4-BE49-F238E27FC236}">
+                <a16:creationId xmlns:a16="http://schemas.microsoft.com/office/drawing/2014/main" id="{CCB63A21-7279-9D42-8077-C7DDE7E0E8D4}"/>
+              </a:ext>
+            </a:extLst>
+          </p:cNvPr>
+          <p:cNvSpPr txBox="1"/>
+          <p:nvPr/>
+        </p:nvSpPr>
+        <p:spPr>
+          <a:xfrm>
+            <a:off x="-7253" y="2373"/>
             <a:ext cx="11402823" cy="461665"/>
           </a:xfrm>
           <a:prstGeom prst="rect">
             <a:avLst/>
           </a:prstGeom>
-          <a:noFill/>
+          <a:solidFill>
+            <a:schemeClr val="accent2"/>
+          </a:solidFill>
         </p:spPr>
         <p:txBody>
           <a:bodyPr wrap="square" rtlCol="0">
@@ -8225,8 +13212,8 @@
           </a:p>
         </p:txBody>
       </p:sp>
-      <mc:AlternateContent xmlns:mc="http://schemas.openxmlformats.org/markup-compatibility/2006">
-        <mc:Choice xmlns:a14="http://schemas.microsoft.com/office/drawing/2010/main" Requires="a14">
+      <mc:AlternateContent xmlns:mc="http://schemas.openxmlformats.org/markup-compatibility/2006" xmlns:a14="http://schemas.microsoft.com/office/drawing/2010/main">
+        <mc:Choice Requires="a14">
           <p:sp>
             <p:nvSpPr>
               <p:cNvPr id="4" name="Rectangle 3">
@@ -8581,7 +13568,6 @@
                 </a:endParaRPr>
               </a:p>
               <a:p>
-                <a:pPr/>
                 <a14:m>
                   <m:oMath xmlns:m="http://schemas.openxmlformats.org/officeDocument/2006/math">
                     <m:r>
@@ -9221,7 +14207,7 @@
             </p:txBody>
           </p:sp>
         </mc:Choice>
-        <mc:Fallback>
+        <mc:Fallback xmlns="">
           <p:sp>
             <p:nvSpPr>
               <p:cNvPr id="4" name="Rectangle 3">
@@ -9888,7 +14874,7 @@
 </p:sld>
 </file>
 
-<file path=ppt/slides/slide6.xml><?xml version="1.0" encoding="utf-8"?>
+<file path=ppt/slides/slide9.xml><?xml version="1.0" encoding="utf-8"?>
 <p:sld xmlns:a="http://schemas.openxmlformats.org/drawingml/2006/main" xmlns:r="http://schemas.openxmlformats.org/officeDocument/2006/relationships" xmlns:p="http://schemas.openxmlformats.org/presentationml/2006/main">
   <p:cSld>
     <p:spTree>
@@ -9919,13 +14905,15 @@
         </p:nvSpPr>
         <p:spPr>
           <a:xfrm>
-            <a:off x="50622" y="25523"/>
+            <a:off x="-7253" y="2373"/>
             <a:ext cx="11402823" cy="461665"/>
           </a:xfrm>
           <a:prstGeom prst="rect">
             <a:avLst/>
           </a:prstGeom>
-          <a:noFill/>
+          <a:solidFill>
+            <a:schemeClr val="accent2"/>
+          </a:solidFill>
         </p:spPr>
         <p:txBody>
           <a:bodyPr wrap="square" rtlCol="0">
@@ -9940,8 +14928,8 @@
           </a:p>
         </p:txBody>
       </p:sp>
-      <mc:AlternateContent xmlns:mc="http://schemas.openxmlformats.org/markup-compatibility/2006">
-        <mc:Choice xmlns:a14="http://schemas.microsoft.com/office/drawing/2010/main" Requires="a14">
+      <mc:AlternateContent xmlns:mc="http://schemas.openxmlformats.org/markup-compatibility/2006" xmlns:a14="http://schemas.microsoft.com/office/drawing/2010/main">
+        <mc:Choice Requires="a14">
           <p:sp>
             <p:nvSpPr>
               <p:cNvPr id="4" name="Rectangle 3">
@@ -11007,7 +15995,7 @@
             </p:txBody>
           </p:sp>
         </mc:Choice>
-        <mc:Fallback>
+        <mc:Fallback xmlns="">
           <p:sp>
             <p:nvSpPr>
               <p:cNvPr id="4" name="Rectangle 3">
@@ -11674,1813 +16662,6 @@
 </p:sld>
 </file>
 
-<file path=ppt/slides/slide7.xml><?xml version="1.0" encoding="utf-8"?>
-<p:sld xmlns:a="http://schemas.openxmlformats.org/drawingml/2006/main" xmlns:r="http://schemas.openxmlformats.org/officeDocument/2006/relationships" xmlns:p="http://schemas.openxmlformats.org/presentationml/2006/main">
-  <p:cSld>
-    <p:spTree>
-      <p:nvGrpSpPr>
-        <p:cNvPr id="1" name=""/>
-        <p:cNvGrpSpPr/>
-        <p:nvPr/>
-      </p:nvGrpSpPr>
-      <p:grpSpPr>
-        <a:xfrm>
-          <a:off x="0" y="0"/>
-          <a:ext cx="0" cy="0"/>
-          <a:chOff x="0" y="0"/>
-          <a:chExt cx="0" cy="0"/>
-        </a:xfrm>
-      </p:grpSpPr>
-      <p:sp>
-        <p:nvSpPr>
-          <p:cNvPr id="9" name="TextBox 8">
-            <a:extLst>
-              <a:ext uri="{FF2B5EF4-FFF2-40B4-BE49-F238E27FC236}">
-                <a16:creationId xmlns:a16="http://schemas.microsoft.com/office/drawing/2014/main" id="{CCB63A21-7279-9D42-8077-C7DDE7E0E8D4}"/>
-              </a:ext>
-            </a:extLst>
-          </p:cNvPr>
-          <p:cNvSpPr txBox="1"/>
-          <p:nvPr/>
-        </p:nvSpPr>
-        <p:spPr>
-          <a:xfrm>
-            <a:off x="50622" y="25523"/>
-            <a:ext cx="11402823" cy="461665"/>
-          </a:xfrm>
-          <a:prstGeom prst="rect">
-            <a:avLst/>
-          </a:prstGeom>
-          <a:noFill/>
-        </p:spPr>
-        <p:txBody>
-          <a:bodyPr wrap="square" rtlCol="0">
-            <a:spAutoFit/>
-          </a:bodyPr>
-          <a:lstStyle/>
-          <a:p>
-            <a:r>
-              <a:rPr lang="en-US" sz="2400" b="1" dirty="0"/>
-              <a:t>Clausius-Clapeyron (for the solid-vapor phase boundary)</a:t>
-            </a:r>
-          </a:p>
-        </p:txBody>
-      </p:sp>
-      <mc:AlternateContent xmlns:mc="http://schemas.openxmlformats.org/markup-compatibility/2006">
-        <mc:Choice xmlns:a14="http://schemas.microsoft.com/office/drawing/2010/main" Requires="a14">
-          <p:sp>
-            <p:nvSpPr>
-              <p:cNvPr id="4" name="Rectangle 3">
-                <a:extLst>
-                  <a:ext uri="{FF2B5EF4-FFF2-40B4-BE49-F238E27FC236}">
-                    <a16:creationId xmlns:a16="http://schemas.microsoft.com/office/drawing/2014/main" id="{975EDA7B-00BE-5343-ABC0-1447496ED3D6}"/>
-                  </a:ext>
-                </a:extLst>
-              </p:cNvPr>
-              <p:cNvSpPr/>
-              <p:nvPr/>
-            </p:nvSpPr>
-            <p:spPr>
-              <a:xfrm>
-                <a:off x="843404" y="1114193"/>
-                <a:ext cx="6527493" cy="5050678"/>
-              </a:xfrm>
-              <a:prstGeom prst="rect">
-                <a:avLst/>
-              </a:prstGeom>
-            </p:spPr>
-            <p:txBody>
-              <a:bodyPr wrap="none">
-                <a:spAutoFit/>
-              </a:bodyPr>
-              <a:lstStyle/>
-              <a:p>
-                <a:r>
-                  <a:rPr lang="en-US" sz="2400" dirty="0">
-                    <a:ea typeface="Cambria Math" panose="02040503050406030204" pitchFamily="18" charset="0"/>
-                  </a:rPr>
-                  <a:t>Integrating along the liquid-vapor phase boundary:</a:t>
-                </a:r>
-              </a:p>
-              <a:p>
-                <a:endParaRPr lang="en-US" sz="2400" i="1" dirty="0">
-                  <a:solidFill>
-                    <a:schemeClr val="accent2"/>
-                  </a:solidFill>
-                  <a:latin typeface="Cambria Math" panose="02040503050406030204" pitchFamily="18" charset="0"/>
-                  <a:ea typeface="Cambria Math" panose="02040503050406030204" pitchFamily="18" charset="0"/>
-                </a:endParaRPr>
-              </a:p>
-              <a:p>
-                <a14:m>
-                  <m:oMath xmlns:m="http://schemas.openxmlformats.org/officeDocument/2006/math">
-                    <m:nary>
-                      <m:naryPr>
-                        <m:ctrlPr>
-                          <a:rPr lang="en-US" sz="2400" i="1">
-                            <a:solidFill>
-                              <a:schemeClr val="accent2"/>
-                            </a:solidFill>
-                            <a:latin typeface="Cambria Math" panose="02040503050406030204" pitchFamily="18" charset="0"/>
-                            <a:ea typeface="Cambria Math" panose="02040503050406030204" pitchFamily="18" charset="0"/>
-                          </a:rPr>
-                        </m:ctrlPr>
-                      </m:naryPr>
-                      <m:sub>
-                        <m:sSub>
-                          <m:sSubPr>
-                            <m:ctrlPr>
-                              <a:rPr lang="en-US" sz="2400" i="1">
-                                <a:solidFill>
-                                  <a:schemeClr val="accent2"/>
-                                </a:solidFill>
-                                <a:latin typeface="Cambria Math" panose="02040503050406030204" pitchFamily="18" charset="0"/>
-                                <a:ea typeface="Cambria Math" panose="02040503050406030204" pitchFamily="18" charset="0"/>
-                              </a:rPr>
-                            </m:ctrlPr>
-                          </m:sSubPr>
-                          <m:e>
-                            <m:r>
-                              <m:rPr>
-                                <m:brk m:alnAt="23"/>
-                              </m:rPr>
-                              <a:rPr lang="en-US" sz="2400" i="1">
-                                <a:solidFill>
-                                  <a:schemeClr val="accent2"/>
-                                </a:solidFill>
-                                <a:latin typeface="Cambria Math" panose="02040503050406030204" pitchFamily="18" charset="0"/>
-                                <a:ea typeface="Cambria Math" panose="02040503050406030204" pitchFamily="18" charset="0"/>
-                              </a:rPr>
-                              <m:t>𝑃</m:t>
-                            </m:r>
-                          </m:e>
-                          <m:sub>
-                            <m:r>
-                              <m:rPr>
-                                <m:brk m:alnAt="23"/>
-                              </m:rPr>
-                              <a:rPr lang="en-US" sz="2400" i="1">
-                                <a:solidFill>
-                                  <a:schemeClr val="accent2"/>
-                                </a:solidFill>
-                                <a:latin typeface="Cambria Math" panose="02040503050406030204" pitchFamily="18" charset="0"/>
-                                <a:ea typeface="Cambria Math" panose="02040503050406030204" pitchFamily="18" charset="0"/>
-                              </a:rPr>
-                              <m:t>3</m:t>
-                            </m:r>
-                          </m:sub>
-                        </m:sSub>
-                      </m:sub>
-                      <m:sup>
-                        <m:r>
-                          <a:rPr lang="en-US" sz="2400" i="1">
-                            <a:solidFill>
-                              <a:schemeClr val="accent2"/>
-                            </a:solidFill>
-                            <a:latin typeface="Cambria Math" panose="02040503050406030204" pitchFamily="18" charset="0"/>
-                            <a:ea typeface="Cambria Math" panose="02040503050406030204" pitchFamily="18" charset="0"/>
-                          </a:rPr>
-                          <m:t>𝑃</m:t>
-                        </m:r>
-                      </m:sup>
-                      <m:e>
-                        <m:f>
-                          <m:fPr>
-                            <m:ctrlPr>
-                              <a:rPr lang="en-US" sz="2400" i="1">
-                                <a:solidFill>
-                                  <a:schemeClr val="accent2"/>
-                                </a:solidFill>
-                                <a:latin typeface="Cambria Math" panose="02040503050406030204" pitchFamily="18" charset="0"/>
-                                <a:ea typeface="Cambria Math" panose="02040503050406030204" pitchFamily="18" charset="0"/>
-                              </a:rPr>
-                            </m:ctrlPr>
-                          </m:fPr>
-                          <m:num>
-                            <m:r>
-                              <a:rPr lang="en-US" sz="2400" i="1">
-                                <a:solidFill>
-                                  <a:schemeClr val="accent2"/>
-                                </a:solidFill>
-                                <a:latin typeface="Cambria Math" panose="02040503050406030204" pitchFamily="18" charset="0"/>
-                                <a:ea typeface="Cambria Math" panose="02040503050406030204" pitchFamily="18" charset="0"/>
-                              </a:rPr>
-                              <m:t>𝑑𝑃</m:t>
-                            </m:r>
-                          </m:num>
-                          <m:den>
-                            <m:r>
-                              <a:rPr lang="en-US" sz="2400" i="1">
-                                <a:solidFill>
-                                  <a:schemeClr val="accent2"/>
-                                </a:solidFill>
-                                <a:latin typeface="Cambria Math" panose="02040503050406030204" pitchFamily="18" charset="0"/>
-                                <a:ea typeface="Cambria Math" panose="02040503050406030204" pitchFamily="18" charset="0"/>
-                              </a:rPr>
-                              <m:t>𝑃</m:t>
-                            </m:r>
-                          </m:den>
-                        </m:f>
-                      </m:e>
-                    </m:nary>
-                    <m:r>
-                      <a:rPr lang="en-US" sz="2400" i="1">
-                        <a:solidFill>
-                          <a:schemeClr val="accent2"/>
-                        </a:solidFill>
-                        <a:latin typeface="Cambria Math" panose="02040503050406030204" pitchFamily="18" charset="0"/>
-                        <a:ea typeface="Cambria Math" panose="02040503050406030204" pitchFamily="18" charset="0"/>
-                      </a:rPr>
-                      <m:t>=</m:t>
-                    </m:r>
-                    <m:nary>
-                      <m:naryPr>
-                        <m:ctrlPr>
-                          <a:rPr lang="en-US" sz="2400" i="1">
-                            <a:solidFill>
-                              <a:schemeClr val="accent2"/>
-                            </a:solidFill>
-                            <a:latin typeface="Cambria Math" panose="02040503050406030204" pitchFamily="18" charset="0"/>
-                            <a:ea typeface="Cambria Math" panose="02040503050406030204" pitchFamily="18" charset="0"/>
-                          </a:rPr>
-                        </m:ctrlPr>
-                      </m:naryPr>
-                      <m:sub>
-                        <m:sSub>
-                          <m:sSubPr>
-                            <m:ctrlPr>
-                              <a:rPr lang="en-US" sz="2400" i="1">
-                                <a:solidFill>
-                                  <a:schemeClr val="accent2"/>
-                                </a:solidFill>
-                                <a:latin typeface="Cambria Math" panose="02040503050406030204" pitchFamily="18" charset="0"/>
-                                <a:ea typeface="Cambria Math" panose="02040503050406030204" pitchFamily="18" charset="0"/>
-                              </a:rPr>
-                            </m:ctrlPr>
-                          </m:sSubPr>
-                          <m:e>
-                            <m:r>
-                              <m:rPr>
-                                <m:brk m:alnAt="23"/>
-                              </m:rPr>
-                              <a:rPr lang="en-US" sz="2400" i="1">
-                                <a:solidFill>
-                                  <a:schemeClr val="accent2"/>
-                                </a:solidFill>
-                                <a:latin typeface="Cambria Math" panose="02040503050406030204" pitchFamily="18" charset="0"/>
-                                <a:ea typeface="Cambria Math" panose="02040503050406030204" pitchFamily="18" charset="0"/>
-                              </a:rPr>
-                              <m:t>𝑇</m:t>
-                            </m:r>
-                          </m:e>
-                          <m:sub>
-                            <m:r>
-                              <m:rPr>
-                                <m:brk m:alnAt="23"/>
-                              </m:rPr>
-                              <a:rPr lang="en-US" sz="2400" i="1">
-                                <a:solidFill>
-                                  <a:schemeClr val="accent2"/>
-                                </a:solidFill>
-                                <a:latin typeface="Cambria Math" panose="02040503050406030204" pitchFamily="18" charset="0"/>
-                                <a:ea typeface="Cambria Math" panose="02040503050406030204" pitchFamily="18" charset="0"/>
-                              </a:rPr>
-                              <m:t>3</m:t>
-                            </m:r>
-                          </m:sub>
-                        </m:sSub>
-                      </m:sub>
-                      <m:sup>
-                        <m:r>
-                          <a:rPr lang="en-US" sz="2400" i="1">
-                            <a:solidFill>
-                              <a:schemeClr val="accent2"/>
-                            </a:solidFill>
-                            <a:latin typeface="Cambria Math" panose="02040503050406030204" pitchFamily="18" charset="0"/>
-                            <a:ea typeface="Cambria Math" panose="02040503050406030204" pitchFamily="18" charset="0"/>
-                          </a:rPr>
-                          <m:t>𝑇</m:t>
-                        </m:r>
-                      </m:sup>
-                      <m:e>
-                        <m:f>
-                          <m:fPr>
-                            <m:ctrlPr>
-                              <a:rPr lang="en-US" sz="2400" i="1">
-                                <a:solidFill>
-                                  <a:schemeClr val="accent2"/>
-                                </a:solidFill>
-                                <a:latin typeface="Cambria Math" panose="02040503050406030204" pitchFamily="18" charset="0"/>
-                                <a:ea typeface="Cambria Math" panose="02040503050406030204" pitchFamily="18" charset="0"/>
-                              </a:rPr>
-                            </m:ctrlPr>
-                          </m:fPr>
-                          <m:num>
-                            <m:r>
-                              <a:rPr lang="en-US" sz="2400" i="1">
-                                <a:solidFill>
-                                  <a:schemeClr val="accent2"/>
-                                </a:solidFill>
-                                <a:latin typeface="Cambria Math" panose="02040503050406030204" pitchFamily="18" charset="0"/>
-                                <a:ea typeface="Cambria Math" panose="02040503050406030204" pitchFamily="18" charset="0"/>
-                              </a:rPr>
-                              <m:t>∆</m:t>
-                            </m:r>
-                            <m:sSub>
-                              <m:sSubPr>
-                                <m:ctrlPr>
-                                  <a:rPr lang="en-US" sz="2400" i="1">
-                                    <a:solidFill>
-                                      <a:schemeClr val="accent2"/>
-                                    </a:solidFill>
-                                    <a:latin typeface="Cambria Math" panose="02040503050406030204" pitchFamily="18" charset="0"/>
-                                    <a:ea typeface="Cambria Math" panose="02040503050406030204" pitchFamily="18" charset="0"/>
-                                  </a:rPr>
-                                </m:ctrlPr>
-                              </m:sSubPr>
-                              <m:e>
-                                <m:r>
-                                  <a:rPr lang="en-US" sz="2400" i="1">
-                                    <a:solidFill>
-                                      <a:schemeClr val="accent2"/>
-                                    </a:solidFill>
-                                    <a:latin typeface="Cambria Math" panose="02040503050406030204" pitchFamily="18" charset="0"/>
-                                    <a:ea typeface="Cambria Math" panose="02040503050406030204" pitchFamily="18" charset="0"/>
-                                  </a:rPr>
-                                  <m:t>𝐻</m:t>
-                                </m:r>
-                              </m:e>
-                              <m:sub>
-                                <m:r>
-                                  <a:rPr lang="en-US" sz="2400" b="0" i="1" smtClean="0">
-                                    <a:solidFill>
-                                      <a:schemeClr val="accent2"/>
-                                    </a:solidFill>
-                                    <a:latin typeface="Cambria Math" panose="02040503050406030204" pitchFamily="18" charset="0"/>
-                                    <a:ea typeface="Cambria Math" panose="02040503050406030204" pitchFamily="18" charset="0"/>
-                                  </a:rPr>
-                                  <m:t>𝑠𝑢𝑏</m:t>
-                                </m:r>
-                              </m:sub>
-                            </m:sSub>
-                          </m:num>
-                          <m:den>
-                            <m:r>
-                              <a:rPr lang="en-US" sz="2400" i="1">
-                                <a:solidFill>
-                                  <a:schemeClr val="accent2"/>
-                                </a:solidFill>
-                                <a:latin typeface="Cambria Math" panose="02040503050406030204" pitchFamily="18" charset="0"/>
-                                <a:ea typeface="Cambria Math" panose="02040503050406030204" pitchFamily="18" charset="0"/>
-                              </a:rPr>
-                              <m:t>𝑛𝑅</m:t>
-                            </m:r>
-                            <m:sSup>
-                              <m:sSupPr>
-                                <m:ctrlPr>
-                                  <a:rPr lang="en-US" sz="2400" i="1">
-                                    <a:solidFill>
-                                      <a:schemeClr val="accent2"/>
-                                    </a:solidFill>
-                                    <a:latin typeface="Cambria Math" panose="02040503050406030204" pitchFamily="18" charset="0"/>
-                                    <a:ea typeface="Cambria Math" panose="02040503050406030204" pitchFamily="18" charset="0"/>
-                                  </a:rPr>
-                                </m:ctrlPr>
-                              </m:sSupPr>
-                              <m:e>
-                                <m:r>
-                                  <a:rPr lang="en-US" sz="2400" i="1">
-                                    <a:solidFill>
-                                      <a:schemeClr val="accent2"/>
-                                    </a:solidFill>
-                                    <a:latin typeface="Cambria Math" panose="02040503050406030204" pitchFamily="18" charset="0"/>
-                                    <a:ea typeface="Cambria Math" panose="02040503050406030204" pitchFamily="18" charset="0"/>
-                                  </a:rPr>
-                                  <m:t>𝑇</m:t>
-                                </m:r>
-                              </m:e>
-                              <m:sup>
-                                <m:r>
-                                  <a:rPr lang="en-US" sz="2400" i="1">
-                                    <a:solidFill>
-                                      <a:schemeClr val="accent2"/>
-                                    </a:solidFill>
-                                    <a:latin typeface="Cambria Math" panose="02040503050406030204" pitchFamily="18" charset="0"/>
-                                    <a:ea typeface="Cambria Math" panose="02040503050406030204" pitchFamily="18" charset="0"/>
-                                  </a:rPr>
-                                  <m:t>2</m:t>
-                                </m:r>
-                              </m:sup>
-                            </m:sSup>
-                          </m:den>
-                        </m:f>
-                        <m:r>
-                          <a:rPr lang="en-US" sz="2400" i="1">
-                            <a:solidFill>
-                              <a:schemeClr val="accent2"/>
-                            </a:solidFill>
-                            <a:latin typeface="Cambria Math" panose="02040503050406030204" pitchFamily="18" charset="0"/>
-                            <a:ea typeface="Cambria Math" panose="02040503050406030204" pitchFamily="18" charset="0"/>
-                          </a:rPr>
-                          <m:t>𝑑𝑇</m:t>
-                        </m:r>
-                      </m:e>
-                    </m:nary>
-                  </m:oMath>
-                </a14:m>
-                <a:r>
-                  <a:rPr lang="en-US" sz="2400" dirty="0">
-                    <a:solidFill>
-                      <a:schemeClr val="accent2"/>
-                    </a:solidFill>
-                    <a:sym typeface="Wingdings" pitchFamily="2" charset="2"/>
-                  </a:rPr>
-                  <a:t> </a:t>
-                </a:r>
-              </a:p>
-              <a:p>
-                <a:endParaRPr lang="en-US" sz="2400" dirty="0">
-                  <a:solidFill>
-                    <a:schemeClr val="accent2"/>
-                  </a:solidFill>
-                  <a:sym typeface="Wingdings" pitchFamily="2" charset="2"/>
-                </a:endParaRPr>
-              </a:p>
-              <a:p>
-                <a14:m>
-                  <m:oMath xmlns:m="http://schemas.openxmlformats.org/officeDocument/2006/math">
-                    <m:func>
-                      <m:funcPr>
-                        <m:ctrlPr>
-                          <a:rPr lang="en-US" sz="2400" b="0" i="1" smtClean="0">
-                            <a:solidFill>
-                              <a:schemeClr val="accent2"/>
-                            </a:solidFill>
-                            <a:latin typeface="Cambria Math" panose="02040503050406030204" pitchFamily="18" charset="0"/>
-                            <a:ea typeface="Cambria Math" panose="02040503050406030204" pitchFamily="18" charset="0"/>
-                          </a:rPr>
-                        </m:ctrlPr>
-                      </m:funcPr>
-                      <m:fName>
-                        <m:r>
-                          <m:rPr>
-                            <m:sty m:val="p"/>
-                          </m:rPr>
-                          <a:rPr lang="en-US" sz="2400" b="0" i="0" smtClean="0">
-                            <a:solidFill>
-                              <a:schemeClr val="accent2"/>
-                            </a:solidFill>
-                            <a:latin typeface="Cambria Math" panose="02040503050406030204" pitchFamily="18" charset="0"/>
-                            <a:ea typeface="Cambria Math" panose="02040503050406030204" pitchFamily="18" charset="0"/>
-                          </a:rPr>
-                          <m:t>ln</m:t>
-                        </m:r>
-                      </m:fName>
-                      <m:e>
-                        <m:d>
-                          <m:dPr>
-                            <m:ctrlPr>
-                              <a:rPr lang="en-US" sz="2400" b="0" i="1" smtClean="0">
-                                <a:solidFill>
-                                  <a:schemeClr val="accent2"/>
-                                </a:solidFill>
-                                <a:latin typeface="Cambria Math" panose="02040503050406030204" pitchFamily="18" charset="0"/>
-                                <a:ea typeface="Cambria Math" panose="02040503050406030204" pitchFamily="18" charset="0"/>
-                              </a:rPr>
-                            </m:ctrlPr>
-                          </m:dPr>
-                          <m:e>
-                            <m:f>
-                              <m:fPr>
-                                <m:ctrlPr>
-                                  <a:rPr lang="en-US" sz="2400" b="0" i="1" smtClean="0">
-                                    <a:solidFill>
-                                      <a:schemeClr val="accent2"/>
-                                    </a:solidFill>
-                                    <a:latin typeface="Cambria Math" panose="02040503050406030204" pitchFamily="18" charset="0"/>
-                                    <a:ea typeface="Cambria Math" panose="02040503050406030204" pitchFamily="18" charset="0"/>
-                                  </a:rPr>
-                                </m:ctrlPr>
-                              </m:fPr>
-                              <m:num>
-                                <m:r>
-                                  <a:rPr lang="en-US" sz="2400" i="1">
-                                    <a:solidFill>
-                                      <a:schemeClr val="accent2"/>
-                                    </a:solidFill>
-                                    <a:latin typeface="Cambria Math" panose="02040503050406030204" pitchFamily="18" charset="0"/>
-                                    <a:ea typeface="Cambria Math" panose="02040503050406030204" pitchFamily="18" charset="0"/>
-                                  </a:rPr>
-                                  <m:t>𝑃</m:t>
-                                </m:r>
-                              </m:num>
-                              <m:den>
-                                <m:sSub>
-                                  <m:sSubPr>
-                                    <m:ctrlPr>
-                                      <a:rPr lang="en-US" sz="2400" b="0" i="1" smtClean="0">
-                                        <a:solidFill>
-                                          <a:schemeClr val="accent2"/>
-                                        </a:solidFill>
-                                        <a:latin typeface="Cambria Math" panose="02040503050406030204" pitchFamily="18" charset="0"/>
-                                        <a:ea typeface="Cambria Math" panose="02040503050406030204" pitchFamily="18" charset="0"/>
-                                      </a:rPr>
-                                    </m:ctrlPr>
-                                  </m:sSubPr>
-                                  <m:e>
-                                    <m:r>
-                                      <a:rPr lang="en-US" sz="2400" b="0" i="1" smtClean="0">
-                                        <a:solidFill>
-                                          <a:schemeClr val="accent2"/>
-                                        </a:solidFill>
-                                        <a:latin typeface="Cambria Math" panose="02040503050406030204" pitchFamily="18" charset="0"/>
-                                        <a:ea typeface="Cambria Math" panose="02040503050406030204" pitchFamily="18" charset="0"/>
-                                      </a:rPr>
-                                      <m:t>𝑃</m:t>
-                                    </m:r>
-                                  </m:e>
-                                  <m:sub>
-                                    <m:r>
-                                      <a:rPr lang="en-US" sz="2400" b="0" i="1" smtClean="0">
-                                        <a:solidFill>
-                                          <a:schemeClr val="accent2"/>
-                                        </a:solidFill>
-                                        <a:latin typeface="Cambria Math" panose="02040503050406030204" pitchFamily="18" charset="0"/>
-                                        <a:ea typeface="Cambria Math" panose="02040503050406030204" pitchFamily="18" charset="0"/>
-                                      </a:rPr>
-                                      <m:t>3</m:t>
-                                    </m:r>
-                                  </m:sub>
-                                </m:sSub>
-                              </m:den>
-                            </m:f>
-                          </m:e>
-                        </m:d>
-                      </m:e>
-                    </m:func>
-                    <m:r>
-                      <a:rPr lang="en-US" sz="2400" b="0" i="1" smtClean="0">
-                        <a:solidFill>
-                          <a:schemeClr val="accent2"/>
-                        </a:solidFill>
-                        <a:latin typeface="Cambria Math" panose="02040503050406030204" pitchFamily="18" charset="0"/>
-                        <a:ea typeface="Cambria Math" panose="02040503050406030204" pitchFamily="18" charset="0"/>
-                      </a:rPr>
-                      <m:t>=−</m:t>
-                    </m:r>
-                    <m:f>
-                      <m:fPr>
-                        <m:ctrlPr>
-                          <a:rPr lang="en-US" sz="2400" i="1">
-                            <a:solidFill>
-                              <a:schemeClr val="accent2"/>
-                            </a:solidFill>
-                            <a:latin typeface="Cambria Math" panose="02040503050406030204" pitchFamily="18" charset="0"/>
-                            <a:ea typeface="Cambria Math" panose="02040503050406030204" pitchFamily="18" charset="0"/>
-                          </a:rPr>
-                        </m:ctrlPr>
-                      </m:fPr>
-                      <m:num>
-                        <m:r>
-                          <a:rPr lang="en-US" sz="2400" i="1">
-                            <a:solidFill>
-                              <a:schemeClr val="accent2"/>
-                            </a:solidFill>
-                            <a:latin typeface="Cambria Math" panose="02040503050406030204" pitchFamily="18" charset="0"/>
-                            <a:ea typeface="Cambria Math" panose="02040503050406030204" pitchFamily="18" charset="0"/>
-                          </a:rPr>
-                          <m:t>∆</m:t>
-                        </m:r>
-                        <m:sSub>
-                          <m:sSubPr>
-                            <m:ctrlPr>
-                              <a:rPr lang="en-US" sz="2400" i="1">
-                                <a:solidFill>
-                                  <a:schemeClr val="accent2"/>
-                                </a:solidFill>
-                                <a:latin typeface="Cambria Math" panose="02040503050406030204" pitchFamily="18" charset="0"/>
-                                <a:ea typeface="Cambria Math" panose="02040503050406030204" pitchFamily="18" charset="0"/>
-                              </a:rPr>
-                            </m:ctrlPr>
-                          </m:sSubPr>
-                          <m:e>
-                            <m:r>
-                              <a:rPr lang="en-US" sz="2400" i="1">
-                                <a:solidFill>
-                                  <a:schemeClr val="accent2"/>
-                                </a:solidFill>
-                                <a:latin typeface="Cambria Math" panose="02040503050406030204" pitchFamily="18" charset="0"/>
-                                <a:ea typeface="Cambria Math" panose="02040503050406030204" pitchFamily="18" charset="0"/>
-                              </a:rPr>
-                              <m:t>𝐻</m:t>
-                            </m:r>
-                          </m:e>
-                          <m:sub>
-                            <m:r>
-                              <a:rPr lang="en-US" sz="2400" b="0" i="1" smtClean="0">
-                                <a:solidFill>
-                                  <a:schemeClr val="accent2"/>
-                                </a:solidFill>
-                                <a:latin typeface="Cambria Math" panose="02040503050406030204" pitchFamily="18" charset="0"/>
-                                <a:ea typeface="Cambria Math" panose="02040503050406030204" pitchFamily="18" charset="0"/>
-                              </a:rPr>
-                              <m:t>𝑠𝑢𝑏</m:t>
-                            </m:r>
-                          </m:sub>
-                        </m:sSub>
-                      </m:num>
-                      <m:den>
-                        <m:r>
-                          <a:rPr lang="en-US" sz="2400" i="1">
-                            <a:solidFill>
-                              <a:schemeClr val="accent2"/>
-                            </a:solidFill>
-                            <a:latin typeface="Cambria Math" panose="02040503050406030204" pitchFamily="18" charset="0"/>
-                            <a:ea typeface="Cambria Math" panose="02040503050406030204" pitchFamily="18" charset="0"/>
-                          </a:rPr>
-                          <m:t>𝑛𝑅</m:t>
-                        </m:r>
-                      </m:den>
-                    </m:f>
-                    <m:r>
-                      <a:rPr lang="en-US" sz="2400" i="1" smtClean="0">
-                        <a:solidFill>
-                          <a:schemeClr val="accent2"/>
-                        </a:solidFill>
-                        <a:latin typeface="Cambria Math" panose="02040503050406030204" pitchFamily="18" charset="0"/>
-                        <a:ea typeface="Cambria Math" panose="02040503050406030204" pitchFamily="18" charset="0"/>
-                      </a:rPr>
-                      <m:t>×</m:t>
-                    </m:r>
-                    <m:d>
-                      <m:dPr>
-                        <m:ctrlPr>
-                          <a:rPr lang="en-US" sz="2400" i="1" smtClean="0">
-                            <a:solidFill>
-                              <a:schemeClr val="accent2"/>
-                            </a:solidFill>
-                            <a:latin typeface="Cambria Math" panose="02040503050406030204" pitchFamily="18" charset="0"/>
-                            <a:ea typeface="Cambria Math" panose="02040503050406030204" pitchFamily="18" charset="0"/>
-                          </a:rPr>
-                        </m:ctrlPr>
-                      </m:dPr>
-                      <m:e>
-                        <m:f>
-                          <m:fPr>
-                            <m:ctrlPr>
-                              <a:rPr lang="en-US" sz="2400" i="1">
-                                <a:solidFill>
-                                  <a:schemeClr val="accent2"/>
-                                </a:solidFill>
-                                <a:latin typeface="Cambria Math" panose="02040503050406030204" pitchFamily="18" charset="0"/>
-                                <a:ea typeface="Cambria Math" panose="02040503050406030204" pitchFamily="18" charset="0"/>
-                              </a:rPr>
-                            </m:ctrlPr>
-                          </m:fPr>
-                          <m:num>
-                            <m:r>
-                              <a:rPr lang="en-US" sz="2400" i="1">
-                                <a:solidFill>
-                                  <a:schemeClr val="accent2"/>
-                                </a:solidFill>
-                                <a:latin typeface="Cambria Math" panose="02040503050406030204" pitchFamily="18" charset="0"/>
-                                <a:ea typeface="Cambria Math" panose="02040503050406030204" pitchFamily="18" charset="0"/>
-                              </a:rPr>
-                              <m:t>1</m:t>
-                            </m:r>
-                          </m:num>
-                          <m:den>
-                            <m:r>
-                              <a:rPr lang="en-US" sz="2400" i="1">
-                                <a:solidFill>
-                                  <a:schemeClr val="accent2"/>
-                                </a:solidFill>
-                                <a:latin typeface="Cambria Math" panose="02040503050406030204" pitchFamily="18" charset="0"/>
-                                <a:ea typeface="Cambria Math" panose="02040503050406030204" pitchFamily="18" charset="0"/>
-                              </a:rPr>
-                              <m:t>𝑇</m:t>
-                            </m:r>
-                          </m:den>
-                        </m:f>
-                        <m:r>
-                          <a:rPr lang="en-US" sz="2400" b="0" i="1" smtClean="0">
-                            <a:solidFill>
-                              <a:schemeClr val="accent2"/>
-                            </a:solidFill>
-                            <a:latin typeface="Cambria Math" panose="02040503050406030204" pitchFamily="18" charset="0"/>
-                            <a:ea typeface="Cambria Math" panose="02040503050406030204" pitchFamily="18" charset="0"/>
-                          </a:rPr>
-                          <m:t>−</m:t>
-                        </m:r>
-                        <m:f>
-                          <m:fPr>
-                            <m:ctrlPr>
-                              <a:rPr lang="en-US" sz="2400" i="1">
-                                <a:solidFill>
-                                  <a:schemeClr val="accent2"/>
-                                </a:solidFill>
-                                <a:latin typeface="Cambria Math" panose="02040503050406030204" pitchFamily="18" charset="0"/>
-                                <a:ea typeface="Cambria Math" panose="02040503050406030204" pitchFamily="18" charset="0"/>
-                              </a:rPr>
-                            </m:ctrlPr>
-                          </m:fPr>
-                          <m:num>
-                            <m:r>
-                              <a:rPr lang="en-US" sz="2400" i="1">
-                                <a:solidFill>
-                                  <a:schemeClr val="accent2"/>
-                                </a:solidFill>
-                                <a:latin typeface="Cambria Math" panose="02040503050406030204" pitchFamily="18" charset="0"/>
-                                <a:ea typeface="Cambria Math" panose="02040503050406030204" pitchFamily="18" charset="0"/>
-                              </a:rPr>
-                              <m:t>1</m:t>
-                            </m:r>
-                          </m:num>
-                          <m:den>
-                            <m:sSub>
-                              <m:sSubPr>
-                                <m:ctrlPr>
-                                  <a:rPr lang="en-US" sz="2400" b="0" i="1" smtClean="0">
-                                    <a:solidFill>
-                                      <a:schemeClr val="accent2"/>
-                                    </a:solidFill>
-                                    <a:latin typeface="Cambria Math" panose="02040503050406030204" pitchFamily="18" charset="0"/>
-                                    <a:ea typeface="Cambria Math" panose="02040503050406030204" pitchFamily="18" charset="0"/>
-                                  </a:rPr>
-                                </m:ctrlPr>
-                              </m:sSubPr>
-                              <m:e>
-                                <m:r>
-                                  <a:rPr lang="en-US" sz="2400" i="1">
-                                    <a:solidFill>
-                                      <a:schemeClr val="accent2"/>
-                                    </a:solidFill>
-                                    <a:latin typeface="Cambria Math" panose="02040503050406030204" pitchFamily="18" charset="0"/>
-                                    <a:ea typeface="Cambria Math" panose="02040503050406030204" pitchFamily="18" charset="0"/>
-                                  </a:rPr>
-                                  <m:t>𝑇</m:t>
-                                </m:r>
-                              </m:e>
-                              <m:sub>
-                                <m:r>
-                                  <a:rPr lang="en-US" sz="2400" b="0" i="1" smtClean="0">
-                                    <a:solidFill>
-                                      <a:schemeClr val="accent2"/>
-                                    </a:solidFill>
-                                    <a:latin typeface="Cambria Math" panose="02040503050406030204" pitchFamily="18" charset="0"/>
-                                    <a:ea typeface="Cambria Math" panose="02040503050406030204" pitchFamily="18" charset="0"/>
-                                  </a:rPr>
-                                  <m:t>3</m:t>
-                                </m:r>
-                              </m:sub>
-                            </m:sSub>
-                          </m:den>
-                        </m:f>
-                      </m:e>
-                    </m:d>
-                  </m:oMath>
-                </a14:m>
-                <a:r>
-                  <a:rPr lang="en-US" sz="2400" dirty="0">
-                    <a:solidFill>
-                      <a:schemeClr val="accent2"/>
-                    </a:solidFill>
-                    <a:sym typeface="Wingdings" pitchFamily="2" charset="2"/>
-                  </a:rPr>
-                  <a:t> </a:t>
-                </a:r>
-              </a:p>
-              <a:p>
-                <a:endParaRPr lang="en-US" sz="2400" dirty="0">
-                  <a:solidFill>
-                    <a:schemeClr val="accent2"/>
-                  </a:solidFill>
-                  <a:sym typeface="Wingdings" pitchFamily="2" charset="2"/>
-                </a:endParaRPr>
-              </a:p>
-              <a:p>
-                <a:endParaRPr lang="en-US" sz="2400" dirty="0">
-                  <a:solidFill>
-                    <a:schemeClr val="accent2"/>
-                  </a:solidFill>
-                  <a:sym typeface="Wingdings" pitchFamily="2" charset="2"/>
-                </a:endParaRPr>
-              </a:p>
-              <a:p>
-                <a14:m>
-                  <m:oMath xmlns:m="http://schemas.openxmlformats.org/officeDocument/2006/math">
-                    <m:r>
-                      <a:rPr lang="en-US" sz="2400" b="1" i="1">
-                        <a:solidFill>
-                          <a:schemeClr val="accent2"/>
-                        </a:solidFill>
-                        <a:latin typeface="Cambria Math" panose="02040503050406030204" pitchFamily="18" charset="0"/>
-                        <a:ea typeface="Cambria Math" panose="02040503050406030204" pitchFamily="18" charset="0"/>
-                      </a:rPr>
-                      <m:t>𝑷</m:t>
-                    </m:r>
-                    <m:r>
-                      <a:rPr lang="en-US" sz="2400" b="1" i="1" smtClean="0">
-                        <a:solidFill>
-                          <a:schemeClr val="accent2"/>
-                        </a:solidFill>
-                        <a:latin typeface="Cambria Math" panose="02040503050406030204" pitchFamily="18" charset="0"/>
-                        <a:ea typeface="Cambria Math" panose="02040503050406030204" pitchFamily="18" charset="0"/>
-                      </a:rPr>
-                      <m:t>=</m:t>
-                    </m:r>
-                    <m:sSub>
-                      <m:sSubPr>
-                        <m:ctrlPr>
-                          <a:rPr lang="en-US" sz="2400" b="1" i="1" smtClean="0">
-                            <a:solidFill>
-                              <a:schemeClr val="accent2"/>
-                            </a:solidFill>
-                            <a:latin typeface="Cambria Math" panose="02040503050406030204" pitchFamily="18" charset="0"/>
-                            <a:ea typeface="Cambria Math" panose="02040503050406030204" pitchFamily="18" charset="0"/>
-                          </a:rPr>
-                        </m:ctrlPr>
-                      </m:sSubPr>
-                      <m:e>
-                        <m:r>
-                          <a:rPr lang="en-US" sz="2400" b="1" i="1" smtClean="0">
-                            <a:solidFill>
-                              <a:schemeClr val="accent2"/>
-                            </a:solidFill>
-                            <a:latin typeface="Cambria Math" panose="02040503050406030204" pitchFamily="18" charset="0"/>
-                            <a:ea typeface="Cambria Math" panose="02040503050406030204" pitchFamily="18" charset="0"/>
-                          </a:rPr>
-                          <m:t>𝑷</m:t>
-                        </m:r>
-                      </m:e>
-                      <m:sub>
-                        <m:r>
-                          <a:rPr lang="en-US" sz="2400" b="1" i="1" smtClean="0">
-                            <a:solidFill>
-                              <a:schemeClr val="accent2"/>
-                            </a:solidFill>
-                            <a:latin typeface="Cambria Math" panose="02040503050406030204" pitchFamily="18" charset="0"/>
-                            <a:ea typeface="Cambria Math" panose="02040503050406030204" pitchFamily="18" charset="0"/>
-                          </a:rPr>
-                          <m:t>𝟑</m:t>
-                        </m:r>
-                      </m:sub>
-                    </m:sSub>
-                    <m:r>
-                      <a:rPr lang="en-US" sz="2400" b="1" i="0" smtClean="0">
-                        <a:solidFill>
-                          <a:schemeClr val="accent2"/>
-                        </a:solidFill>
-                        <a:latin typeface="Cambria Math" panose="02040503050406030204" pitchFamily="18" charset="0"/>
-                        <a:ea typeface="Cambria Math" panose="02040503050406030204" pitchFamily="18" charset="0"/>
-                      </a:rPr>
-                      <m:t>𝐞𝐱𝐩</m:t>
-                    </m:r>
-                    <m:r>
-                      <a:rPr lang="en-US" sz="2400" b="1" i="1" smtClean="0">
-                        <a:solidFill>
-                          <a:schemeClr val="accent2"/>
-                        </a:solidFill>
-                        <a:latin typeface="Cambria Math" panose="02040503050406030204" pitchFamily="18" charset="0"/>
-                        <a:ea typeface="Cambria Math" panose="02040503050406030204" pitchFamily="18" charset="0"/>
-                      </a:rPr>
-                      <m:t>⁡</m:t>
-                    </m:r>
-                    <m:d>
-                      <m:dPr>
-                        <m:ctrlPr>
-                          <a:rPr lang="en-US" sz="2400" b="1" i="1" smtClean="0">
-                            <a:solidFill>
-                              <a:schemeClr val="accent2"/>
-                            </a:solidFill>
-                            <a:latin typeface="Cambria Math" panose="02040503050406030204" pitchFamily="18" charset="0"/>
-                            <a:ea typeface="Cambria Math" panose="02040503050406030204" pitchFamily="18" charset="0"/>
-                          </a:rPr>
-                        </m:ctrlPr>
-                      </m:dPr>
-                      <m:e>
-                        <m:r>
-                          <a:rPr lang="en-US" sz="2400" b="1" i="1">
-                            <a:solidFill>
-                              <a:schemeClr val="accent2"/>
-                            </a:solidFill>
-                            <a:latin typeface="Cambria Math" panose="02040503050406030204" pitchFamily="18" charset="0"/>
-                            <a:ea typeface="Cambria Math" panose="02040503050406030204" pitchFamily="18" charset="0"/>
-                          </a:rPr>
-                          <m:t>−</m:t>
-                        </m:r>
-                        <m:f>
-                          <m:fPr>
-                            <m:ctrlPr>
-                              <a:rPr lang="en-US" sz="2400" b="1" i="1">
-                                <a:solidFill>
-                                  <a:schemeClr val="accent2"/>
-                                </a:solidFill>
-                                <a:latin typeface="Cambria Math" panose="02040503050406030204" pitchFamily="18" charset="0"/>
-                                <a:ea typeface="Cambria Math" panose="02040503050406030204" pitchFamily="18" charset="0"/>
-                              </a:rPr>
-                            </m:ctrlPr>
-                          </m:fPr>
-                          <m:num>
-                            <m:r>
-                              <a:rPr lang="en-US" sz="2400" b="1" i="1">
-                                <a:solidFill>
-                                  <a:schemeClr val="accent2"/>
-                                </a:solidFill>
-                                <a:latin typeface="Cambria Math" panose="02040503050406030204" pitchFamily="18" charset="0"/>
-                                <a:ea typeface="Cambria Math" panose="02040503050406030204" pitchFamily="18" charset="0"/>
-                              </a:rPr>
-                              <m:t>∆</m:t>
-                            </m:r>
-                            <m:sSub>
-                              <m:sSubPr>
-                                <m:ctrlPr>
-                                  <a:rPr lang="en-US" sz="2400" b="1" i="1">
-                                    <a:solidFill>
-                                      <a:schemeClr val="accent2"/>
-                                    </a:solidFill>
-                                    <a:latin typeface="Cambria Math" panose="02040503050406030204" pitchFamily="18" charset="0"/>
-                                    <a:ea typeface="Cambria Math" panose="02040503050406030204" pitchFamily="18" charset="0"/>
-                                  </a:rPr>
-                                </m:ctrlPr>
-                              </m:sSubPr>
-                              <m:e>
-                                <m:r>
-                                  <a:rPr lang="en-US" sz="2400" b="1" i="1">
-                                    <a:solidFill>
-                                      <a:schemeClr val="accent2"/>
-                                    </a:solidFill>
-                                    <a:latin typeface="Cambria Math" panose="02040503050406030204" pitchFamily="18" charset="0"/>
-                                    <a:ea typeface="Cambria Math" panose="02040503050406030204" pitchFamily="18" charset="0"/>
-                                  </a:rPr>
-                                  <m:t>𝑯</m:t>
-                                </m:r>
-                              </m:e>
-                              <m:sub>
-                                <m:r>
-                                  <a:rPr lang="en-US" sz="2400" b="1" i="1" smtClean="0">
-                                    <a:solidFill>
-                                      <a:schemeClr val="accent2"/>
-                                    </a:solidFill>
-                                    <a:latin typeface="Cambria Math" panose="02040503050406030204" pitchFamily="18" charset="0"/>
-                                    <a:ea typeface="Cambria Math" panose="02040503050406030204" pitchFamily="18" charset="0"/>
-                                  </a:rPr>
-                                  <m:t>𝒔𝒖𝒃</m:t>
-                                </m:r>
-                              </m:sub>
-                            </m:sSub>
-                          </m:num>
-                          <m:den>
-                            <m:r>
-                              <a:rPr lang="en-US" sz="2400" b="1" i="1">
-                                <a:solidFill>
-                                  <a:schemeClr val="accent2"/>
-                                </a:solidFill>
-                                <a:latin typeface="Cambria Math" panose="02040503050406030204" pitchFamily="18" charset="0"/>
-                                <a:ea typeface="Cambria Math" panose="02040503050406030204" pitchFamily="18" charset="0"/>
-                              </a:rPr>
-                              <m:t>𝒏𝑹</m:t>
-                            </m:r>
-                          </m:den>
-                        </m:f>
-                        <m:r>
-                          <a:rPr lang="en-US" sz="2400" b="1" i="1">
-                            <a:solidFill>
-                              <a:schemeClr val="accent2"/>
-                            </a:solidFill>
-                            <a:latin typeface="Cambria Math" panose="02040503050406030204" pitchFamily="18" charset="0"/>
-                            <a:ea typeface="Cambria Math" panose="02040503050406030204" pitchFamily="18" charset="0"/>
-                          </a:rPr>
-                          <m:t>×</m:t>
-                        </m:r>
-                        <m:d>
-                          <m:dPr>
-                            <m:ctrlPr>
-                              <a:rPr lang="en-US" sz="2400" b="1" i="1">
-                                <a:solidFill>
-                                  <a:schemeClr val="accent2"/>
-                                </a:solidFill>
-                                <a:latin typeface="Cambria Math" panose="02040503050406030204" pitchFamily="18" charset="0"/>
-                                <a:ea typeface="Cambria Math" panose="02040503050406030204" pitchFamily="18" charset="0"/>
-                              </a:rPr>
-                            </m:ctrlPr>
-                          </m:dPr>
-                          <m:e>
-                            <m:f>
-                              <m:fPr>
-                                <m:ctrlPr>
-                                  <a:rPr lang="en-US" sz="2400" b="1" i="1">
-                                    <a:solidFill>
-                                      <a:schemeClr val="accent2"/>
-                                    </a:solidFill>
-                                    <a:latin typeface="Cambria Math" panose="02040503050406030204" pitchFamily="18" charset="0"/>
-                                    <a:ea typeface="Cambria Math" panose="02040503050406030204" pitchFamily="18" charset="0"/>
-                                  </a:rPr>
-                                </m:ctrlPr>
-                              </m:fPr>
-                              <m:num>
-                                <m:r>
-                                  <a:rPr lang="en-US" sz="2400" b="1" i="1">
-                                    <a:solidFill>
-                                      <a:schemeClr val="accent2"/>
-                                    </a:solidFill>
-                                    <a:latin typeface="Cambria Math" panose="02040503050406030204" pitchFamily="18" charset="0"/>
-                                    <a:ea typeface="Cambria Math" panose="02040503050406030204" pitchFamily="18" charset="0"/>
-                                  </a:rPr>
-                                  <m:t>𝟏</m:t>
-                                </m:r>
-                              </m:num>
-                              <m:den>
-                                <m:r>
-                                  <a:rPr lang="en-US" sz="2400" b="1" i="1">
-                                    <a:solidFill>
-                                      <a:schemeClr val="accent2"/>
-                                    </a:solidFill>
-                                    <a:latin typeface="Cambria Math" panose="02040503050406030204" pitchFamily="18" charset="0"/>
-                                    <a:ea typeface="Cambria Math" panose="02040503050406030204" pitchFamily="18" charset="0"/>
-                                  </a:rPr>
-                                  <m:t>𝑻</m:t>
-                                </m:r>
-                              </m:den>
-                            </m:f>
-                            <m:r>
-                              <a:rPr lang="en-US" sz="2400" b="1" i="1">
-                                <a:solidFill>
-                                  <a:schemeClr val="accent2"/>
-                                </a:solidFill>
-                                <a:latin typeface="Cambria Math" panose="02040503050406030204" pitchFamily="18" charset="0"/>
-                                <a:ea typeface="Cambria Math" panose="02040503050406030204" pitchFamily="18" charset="0"/>
-                              </a:rPr>
-                              <m:t>−</m:t>
-                            </m:r>
-                            <m:f>
-                              <m:fPr>
-                                <m:ctrlPr>
-                                  <a:rPr lang="en-US" sz="2400" b="1" i="1">
-                                    <a:solidFill>
-                                      <a:schemeClr val="accent2"/>
-                                    </a:solidFill>
-                                    <a:latin typeface="Cambria Math" panose="02040503050406030204" pitchFamily="18" charset="0"/>
-                                    <a:ea typeface="Cambria Math" panose="02040503050406030204" pitchFamily="18" charset="0"/>
-                                  </a:rPr>
-                                </m:ctrlPr>
-                              </m:fPr>
-                              <m:num>
-                                <m:r>
-                                  <a:rPr lang="en-US" sz="2400" b="1" i="1">
-                                    <a:solidFill>
-                                      <a:schemeClr val="accent2"/>
-                                    </a:solidFill>
-                                    <a:latin typeface="Cambria Math" panose="02040503050406030204" pitchFamily="18" charset="0"/>
-                                    <a:ea typeface="Cambria Math" panose="02040503050406030204" pitchFamily="18" charset="0"/>
-                                  </a:rPr>
-                                  <m:t>𝟏</m:t>
-                                </m:r>
-                              </m:num>
-                              <m:den>
-                                <m:sSub>
-                                  <m:sSubPr>
-                                    <m:ctrlPr>
-                                      <a:rPr lang="en-US" sz="2400" b="1" i="1">
-                                        <a:solidFill>
-                                          <a:schemeClr val="accent2"/>
-                                        </a:solidFill>
-                                        <a:latin typeface="Cambria Math" panose="02040503050406030204" pitchFamily="18" charset="0"/>
-                                        <a:ea typeface="Cambria Math" panose="02040503050406030204" pitchFamily="18" charset="0"/>
-                                      </a:rPr>
-                                    </m:ctrlPr>
-                                  </m:sSubPr>
-                                  <m:e>
-                                    <m:r>
-                                      <a:rPr lang="en-US" sz="2400" b="1" i="1">
-                                        <a:solidFill>
-                                          <a:schemeClr val="accent2"/>
-                                        </a:solidFill>
-                                        <a:latin typeface="Cambria Math" panose="02040503050406030204" pitchFamily="18" charset="0"/>
-                                        <a:ea typeface="Cambria Math" panose="02040503050406030204" pitchFamily="18" charset="0"/>
-                                      </a:rPr>
-                                      <m:t>𝑻</m:t>
-                                    </m:r>
-                                  </m:e>
-                                  <m:sub>
-                                    <m:r>
-                                      <a:rPr lang="en-US" sz="2400" b="1" i="1">
-                                        <a:solidFill>
-                                          <a:schemeClr val="accent2"/>
-                                        </a:solidFill>
-                                        <a:latin typeface="Cambria Math" panose="02040503050406030204" pitchFamily="18" charset="0"/>
-                                        <a:ea typeface="Cambria Math" panose="02040503050406030204" pitchFamily="18" charset="0"/>
-                                      </a:rPr>
-                                      <m:t>𝟑</m:t>
-                                    </m:r>
-                                  </m:sub>
-                                </m:sSub>
-                              </m:den>
-                            </m:f>
-                          </m:e>
-                        </m:d>
-                      </m:e>
-                    </m:d>
-                  </m:oMath>
-                </a14:m>
-                <a:r>
-                  <a:rPr lang="en-US" sz="2400" dirty="0">
-                    <a:solidFill>
-                      <a:schemeClr val="accent2"/>
-                    </a:solidFill>
-                    <a:sym typeface="Wingdings" pitchFamily="2" charset="2"/>
-                  </a:rPr>
-                  <a:t> </a:t>
-                </a:r>
-              </a:p>
-              <a:p>
-                <a:endParaRPr lang="en-US" sz="2400" dirty="0">
-                  <a:solidFill>
-                    <a:schemeClr val="accent2"/>
-                  </a:solidFill>
-                  <a:sym typeface="Wingdings" pitchFamily="2" charset="2"/>
-                </a:endParaRPr>
-              </a:p>
-              <a:p>
-                <a:endParaRPr lang="en-US" sz="2400" dirty="0">
-                  <a:sym typeface="Wingdings" pitchFamily="2" charset="2"/>
-                </a:endParaRPr>
-              </a:p>
-              <a:p>
-                <a:endParaRPr lang="en-US" sz="2400" dirty="0">
-                  <a:sym typeface="Wingdings" pitchFamily="2" charset="2"/>
-                </a:endParaRPr>
-              </a:p>
-            </p:txBody>
-          </p:sp>
-        </mc:Choice>
-        <mc:Fallback>
-          <p:sp>
-            <p:nvSpPr>
-              <p:cNvPr id="4" name="Rectangle 3">
-                <a:extLst>
-                  <a:ext uri="{FF2B5EF4-FFF2-40B4-BE49-F238E27FC236}">
-                    <a16:creationId xmlns:a16="http://schemas.microsoft.com/office/drawing/2014/main" id="{975EDA7B-00BE-5343-ABC0-1447496ED3D6}"/>
-                  </a:ext>
-                </a:extLst>
-              </p:cNvPr>
-              <p:cNvSpPr>
-                <a:spLocks noRot="1" noChangeAspect="1" noMove="1" noResize="1" noEditPoints="1" noAdjustHandles="1" noChangeArrowheads="1" noChangeShapeType="1" noTextEdit="1"/>
-              </p:cNvSpPr>
-              <p:nvPr/>
-            </p:nvSpPr>
-            <p:spPr>
-              <a:xfrm>
-                <a:off x="843404" y="1114193"/>
-                <a:ext cx="6527493" cy="5050678"/>
-              </a:xfrm>
-              <a:prstGeom prst="rect">
-                <a:avLst/>
-              </a:prstGeom>
-              <a:blipFill>
-                <a:blip r:embed="rId2"/>
-                <a:stretch>
-                  <a:fillRect l="-8738" t="-752" r="-388"/>
-                </a:stretch>
-              </a:blipFill>
-            </p:spPr>
-            <p:txBody>
-              <a:bodyPr/>
-              <a:lstStyle/>
-              <a:p>
-                <a:r>
-                  <a:rPr lang="en-US">
-                    <a:noFill/>
-                  </a:rPr>
-                  <a:t> </a:t>
-                </a:r>
-              </a:p>
-            </p:txBody>
-          </p:sp>
-        </mc:Fallback>
-      </mc:AlternateContent>
-      <p:grpSp>
-        <p:nvGrpSpPr>
-          <p:cNvPr id="3" name="Group 2">
-            <a:extLst>
-              <a:ext uri="{FF2B5EF4-FFF2-40B4-BE49-F238E27FC236}">
-                <a16:creationId xmlns:a16="http://schemas.microsoft.com/office/drawing/2014/main" id="{22E19834-F414-7942-AF4E-35E6FBAD1E2C}"/>
-              </a:ext>
-            </a:extLst>
-          </p:cNvPr>
-          <p:cNvGrpSpPr/>
-          <p:nvPr/>
-        </p:nvGrpSpPr>
-        <p:grpSpPr>
-          <a:xfrm>
-            <a:off x="7946574" y="650550"/>
-            <a:ext cx="3148181" cy="2988982"/>
-            <a:chOff x="5752033" y="2076249"/>
-            <a:chExt cx="3148181" cy="2988982"/>
-          </a:xfrm>
-        </p:grpSpPr>
-        <p:grpSp>
-          <p:nvGrpSpPr>
-            <p:cNvPr id="21" name="Group 20">
-              <a:extLst>
-                <a:ext uri="{FF2B5EF4-FFF2-40B4-BE49-F238E27FC236}">
-                  <a16:creationId xmlns:a16="http://schemas.microsoft.com/office/drawing/2014/main" id="{0A971276-5825-554D-9C15-0254CE2FC022}"/>
-                </a:ext>
-              </a:extLst>
-            </p:cNvPr>
-            <p:cNvGrpSpPr/>
-            <p:nvPr/>
-          </p:nvGrpSpPr>
-          <p:grpSpPr>
-            <a:xfrm>
-              <a:off x="5752033" y="2076249"/>
-              <a:ext cx="3148181" cy="2988982"/>
-              <a:chOff x="4270169" y="240930"/>
-              <a:chExt cx="3148181" cy="2988982"/>
-            </a:xfrm>
-          </p:grpSpPr>
-          <p:grpSp>
-            <p:nvGrpSpPr>
-              <p:cNvPr id="22" name="Group 21">
-                <a:extLst>
-                  <a:ext uri="{FF2B5EF4-FFF2-40B4-BE49-F238E27FC236}">
-                    <a16:creationId xmlns:a16="http://schemas.microsoft.com/office/drawing/2014/main" id="{C1227735-1BEB-7D4D-98FC-4F9471A4285E}"/>
-                  </a:ext>
-                </a:extLst>
-              </p:cNvPr>
-              <p:cNvGrpSpPr/>
-              <p:nvPr/>
-            </p:nvGrpSpPr>
-            <p:grpSpPr>
-              <a:xfrm>
-                <a:off x="4270169" y="240930"/>
-                <a:ext cx="3148181" cy="2988982"/>
-                <a:chOff x="8122016" y="738525"/>
-                <a:chExt cx="3611879" cy="3372641"/>
-              </a:xfrm>
-            </p:grpSpPr>
-            <p:grpSp>
-              <p:nvGrpSpPr>
-                <p:cNvPr id="28" name="Group 27">
-                  <a:extLst>
-                    <a:ext uri="{FF2B5EF4-FFF2-40B4-BE49-F238E27FC236}">
-                      <a16:creationId xmlns:a16="http://schemas.microsoft.com/office/drawing/2014/main" id="{339BBF00-0384-9446-BBFB-E714FCBBE043}"/>
-                    </a:ext>
-                  </a:extLst>
-                </p:cNvPr>
-                <p:cNvGrpSpPr/>
-                <p:nvPr/>
-              </p:nvGrpSpPr>
-              <p:grpSpPr>
-                <a:xfrm>
-                  <a:off x="8122016" y="738525"/>
-                  <a:ext cx="3611879" cy="3372641"/>
-                  <a:chOff x="223734" y="1499666"/>
-                  <a:chExt cx="3074185" cy="3352100"/>
-                </a:xfrm>
-              </p:grpSpPr>
-              <p:pic>
-                <p:nvPicPr>
-                  <p:cNvPr id="31" name="Picture 2" descr="Image result for phase diagrams">
-                    <a:extLst>
-                      <a:ext uri="{FF2B5EF4-FFF2-40B4-BE49-F238E27FC236}">
-                        <a16:creationId xmlns:a16="http://schemas.microsoft.com/office/drawing/2014/main" id="{44D1A258-6F21-4148-BCE2-A2D902B1F7AA}"/>
-                      </a:ext>
-                    </a:extLst>
-                  </p:cNvPr>
-                  <p:cNvPicPr>
-                    <a:picLocks noChangeAspect="1" noChangeArrowheads="1"/>
-                  </p:cNvPicPr>
-                  <p:nvPr/>
-                </p:nvPicPr>
-                <p:blipFill rotWithShape="1">
-                  <a:blip r:embed="rId3">
-                    <a:extLst>
-                      <a:ext uri="{28A0092B-C50C-407E-A947-70E740481C1C}">
-                        <a14:useLocalDpi xmlns:a14="http://schemas.microsoft.com/office/drawing/2010/main" val="0"/>
-                      </a:ext>
-                    </a:extLst>
-                  </a:blip>
-                  <a:srcRect l="13773" b="5795"/>
-                  <a:stretch/>
-                </p:blipFill>
-                <p:spPr bwMode="auto">
-                  <a:xfrm>
-                    <a:off x="406438" y="1828307"/>
-                    <a:ext cx="2891481" cy="2632482"/>
-                  </a:xfrm>
-                  <a:prstGeom prst="rect">
-                    <a:avLst/>
-                  </a:prstGeom>
-                  <a:noFill/>
-                  <a:extLst>
-                    <a:ext uri="{909E8E84-426E-40DD-AFC4-6F175D3DCCD1}">
-                      <a14:hiddenFill xmlns:a14="http://schemas.microsoft.com/office/drawing/2010/main">
-                        <a:solidFill>
-                          <a:srgbClr val="FFFFFF"/>
-                        </a:solidFill>
-                      </a14:hiddenFill>
-                    </a:ext>
-                  </a:extLst>
-                </p:spPr>
-              </p:pic>
-              <p:sp>
-                <p:nvSpPr>
-                  <p:cNvPr id="32" name="Rectangle 31">
-                    <a:extLst>
-                      <a:ext uri="{FF2B5EF4-FFF2-40B4-BE49-F238E27FC236}">
-                        <a16:creationId xmlns:a16="http://schemas.microsoft.com/office/drawing/2014/main" id="{CF0F2BFE-F0A4-BD44-B6CE-52E938B54557}"/>
-                      </a:ext>
-                    </a:extLst>
-                  </p:cNvPr>
-                  <p:cNvSpPr/>
-                  <p:nvPr/>
-                </p:nvSpPr>
-                <p:spPr>
-                  <a:xfrm>
-                    <a:off x="223734" y="1499666"/>
-                    <a:ext cx="343364" cy="461665"/>
-                  </a:xfrm>
-                  <a:prstGeom prst="rect">
-                    <a:avLst/>
-                  </a:prstGeom>
-                </p:spPr>
-                <p:txBody>
-                  <a:bodyPr wrap="none">
-                    <a:spAutoFit/>
-                  </a:bodyPr>
-                  <a:lstStyle/>
-                  <a:p>
-                    <a:r>
-                      <a:rPr lang="en-US" sz="2400" dirty="0"/>
-                      <a:t>P</a:t>
-                    </a:r>
-                  </a:p>
-                </p:txBody>
-              </p:sp>
-              <p:sp>
-                <p:nvSpPr>
-                  <p:cNvPr id="33" name="Rectangle 32">
-                    <a:extLst>
-                      <a:ext uri="{FF2B5EF4-FFF2-40B4-BE49-F238E27FC236}">
-                        <a16:creationId xmlns:a16="http://schemas.microsoft.com/office/drawing/2014/main" id="{31B568F3-25CF-1844-B1AE-24D21E9E69C4}"/>
-                      </a:ext>
-                    </a:extLst>
-                  </p:cNvPr>
-                  <p:cNvSpPr/>
-                  <p:nvPr/>
-                </p:nvSpPr>
-                <p:spPr>
-                  <a:xfrm>
-                    <a:off x="2347899" y="4390101"/>
-                    <a:ext cx="335348" cy="461665"/>
-                  </a:xfrm>
-                  <a:prstGeom prst="rect">
-                    <a:avLst/>
-                  </a:prstGeom>
-                </p:spPr>
-                <p:txBody>
-                  <a:bodyPr wrap="none">
-                    <a:spAutoFit/>
-                  </a:bodyPr>
-                  <a:lstStyle/>
-                  <a:p>
-                    <a:r>
-                      <a:rPr lang="en-US" sz="2400" dirty="0"/>
-                      <a:t>T</a:t>
-                    </a:r>
-                  </a:p>
-                </p:txBody>
-              </p:sp>
-            </p:grpSp>
-            <p:sp>
-              <p:nvSpPr>
-                <p:cNvPr id="29" name="Freeform 28">
-                  <a:extLst>
-                    <a:ext uri="{FF2B5EF4-FFF2-40B4-BE49-F238E27FC236}">
-                      <a16:creationId xmlns:a16="http://schemas.microsoft.com/office/drawing/2014/main" id="{277215AB-BC0E-614B-AF9F-7B16C3FC12B3}"/>
-                    </a:ext>
-                  </a:extLst>
-                </p:cNvPr>
-                <p:cNvSpPr/>
-                <p:nvPr/>
-              </p:nvSpPr>
-              <p:spPr>
-                <a:xfrm>
-                  <a:off x="9483213" y="1968497"/>
-                  <a:ext cx="1823428" cy="1241951"/>
-                </a:xfrm>
-                <a:custGeom>
-                  <a:avLst/>
-                  <a:gdLst>
-                    <a:gd name="connsiteX0" fmla="*/ 0 w 1823428"/>
-                    <a:gd name="connsiteY0" fmla="*/ 1241951 h 1241951"/>
-                    <a:gd name="connsiteX1" fmla="*/ 353961 w 1823428"/>
-                    <a:gd name="connsiteY1" fmla="*/ 1153461 h 1241951"/>
-                    <a:gd name="connsiteX2" fmla="*/ 693174 w 1823428"/>
-                    <a:gd name="connsiteY2" fmla="*/ 1064970 h 1241951"/>
-                    <a:gd name="connsiteX3" fmla="*/ 988142 w 1823428"/>
-                    <a:gd name="connsiteY3" fmla="*/ 917486 h 1241951"/>
-                    <a:gd name="connsiteX4" fmla="*/ 1283110 w 1823428"/>
-                    <a:gd name="connsiteY4" fmla="*/ 725757 h 1241951"/>
-                    <a:gd name="connsiteX5" fmla="*/ 1548581 w 1823428"/>
-                    <a:gd name="connsiteY5" fmla="*/ 460286 h 1241951"/>
-                    <a:gd name="connsiteX6" fmla="*/ 1799303 w 1823428"/>
-                    <a:gd name="connsiteY6" fmla="*/ 32583 h 1241951"/>
-                    <a:gd name="connsiteX7" fmla="*/ 1799303 w 1823428"/>
-                    <a:gd name="connsiteY7" fmla="*/ 62080 h 1241951"/>
-                  </a:gdLst>
-                  <a:ahLst/>
-                  <a:cxnLst>
-                    <a:cxn ang="0">
-                      <a:pos x="connsiteX0" y="connsiteY0"/>
-                    </a:cxn>
-                    <a:cxn ang="0">
-                      <a:pos x="connsiteX1" y="connsiteY1"/>
-                    </a:cxn>
-                    <a:cxn ang="0">
-                      <a:pos x="connsiteX2" y="connsiteY2"/>
-                    </a:cxn>
-                    <a:cxn ang="0">
-                      <a:pos x="connsiteX3" y="connsiteY3"/>
-                    </a:cxn>
-                    <a:cxn ang="0">
-                      <a:pos x="connsiteX4" y="connsiteY4"/>
-                    </a:cxn>
-                    <a:cxn ang="0">
-                      <a:pos x="connsiteX5" y="connsiteY5"/>
-                    </a:cxn>
-                    <a:cxn ang="0">
-                      <a:pos x="connsiteX6" y="connsiteY6"/>
-                    </a:cxn>
-                    <a:cxn ang="0">
-                      <a:pos x="connsiteX7" y="connsiteY7"/>
-                    </a:cxn>
-                  </a:cxnLst>
-                  <a:rect l="l" t="t" r="r" b="b"/>
-                  <a:pathLst>
-                    <a:path w="1823428" h="1241951">
-                      <a:moveTo>
-                        <a:pt x="0" y="1241951"/>
-                      </a:moveTo>
-                      <a:lnTo>
-                        <a:pt x="353961" y="1153461"/>
-                      </a:lnTo>
-                      <a:cubicBezTo>
-                        <a:pt x="469490" y="1123964"/>
-                        <a:pt x="587477" y="1104299"/>
-                        <a:pt x="693174" y="1064970"/>
-                      </a:cubicBezTo>
-                      <a:cubicBezTo>
-                        <a:pt x="798871" y="1025641"/>
-                        <a:pt x="889819" y="974021"/>
-                        <a:pt x="988142" y="917486"/>
-                      </a:cubicBezTo>
-                      <a:cubicBezTo>
-                        <a:pt x="1086465" y="860950"/>
-                        <a:pt x="1189704" y="801957"/>
-                        <a:pt x="1283110" y="725757"/>
-                      </a:cubicBezTo>
-                      <a:cubicBezTo>
-                        <a:pt x="1376517" y="649557"/>
-                        <a:pt x="1462549" y="575815"/>
-                        <a:pt x="1548581" y="460286"/>
-                      </a:cubicBezTo>
-                      <a:cubicBezTo>
-                        <a:pt x="1634613" y="344757"/>
-                        <a:pt x="1757516" y="98951"/>
-                        <a:pt x="1799303" y="32583"/>
-                      </a:cubicBezTo>
-                      <a:cubicBezTo>
-                        <a:pt x="1841090" y="-33785"/>
-                        <a:pt x="1820196" y="14147"/>
-                        <a:pt x="1799303" y="62080"/>
-                      </a:cubicBezTo>
-                    </a:path>
-                  </a:pathLst>
-                </a:custGeom>
-                <a:noFill/>
-                <a:ln w="101600">
-                  <a:solidFill>
-                    <a:srgbClr val="00B050"/>
-                  </a:solidFill>
-                </a:ln>
-              </p:spPr>
-              <p:style>
-                <a:lnRef idx="2">
-                  <a:schemeClr val="accent1">
-                    <a:shade val="50000"/>
-                  </a:schemeClr>
-                </a:lnRef>
-                <a:fillRef idx="1">
-                  <a:schemeClr val="accent1"/>
-                </a:fillRef>
-                <a:effectRef idx="0">
-                  <a:schemeClr val="accent1"/>
-                </a:effectRef>
-                <a:fontRef idx="minor">
-                  <a:schemeClr val="lt1"/>
-                </a:fontRef>
-              </p:style>
-              <p:txBody>
-                <a:bodyPr rtlCol="0" anchor="ctr"/>
-                <a:lstStyle/>
-                <a:p>
-                  <a:pPr algn="ctr"/>
-                  <a:endParaRPr lang="en-US" dirty="0"/>
-                </a:p>
-              </p:txBody>
-            </p:sp>
-            <p:sp>
-              <p:nvSpPr>
-                <p:cNvPr id="30" name="Freeform 29">
-                  <a:extLst>
-                    <a:ext uri="{FF2B5EF4-FFF2-40B4-BE49-F238E27FC236}">
-                      <a16:creationId xmlns:a16="http://schemas.microsoft.com/office/drawing/2014/main" id="{544BB8C0-A6F2-2642-BC20-48F6DE4ABCE8}"/>
-                    </a:ext>
-                  </a:extLst>
-                </p:cNvPr>
-                <p:cNvSpPr/>
-                <p:nvPr/>
-              </p:nvSpPr>
-              <p:spPr>
-                <a:xfrm>
-                  <a:off x="8409904" y="3258355"/>
-                  <a:ext cx="991673" cy="402963"/>
-                </a:xfrm>
-                <a:custGeom>
-                  <a:avLst/>
-                  <a:gdLst>
-                    <a:gd name="connsiteX0" fmla="*/ 0 w 991673"/>
-                    <a:gd name="connsiteY0" fmla="*/ 399245 h 402963"/>
-                    <a:gd name="connsiteX1" fmla="*/ 218941 w 991673"/>
-                    <a:gd name="connsiteY1" fmla="*/ 399245 h 402963"/>
-                    <a:gd name="connsiteX2" fmla="*/ 360609 w 991673"/>
-                    <a:gd name="connsiteY2" fmla="*/ 360608 h 402963"/>
-                    <a:gd name="connsiteX3" fmla="*/ 579550 w 991673"/>
-                    <a:gd name="connsiteY3" fmla="*/ 283335 h 402963"/>
-                    <a:gd name="connsiteX4" fmla="*/ 721217 w 991673"/>
-                    <a:gd name="connsiteY4" fmla="*/ 218941 h 402963"/>
-                    <a:gd name="connsiteX5" fmla="*/ 875764 w 991673"/>
-                    <a:gd name="connsiteY5" fmla="*/ 103031 h 402963"/>
-                    <a:gd name="connsiteX6" fmla="*/ 991673 w 991673"/>
-                    <a:gd name="connsiteY6" fmla="*/ 0 h 402963"/>
-                    <a:gd name="connsiteX7" fmla="*/ 991673 w 991673"/>
-                    <a:gd name="connsiteY7" fmla="*/ 0 h 402963"/>
-                  </a:gdLst>
-                  <a:ahLst/>
-                  <a:cxnLst>
-                    <a:cxn ang="0">
-                      <a:pos x="connsiteX0" y="connsiteY0"/>
-                    </a:cxn>
-                    <a:cxn ang="0">
-                      <a:pos x="connsiteX1" y="connsiteY1"/>
-                    </a:cxn>
-                    <a:cxn ang="0">
-                      <a:pos x="connsiteX2" y="connsiteY2"/>
-                    </a:cxn>
-                    <a:cxn ang="0">
-                      <a:pos x="connsiteX3" y="connsiteY3"/>
-                    </a:cxn>
-                    <a:cxn ang="0">
-                      <a:pos x="connsiteX4" y="connsiteY4"/>
-                    </a:cxn>
-                    <a:cxn ang="0">
-                      <a:pos x="connsiteX5" y="connsiteY5"/>
-                    </a:cxn>
-                    <a:cxn ang="0">
-                      <a:pos x="connsiteX6" y="connsiteY6"/>
-                    </a:cxn>
-                    <a:cxn ang="0">
-                      <a:pos x="connsiteX7" y="connsiteY7"/>
-                    </a:cxn>
-                  </a:cxnLst>
-                  <a:rect l="l" t="t" r="r" b="b"/>
-                  <a:pathLst>
-                    <a:path w="991673" h="402963">
-                      <a:moveTo>
-                        <a:pt x="0" y="399245"/>
-                      </a:moveTo>
-                      <a:cubicBezTo>
-                        <a:pt x="79419" y="402465"/>
-                        <a:pt x="158839" y="405685"/>
-                        <a:pt x="218941" y="399245"/>
-                      </a:cubicBezTo>
-                      <a:cubicBezTo>
-                        <a:pt x="279043" y="392805"/>
-                        <a:pt x="300508" y="379926"/>
-                        <a:pt x="360609" y="360608"/>
-                      </a:cubicBezTo>
-                      <a:cubicBezTo>
-                        <a:pt x="420711" y="341290"/>
-                        <a:pt x="519449" y="306946"/>
-                        <a:pt x="579550" y="283335"/>
-                      </a:cubicBezTo>
-                      <a:cubicBezTo>
-                        <a:pt x="639651" y="259724"/>
-                        <a:pt x="671848" y="248992"/>
-                        <a:pt x="721217" y="218941"/>
-                      </a:cubicBezTo>
-                      <a:cubicBezTo>
-                        <a:pt x="770586" y="188890"/>
-                        <a:pt x="830688" y="139521"/>
-                        <a:pt x="875764" y="103031"/>
-                      </a:cubicBezTo>
-                      <a:cubicBezTo>
-                        <a:pt x="920840" y="66541"/>
-                        <a:pt x="991673" y="0"/>
-                        <a:pt x="991673" y="0"/>
-                      </a:cubicBezTo>
-                      <a:lnTo>
-                        <a:pt x="991673" y="0"/>
-                      </a:lnTo>
-                    </a:path>
-                  </a:pathLst>
-                </a:custGeom>
-                <a:noFill/>
-                <a:ln w="101600">
-                  <a:solidFill>
-                    <a:schemeClr val="accent2"/>
-                  </a:solidFill>
-                  <a:prstDash val="sysDot"/>
-                </a:ln>
-              </p:spPr>
-              <p:style>
-                <a:lnRef idx="2">
-                  <a:schemeClr val="accent1">
-                    <a:shade val="50000"/>
-                  </a:schemeClr>
-                </a:lnRef>
-                <a:fillRef idx="1">
-                  <a:schemeClr val="accent1"/>
-                </a:fillRef>
-                <a:effectRef idx="0">
-                  <a:schemeClr val="accent1"/>
-                </a:effectRef>
-                <a:fontRef idx="minor">
-                  <a:schemeClr val="lt1"/>
-                </a:fontRef>
-              </p:style>
-              <p:txBody>
-                <a:bodyPr rtlCol="0" anchor="ctr"/>
-                <a:lstStyle/>
-                <a:p>
-                  <a:pPr algn="ctr"/>
-                  <a:endParaRPr lang="en-US" dirty="0">
-                    <a:solidFill>
-                      <a:srgbClr val="00B050"/>
-                    </a:solidFill>
-                  </a:endParaRPr>
-                </a:p>
-              </p:txBody>
-            </p:sp>
-          </p:grpSp>
-          <p:cxnSp>
-            <p:nvCxnSpPr>
-              <p:cNvPr id="23" name="Straight Arrow Connector 22">
-                <a:extLst>
-                  <a:ext uri="{FF2B5EF4-FFF2-40B4-BE49-F238E27FC236}">
-                    <a16:creationId xmlns:a16="http://schemas.microsoft.com/office/drawing/2014/main" id="{5EB14925-C632-0A4F-B959-634D2B5B3AA6}"/>
-                  </a:ext>
-                </a:extLst>
-              </p:cNvPr>
-              <p:cNvCxnSpPr>
-                <a:cxnSpLocks/>
-                <a:stCxn id="29" idx="5"/>
-              </p:cNvCxnSpPr>
-              <p:nvPr/>
-            </p:nvCxnSpPr>
-            <p:spPr>
-              <a:xfrm flipV="1">
-                <a:off x="6806386" y="1228099"/>
-                <a:ext cx="300338" cy="510811"/>
-              </a:xfrm>
-              <a:prstGeom prst="straightConnector1">
-                <a:avLst/>
-              </a:prstGeom>
-              <a:ln w="101600">
-                <a:solidFill>
-                  <a:srgbClr val="00B050"/>
-                </a:solidFill>
-                <a:tailEnd type="triangle"/>
-              </a:ln>
-            </p:spPr>
-            <p:style>
-              <a:lnRef idx="1">
-                <a:schemeClr val="accent1"/>
-              </a:lnRef>
-              <a:fillRef idx="0">
-                <a:schemeClr val="accent1"/>
-              </a:fillRef>
-              <a:effectRef idx="0">
-                <a:schemeClr val="accent1"/>
-              </a:effectRef>
-              <a:fontRef idx="minor">
-                <a:schemeClr val="tx1"/>
-              </a:fontRef>
-            </p:style>
-          </p:cxnSp>
-          <p:cxnSp>
-            <p:nvCxnSpPr>
-              <p:cNvPr id="27" name="Straight Connector 26">
-                <a:extLst>
-                  <a:ext uri="{FF2B5EF4-FFF2-40B4-BE49-F238E27FC236}">
-                    <a16:creationId xmlns:a16="http://schemas.microsoft.com/office/drawing/2014/main" id="{F46D2646-3B49-E241-BBE6-3A7FD6ADDF69}"/>
-                  </a:ext>
-                </a:extLst>
-              </p:cNvPr>
-              <p:cNvCxnSpPr>
-                <a:cxnSpLocks/>
-              </p:cNvCxnSpPr>
-              <p:nvPr/>
-            </p:nvCxnSpPr>
-            <p:spPr>
-              <a:xfrm flipV="1">
-                <a:off x="4423407" y="2822298"/>
-                <a:ext cx="265948" cy="3296"/>
-              </a:xfrm>
-              <a:prstGeom prst="line">
-                <a:avLst/>
-              </a:prstGeom>
-              <a:ln w="101600">
-                <a:solidFill>
-                  <a:schemeClr val="accent2"/>
-                </a:solidFill>
-                <a:prstDash val="sysDot"/>
-                <a:headEnd type="triangle"/>
-              </a:ln>
-            </p:spPr>
-            <p:style>
-              <a:lnRef idx="1">
-                <a:schemeClr val="accent1"/>
-              </a:lnRef>
-              <a:fillRef idx="0">
-                <a:schemeClr val="accent1"/>
-              </a:fillRef>
-              <a:effectRef idx="0">
-                <a:schemeClr val="accent1"/>
-              </a:effectRef>
-              <a:fontRef idx="minor">
-                <a:schemeClr val="tx1"/>
-              </a:fontRef>
-            </p:style>
-          </p:cxnSp>
-        </p:grpSp>
-        <p:cxnSp>
-          <p:nvCxnSpPr>
-            <p:cNvPr id="34" name="Straight Connector 33">
-              <a:extLst>
-                <a:ext uri="{FF2B5EF4-FFF2-40B4-BE49-F238E27FC236}">
-                  <a16:creationId xmlns:a16="http://schemas.microsoft.com/office/drawing/2014/main" id="{F1E66DFA-8DFC-1048-B916-3809F0A69CB6}"/>
-                </a:ext>
-              </a:extLst>
-            </p:cNvPr>
-            <p:cNvCxnSpPr>
-              <a:cxnSpLocks/>
-            </p:cNvCxnSpPr>
-            <p:nvPr/>
-          </p:nvCxnSpPr>
-          <p:spPr>
-            <a:xfrm flipH="1">
-              <a:off x="6867323" y="2365420"/>
-              <a:ext cx="335311" cy="1862929"/>
-            </a:xfrm>
-            <a:prstGeom prst="line">
-              <a:avLst/>
-            </a:prstGeom>
-            <a:ln w="127000">
-              <a:headEnd type="triangle"/>
-            </a:ln>
-          </p:spPr>
-          <p:style>
-            <a:lnRef idx="1">
-              <a:schemeClr val="accent1"/>
-            </a:lnRef>
-            <a:fillRef idx="0">
-              <a:schemeClr val="accent1"/>
-            </a:fillRef>
-            <a:effectRef idx="0">
-              <a:schemeClr val="accent1"/>
-            </a:effectRef>
-            <a:fontRef idx="minor">
-              <a:schemeClr val="tx1"/>
-            </a:fontRef>
-          </p:style>
-        </p:cxnSp>
-      </p:grpSp>
-    </p:spTree>
-    <p:extLst>
-      <p:ext uri="{BB962C8B-B14F-4D97-AF65-F5344CB8AC3E}">
-        <p14:creationId xmlns:p14="http://schemas.microsoft.com/office/powerpoint/2010/main" val="2943705539"/>
-      </p:ext>
-    </p:extLst>
-  </p:cSld>
-  <p:clrMapOvr>
-    <a:masterClrMapping/>
-  </p:clrMapOvr>
-</p:sld>
-</file>
-
 <file path=ppt/theme/theme1.xml><?xml version="1.0" encoding="utf-8"?>
 <a:theme xmlns:a="http://schemas.openxmlformats.org/drawingml/2006/main" name="Office Theme">
   <a:themeElements>
